--- a/slides/04_excess_mortality.pptx
+++ b/slides/04_excess_mortality.pptx
@@ -276,7 +276,7 @@
           <a:p>
             <a:fld id="{94CEFA78-848A-481A-B58D-B4ED842EAB03}" type="datetimeFigureOut">
               <a:rPr lang="en-US" smtClean="0"/>
-              <a:t>5/10/2023</a:t>
+              <a:t>5/16/2023</a:t>
             </a:fld>
             <a:endParaRPr lang="en-US" dirty="0"/>
           </a:p>
@@ -474,7 +474,7 @@
           <a:p>
             <a:fld id="{94CEFA78-848A-481A-B58D-B4ED842EAB03}" type="datetimeFigureOut">
               <a:rPr lang="en-US" smtClean="0"/>
-              <a:t>5/10/2023</a:t>
+              <a:t>5/16/2023</a:t>
             </a:fld>
             <a:endParaRPr lang="en-US" dirty="0"/>
           </a:p>
@@ -682,7 +682,7 @@
           <a:p>
             <a:fld id="{94CEFA78-848A-481A-B58D-B4ED842EAB03}" type="datetimeFigureOut">
               <a:rPr lang="en-US" smtClean="0"/>
-              <a:t>5/10/2023</a:t>
+              <a:t>5/16/2023</a:t>
             </a:fld>
             <a:endParaRPr lang="en-US" dirty="0"/>
           </a:p>
@@ -880,7 +880,7 @@
           <a:p>
             <a:fld id="{94CEFA78-848A-481A-B58D-B4ED842EAB03}" type="datetimeFigureOut">
               <a:rPr lang="en-US" smtClean="0"/>
-              <a:t>5/10/2023</a:t>
+              <a:t>5/16/2023</a:t>
             </a:fld>
             <a:endParaRPr lang="en-US" dirty="0"/>
           </a:p>
@@ -1155,7 +1155,7 @@
           <a:p>
             <a:fld id="{94CEFA78-848A-481A-B58D-B4ED842EAB03}" type="datetimeFigureOut">
               <a:rPr lang="en-US" smtClean="0"/>
-              <a:t>5/10/2023</a:t>
+              <a:t>5/16/2023</a:t>
             </a:fld>
             <a:endParaRPr lang="en-US" dirty="0"/>
           </a:p>
@@ -1420,7 +1420,7 @@
           <a:p>
             <a:fld id="{94CEFA78-848A-481A-B58D-B4ED842EAB03}" type="datetimeFigureOut">
               <a:rPr lang="en-US" smtClean="0"/>
-              <a:t>5/10/2023</a:t>
+              <a:t>5/16/2023</a:t>
             </a:fld>
             <a:endParaRPr lang="en-US" dirty="0"/>
           </a:p>
@@ -1832,7 +1832,7 @@
           <a:p>
             <a:fld id="{94CEFA78-848A-481A-B58D-B4ED842EAB03}" type="datetimeFigureOut">
               <a:rPr lang="en-US" smtClean="0"/>
-              <a:t>5/10/2023</a:t>
+              <a:t>5/16/2023</a:t>
             </a:fld>
             <a:endParaRPr lang="en-US" dirty="0"/>
           </a:p>
@@ -1973,7 +1973,7 @@
           <a:p>
             <a:fld id="{94CEFA78-848A-481A-B58D-B4ED842EAB03}" type="datetimeFigureOut">
               <a:rPr lang="en-US" smtClean="0"/>
-              <a:t>5/10/2023</a:t>
+              <a:t>5/16/2023</a:t>
             </a:fld>
             <a:endParaRPr lang="en-US" dirty="0"/>
           </a:p>
@@ -2086,7 +2086,7 @@
           <a:p>
             <a:fld id="{94CEFA78-848A-481A-B58D-B4ED842EAB03}" type="datetimeFigureOut">
               <a:rPr lang="en-US" smtClean="0"/>
-              <a:t>5/10/2023</a:t>
+              <a:t>5/16/2023</a:t>
             </a:fld>
             <a:endParaRPr lang="en-US" dirty="0"/>
           </a:p>
@@ -2397,7 +2397,7 @@
           <a:p>
             <a:fld id="{94CEFA78-848A-481A-B58D-B4ED842EAB03}" type="datetimeFigureOut">
               <a:rPr lang="en-US" smtClean="0"/>
-              <a:t>5/10/2023</a:t>
+              <a:t>5/16/2023</a:t>
             </a:fld>
             <a:endParaRPr lang="en-US" dirty="0"/>
           </a:p>
@@ -2685,7 +2685,7 @@
           <a:p>
             <a:fld id="{94CEFA78-848A-481A-B58D-B4ED842EAB03}" type="datetimeFigureOut">
               <a:rPr lang="en-US" smtClean="0"/>
-              <a:t>5/10/2023</a:t>
+              <a:t>5/16/2023</a:t>
             </a:fld>
             <a:endParaRPr lang="en-US" dirty="0"/>
           </a:p>
@@ -2926,7 +2926,7 @@
           <a:p>
             <a:fld id="{94CEFA78-848A-481A-B58D-B4ED842EAB03}" type="datetimeFigureOut">
               <a:rPr lang="en-US" smtClean="0"/>
-              <a:t>5/10/2023</a:t>
+              <a:t>5/16/2023</a:t>
             </a:fld>
             <a:endParaRPr lang="en-US" dirty="0"/>
           </a:p>
@@ -3434,9 +3434,10 @@
           <a:p>
             <a:pPr algn="l"/>
             <a:r>
-              <a:rPr lang="en-US" dirty="0"/>
-              <a:t>15.05.2023</a:t>
-            </a:r>
+              <a:rPr lang="en-US"/>
+              <a:t>18.05.2023</a:t>
+            </a:r>
+            <a:endParaRPr lang="en-US" dirty="0"/>
           </a:p>
         </p:txBody>
       </p:sp>

--- a/slides/04_excess_mortality.pptx
+++ b/slides/04_excess_mortality.pptx
@@ -6,23 +6,25 @@
   </p:sldMasterIdLst>
   <p:sldIdLst>
     <p:sldId id="256" r:id="rId2"/>
-    <p:sldId id="329" r:id="rId3"/>
-    <p:sldId id="272" r:id="rId4"/>
-    <p:sldId id="330" r:id="rId5"/>
-    <p:sldId id="331" r:id="rId6"/>
-    <p:sldId id="343" r:id="rId7"/>
-    <p:sldId id="344" r:id="rId8"/>
-    <p:sldId id="332" r:id="rId9"/>
-    <p:sldId id="341" r:id="rId10"/>
-    <p:sldId id="342" r:id="rId11"/>
-    <p:sldId id="334" r:id="rId12"/>
-    <p:sldId id="336" r:id="rId13"/>
-    <p:sldId id="335" r:id="rId14"/>
-    <p:sldId id="337" r:id="rId15"/>
-    <p:sldId id="338" r:id="rId16"/>
-    <p:sldId id="339" r:id="rId17"/>
-    <p:sldId id="340" r:id="rId18"/>
-    <p:sldId id="333" r:id="rId19"/>
+    <p:sldId id="346" r:id="rId3"/>
+    <p:sldId id="329" r:id="rId4"/>
+    <p:sldId id="272" r:id="rId5"/>
+    <p:sldId id="330" r:id="rId6"/>
+    <p:sldId id="331" r:id="rId7"/>
+    <p:sldId id="343" r:id="rId8"/>
+    <p:sldId id="344" r:id="rId9"/>
+    <p:sldId id="332" r:id="rId10"/>
+    <p:sldId id="341" r:id="rId11"/>
+    <p:sldId id="342" r:id="rId12"/>
+    <p:sldId id="334" r:id="rId13"/>
+    <p:sldId id="336" r:id="rId14"/>
+    <p:sldId id="335" r:id="rId15"/>
+    <p:sldId id="337" r:id="rId16"/>
+    <p:sldId id="338" r:id="rId17"/>
+    <p:sldId id="339" r:id="rId18"/>
+    <p:sldId id="340" r:id="rId19"/>
+    <p:sldId id="333" r:id="rId20"/>
+    <p:sldId id="345" r:id="rId21"/>
   </p:sldIdLst>
   <p:sldSz cx="12192000" cy="6858000"/>
   <p:notesSz cx="6858000" cy="9144000"/>
@@ -276,7 +278,7 @@
           <a:p>
             <a:fld id="{94CEFA78-848A-481A-B58D-B4ED842EAB03}" type="datetimeFigureOut">
               <a:rPr lang="en-US" smtClean="0"/>
-              <a:t>5/16/2023</a:t>
+              <a:t>5/17/2023</a:t>
             </a:fld>
             <a:endParaRPr lang="en-US" dirty="0"/>
           </a:p>
@@ -474,7 +476,7 @@
           <a:p>
             <a:fld id="{94CEFA78-848A-481A-B58D-B4ED842EAB03}" type="datetimeFigureOut">
               <a:rPr lang="en-US" smtClean="0"/>
-              <a:t>5/16/2023</a:t>
+              <a:t>5/17/2023</a:t>
             </a:fld>
             <a:endParaRPr lang="en-US" dirty="0"/>
           </a:p>
@@ -682,7 +684,7 @@
           <a:p>
             <a:fld id="{94CEFA78-848A-481A-B58D-B4ED842EAB03}" type="datetimeFigureOut">
               <a:rPr lang="en-US" smtClean="0"/>
-              <a:t>5/16/2023</a:t>
+              <a:t>5/17/2023</a:t>
             </a:fld>
             <a:endParaRPr lang="en-US" dirty="0"/>
           </a:p>
@@ -880,7 +882,7 @@
           <a:p>
             <a:fld id="{94CEFA78-848A-481A-B58D-B4ED842EAB03}" type="datetimeFigureOut">
               <a:rPr lang="en-US" smtClean="0"/>
-              <a:t>5/16/2023</a:t>
+              <a:t>5/17/2023</a:t>
             </a:fld>
             <a:endParaRPr lang="en-US" dirty="0"/>
           </a:p>
@@ -1155,7 +1157,7 @@
           <a:p>
             <a:fld id="{94CEFA78-848A-481A-B58D-B4ED842EAB03}" type="datetimeFigureOut">
               <a:rPr lang="en-US" smtClean="0"/>
-              <a:t>5/16/2023</a:t>
+              <a:t>5/17/2023</a:t>
             </a:fld>
             <a:endParaRPr lang="en-US" dirty="0"/>
           </a:p>
@@ -1420,7 +1422,7 @@
           <a:p>
             <a:fld id="{94CEFA78-848A-481A-B58D-B4ED842EAB03}" type="datetimeFigureOut">
               <a:rPr lang="en-US" smtClean="0"/>
-              <a:t>5/16/2023</a:t>
+              <a:t>5/17/2023</a:t>
             </a:fld>
             <a:endParaRPr lang="en-US" dirty="0"/>
           </a:p>
@@ -1832,7 +1834,7 @@
           <a:p>
             <a:fld id="{94CEFA78-848A-481A-B58D-B4ED842EAB03}" type="datetimeFigureOut">
               <a:rPr lang="en-US" smtClean="0"/>
-              <a:t>5/16/2023</a:t>
+              <a:t>5/17/2023</a:t>
             </a:fld>
             <a:endParaRPr lang="en-US" dirty="0"/>
           </a:p>
@@ -1973,7 +1975,7 @@
           <a:p>
             <a:fld id="{94CEFA78-848A-481A-B58D-B4ED842EAB03}" type="datetimeFigureOut">
               <a:rPr lang="en-US" smtClean="0"/>
-              <a:t>5/16/2023</a:t>
+              <a:t>5/17/2023</a:t>
             </a:fld>
             <a:endParaRPr lang="en-US" dirty="0"/>
           </a:p>
@@ -2086,7 +2088,7 @@
           <a:p>
             <a:fld id="{94CEFA78-848A-481A-B58D-B4ED842EAB03}" type="datetimeFigureOut">
               <a:rPr lang="en-US" smtClean="0"/>
-              <a:t>5/16/2023</a:t>
+              <a:t>5/17/2023</a:t>
             </a:fld>
             <a:endParaRPr lang="en-US" dirty="0"/>
           </a:p>
@@ -2397,7 +2399,7 @@
           <a:p>
             <a:fld id="{94CEFA78-848A-481A-B58D-B4ED842EAB03}" type="datetimeFigureOut">
               <a:rPr lang="en-US" smtClean="0"/>
-              <a:t>5/16/2023</a:t>
+              <a:t>5/17/2023</a:t>
             </a:fld>
             <a:endParaRPr lang="en-US" dirty="0"/>
           </a:p>
@@ -2685,7 +2687,7 @@
           <a:p>
             <a:fld id="{94CEFA78-848A-481A-B58D-B4ED842EAB03}" type="datetimeFigureOut">
               <a:rPr lang="en-US" smtClean="0"/>
-              <a:t>5/16/2023</a:t>
+              <a:t>5/17/2023</a:t>
             </a:fld>
             <a:endParaRPr lang="en-US" dirty="0"/>
           </a:p>
@@ -2926,7 +2928,7 @@
           <a:p>
             <a:fld id="{94CEFA78-848A-481A-B58D-B4ED842EAB03}" type="datetimeFigureOut">
               <a:rPr lang="en-US" smtClean="0"/>
-              <a:t>5/16/2023</a:t>
+              <a:t>5/17/2023</a:t>
             </a:fld>
             <a:endParaRPr lang="en-US" dirty="0"/>
           </a:p>
@@ -3514,42 +3516,6 @@
           <a:chExt cx="0" cy="0"/>
         </a:xfrm>
       </p:grpSpPr>
-      <p:pic>
-        <p:nvPicPr>
-          <p:cNvPr id="4" name="Picture 3">
-            <a:extLst>
-              <a:ext uri="{FF2B5EF4-FFF2-40B4-BE49-F238E27FC236}">
-                <a16:creationId xmlns:a16="http://schemas.microsoft.com/office/drawing/2014/main" id="{C1634BCC-8946-478A-A074-470CC5C8EA4D}"/>
-              </a:ext>
-            </a:extLst>
-          </p:cNvPr>
-          <p:cNvPicPr>
-            <a:picLocks noChangeAspect="1"/>
-          </p:cNvPicPr>
-          <p:nvPr/>
-        </p:nvPicPr>
-        <p:blipFill>
-          <a:blip r:embed="rId2">
-            <a:extLst>
-              <a:ext uri="{28A0092B-C50C-407E-A947-70E740481C1C}">
-                <a14:useLocalDpi xmlns:a14="http://schemas.microsoft.com/office/drawing/2010/main" val="0"/>
-              </a:ext>
-            </a:extLst>
-          </a:blip>
-          <a:stretch>
-            <a:fillRect/>
-          </a:stretch>
-        </p:blipFill>
-        <p:spPr>
-          <a:xfrm>
-            <a:off x="273379" y="2651530"/>
-            <a:ext cx="11645242" cy="2911311"/>
-          </a:xfrm>
-          <a:prstGeom prst="rect">
-            <a:avLst/>
-          </a:prstGeom>
-        </p:spPr>
-      </p:pic>
       <p:sp>
         <p:nvSpPr>
           <p:cNvPr id="3" name="Content Placeholder 2"/>
@@ -3562,7 +3528,7 @@
         </p:nvSpPr>
         <p:spPr>
           <a:xfrm>
-            <a:off x="1199456" y="1674952"/>
+            <a:off x="1199456" y="1842052"/>
             <a:ext cx="9505056" cy="1351422"/>
           </a:xfrm>
         </p:spPr>
@@ -3581,7 +3547,7 @@
             <a:pPr lvl="1"/>
             <a:r>
               <a:rPr lang="en-US" dirty="0"/>
-              <a:t>Cumulative excess by approach</a:t>
+              <a:t>Fitting the three types of baselines: average mortality, weekly-specific averages, and the Poisson model</a:t>
             </a:r>
           </a:p>
         </p:txBody>
@@ -3638,272 +3604,12 @@
           </a:p>
         </p:txBody>
       </p:sp>
-      <p:sp>
-        <p:nvSpPr>
-          <p:cNvPr id="8" name="TextBox 7">
-            <a:extLst>
-              <a:ext uri="{FF2B5EF4-FFF2-40B4-BE49-F238E27FC236}">
-                <a16:creationId xmlns:a16="http://schemas.microsoft.com/office/drawing/2014/main" id="{2DEE9998-6848-465C-9397-F90D3529EBE3}"/>
-              </a:ext>
-            </a:extLst>
-          </p:cNvPr>
-          <p:cNvSpPr txBox="1"/>
-          <p:nvPr/>
-        </p:nvSpPr>
-        <p:spPr>
-          <a:xfrm>
-            <a:off x="1461656" y="5624945"/>
-            <a:ext cx="8818418" cy="646331"/>
-          </a:xfrm>
-          <a:prstGeom prst="rect">
-            <a:avLst/>
-          </a:prstGeom>
-          <a:noFill/>
-        </p:spPr>
-        <p:txBody>
-          <a:bodyPr wrap="square" rtlCol="0">
-            <a:spAutoFit/>
-          </a:bodyPr>
-          <a:lstStyle/>
-          <a:p>
-            <a:r>
-              <a:rPr lang="en-US" i="1" dirty="0"/>
-              <a:t>Weekly-average</a:t>
-            </a:r>
-            <a:r>
-              <a:rPr lang="en-US" dirty="0"/>
-              <a:t> and</a:t>
-            </a:r>
-            <a:r>
-              <a:rPr lang="en-US" i="1" dirty="0"/>
-              <a:t> Week-specific average </a:t>
-            </a:r>
-            <a:r>
-              <a:rPr lang="en-US" dirty="0"/>
-              <a:t>excess estimates are </a:t>
-            </a:r>
-            <a:r>
-              <a:rPr lang="en-US" b="1" dirty="0">
-                <a:solidFill>
-                  <a:srgbClr val="FF0000"/>
-                </a:solidFill>
-              </a:rPr>
-              <a:t>82%</a:t>
-            </a:r>
-            <a:r>
-              <a:rPr lang="en-US" dirty="0"/>
-              <a:t> and </a:t>
-            </a:r>
-            <a:r>
-              <a:rPr lang="en-US" b="1" dirty="0">
-                <a:solidFill>
-                  <a:srgbClr val="FF0000"/>
-                </a:solidFill>
-              </a:rPr>
-              <a:t>97%</a:t>
-            </a:r>
-            <a:r>
-              <a:rPr lang="en-US" dirty="0"/>
-              <a:t> higher than those obtained using the Poisson model approach; </a:t>
-            </a:r>
-            <a:r>
-              <a:rPr lang="en-US" b="1" dirty="0"/>
-              <a:t>almost twice</a:t>
-            </a:r>
-            <a:r>
-              <a:rPr lang="en-US" dirty="0"/>
-              <a:t>!!</a:t>
-            </a:r>
-          </a:p>
-        </p:txBody>
-      </p:sp>
-    </p:spTree>
-    <p:extLst>
-      <p:ext uri="{BB962C8B-B14F-4D97-AF65-F5344CB8AC3E}">
-        <p14:creationId xmlns:p14="http://schemas.microsoft.com/office/powerpoint/2010/main" val="1701717309"/>
-      </p:ext>
-    </p:extLst>
-  </p:cSld>
-  <p:clrMapOvr>
-    <a:masterClrMapping/>
-  </p:clrMapOvr>
-</p:sld>
-</file>
-
-<file path=ppt/slides/slide11.xml><?xml version="1.0" encoding="utf-8"?>
-<p:sld xmlns:a="http://schemas.openxmlformats.org/drawingml/2006/main" xmlns:r="http://schemas.openxmlformats.org/officeDocument/2006/relationships" xmlns:p="http://schemas.openxmlformats.org/presentationml/2006/main">
-  <p:cSld>
-    <p:spTree>
-      <p:nvGrpSpPr>
-        <p:cNvPr id="1" name=""/>
-        <p:cNvGrpSpPr/>
-        <p:nvPr/>
-      </p:nvGrpSpPr>
-      <p:grpSpPr>
-        <a:xfrm>
-          <a:off x="0" y="0"/>
-          <a:ext cx="0" cy="0"/>
-          <a:chOff x="0" y="0"/>
-          <a:chExt cx="0" cy="0"/>
-        </a:xfrm>
-      </p:grpSpPr>
-      <p:sp>
-        <p:nvSpPr>
-          <p:cNvPr id="3" name="Content Placeholder 2"/>
-          <p:cNvSpPr>
-            <a:spLocks noGrp="1"/>
-          </p:cNvSpPr>
-          <p:nvPr>
-            <p:ph idx="1"/>
-          </p:nvPr>
-        </p:nvSpPr>
-        <p:spPr>
-          <a:xfrm>
-            <a:off x="1199456" y="1842051"/>
-            <a:ext cx="9505056" cy="2597427"/>
-          </a:xfrm>
-        </p:spPr>
-        <p:txBody>
-          <a:bodyPr>
-            <a:normAutofit/>
-          </a:bodyPr>
-          <a:lstStyle/>
-          <a:p>
-            <a:r>
-              <a:rPr lang="en-US" sz="2800" dirty="0"/>
-              <a:t>Avoided mortality:</a:t>
-            </a:r>
-          </a:p>
-          <a:p>
-            <a:pPr lvl="1"/>
-            <a:r>
-              <a:rPr lang="en-US" dirty="0"/>
-              <a:t>Expected deaths that did not occur</a:t>
-            </a:r>
-          </a:p>
-          <a:p>
-            <a:pPr lvl="1"/>
-            <a:r>
-              <a:rPr lang="en-US" dirty="0"/>
-              <a:t>During the pandemic, influenza circulation was very low. However, the baseline is built under “normal” circumstances, which include considerable influenza mortality. </a:t>
-            </a:r>
-          </a:p>
-          <a:p>
-            <a:pPr lvl="2"/>
-            <a:r>
-              <a:rPr lang="en-US" dirty="0"/>
-              <a:t>Should we include influenza deaths in the baseline?</a:t>
-            </a:r>
-          </a:p>
-          <a:p>
-            <a:pPr lvl="1"/>
-            <a:endParaRPr lang="en-US" dirty="0"/>
-          </a:p>
-          <a:p>
-            <a:pPr lvl="1"/>
-            <a:endParaRPr lang="en-US" dirty="0"/>
-          </a:p>
-        </p:txBody>
-      </p:sp>
-      <p:sp>
-        <p:nvSpPr>
-          <p:cNvPr id="5" name="Title 1">
-            <a:extLst>
-              <a:ext uri="{FF2B5EF4-FFF2-40B4-BE49-F238E27FC236}">
-                <a16:creationId xmlns:a16="http://schemas.microsoft.com/office/drawing/2014/main" id="{F6D882FA-475A-4E48-A526-59B78DBD0925}"/>
-              </a:ext>
-            </a:extLst>
-          </p:cNvPr>
-          <p:cNvSpPr txBox="1">
-            <a:spLocks/>
-          </p:cNvSpPr>
-          <p:nvPr/>
-        </p:nvSpPr>
-        <p:spPr>
-          <a:xfrm>
-            <a:off x="1199455" y="531952"/>
-            <a:ext cx="9369153" cy="1143000"/>
-          </a:xfrm>
-          <a:prstGeom prst="rect">
-            <a:avLst/>
-          </a:prstGeom>
-        </p:spPr>
-        <p:txBody>
-          <a:bodyPr vert="horz" lIns="91440" tIns="45720" rIns="91440" bIns="45720" rtlCol="0" anchor="ctr">
-            <a:normAutofit fontScale="92500" lnSpcReduction="20000"/>
-          </a:bodyPr>
-          <a:lstStyle>
-            <a:lvl1pPr algn="ctr" defTabSz="914400" rtl="0" eaLnBrk="1" latinLnBrk="0" hangingPunct="1">
-              <a:spcBef>
-                <a:spcPct val="0"/>
-              </a:spcBef>
-              <a:buNone/>
-              <a:defRPr sz="4400" kern="1200">
-                <a:solidFill>
-                  <a:schemeClr val="tx1"/>
-                </a:solidFill>
-                <a:latin typeface="+mj-lt"/>
-                <a:ea typeface="+mj-ea"/>
-                <a:cs typeface="+mj-cs"/>
-              </a:defRPr>
-            </a:lvl1pPr>
-          </a:lstStyle>
-          <a:p>
-            <a:pPr algn="l"/>
-            <a:r>
-              <a:rPr lang="en-US" b="1" dirty="0"/>
-              <a:t>A few conceptual challenges in measuring excess mortality</a:t>
-            </a:r>
-          </a:p>
-        </p:txBody>
-      </p:sp>
-      <p:sp>
-        <p:nvSpPr>
-          <p:cNvPr id="4" name="TextBox 3">
-            <a:extLst>
-              <a:ext uri="{FF2B5EF4-FFF2-40B4-BE49-F238E27FC236}">
-                <a16:creationId xmlns:a16="http://schemas.microsoft.com/office/drawing/2014/main" id="{11EBC4F0-F3A0-4B18-A5D4-A18EB858D4EA}"/>
-              </a:ext>
-            </a:extLst>
-          </p:cNvPr>
-          <p:cNvSpPr txBox="1"/>
-          <p:nvPr/>
-        </p:nvSpPr>
-        <p:spPr>
-          <a:xfrm>
-            <a:off x="8998226" y="4724401"/>
-            <a:ext cx="2252870" cy="738664"/>
-          </a:xfrm>
-          <a:prstGeom prst="rect">
-            <a:avLst/>
-          </a:prstGeom>
-          <a:noFill/>
-        </p:spPr>
-        <p:txBody>
-          <a:bodyPr wrap="square" rtlCol="0">
-            <a:spAutoFit/>
-          </a:bodyPr>
-          <a:lstStyle/>
-          <a:p>
-            <a:r>
-              <a:rPr lang="en-US" sz="1400" i="1" dirty="0"/>
-              <a:t>Example: Belgium excess estimates in 2020</a:t>
-            </a:r>
-          </a:p>
-          <a:p>
-            <a:r>
-              <a:rPr lang="en-US" sz="1400" i="1" dirty="0"/>
-              <a:t>Source: STMF</a:t>
-            </a:r>
-          </a:p>
-        </p:txBody>
-      </p:sp>
       <p:pic>
         <p:nvPicPr>
-          <p:cNvPr id="8" name="Picture 7">
-            <a:extLst>
-              <a:ext uri="{FF2B5EF4-FFF2-40B4-BE49-F238E27FC236}">
-                <a16:creationId xmlns:a16="http://schemas.microsoft.com/office/drawing/2014/main" id="{47C4953A-8A74-4F23-AD93-DDD740C70413}"/>
+          <p:cNvPr id="7" name="Picture 6">
+            <a:extLst>
+              <a:ext uri="{FF2B5EF4-FFF2-40B4-BE49-F238E27FC236}">
+                <a16:creationId xmlns:a16="http://schemas.microsoft.com/office/drawing/2014/main" id="{08BEC40E-3256-4485-9A7C-5A17020A66FE}"/>
               </a:ext>
             </a:extLst>
           </p:cNvPr>
@@ -3912,7 +3618,7 @@
           </p:cNvPicPr>
           <p:nvPr/>
         </p:nvPicPr>
-        <p:blipFill rotWithShape="1">
+        <p:blipFill>
           <a:blip r:embed="rId2">
             <a:extLst>
               <a:ext uri="{28A0092B-C50C-407E-A947-70E740481C1C}">
@@ -3920,13 +3626,14 @@
               </a:ext>
             </a:extLst>
           </a:blip>
-          <a:srcRect/>
-          <a:stretch/>
+          <a:stretch>
+            <a:fillRect/>
+          </a:stretch>
         </p:blipFill>
         <p:spPr>
           <a:xfrm>
-            <a:off x="2206486" y="4201130"/>
-            <a:ext cx="6513249" cy="2345443"/>
+            <a:off x="273378" y="3060240"/>
+            <a:ext cx="11645243" cy="2911311"/>
           </a:xfrm>
           <a:prstGeom prst="rect">
             <a:avLst/>
@@ -3935,2041 +3642,22 @@
       </p:pic>
       <p:sp>
         <p:nvSpPr>
-          <p:cNvPr id="9" name="Oval 8">
-            <a:extLst>
-              <a:ext uri="{FF2B5EF4-FFF2-40B4-BE49-F238E27FC236}">
-                <a16:creationId xmlns:a16="http://schemas.microsoft.com/office/drawing/2014/main" id="{434EBF43-6239-443B-8BD4-985F3D44D204}"/>
-              </a:ext>
-            </a:extLst>
-          </p:cNvPr>
-          <p:cNvSpPr/>
+          <p:cNvPr id="6" name="Content Placeholder 2">
+            <a:extLst>
+              <a:ext uri="{FF2B5EF4-FFF2-40B4-BE49-F238E27FC236}">
+                <a16:creationId xmlns:a16="http://schemas.microsoft.com/office/drawing/2014/main" id="{5FB4A1A1-12E7-49E1-BFDB-EC5D32132C76}"/>
+              </a:ext>
+            </a:extLst>
+          </p:cNvPr>
+          <p:cNvSpPr txBox="1">
+            <a:spLocks/>
+          </p:cNvSpPr>
           <p:nvPr/>
         </p:nvSpPr>
         <p:spPr>
           <a:xfrm>
-            <a:off x="2478157" y="5463065"/>
-            <a:ext cx="1464366" cy="785336"/>
-          </a:xfrm>
-          <a:prstGeom prst="ellipse">
-            <a:avLst/>
-          </a:prstGeom>
-          <a:noFill/>
-          <a:ln w="28575">
-            <a:solidFill>
-              <a:srgbClr val="FF0000"/>
-            </a:solidFill>
-          </a:ln>
-        </p:spPr>
-        <p:style>
-          <a:lnRef idx="2">
-            <a:schemeClr val="accent1">
-              <a:shade val="50000"/>
-            </a:schemeClr>
-          </a:lnRef>
-          <a:fillRef idx="1">
-            <a:schemeClr val="accent1"/>
-          </a:fillRef>
-          <a:effectRef idx="0">
-            <a:schemeClr val="accent1"/>
-          </a:effectRef>
-          <a:fontRef idx="minor">
-            <a:schemeClr val="lt1"/>
-          </a:fontRef>
-        </p:style>
-        <p:txBody>
-          <a:bodyPr rtlCol="0" anchor="ctr"/>
-          <a:lstStyle/>
-          <a:p>
-            <a:pPr algn="ctr"/>
-            <a:endParaRPr lang="en-US"/>
-          </a:p>
-        </p:txBody>
-      </p:sp>
-    </p:spTree>
-    <p:extLst>
-      <p:ext uri="{BB962C8B-B14F-4D97-AF65-F5344CB8AC3E}">
-        <p14:creationId xmlns:p14="http://schemas.microsoft.com/office/powerpoint/2010/main" val="4238229461"/>
-      </p:ext>
-    </p:extLst>
-  </p:cSld>
-  <p:clrMapOvr>
-    <a:masterClrMapping/>
-  </p:clrMapOvr>
-</p:sld>
-</file>
-
-<file path=ppt/slides/slide12.xml><?xml version="1.0" encoding="utf-8"?>
-<p:sld xmlns:a="http://schemas.openxmlformats.org/drawingml/2006/main" xmlns:r="http://schemas.openxmlformats.org/officeDocument/2006/relationships" xmlns:p="http://schemas.openxmlformats.org/presentationml/2006/main">
-  <p:cSld>
-    <p:spTree>
-      <p:nvGrpSpPr>
-        <p:cNvPr id="1" name=""/>
-        <p:cNvGrpSpPr/>
-        <p:nvPr/>
-      </p:nvGrpSpPr>
-      <p:grpSpPr>
-        <a:xfrm>
-          <a:off x="0" y="0"/>
-          <a:ext cx="0" cy="0"/>
-          <a:chOff x="0" y="0"/>
-          <a:chExt cx="0" cy="0"/>
-        </a:xfrm>
-      </p:grpSpPr>
-      <p:sp>
-        <p:nvSpPr>
-          <p:cNvPr id="3" name="Content Placeholder 2"/>
-          <p:cNvSpPr>
-            <a:spLocks noGrp="1"/>
-          </p:cNvSpPr>
-          <p:nvPr>
-            <p:ph idx="1"/>
-          </p:nvPr>
-        </p:nvSpPr>
-        <p:spPr>
-          <a:xfrm>
-            <a:off x="1199456" y="1842051"/>
-            <a:ext cx="9505056" cy="2597427"/>
-          </a:xfrm>
-        </p:spPr>
-        <p:txBody>
-          <a:bodyPr>
-            <a:normAutofit/>
-          </a:bodyPr>
-          <a:lstStyle/>
-          <a:p>
-            <a:r>
-              <a:rPr lang="en-US" sz="2800" dirty="0"/>
-              <a:t>Avoided mortality:</a:t>
-            </a:r>
-          </a:p>
-          <a:p>
-            <a:pPr lvl="1"/>
-            <a:r>
-              <a:rPr lang="en-US" dirty="0"/>
-              <a:t>Question: How would you consider the baseline mortality? As a “typical” period, or would you adjust for exceptional characteristics?</a:t>
-            </a:r>
-          </a:p>
-          <a:p>
-            <a:pPr lvl="1"/>
-            <a:r>
-              <a:rPr lang="en-US" dirty="0"/>
-              <a:t>Possible adjustment: remove influenza deaths from previous years before estimating the baseline</a:t>
-            </a:r>
-          </a:p>
-          <a:p>
-            <a:pPr lvl="1"/>
-            <a:endParaRPr lang="en-US" dirty="0"/>
-          </a:p>
-        </p:txBody>
-      </p:sp>
-      <p:sp>
-        <p:nvSpPr>
-          <p:cNvPr id="5" name="Title 1">
-            <a:extLst>
-              <a:ext uri="{FF2B5EF4-FFF2-40B4-BE49-F238E27FC236}">
-                <a16:creationId xmlns:a16="http://schemas.microsoft.com/office/drawing/2014/main" id="{F6D882FA-475A-4E48-A526-59B78DBD0925}"/>
-              </a:ext>
-            </a:extLst>
-          </p:cNvPr>
-          <p:cNvSpPr txBox="1">
-            <a:spLocks/>
-          </p:cNvSpPr>
-          <p:nvPr/>
-        </p:nvSpPr>
-        <p:spPr>
-          <a:xfrm>
-            <a:off x="1199455" y="531952"/>
-            <a:ext cx="9369153" cy="1143000"/>
-          </a:xfrm>
-          <a:prstGeom prst="rect">
-            <a:avLst/>
-          </a:prstGeom>
-        </p:spPr>
-        <p:txBody>
-          <a:bodyPr vert="horz" lIns="91440" tIns="45720" rIns="91440" bIns="45720" rtlCol="0" anchor="ctr">
-            <a:normAutofit fontScale="92500" lnSpcReduction="20000"/>
-          </a:bodyPr>
-          <a:lstStyle>
-            <a:lvl1pPr algn="ctr" defTabSz="914400" rtl="0" eaLnBrk="1" latinLnBrk="0" hangingPunct="1">
-              <a:spcBef>
-                <a:spcPct val="0"/>
-              </a:spcBef>
-              <a:buNone/>
-              <a:defRPr sz="4400" kern="1200">
-                <a:solidFill>
-                  <a:schemeClr val="tx1"/>
-                </a:solidFill>
-                <a:latin typeface="+mj-lt"/>
-                <a:ea typeface="+mj-ea"/>
-                <a:cs typeface="+mj-cs"/>
-              </a:defRPr>
-            </a:lvl1pPr>
-          </a:lstStyle>
-          <a:p>
-            <a:pPr algn="l"/>
-            <a:r>
-              <a:rPr lang="en-US" b="1" dirty="0"/>
-              <a:t>A few conceptual challenges in measuring excess mortality</a:t>
-            </a:r>
-          </a:p>
-        </p:txBody>
-      </p:sp>
-      <p:pic>
-        <p:nvPicPr>
-          <p:cNvPr id="7" name="Picture 6">
-            <a:extLst>
-              <a:ext uri="{FF2B5EF4-FFF2-40B4-BE49-F238E27FC236}">
-                <a16:creationId xmlns:a16="http://schemas.microsoft.com/office/drawing/2014/main" id="{9014AA15-42EB-4919-8018-3AEF7D2D3ECC}"/>
-              </a:ext>
-            </a:extLst>
-          </p:cNvPr>
-          <p:cNvPicPr>
-            <a:picLocks noChangeAspect="1"/>
-          </p:cNvPicPr>
-          <p:nvPr/>
-        </p:nvPicPr>
-        <p:blipFill rotWithShape="1">
-          <a:blip r:embed="rId2">
-            <a:extLst>
-              <a:ext uri="{28A0092B-C50C-407E-A947-70E740481C1C}">
-                <a14:useLocalDpi xmlns:a14="http://schemas.microsoft.com/office/drawing/2010/main" val="0"/>
-              </a:ext>
-            </a:extLst>
-          </a:blip>
-          <a:srcRect/>
-          <a:stretch/>
-        </p:blipFill>
-        <p:spPr>
-          <a:xfrm>
-            <a:off x="2206486" y="4201130"/>
-            <a:ext cx="6513249" cy="2345443"/>
-          </a:xfrm>
-          <a:prstGeom prst="rect">
-            <a:avLst/>
-          </a:prstGeom>
-        </p:spPr>
-      </p:pic>
-      <p:sp>
-        <p:nvSpPr>
-          <p:cNvPr id="8" name="TextBox 7">
-            <a:extLst>
-              <a:ext uri="{FF2B5EF4-FFF2-40B4-BE49-F238E27FC236}">
-                <a16:creationId xmlns:a16="http://schemas.microsoft.com/office/drawing/2014/main" id="{D49216DF-32DF-467C-9D80-222DFF406314}"/>
-              </a:ext>
-            </a:extLst>
-          </p:cNvPr>
-          <p:cNvSpPr txBox="1"/>
-          <p:nvPr/>
-        </p:nvSpPr>
-        <p:spPr>
-          <a:xfrm>
-            <a:off x="8998226" y="4724401"/>
-            <a:ext cx="2252870" cy="738664"/>
-          </a:xfrm>
-          <a:prstGeom prst="rect">
-            <a:avLst/>
-          </a:prstGeom>
-          <a:noFill/>
-        </p:spPr>
-        <p:txBody>
-          <a:bodyPr wrap="square" rtlCol="0">
-            <a:spAutoFit/>
-          </a:bodyPr>
-          <a:lstStyle/>
-          <a:p>
-            <a:r>
-              <a:rPr lang="en-US" sz="1400" i="1" dirty="0"/>
-              <a:t>Example: Belgium excess estimates in 2020</a:t>
-            </a:r>
-          </a:p>
-          <a:p>
-            <a:r>
-              <a:rPr lang="en-US" sz="1400" i="1" dirty="0"/>
-              <a:t>Source: STMF</a:t>
-            </a:r>
-          </a:p>
-        </p:txBody>
-      </p:sp>
-      <p:sp>
-        <p:nvSpPr>
-          <p:cNvPr id="9" name="Oval 8">
-            <a:extLst>
-              <a:ext uri="{FF2B5EF4-FFF2-40B4-BE49-F238E27FC236}">
-                <a16:creationId xmlns:a16="http://schemas.microsoft.com/office/drawing/2014/main" id="{C3B79E44-0B43-480D-BA3F-141F023B7C60}"/>
-              </a:ext>
-            </a:extLst>
-          </p:cNvPr>
-          <p:cNvSpPr/>
-          <p:nvPr/>
-        </p:nvSpPr>
-        <p:spPr>
-          <a:xfrm>
-            <a:off x="2478157" y="5463065"/>
-            <a:ext cx="1464366" cy="785336"/>
-          </a:xfrm>
-          <a:prstGeom prst="ellipse">
-            <a:avLst/>
-          </a:prstGeom>
-          <a:noFill/>
-          <a:ln w="28575">
-            <a:solidFill>
-              <a:srgbClr val="FF0000"/>
-            </a:solidFill>
-          </a:ln>
-        </p:spPr>
-        <p:style>
-          <a:lnRef idx="2">
-            <a:schemeClr val="accent1">
-              <a:shade val="50000"/>
-            </a:schemeClr>
-          </a:lnRef>
-          <a:fillRef idx="1">
-            <a:schemeClr val="accent1"/>
-          </a:fillRef>
-          <a:effectRef idx="0">
-            <a:schemeClr val="accent1"/>
-          </a:effectRef>
-          <a:fontRef idx="minor">
-            <a:schemeClr val="lt1"/>
-          </a:fontRef>
-        </p:style>
-        <p:txBody>
-          <a:bodyPr rtlCol="0" anchor="ctr"/>
-          <a:lstStyle/>
-          <a:p>
-            <a:pPr algn="ctr"/>
-            <a:endParaRPr lang="en-US"/>
-          </a:p>
-        </p:txBody>
-      </p:sp>
-    </p:spTree>
-    <p:extLst>
-      <p:ext uri="{BB962C8B-B14F-4D97-AF65-F5344CB8AC3E}">
-        <p14:creationId xmlns:p14="http://schemas.microsoft.com/office/powerpoint/2010/main" val="3867474365"/>
-      </p:ext>
-    </p:extLst>
-  </p:cSld>
-  <p:clrMapOvr>
-    <a:masterClrMapping/>
-  </p:clrMapOvr>
-</p:sld>
-</file>
-
-<file path=ppt/slides/slide13.xml><?xml version="1.0" encoding="utf-8"?>
-<p:sld xmlns:a="http://schemas.openxmlformats.org/drawingml/2006/main" xmlns:r="http://schemas.openxmlformats.org/officeDocument/2006/relationships" xmlns:p="http://schemas.openxmlformats.org/presentationml/2006/main">
-  <p:cSld>
-    <p:spTree>
-      <p:nvGrpSpPr>
-        <p:cNvPr id="1" name=""/>
-        <p:cNvGrpSpPr/>
-        <p:nvPr/>
-      </p:nvGrpSpPr>
-      <p:grpSpPr>
-        <a:xfrm>
-          <a:off x="0" y="0"/>
-          <a:ext cx="0" cy="0"/>
-          <a:chOff x="0" y="0"/>
-          <a:chExt cx="0" cy="0"/>
-        </a:xfrm>
-      </p:grpSpPr>
-      <p:sp>
-        <p:nvSpPr>
-          <p:cNvPr id="3" name="Content Placeholder 2"/>
-          <p:cNvSpPr>
-            <a:spLocks noGrp="1"/>
-          </p:cNvSpPr>
-          <p:nvPr>
-            <p:ph idx="1"/>
-          </p:nvPr>
-        </p:nvSpPr>
-        <p:spPr>
-          <a:xfrm>
-            <a:off x="1199456" y="1842051"/>
-            <a:ext cx="9505056" cy="3962401"/>
-          </a:xfrm>
-        </p:spPr>
-        <p:txBody>
-          <a:bodyPr>
-            <a:normAutofit/>
-          </a:bodyPr>
-          <a:lstStyle/>
-          <a:p>
-            <a:r>
-              <a:rPr lang="en-US" dirty="0"/>
-              <a:t>Mortality displacement:</a:t>
-            </a:r>
-          </a:p>
-          <a:p>
-            <a:pPr lvl="1"/>
-            <a:r>
-              <a:rPr lang="en-US" dirty="0"/>
-              <a:t>Deaths of frail or sick people that were expected to occur during the observation period, but were brought forward by COVID-19 (aka., </a:t>
-            </a:r>
-            <a:r>
-              <a:rPr lang="en-US" i="1" dirty="0"/>
-              <a:t>harvesting effect</a:t>
-            </a:r>
-            <a:r>
-              <a:rPr lang="en-US" dirty="0"/>
-              <a:t>)</a:t>
-            </a:r>
-          </a:p>
-          <a:p>
-            <a:pPr lvl="2"/>
-            <a:r>
-              <a:rPr lang="en-US" dirty="0"/>
-              <a:t>Result in a temporary surplus in mortality followed by a deficit</a:t>
-            </a:r>
-          </a:p>
-          <a:p>
-            <a:pPr lvl="2"/>
-            <a:r>
-              <a:rPr lang="en-US" dirty="0"/>
-              <a:t>Issue: These deaths are ignored when calculating cumulative excess deaths!!</a:t>
-            </a:r>
-          </a:p>
-          <a:p>
-            <a:pPr lvl="1"/>
-            <a:endParaRPr lang="en-US" dirty="0"/>
-          </a:p>
-        </p:txBody>
-      </p:sp>
-      <p:sp>
-        <p:nvSpPr>
-          <p:cNvPr id="4" name="Title 1">
-            <a:extLst>
-              <a:ext uri="{FF2B5EF4-FFF2-40B4-BE49-F238E27FC236}">
-                <a16:creationId xmlns:a16="http://schemas.microsoft.com/office/drawing/2014/main" id="{DC46E228-8C17-45CD-86DE-C0BF03BCC47D}"/>
-              </a:ext>
-            </a:extLst>
-          </p:cNvPr>
-          <p:cNvSpPr txBox="1">
-            <a:spLocks/>
-          </p:cNvSpPr>
-          <p:nvPr/>
-        </p:nvSpPr>
-        <p:spPr>
-          <a:xfrm>
-            <a:off x="1199455" y="531952"/>
-            <a:ext cx="9369153" cy="1143000"/>
-          </a:xfrm>
-          <a:prstGeom prst="rect">
-            <a:avLst/>
-          </a:prstGeom>
-        </p:spPr>
-        <p:txBody>
-          <a:bodyPr vert="horz" lIns="91440" tIns="45720" rIns="91440" bIns="45720" rtlCol="0" anchor="ctr">
-            <a:normAutofit fontScale="92500" lnSpcReduction="20000"/>
-          </a:bodyPr>
-          <a:lstStyle>
-            <a:lvl1pPr algn="ctr" defTabSz="914400" rtl="0" eaLnBrk="1" latinLnBrk="0" hangingPunct="1">
-              <a:spcBef>
-                <a:spcPct val="0"/>
-              </a:spcBef>
-              <a:buNone/>
-              <a:defRPr sz="4400" kern="1200">
-                <a:solidFill>
-                  <a:schemeClr val="tx1"/>
-                </a:solidFill>
-                <a:latin typeface="+mj-lt"/>
-                <a:ea typeface="+mj-ea"/>
-                <a:cs typeface="+mj-cs"/>
-              </a:defRPr>
-            </a:lvl1pPr>
-          </a:lstStyle>
-          <a:p>
-            <a:pPr algn="l"/>
-            <a:r>
-              <a:rPr lang="en-US" b="1" dirty="0"/>
-              <a:t>A few conceptual challenges in measuring excess mortality</a:t>
-            </a:r>
-          </a:p>
-        </p:txBody>
-      </p:sp>
-      <p:sp>
-        <p:nvSpPr>
-          <p:cNvPr id="6" name="TextBox 5">
-            <a:extLst>
-              <a:ext uri="{FF2B5EF4-FFF2-40B4-BE49-F238E27FC236}">
-                <a16:creationId xmlns:a16="http://schemas.microsoft.com/office/drawing/2014/main" id="{873F2752-B09D-453D-ACB0-CC9C58A35759}"/>
-              </a:ext>
-            </a:extLst>
-          </p:cNvPr>
-          <p:cNvSpPr txBox="1"/>
-          <p:nvPr/>
-        </p:nvSpPr>
-        <p:spPr>
-          <a:xfrm>
-            <a:off x="8998226" y="4724401"/>
-            <a:ext cx="2252870" cy="738664"/>
-          </a:xfrm>
-          <a:prstGeom prst="rect">
-            <a:avLst/>
-          </a:prstGeom>
-          <a:noFill/>
-        </p:spPr>
-        <p:txBody>
-          <a:bodyPr wrap="square" rtlCol="0">
-            <a:spAutoFit/>
-          </a:bodyPr>
-          <a:lstStyle/>
-          <a:p>
-            <a:r>
-              <a:rPr lang="en-US" sz="1400" i="1" dirty="0"/>
-              <a:t>Example: Belgium excess estimates in 2020</a:t>
-            </a:r>
-          </a:p>
-          <a:p>
-            <a:r>
-              <a:rPr lang="en-US" sz="1400" i="1" dirty="0"/>
-              <a:t>Source: STMF</a:t>
-            </a:r>
-          </a:p>
-        </p:txBody>
-      </p:sp>
-      <p:pic>
-        <p:nvPicPr>
-          <p:cNvPr id="7" name="Picture 6">
-            <a:extLst>
-              <a:ext uri="{FF2B5EF4-FFF2-40B4-BE49-F238E27FC236}">
-                <a16:creationId xmlns:a16="http://schemas.microsoft.com/office/drawing/2014/main" id="{6CCAA3E2-2234-41A4-93A0-60931B95DD23}"/>
-              </a:ext>
-            </a:extLst>
-          </p:cNvPr>
-          <p:cNvPicPr>
-            <a:picLocks noChangeAspect="1"/>
-          </p:cNvPicPr>
-          <p:nvPr/>
-        </p:nvPicPr>
-        <p:blipFill rotWithShape="1">
-          <a:blip r:embed="rId2">
-            <a:extLst>
-              <a:ext uri="{28A0092B-C50C-407E-A947-70E740481C1C}">
-                <a14:useLocalDpi xmlns:a14="http://schemas.microsoft.com/office/drawing/2010/main" val="0"/>
-              </a:ext>
-            </a:extLst>
-          </a:blip>
-          <a:srcRect/>
-          <a:stretch/>
-        </p:blipFill>
-        <p:spPr>
-          <a:xfrm>
-            <a:off x="2206486" y="4201130"/>
-            <a:ext cx="6513249" cy="2345443"/>
-          </a:xfrm>
-          <a:prstGeom prst="rect">
-            <a:avLst/>
-          </a:prstGeom>
-        </p:spPr>
-      </p:pic>
-      <p:sp>
-        <p:nvSpPr>
-          <p:cNvPr id="8" name="Oval 7">
-            <a:extLst>
-              <a:ext uri="{FF2B5EF4-FFF2-40B4-BE49-F238E27FC236}">
-                <a16:creationId xmlns:a16="http://schemas.microsoft.com/office/drawing/2014/main" id="{9D3BE543-70AB-4967-8FBD-BBD391C38E66}"/>
-              </a:ext>
-            </a:extLst>
-          </p:cNvPr>
-          <p:cNvSpPr/>
-          <p:nvPr/>
-        </p:nvSpPr>
-        <p:spPr>
-          <a:xfrm>
-            <a:off x="4903305" y="5661847"/>
-            <a:ext cx="1464366" cy="785336"/>
-          </a:xfrm>
-          <a:prstGeom prst="ellipse">
-            <a:avLst/>
-          </a:prstGeom>
-          <a:noFill/>
-          <a:ln w="28575">
-            <a:solidFill>
-              <a:srgbClr val="FF0000"/>
-            </a:solidFill>
-          </a:ln>
-        </p:spPr>
-        <p:style>
-          <a:lnRef idx="2">
-            <a:schemeClr val="accent1">
-              <a:shade val="50000"/>
-            </a:schemeClr>
-          </a:lnRef>
-          <a:fillRef idx="1">
-            <a:schemeClr val="accent1"/>
-          </a:fillRef>
-          <a:effectRef idx="0">
-            <a:schemeClr val="accent1"/>
-          </a:effectRef>
-          <a:fontRef idx="minor">
-            <a:schemeClr val="lt1"/>
-          </a:fontRef>
-        </p:style>
-        <p:txBody>
-          <a:bodyPr rtlCol="0" anchor="ctr"/>
-          <a:lstStyle/>
-          <a:p>
-            <a:pPr algn="ctr"/>
-            <a:endParaRPr lang="en-US"/>
-          </a:p>
-        </p:txBody>
-      </p:sp>
-    </p:spTree>
-    <p:extLst>
-      <p:ext uri="{BB962C8B-B14F-4D97-AF65-F5344CB8AC3E}">
-        <p14:creationId xmlns:p14="http://schemas.microsoft.com/office/powerpoint/2010/main" val="2697005742"/>
-      </p:ext>
-    </p:extLst>
-  </p:cSld>
-  <p:clrMapOvr>
-    <a:masterClrMapping/>
-  </p:clrMapOvr>
-</p:sld>
-</file>
-
-<file path=ppt/slides/slide14.xml><?xml version="1.0" encoding="utf-8"?>
-<p:sld xmlns:a="http://schemas.openxmlformats.org/drawingml/2006/main" xmlns:r="http://schemas.openxmlformats.org/officeDocument/2006/relationships" xmlns:p="http://schemas.openxmlformats.org/presentationml/2006/main">
-  <p:cSld>
-    <p:spTree>
-      <p:nvGrpSpPr>
-        <p:cNvPr id="1" name=""/>
-        <p:cNvGrpSpPr/>
-        <p:nvPr/>
-      </p:nvGrpSpPr>
-      <p:grpSpPr>
-        <a:xfrm>
-          <a:off x="0" y="0"/>
-          <a:ext cx="0" cy="0"/>
-          <a:chOff x="0" y="0"/>
-          <a:chExt cx="0" cy="0"/>
-        </a:xfrm>
-      </p:grpSpPr>
-      <p:sp>
-        <p:nvSpPr>
-          <p:cNvPr id="3" name="Content Placeholder 2"/>
-          <p:cNvSpPr>
-            <a:spLocks noGrp="1"/>
-          </p:cNvSpPr>
-          <p:nvPr>
-            <p:ph idx="1"/>
-          </p:nvPr>
-        </p:nvSpPr>
-        <p:spPr>
-          <a:xfrm>
-            <a:off x="1199456" y="1842051"/>
-            <a:ext cx="9505056" cy="3962401"/>
-          </a:xfrm>
-        </p:spPr>
-        <p:txBody>
-          <a:bodyPr>
-            <a:normAutofit/>
-          </a:bodyPr>
-          <a:lstStyle/>
-          <a:p>
-            <a:r>
-              <a:rPr lang="en-US" dirty="0"/>
-              <a:t>Mortality displacement:</a:t>
-            </a:r>
-          </a:p>
-          <a:p>
-            <a:pPr lvl="1"/>
-            <a:r>
-              <a:rPr lang="en-US" dirty="0"/>
-              <a:t>Question: How would you consider terminal patients that were supposed to die in April but died from COVID in March? Should these be considered COVID deaths or not?</a:t>
-            </a:r>
-          </a:p>
-          <a:p>
-            <a:pPr lvl="1"/>
-            <a:r>
-              <a:rPr lang="en-US" dirty="0"/>
-              <a:t>Possible adjustment: Do not include the negative excess deaths in the cumulative count</a:t>
-            </a:r>
-          </a:p>
-        </p:txBody>
-      </p:sp>
-      <p:sp>
-        <p:nvSpPr>
-          <p:cNvPr id="4" name="Title 1">
-            <a:extLst>
-              <a:ext uri="{FF2B5EF4-FFF2-40B4-BE49-F238E27FC236}">
-                <a16:creationId xmlns:a16="http://schemas.microsoft.com/office/drawing/2014/main" id="{DC46E228-8C17-45CD-86DE-C0BF03BCC47D}"/>
-              </a:ext>
-            </a:extLst>
-          </p:cNvPr>
-          <p:cNvSpPr txBox="1">
-            <a:spLocks/>
-          </p:cNvSpPr>
-          <p:nvPr/>
-        </p:nvSpPr>
-        <p:spPr>
-          <a:xfrm>
-            <a:off x="1199455" y="531952"/>
-            <a:ext cx="9369153" cy="1143000"/>
-          </a:xfrm>
-          <a:prstGeom prst="rect">
-            <a:avLst/>
-          </a:prstGeom>
-        </p:spPr>
-        <p:txBody>
-          <a:bodyPr vert="horz" lIns="91440" tIns="45720" rIns="91440" bIns="45720" rtlCol="0" anchor="ctr">
-            <a:normAutofit fontScale="92500" lnSpcReduction="20000"/>
-          </a:bodyPr>
-          <a:lstStyle>
-            <a:lvl1pPr algn="ctr" defTabSz="914400" rtl="0" eaLnBrk="1" latinLnBrk="0" hangingPunct="1">
-              <a:spcBef>
-                <a:spcPct val="0"/>
-              </a:spcBef>
-              <a:buNone/>
-              <a:defRPr sz="4400" kern="1200">
-                <a:solidFill>
-                  <a:schemeClr val="tx1"/>
-                </a:solidFill>
-                <a:latin typeface="+mj-lt"/>
-                <a:ea typeface="+mj-ea"/>
-                <a:cs typeface="+mj-cs"/>
-              </a:defRPr>
-            </a:lvl1pPr>
-          </a:lstStyle>
-          <a:p>
-            <a:pPr algn="l"/>
-            <a:r>
-              <a:rPr lang="en-US" b="1" dirty="0"/>
-              <a:t>A few conceptual challenges in measuring excess mortality</a:t>
-            </a:r>
-          </a:p>
-        </p:txBody>
-      </p:sp>
-      <p:sp>
-        <p:nvSpPr>
-          <p:cNvPr id="5" name="TextBox 4">
-            <a:extLst>
-              <a:ext uri="{FF2B5EF4-FFF2-40B4-BE49-F238E27FC236}">
-                <a16:creationId xmlns:a16="http://schemas.microsoft.com/office/drawing/2014/main" id="{00EC58A1-27FD-4CF9-9B86-36C0FFE28687}"/>
-              </a:ext>
-            </a:extLst>
-          </p:cNvPr>
-          <p:cNvSpPr txBox="1"/>
-          <p:nvPr/>
-        </p:nvSpPr>
-        <p:spPr>
-          <a:xfrm>
-            <a:off x="8998226" y="4724401"/>
-            <a:ext cx="2252870" cy="738664"/>
-          </a:xfrm>
-          <a:prstGeom prst="rect">
-            <a:avLst/>
-          </a:prstGeom>
-          <a:noFill/>
-        </p:spPr>
-        <p:txBody>
-          <a:bodyPr wrap="square" rtlCol="0">
-            <a:spAutoFit/>
-          </a:bodyPr>
-          <a:lstStyle/>
-          <a:p>
-            <a:r>
-              <a:rPr lang="en-US" sz="1400" i="1" dirty="0"/>
-              <a:t>Example: Belgium excess estimates in 2020</a:t>
-            </a:r>
-          </a:p>
-          <a:p>
-            <a:r>
-              <a:rPr lang="en-US" sz="1400" i="1" dirty="0"/>
-              <a:t>Source: STMF</a:t>
-            </a:r>
-          </a:p>
-        </p:txBody>
-      </p:sp>
-      <p:pic>
-        <p:nvPicPr>
-          <p:cNvPr id="6" name="Picture 5">
-            <a:extLst>
-              <a:ext uri="{FF2B5EF4-FFF2-40B4-BE49-F238E27FC236}">
-                <a16:creationId xmlns:a16="http://schemas.microsoft.com/office/drawing/2014/main" id="{FD596771-457F-4C2D-9D15-25FE0BF8507C}"/>
-              </a:ext>
-            </a:extLst>
-          </p:cNvPr>
-          <p:cNvPicPr>
-            <a:picLocks noChangeAspect="1"/>
-          </p:cNvPicPr>
-          <p:nvPr/>
-        </p:nvPicPr>
-        <p:blipFill rotWithShape="1">
-          <a:blip r:embed="rId2">
-            <a:extLst>
-              <a:ext uri="{28A0092B-C50C-407E-A947-70E740481C1C}">
-                <a14:useLocalDpi xmlns:a14="http://schemas.microsoft.com/office/drawing/2010/main" val="0"/>
-              </a:ext>
-            </a:extLst>
-          </a:blip>
-          <a:srcRect/>
-          <a:stretch/>
-        </p:blipFill>
-        <p:spPr>
-          <a:xfrm>
-            <a:off x="2206486" y="4201130"/>
-            <a:ext cx="6513249" cy="2345443"/>
-          </a:xfrm>
-          <a:prstGeom prst="rect">
-            <a:avLst/>
-          </a:prstGeom>
-        </p:spPr>
-      </p:pic>
-      <p:sp>
-        <p:nvSpPr>
-          <p:cNvPr id="7" name="Oval 6">
-            <a:extLst>
-              <a:ext uri="{FF2B5EF4-FFF2-40B4-BE49-F238E27FC236}">
-                <a16:creationId xmlns:a16="http://schemas.microsoft.com/office/drawing/2014/main" id="{F643298F-740E-444C-9CD4-D244428B2C18}"/>
-              </a:ext>
-            </a:extLst>
-          </p:cNvPr>
-          <p:cNvSpPr/>
-          <p:nvPr/>
-        </p:nvSpPr>
-        <p:spPr>
-          <a:xfrm>
-            <a:off x="4903305" y="5661847"/>
-            <a:ext cx="1464366" cy="785336"/>
-          </a:xfrm>
-          <a:prstGeom prst="ellipse">
-            <a:avLst/>
-          </a:prstGeom>
-          <a:noFill/>
-          <a:ln w="28575">
-            <a:solidFill>
-              <a:srgbClr val="FF0000"/>
-            </a:solidFill>
-          </a:ln>
-        </p:spPr>
-        <p:style>
-          <a:lnRef idx="2">
-            <a:schemeClr val="accent1">
-              <a:shade val="50000"/>
-            </a:schemeClr>
-          </a:lnRef>
-          <a:fillRef idx="1">
-            <a:schemeClr val="accent1"/>
-          </a:fillRef>
-          <a:effectRef idx="0">
-            <a:schemeClr val="accent1"/>
-          </a:effectRef>
-          <a:fontRef idx="minor">
-            <a:schemeClr val="lt1"/>
-          </a:fontRef>
-        </p:style>
-        <p:txBody>
-          <a:bodyPr rtlCol="0" anchor="ctr"/>
-          <a:lstStyle/>
-          <a:p>
-            <a:pPr algn="ctr"/>
-            <a:endParaRPr lang="en-US"/>
-          </a:p>
-        </p:txBody>
-      </p:sp>
-    </p:spTree>
-    <p:extLst>
-      <p:ext uri="{BB962C8B-B14F-4D97-AF65-F5344CB8AC3E}">
-        <p14:creationId xmlns:p14="http://schemas.microsoft.com/office/powerpoint/2010/main" val="1579343979"/>
-      </p:ext>
-    </p:extLst>
-  </p:cSld>
-  <p:clrMapOvr>
-    <a:masterClrMapping/>
-  </p:clrMapOvr>
-</p:sld>
-</file>
-
-<file path=ppt/slides/slide15.xml><?xml version="1.0" encoding="utf-8"?>
-<p:sld xmlns:a="http://schemas.openxmlformats.org/drawingml/2006/main" xmlns:r="http://schemas.openxmlformats.org/officeDocument/2006/relationships" xmlns:p="http://schemas.openxmlformats.org/presentationml/2006/main">
-  <p:cSld>
-    <p:spTree>
-      <p:nvGrpSpPr>
-        <p:cNvPr id="1" name=""/>
-        <p:cNvGrpSpPr/>
-        <p:nvPr/>
-      </p:nvGrpSpPr>
-      <p:grpSpPr>
-        <a:xfrm>
-          <a:off x="0" y="0"/>
-          <a:ext cx="0" cy="0"/>
-          <a:chOff x="0" y="0"/>
-          <a:chExt cx="0" cy="0"/>
-        </a:xfrm>
-      </p:grpSpPr>
-      <p:sp>
-        <p:nvSpPr>
-          <p:cNvPr id="3" name="Content Placeholder 2"/>
-          <p:cNvSpPr>
-            <a:spLocks noGrp="1"/>
-          </p:cNvSpPr>
-          <p:nvPr>
-            <p:ph idx="1"/>
-          </p:nvPr>
-        </p:nvSpPr>
-        <p:spPr>
-          <a:xfrm>
-            <a:off x="1199456" y="1842051"/>
-            <a:ext cx="9505056" cy="3962401"/>
-          </a:xfrm>
-        </p:spPr>
-        <p:txBody>
-          <a:bodyPr>
-            <a:normAutofit fontScale="92500"/>
-          </a:bodyPr>
-          <a:lstStyle/>
-          <a:p>
-            <a:pPr marL="0" indent="0">
-              <a:buNone/>
-            </a:pPr>
-            <a:r>
-              <a:rPr lang="en-US" dirty="0"/>
-              <a:t>Accounting or not for processes as </a:t>
-            </a:r>
-            <a:r>
-              <a:rPr lang="en-US" i="1" dirty="0"/>
-              <a:t>avoided mortality</a:t>
-            </a:r>
-            <a:r>
-              <a:rPr lang="en-US" dirty="0"/>
-              <a:t> and </a:t>
-            </a:r>
-            <a:r>
-              <a:rPr lang="en-US" i="1" dirty="0"/>
-              <a:t>mortality displacement</a:t>
-            </a:r>
-            <a:r>
-              <a:rPr lang="en-US" dirty="0"/>
-              <a:t>?</a:t>
-            </a:r>
-          </a:p>
-          <a:p>
-            <a:r>
-              <a:rPr lang="en-US" dirty="0"/>
-              <a:t>Not straightforward answer… it depends:</a:t>
-            </a:r>
-          </a:p>
-          <a:p>
-            <a:pPr lvl="1"/>
-            <a:r>
-              <a:rPr lang="en-US" dirty="0"/>
-              <a:t>Do we aim to measure </a:t>
-            </a:r>
-            <a:r>
-              <a:rPr lang="en-US" b="1" dirty="0"/>
-              <a:t>COVID-related mortality</a:t>
-            </a:r>
-            <a:r>
-              <a:rPr lang="en-US" dirty="0"/>
-              <a:t>?</a:t>
-            </a:r>
-          </a:p>
-          <a:p>
-            <a:pPr lvl="2"/>
-            <a:r>
-              <a:rPr lang="en-US" dirty="0"/>
-              <a:t>Important to know if we are interested in known the severity and fatality of the disease</a:t>
-            </a:r>
-          </a:p>
-          <a:p>
-            <a:pPr lvl="1"/>
-            <a:r>
-              <a:rPr lang="en-US" dirty="0"/>
-              <a:t>Do we aim to measure </a:t>
-            </a:r>
-            <a:r>
-              <a:rPr lang="en-US" b="1" dirty="0"/>
-              <a:t>mortality changes relative to a “regular” year</a:t>
-            </a:r>
-            <a:r>
-              <a:rPr lang="en-US" dirty="0"/>
-              <a:t>?</a:t>
-            </a:r>
-          </a:p>
-          <a:p>
-            <a:pPr lvl="2"/>
-            <a:r>
-              <a:rPr lang="en-US" dirty="0"/>
-              <a:t>Important to know if we are interested in adjusting mortality and population estimates</a:t>
-            </a:r>
-          </a:p>
-          <a:p>
-            <a:pPr lvl="1"/>
-            <a:endParaRPr lang="en-US" dirty="0"/>
-          </a:p>
-          <a:p>
-            <a:pPr lvl="1"/>
-            <a:r>
-              <a:rPr lang="en-US" dirty="0"/>
-              <a:t>Most available “COVID mortality estimates” follow the second approach</a:t>
-            </a:r>
-          </a:p>
-          <a:p>
-            <a:pPr lvl="2"/>
-            <a:endParaRPr lang="en-US" dirty="0"/>
-          </a:p>
-        </p:txBody>
-      </p:sp>
-      <p:sp>
-        <p:nvSpPr>
-          <p:cNvPr id="4" name="Title 1">
-            <a:extLst>
-              <a:ext uri="{FF2B5EF4-FFF2-40B4-BE49-F238E27FC236}">
-                <a16:creationId xmlns:a16="http://schemas.microsoft.com/office/drawing/2014/main" id="{DC46E228-8C17-45CD-86DE-C0BF03BCC47D}"/>
-              </a:ext>
-            </a:extLst>
-          </p:cNvPr>
-          <p:cNvSpPr txBox="1">
-            <a:spLocks/>
-          </p:cNvSpPr>
-          <p:nvPr/>
-        </p:nvSpPr>
-        <p:spPr>
-          <a:xfrm>
-            <a:off x="1199455" y="531952"/>
-            <a:ext cx="9369153" cy="1143000"/>
-          </a:xfrm>
-          <a:prstGeom prst="rect">
-            <a:avLst/>
-          </a:prstGeom>
-        </p:spPr>
-        <p:txBody>
-          <a:bodyPr vert="horz" lIns="91440" tIns="45720" rIns="91440" bIns="45720" rtlCol="0" anchor="ctr">
-            <a:normAutofit fontScale="92500" lnSpcReduction="20000"/>
-          </a:bodyPr>
-          <a:lstStyle>
-            <a:lvl1pPr algn="ctr" defTabSz="914400" rtl="0" eaLnBrk="1" latinLnBrk="0" hangingPunct="1">
-              <a:spcBef>
-                <a:spcPct val="0"/>
-              </a:spcBef>
-              <a:buNone/>
-              <a:defRPr sz="4400" kern="1200">
-                <a:solidFill>
-                  <a:schemeClr val="tx1"/>
-                </a:solidFill>
-                <a:latin typeface="+mj-lt"/>
-                <a:ea typeface="+mj-ea"/>
-                <a:cs typeface="+mj-cs"/>
-              </a:defRPr>
-            </a:lvl1pPr>
-          </a:lstStyle>
-          <a:p>
-            <a:pPr algn="l"/>
-            <a:r>
-              <a:rPr lang="en-US" b="1" dirty="0"/>
-              <a:t>A few conceptual challenges in measuring excess mortality</a:t>
-            </a:r>
-          </a:p>
-        </p:txBody>
-      </p:sp>
-    </p:spTree>
-    <p:extLst>
-      <p:ext uri="{BB962C8B-B14F-4D97-AF65-F5344CB8AC3E}">
-        <p14:creationId xmlns:p14="http://schemas.microsoft.com/office/powerpoint/2010/main" val="1866298208"/>
-      </p:ext>
-    </p:extLst>
-  </p:cSld>
-  <p:clrMapOvr>
-    <a:masterClrMapping/>
-  </p:clrMapOvr>
-</p:sld>
-</file>
-
-<file path=ppt/slides/slide16.xml><?xml version="1.0" encoding="utf-8"?>
-<p:sld xmlns:a="http://schemas.openxmlformats.org/drawingml/2006/main" xmlns:r="http://schemas.openxmlformats.org/officeDocument/2006/relationships" xmlns:p="http://schemas.openxmlformats.org/presentationml/2006/main">
-  <p:cSld>
-    <p:spTree>
-      <p:nvGrpSpPr>
-        <p:cNvPr id="1" name=""/>
-        <p:cNvGrpSpPr/>
-        <p:nvPr/>
-      </p:nvGrpSpPr>
-      <p:grpSpPr>
-        <a:xfrm>
-          <a:off x="0" y="0"/>
-          <a:ext cx="0" cy="0"/>
-          <a:chOff x="0" y="0"/>
-          <a:chExt cx="0" cy="0"/>
-        </a:xfrm>
-      </p:grpSpPr>
-      <p:sp>
-        <p:nvSpPr>
-          <p:cNvPr id="3" name="Content Placeholder 2"/>
-          <p:cNvSpPr>
-            <a:spLocks noGrp="1"/>
-          </p:cNvSpPr>
-          <p:nvPr>
-            <p:ph idx="1"/>
-          </p:nvPr>
-        </p:nvSpPr>
-        <p:spPr>
-          <a:xfrm>
-            <a:off x="1199456" y="1842051"/>
-            <a:ext cx="9505056" cy="3962401"/>
-          </a:xfrm>
-        </p:spPr>
-        <p:txBody>
-          <a:bodyPr>
-            <a:normAutofit fontScale="92500" lnSpcReduction="10000"/>
-          </a:bodyPr>
-          <a:lstStyle/>
-          <a:p>
-            <a:pPr lvl="0"/>
-            <a:r>
-              <a:rPr lang="en-US" dirty="0"/>
-              <a:t>Time resolution</a:t>
-            </a:r>
-          </a:p>
-          <a:p>
-            <a:pPr lvl="1"/>
-            <a:r>
-              <a:rPr lang="en-US" dirty="0"/>
-              <a:t>Does it make a difference to use annual, monthly, weekly mortality?</a:t>
-            </a:r>
-          </a:p>
-          <a:p>
-            <a:pPr lvl="2"/>
-            <a:r>
-              <a:rPr lang="en-US" dirty="0"/>
-              <a:t>Not too much, unless you want to adjust for avoided and displaced mortality</a:t>
-            </a:r>
-          </a:p>
-          <a:p>
-            <a:pPr lvl="0"/>
-            <a:r>
-              <a:rPr lang="en-US" dirty="0"/>
-              <a:t>Training period</a:t>
-            </a:r>
-          </a:p>
-          <a:p>
-            <a:pPr lvl="1"/>
-            <a:r>
-              <a:rPr lang="en-US" dirty="0"/>
-              <a:t>How many years to take in consideration for constructing the baseline?</a:t>
-            </a:r>
-          </a:p>
-          <a:p>
-            <a:pPr lvl="2"/>
-            <a:r>
-              <a:rPr lang="en-US" dirty="0"/>
-              <a:t>Estimates are highly sensitive to this, depending in the trend, of course</a:t>
-            </a:r>
-          </a:p>
-          <a:p>
-            <a:pPr lvl="2"/>
-            <a:r>
-              <a:rPr lang="en-US" dirty="0"/>
-              <a:t>Cross-validation of the model is sensible</a:t>
-            </a:r>
-          </a:p>
-          <a:p>
-            <a:r>
-              <a:rPr lang="en-US" dirty="0"/>
-              <a:t>Exposures</a:t>
-            </a:r>
-          </a:p>
-          <a:p>
-            <a:pPr lvl="1"/>
-            <a:r>
-              <a:rPr lang="en-US" dirty="0"/>
-              <a:t>How exposures to risk change over the course of a long period shock of mortality as the COVID-19 pandemic? How do we account for excess deaths in the denominator? Kind of circularity… (?)</a:t>
-            </a:r>
-          </a:p>
-          <a:p>
-            <a:endParaRPr lang="en-US" dirty="0"/>
-          </a:p>
-          <a:p>
-            <a:pPr lvl="1"/>
-            <a:endParaRPr lang="en-US" dirty="0"/>
-          </a:p>
-        </p:txBody>
-      </p:sp>
-      <p:sp>
-        <p:nvSpPr>
-          <p:cNvPr id="4" name="Title 1">
-            <a:extLst>
-              <a:ext uri="{FF2B5EF4-FFF2-40B4-BE49-F238E27FC236}">
-                <a16:creationId xmlns:a16="http://schemas.microsoft.com/office/drawing/2014/main" id="{DC46E228-8C17-45CD-86DE-C0BF03BCC47D}"/>
-              </a:ext>
-            </a:extLst>
-          </p:cNvPr>
-          <p:cNvSpPr txBox="1">
-            <a:spLocks/>
-          </p:cNvSpPr>
-          <p:nvPr/>
-        </p:nvSpPr>
-        <p:spPr>
-          <a:xfrm>
-            <a:off x="1199455" y="531952"/>
-            <a:ext cx="9369153" cy="1143000"/>
-          </a:xfrm>
-          <a:prstGeom prst="rect">
-            <a:avLst/>
-          </a:prstGeom>
-        </p:spPr>
-        <p:txBody>
-          <a:bodyPr vert="horz" lIns="91440" tIns="45720" rIns="91440" bIns="45720" rtlCol="0" anchor="ctr">
-            <a:normAutofit fontScale="92500" lnSpcReduction="20000"/>
-          </a:bodyPr>
-          <a:lstStyle>
-            <a:lvl1pPr algn="ctr" defTabSz="914400" rtl="0" eaLnBrk="1" latinLnBrk="0" hangingPunct="1">
-              <a:spcBef>
-                <a:spcPct val="0"/>
-              </a:spcBef>
-              <a:buNone/>
-              <a:defRPr sz="4400" kern="1200">
-                <a:solidFill>
-                  <a:schemeClr val="tx1"/>
-                </a:solidFill>
-                <a:latin typeface="+mj-lt"/>
-                <a:ea typeface="+mj-ea"/>
-                <a:cs typeface="+mj-cs"/>
-              </a:defRPr>
-            </a:lvl1pPr>
-          </a:lstStyle>
-          <a:p>
-            <a:pPr algn="l"/>
-            <a:r>
-              <a:rPr lang="en-US" b="1" dirty="0"/>
-              <a:t>A few methodological challenges in measuring excess mortality</a:t>
-            </a:r>
-          </a:p>
-        </p:txBody>
-      </p:sp>
-    </p:spTree>
-    <p:extLst>
-      <p:ext uri="{BB962C8B-B14F-4D97-AF65-F5344CB8AC3E}">
-        <p14:creationId xmlns:p14="http://schemas.microsoft.com/office/powerpoint/2010/main" val="211381477"/>
-      </p:ext>
-    </p:extLst>
-  </p:cSld>
-  <p:clrMapOvr>
-    <a:masterClrMapping/>
-  </p:clrMapOvr>
-</p:sld>
-</file>
-
-<file path=ppt/slides/slide17.xml><?xml version="1.0" encoding="utf-8"?>
-<p:sld xmlns:a="http://schemas.openxmlformats.org/drawingml/2006/main" xmlns:r="http://schemas.openxmlformats.org/officeDocument/2006/relationships" xmlns:p="http://schemas.openxmlformats.org/presentationml/2006/main">
-  <p:cSld>
-    <p:spTree>
-      <p:nvGrpSpPr>
-        <p:cNvPr id="1" name=""/>
-        <p:cNvGrpSpPr/>
-        <p:nvPr/>
-      </p:nvGrpSpPr>
-      <p:grpSpPr>
-        <a:xfrm>
-          <a:off x="0" y="0"/>
-          <a:ext cx="0" cy="0"/>
-          <a:chOff x="0" y="0"/>
-          <a:chExt cx="0" cy="0"/>
-        </a:xfrm>
-      </p:grpSpPr>
-      <p:sp>
-        <p:nvSpPr>
-          <p:cNvPr id="3" name="Content Placeholder 2"/>
-          <p:cNvSpPr>
-            <a:spLocks noGrp="1"/>
-          </p:cNvSpPr>
-          <p:nvPr>
-            <p:ph idx="1"/>
-          </p:nvPr>
-        </p:nvSpPr>
-        <p:spPr>
-          <a:xfrm>
-            <a:off x="1199456" y="1842051"/>
-            <a:ext cx="9505056" cy="3962401"/>
-          </a:xfrm>
-        </p:spPr>
-        <p:txBody>
-          <a:bodyPr>
-            <a:normAutofit lnSpcReduction="10000"/>
-          </a:bodyPr>
-          <a:lstStyle/>
-          <a:p>
-            <a:r>
-              <a:rPr lang="en-US" dirty="0"/>
-              <a:t>Parameterization of the model</a:t>
-            </a:r>
-          </a:p>
-          <a:p>
-            <a:pPr lvl="1"/>
-            <a:r>
-              <a:rPr lang="en-US" dirty="0"/>
-              <a:t>What type of parameter use for modeling the </a:t>
-            </a:r>
-            <a:r>
-              <a:rPr lang="en-US" b="1" dirty="0"/>
-              <a:t>secular trend</a:t>
-            </a:r>
-            <a:r>
-              <a:rPr lang="en-US" dirty="0"/>
-              <a:t>? Is it preferable a more rigid (exponential curve) or flexible (spline) parameter?</a:t>
-            </a:r>
-          </a:p>
-          <a:p>
-            <a:pPr lvl="2"/>
-            <a:r>
-              <a:rPr lang="en-US" dirty="0"/>
-              <a:t>When interpolating (e.g., pandemics in the past), splines offer a great fitting and less arbitrary impositions</a:t>
-            </a:r>
-          </a:p>
-          <a:p>
-            <a:pPr lvl="2"/>
-            <a:r>
-              <a:rPr lang="en-US" dirty="0"/>
-              <a:t>When extrapolating (e.g., pandemics in development) splines are highly volatile, and might be preferable to impose a shape for the secular trend</a:t>
-            </a:r>
-          </a:p>
-          <a:p>
-            <a:pPr lvl="1"/>
-            <a:r>
-              <a:rPr lang="en-US" dirty="0"/>
-              <a:t>What about the </a:t>
-            </a:r>
-            <a:r>
-              <a:rPr lang="en-US" b="1" dirty="0"/>
-              <a:t>seasonality</a:t>
-            </a:r>
-            <a:r>
-              <a:rPr lang="en-US" dirty="0"/>
-              <a:t>?</a:t>
-            </a:r>
-          </a:p>
-          <a:p>
-            <a:pPr lvl="2"/>
-            <a:r>
-              <a:rPr lang="en-US" dirty="0"/>
-              <a:t>When building a baseline without influenza, preferable to impose more rigid parameter (e.g., sinusoidal curve)</a:t>
-            </a:r>
-          </a:p>
-          <a:p>
-            <a:pPr lvl="2"/>
-            <a:r>
-              <a:rPr lang="en-US" dirty="0"/>
-              <a:t>When building a baseline for a typical year, preferable to use a more flexible approach (e.g., cyclic splines)</a:t>
-            </a:r>
-          </a:p>
-        </p:txBody>
-      </p:sp>
-      <p:sp>
-        <p:nvSpPr>
-          <p:cNvPr id="4" name="Title 1">
-            <a:extLst>
-              <a:ext uri="{FF2B5EF4-FFF2-40B4-BE49-F238E27FC236}">
-                <a16:creationId xmlns:a16="http://schemas.microsoft.com/office/drawing/2014/main" id="{DC46E228-8C17-45CD-86DE-C0BF03BCC47D}"/>
-              </a:ext>
-            </a:extLst>
-          </p:cNvPr>
-          <p:cNvSpPr txBox="1">
-            <a:spLocks/>
-          </p:cNvSpPr>
-          <p:nvPr/>
-        </p:nvSpPr>
-        <p:spPr>
-          <a:xfrm>
-            <a:off x="1199455" y="531952"/>
-            <a:ext cx="9369153" cy="1143000"/>
-          </a:xfrm>
-          <a:prstGeom prst="rect">
-            <a:avLst/>
-          </a:prstGeom>
-        </p:spPr>
-        <p:txBody>
-          <a:bodyPr vert="horz" lIns="91440" tIns="45720" rIns="91440" bIns="45720" rtlCol="0" anchor="ctr">
-            <a:normAutofit fontScale="92500" lnSpcReduction="20000"/>
-          </a:bodyPr>
-          <a:lstStyle>
-            <a:lvl1pPr algn="ctr" defTabSz="914400" rtl="0" eaLnBrk="1" latinLnBrk="0" hangingPunct="1">
-              <a:spcBef>
-                <a:spcPct val="0"/>
-              </a:spcBef>
-              <a:buNone/>
-              <a:defRPr sz="4400" kern="1200">
-                <a:solidFill>
-                  <a:schemeClr val="tx1"/>
-                </a:solidFill>
-                <a:latin typeface="+mj-lt"/>
-                <a:ea typeface="+mj-ea"/>
-                <a:cs typeface="+mj-cs"/>
-              </a:defRPr>
-            </a:lvl1pPr>
-          </a:lstStyle>
-          <a:p>
-            <a:pPr algn="l"/>
-            <a:r>
-              <a:rPr lang="en-US" b="1" dirty="0"/>
-              <a:t>A few methodological challenges in measuring excess mortality</a:t>
-            </a:r>
-          </a:p>
-        </p:txBody>
-      </p:sp>
-    </p:spTree>
-    <p:extLst>
-      <p:ext uri="{BB962C8B-B14F-4D97-AF65-F5344CB8AC3E}">
-        <p14:creationId xmlns:p14="http://schemas.microsoft.com/office/powerpoint/2010/main" val="4010554561"/>
-      </p:ext>
-    </p:extLst>
-  </p:cSld>
-  <p:clrMapOvr>
-    <a:masterClrMapping/>
-  </p:clrMapOvr>
-</p:sld>
-</file>
-
-<file path=ppt/slides/slide18.xml><?xml version="1.0" encoding="utf-8"?>
-<p:sld xmlns:a="http://schemas.openxmlformats.org/drawingml/2006/main" xmlns:r="http://schemas.openxmlformats.org/officeDocument/2006/relationships" xmlns:p="http://schemas.openxmlformats.org/presentationml/2006/main">
-  <p:cSld>
-    <p:spTree>
-      <p:nvGrpSpPr>
-        <p:cNvPr id="1" name=""/>
-        <p:cNvGrpSpPr/>
-        <p:nvPr/>
-      </p:nvGrpSpPr>
-      <p:grpSpPr>
-        <a:xfrm>
-          <a:off x="0" y="0"/>
-          <a:ext cx="0" cy="0"/>
-          <a:chOff x="0" y="0"/>
-          <a:chExt cx="0" cy="0"/>
-        </a:xfrm>
-      </p:grpSpPr>
-      <p:sp>
-        <p:nvSpPr>
-          <p:cNvPr id="3" name="Content Placeholder 2"/>
-          <p:cNvSpPr>
-            <a:spLocks noGrp="1"/>
-          </p:cNvSpPr>
-          <p:nvPr>
-            <p:ph idx="1"/>
-          </p:nvPr>
-        </p:nvSpPr>
-        <p:spPr>
-          <a:xfrm>
-            <a:off x="941039" y="1292086"/>
-            <a:ext cx="10101034" cy="3962401"/>
-          </a:xfrm>
-        </p:spPr>
-        <p:txBody>
-          <a:bodyPr>
-            <a:normAutofit/>
-          </a:bodyPr>
-          <a:lstStyle/>
-          <a:p>
-            <a:r>
-              <a:rPr lang="en-US" sz="2800" dirty="0"/>
-              <a:t>Not limited to mortality</a:t>
-            </a:r>
-          </a:p>
-          <a:p>
-            <a:r>
-              <a:rPr lang="en-US" dirty="0"/>
-              <a:t>Extendible to other demographic phenomena</a:t>
-            </a:r>
-          </a:p>
-          <a:p>
-            <a:pPr lvl="1"/>
-            <a:r>
-              <a:rPr lang="en-US" dirty="0"/>
-              <a:t>E.g., analysis of the pandemic impact on fertility in Brazil and Colombia by socioeconomic status (Castro et al., 2023).</a:t>
-            </a:r>
-          </a:p>
-        </p:txBody>
-      </p:sp>
-      <p:sp>
-        <p:nvSpPr>
-          <p:cNvPr id="5" name="Title 1">
-            <a:extLst>
-              <a:ext uri="{FF2B5EF4-FFF2-40B4-BE49-F238E27FC236}">
-                <a16:creationId xmlns:a16="http://schemas.microsoft.com/office/drawing/2014/main" id="{F6D882FA-475A-4E48-A526-59B78DBD0925}"/>
-              </a:ext>
-            </a:extLst>
-          </p:cNvPr>
-          <p:cNvSpPr txBox="1">
-            <a:spLocks/>
-          </p:cNvSpPr>
-          <p:nvPr/>
-        </p:nvSpPr>
-        <p:spPr>
-          <a:xfrm>
-            <a:off x="861392" y="236054"/>
-            <a:ext cx="8229600" cy="1143000"/>
-          </a:xfrm>
-          <a:prstGeom prst="rect">
-            <a:avLst/>
-          </a:prstGeom>
-        </p:spPr>
-        <p:txBody>
-          <a:bodyPr vert="horz" lIns="91440" tIns="45720" rIns="91440" bIns="45720" rtlCol="0" anchor="ctr">
-            <a:normAutofit/>
-          </a:bodyPr>
-          <a:lstStyle>
-            <a:lvl1pPr algn="ctr" defTabSz="914400" rtl="0" eaLnBrk="1" latinLnBrk="0" hangingPunct="1">
-              <a:spcBef>
-                <a:spcPct val="0"/>
-              </a:spcBef>
-              <a:buNone/>
-              <a:defRPr sz="4400" kern="1200">
-                <a:solidFill>
-                  <a:schemeClr val="tx1"/>
-                </a:solidFill>
-                <a:latin typeface="+mj-lt"/>
-                <a:ea typeface="+mj-ea"/>
-                <a:cs typeface="+mj-cs"/>
-              </a:defRPr>
-            </a:lvl1pPr>
-          </a:lstStyle>
-          <a:p>
-            <a:pPr algn="l"/>
-            <a:r>
-              <a:rPr lang="en-US" b="1" dirty="0"/>
-              <a:t>Other potential applications</a:t>
-            </a:r>
-          </a:p>
-        </p:txBody>
-      </p:sp>
-      <p:pic>
-        <p:nvPicPr>
-          <p:cNvPr id="4" name="image5.png">
-            <a:extLst>
-              <a:ext uri="{FF2B5EF4-FFF2-40B4-BE49-F238E27FC236}">
-                <a16:creationId xmlns:a16="http://schemas.microsoft.com/office/drawing/2014/main" id="{152FC0C9-DF46-44C8-86A6-CB4665AE3727}"/>
-              </a:ext>
-            </a:extLst>
-          </p:cNvPr>
-          <p:cNvPicPr/>
-          <p:nvPr/>
-        </p:nvPicPr>
-        <p:blipFill>
-          <a:blip r:embed="rId2"/>
-          <a:srcRect/>
-          <a:stretch>
-            <a:fillRect/>
-          </a:stretch>
-        </p:blipFill>
-        <p:spPr>
-          <a:xfrm>
-            <a:off x="1023730" y="2992507"/>
-            <a:ext cx="7199244" cy="3629439"/>
-          </a:xfrm>
-          <a:prstGeom prst="rect">
-            <a:avLst/>
-          </a:prstGeom>
-          <a:ln/>
-        </p:spPr>
-      </p:pic>
-      <p:sp>
-        <p:nvSpPr>
-          <p:cNvPr id="2" name="TextBox 1">
-            <a:extLst>
-              <a:ext uri="{FF2B5EF4-FFF2-40B4-BE49-F238E27FC236}">
-                <a16:creationId xmlns:a16="http://schemas.microsoft.com/office/drawing/2014/main" id="{327847B2-77FB-4DF7-B4CF-7766B4F49C58}"/>
-              </a:ext>
-            </a:extLst>
-          </p:cNvPr>
-          <p:cNvSpPr txBox="1"/>
-          <p:nvPr/>
-        </p:nvSpPr>
-        <p:spPr>
-          <a:xfrm>
-            <a:off x="8441635" y="3772729"/>
-            <a:ext cx="2809326" cy="2031325"/>
-          </a:xfrm>
-          <a:prstGeom prst="rect">
-            <a:avLst/>
-          </a:prstGeom>
-          <a:noFill/>
-        </p:spPr>
-        <p:txBody>
-          <a:bodyPr wrap="square" rtlCol="0">
-            <a:spAutoFit/>
-          </a:bodyPr>
-          <a:lstStyle/>
-          <a:p>
-            <a:r>
-              <a:rPr lang="en-US" dirty="0">
-                <a:solidFill>
-                  <a:srgbClr val="0070C0"/>
-                </a:solidFill>
-              </a:rPr>
-              <a:t>● predicted births based on trimester averages</a:t>
-            </a:r>
-          </a:p>
-          <a:p>
-            <a:endParaRPr lang="en-US" dirty="0">
-              <a:solidFill>
-                <a:srgbClr val="FF0000"/>
-              </a:solidFill>
-            </a:endParaRPr>
-          </a:p>
-          <a:p>
-            <a:r>
-              <a:rPr lang="en-US" dirty="0">
-                <a:solidFill>
-                  <a:srgbClr val="FF0000"/>
-                </a:solidFill>
-              </a:rPr>
-              <a:t>● predicted births based on Poisson model</a:t>
-            </a:r>
-          </a:p>
-          <a:p>
-            <a:endParaRPr lang="en-US" dirty="0"/>
-          </a:p>
-          <a:p>
-            <a:endParaRPr lang="en-US" dirty="0"/>
-          </a:p>
-        </p:txBody>
-      </p:sp>
-    </p:spTree>
-    <p:extLst>
-      <p:ext uri="{BB962C8B-B14F-4D97-AF65-F5344CB8AC3E}">
-        <p14:creationId xmlns:p14="http://schemas.microsoft.com/office/powerpoint/2010/main" val="3441370624"/>
-      </p:ext>
-    </p:extLst>
-  </p:cSld>
-  <p:clrMapOvr>
-    <a:masterClrMapping/>
-  </p:clrMapOvr>
-</p:sld>
-</file>
-
-<file path=ppt/slides/slide2.xml><?xml version="1.0" encoding="utf-8"?>
-<p:sld xmlns:a="http://schemas.openxmlformats.org/drawingml/2006/main" xmlns:r="http://schemas.openxmlformats.org/officeDocument/2006/relationships" xmlns:p="http://schemas.openxmlformats.org/presentationml/2006/main">
-  <p:cSld>
-    <p:spTree>
-      <p:nvGrpSpPr>
-        <p:cNvPr id="1" name=""/>
-        <p:cNvGrpSpPr/>
-        <p:nvPr/>
-      </p:nvGrpSpPr>
-      <p:grpSpPr>
-        <a:xfrm>
-          <a:off x="0" y="0"/>
-          <a:ext cx="0" cy="0"/>
-          <a:chOff x="0" y="0"/>
-          <a:chExt cx="0" cy="0"/>
-        </a:xfrm>
-      </p:grpSpPr>
-      <p:sp>
-        <p:nvSpPr>
-          <p:cNvPr id="2" name="Title 1">
-            <a:extLst>
-              <a:ext uri="{FF2B5EF4-FFF2-40B4-BE49-F238E27FC236}">
-                <a16:creationId xmlns:a16="http://schemas.microsoft.com/office/drawing/2014/main" id="{2D7BA354-2B69-4CBF-A440-4572C3C4F7F6}"/>
-              </a:ext>
-            </a:extLst>
-          </p:cNvPr>
-          <p:cNvSpPr>
-            <a:spLocks noGrp="1"/>
-          </p:cNvSpPr>
-          <p:nvPr>
-            <p:ph type="title"/>
-          </p:nvPr>
-        </p:nvSpPr>
-        <p:spPr>
-          <a:xfrm>
-            <a:off x="2027548" y="1916832"/>
-            <a:ext cx="8136904" cy="2592288"/>
-          </a:xfrm>
-        </p:spPr>
-        <p:txBody>
-          <a:bodyPr>
-            <a:normAutofit/>
-          </a:bodyPr>
-          <a:lstStyle/>
-          <a:p>
-            <a:r>
-              <a:rPr lang="en-US" sz="6000" dirty="0"/>
-              <a:t>Lecture IV. Introduction to excess mortality estimation (bonus track)</a:t>
-            </a:r>
-          </a:p>
-        </p:txBody>
-      </p:sp>
-    </p:spTree>
-    <p:extLst>
-      <p:ext uri="{BB962C8B-B14F-4D97-AF65-F5344CB8AC3E}">
-        <p14:creationId xmlns:p14="http://schemas.microsoft.com/office/powerpoint/2010/main" val="1316155987"/>
-      </p:ext>
-    </p:extLst>
-  </p:cSld>
-  <p:clrMapOvr>
-    <a:masterClrMapping/>
-  </p:clrMapOvr>
-</p:sld>
-</file>
-
-<file path=ppt/slides/slide3.xml><?xml version="1.0" encoding="utf-8"?>
-<p:sld xmlns:a="http://schemas.openxmlformats.org/drawingml/2006/main" xmlns:r="http://schemas.openxmlformats.org/officeDocument/2006/relationships" xmlns:p="http://schemas.openxmlformats.org/presentationml/2006/main">
-  <p:cSld>
-    <p:spTree>
-      <p:nvGrpSpPr>
-        <p:cNvPr id="1" name=""/>
-        <p:cNvGrpSpPr/>
-        <p:nvPr/>
-      </p:nvGrpSpPr>
-      <p:grpSpPr>
-        <a:xfrm>
-          <a:off x="0" y="0"/>
-          <a:ext cx="0" cy="0"/>
-          <a:chOff x="0" y="0"/>
-          <a:chExt cx="0" cy="0"/>
-        </a:xfrm>
-      </p:grpSpPr>
-      <p:sp>
-        <p:nvSpPr>
-          <p:cNvPr id="3" name="Content Placeholder 2"/>
-          <p:cNvSpPr>
-            <a:spLocks noGrp="1"/>
-          </p:cNvSpPr>
-          <p:nvPr>
-            <p:ph idx="1"/>
-          </p:nvPr>
-        </p:nvSpPr>
-        <p:spPr>
-          <a:xfrm>
-            <a:off x="1199456" y="1842051"/>
-            <a:ext cx="9505056" cy="4359966"/>
-          </a:xfrm>
-        </p:spPr>
-        <p:txBody>
-          <a:bodyPr>
-            <a:normAutofit fontScale="92500" lnSpcReduction="20000"/>
-          </a:bodyPr>
-          <a:lstStyle/>
-          <a:p>
-            <a:r>
-              <a:rPr lang="en-US" sz="2800" dirty="0"/>
-              <a:t>What is excess mortality?</a:t>
-            </a:r>
-          </a:p>
-          <a:p>
-            <a:pPr lvl="1"/>
-            <a:r>
-              <a:rPr lang="en-US" dirty="0"/>
-              <a:t>What is the reference or “normal” mortality?</a:t>
-            </a:r>
-          </a:p>
-          <a:p>
-            <a:pPr lvl="1"/>
-            <a:r>
-              <a:rPr lang="en-US" dirty="0"/>
-              <a:t>Who defines it?</a:t>
-            </a:r>
-          </a:p>
-          <a:p>
-            <a:pPr lvl="1"/>
-            <a:r>
-              <a:rPr lang="en-US" dirty="0"/>
-              <a:t>Requires to build a counterfactual scenario (baseline)</a:t>
-            </a:r>
-          </a:p>
-          <a:p>
-            <a:r>
-              <a:rPr lang="en-US" dirty="0"/>
-              <a:t>It is a conceptual and subjective definition</a:t>
-            </a:r>
-          </a:p>
-          <a:p>
-            <a:pPr lvl="1"/>
-            <a:r>
-              <a:rPr lang="en-US" dirty="0"/>
-              <a:t>As mortality deviations, relative to expected levels</a:t>
-            </a:r>
-          </a:p>
-          <a:p>
-            <a:pPr lvl="2"/>
-            <a:r>
-              <a:rPr lang="en-US" dirty="0"/>
-              <a:t>Usually refers to period shocks </a:t>
-            </a:r>
-          </a:p>
-          <a:p>
-            <a:pPr lvl="3"/>
-            <a:r>
-              <a:rPr lang="en-US" dirty="0"/>
-              <a:t>E.g., wars, epidemics, pandemics, heat waves, natural disasters</a:t>
-            </a:r>
-          </a:p>
-          <a:p>
-            <a:pPr lvl="2"/>
-            <a:r>
-              <a:rPr lang="en-US" dirty="0"/>
-              <a:t>Gold standard method for mortality in these contexts</a:t>
-            </a:r>
-          </a:p>
-          <a:p>
-            <a:pPr lvl="1"/>
-            <a:r>
-              <a:rPr lang="en-US" dirty="0"/>
-              <a:t>As mortality deviating from a trend</a:t>
-            </a:r>
-          </a:p>
-          <a:p>
-            <a:pPr lvl="2"/>
-            <a:r>
-              <a:rPr lang="en-US" dirty="0"/>
-              <a:t>Usually refers to a more elaborated counterfactual scenario, in several cases completely inexistent </a:t>
-            </a:r>
-          </a:p>
-          <a:p>
-            <a:pPr lvl="3"/>
-            <a:r>
-              <a:rPr lang="en-US" dirty="0"/>
-              <a:t>E.g., Young hump excess mortality, cohort excess mortality, etc.</a:t>
-            </a:r>
-          </a:p>
-          <a:p>
-            <a:pPr lvl="2"/>
-            <a:r>
-              <a:rPr lang="en-US" dirty="0"/>
-              <a:t>More a methodological tool for analysis of mortality trends</a:t>
-            </a:r>
-          </a:p>
-        </p:txBody>
-      </p:sp>
-      <p:sp>
-        <p:nvSpPr>
-          <p:cNvPr id="5" name="Title 1">
-            <a:extLst>
-              <a:ext uri="{FF2B5EF4-FFF2-40B4-BE49-F238E27FC236}">
-                <a16:creationId xmlns:a16="http://schemas.microsoft.com/office/drawing/2014/main" id="{F6D882FA-475A-4E48-A526-59B78DBD0925}"/>
-              </a:ext>
-            </a:extLst>
-          </p:cNvPr>
-          <p:cNvSpPr txBox="1">
-            <a:spLocks/>
-          </p:cNvSpPr>
-          <p:nvPr/>
-        </p:nvSpPr>
-        <p:spPr>
-          <a:xfrm>
-            <a:off x="1199456" y="412682"/>
-            <a:ext cx="8229600" cy="1143000"/>
-          </a:xfrm>
-          <a:prstGeom prst="rect">
-            <a:avLst/>
-          </a:prstGeom>
-        </p:spPr>
-        <p:txBody>
-          <a:bodyPr vert="horz" lIns="91440" tIns="45720" rIns="91440" bIns="45720" rtlCol="0" anchor="ctr">
-            <a:normAutofit/>
-          </a:bodyPr>
-          <a:lstStyle>
-            <a:lvl1pPr algn="ctr" defTabSz="914400" rtl="0" eaLnBrk="1" latinLnBrk="0" hangingPunct="1">
-              <a:spcBef>
-                <a:spcPct val="0"/>
-              </a:spcBef>
-              <a:buNone/>
-              <a:defRPr sz="4400" kern="1200">
-                <a:solidFill>
-                  <a:schemeClr val="tx1"/>
-                </a:solidFill>
-                <a:latin typeface="+mj-lt"/>
-                <a:ea typeface="+mj-ea"/>
-                <a:cs typeface="+mj-cs"/>
-              </a:defRPr>
-            </a:lvl1pPr>
-          </a:lstStyle>
-          <a:p>
-            <a:pPr algn="l"/>
-            <a:r>
-              <a:rPr lang="en-US" b="1" dirty="0"/>
-              <a:t>Excess mortality</a:t>
-            </a:r>
-          </a:p>
-        </p:txBody>
-      </p:sp>
-    </p:spTree>
-    <p:extLst>
-      <p:ext uri="{BB962C8B-B14F-4D97-AF65-F5344CB8AC3E}">
-        <p14:creationId xmlns:p14="http://schemas.microsoft.com/office/powerpoint/2010/main" val="550564623"/>
-      </p:ext>
-    </p:extLst>
-  </p:cSld>
-  <p:clrMapOvr>
-    <a:masterClrMapping/>
-  </p:clrMapOvr>
-</p:sld>
-</file>
-
-<file path=ppt/slides/slide4.xml><?xml version="1.0" encoding="utf-8"?>
-<p:sld xmlns:a="http://schemas.openxmlformats.org/drawingml/2006/main" xmlns:r="http://schemas.openxmlformats.org/officeDocument/2006/relationships" xmlns:p="http://schemas.openxmlformats.org/presentationml/2006/main">
-  <p:cSld>
-    <p:spTree>
-      <p:nvGrpSpPr>
-        <p:cNvPr id="1" name=""/>
-        <p:cNvGrpSpPr/>
-        <p:nvPr/>
-      </p:nvGrpSpPr>
-      <p:grpSpPr>
-        <a:xfrm>
-          <a:off x="0" y="0"/>
-          <a:ext cx="0" cy="0"/>
-          <a:chOff x="0" y="0"/>
-          <a:chExt cx="0" cy="0"/>
-        </a:xfrm>
-      </p:grpSpPr>
-      <p:sp>
-        <p:nvSpPr>
-          <p:cNvPr id="3" name="Content Placeholder 2"/>
-          <p:cNvSpPr>
-            <a:spLocks noGrp="1"/>
-          </p:cNvSpPr>
-          <p:nvPr>
-            <p:ph idx="1"/>
-          </p:nvPr>
-        </p:nvSpPr>
-        <p:spPr>
-          <a:xfrm>
-            <a:off x="735630" y="1842052"/>
-            <a:ext cx="9505056" cy="1895062"/>
-          </a:xfrm>
-        </p:spPr>
-        <p:txBody>
-          <a:bodyPr>
-            <a:normAutofit/>
-          </a:bodyPr>
-          <a:lstStyle/>
-          <a:p>
-            <a:r>
-              <a:rPr lang="en-US" sz="2400" dirty="0"/>
-              <a:t>Originally, excess mortality methods were proposed to measure and analyze influenza mortality</a:t>
-            </a:r>
-          </a:p>
-          <a:p>
-            <a:pPr lvl="1"/>
-            <a:r>
-              <a:rPr lang="en-US" sz="2000" dirty="0"/>
-              <a:t>Influenza is most of the times misclassified as pneumonia, cardiovascular, or respiratory diseases</a:t>
-            </a:r>
-          </a:p>
-          <a:p>
-            <a:pPr lvl="1"/>
-            <a:r>
-              <a:rPr lang="en-US" sz="2000" dirty="0"/>
-              <a:t>Need of a model that captures influenza deaths from seasonal variations</a:t>
-            </a:r>
-          </a:p>
-        </p:txBody>
-      </p:sp>
-      <p:sp>
-        <p:nvSpPr>
-          <p:cNvPr id="5" name="Title 1">
-            <a:extLst>
-              <a:ext uri="{FF2B5EF4-FFF2-40B4-BE49-F238E27FC236}">
-                <a16:creationId xmlns:a16="http://schemas.microsoft.com/office/drawing/2014/main" id="{F6D882FA-475A-4E48-A526-59B78DBD0925}"/>
-              </a:ext>
-            </a:extLst>
-          </p:cNvPr>
-          <p:cNvSpPr txBox="1">
-            <a:spLocks/>
-          </p:cNvSpPr>
-          <p:nvPr/>
-        </p:nvSpPr>
-        <p:spPr>
-          <a:xfrm>
-            <a:off x="1199456" y="531952"/>
-            <a:ext cx="8229600" cy="1143000"/>
-          </a:xfrm>
-          <a:prstGeom prst="rect">
-            <a:avLst/>
-          </a:prstGeom>
-        </p:spPr>
-        <p:txBody>
-          <a:bodyPr vert="horz" lIns="91440" tIns="45720" rIns="91440" bIns="45720" rtlCol="0" anchor="ctr">
-            <a:normAutofit fontScale="92500" lnSpcReduction="20000"/>
-          </a:bodyPr>
-          <a:lstStyle>
-            <a:lvl1pPr algn="ctr" defTabSz="914400" rtl="0" eaLnBrk="1" latinLnBrk="0" hangingPunct="1">
-              <a:spcBef>
-                <a:spcPct val="0"/>
-              </a:spcBef>
-              <a:buNone/>
-              <a:defRPr sz="4400" kern="1200">
-                <a:solidFill>
-                  <a:schemeClr val="tx1"/>
-                </a:solidFill>
-                <a:latin typeface="+mj-lt"/>
-                <a:ea typeface="+mj-ea"/>
-                <a:cs typeface="+mj-cs"/>
-              </a:defRPr>
-            </a:lvl1pPr>
-          </a:lstStyle>
-          <a:p>
-            <a:pPr algn="l"/>
-            <a:r>
-              <a:rPr lang="en-US" b="1" dirty="0"/>
-              <a:t>Excess mortality in the context of period shocks</a:t>
-            </a:r>
-          </a:p>
-        </p:txBody>
-      </p:sp>
-      <p:pic>
-        <p:nvPicPr>
-          <p:cNvPr id="1026" name="Picture 2" descr="Fig. 1">
-            <a:extLst>
-              <a:ext uri="{FF2B5EF4-FFF2-40B4-BE49-F238E27FC236}">
-                <a16:creationId xmlns:a16="http://schemas.microsoft.com/office/drawing/2014/main" id="{CF2D8FF1-9FAC-4E24-A5BC-8A52C1C7D5EB}"/>
-              </a:ext>
-            </a:extLst>
-          </p:cNvPr>
-          <p:cNvPicPr>
-            <a:picLocks noChangeAspect="1" noChangeArrowheads="1"/>
-          </p:cNvPicPr>
-          <p:nvPr/>
-        </p:nvPicPr>
-        <p:blipFill>
-          <a:blip r:embed="rId2">
-            <a:extLst>
-              <a:ext uri="{28A0092B-C50C-407E-A947-70E740481C1C}">
-                <a14:useLocalDpi xmlns:a14="http://schemas.microsoft.com/office/drawing/2010/main" val="0"/>
-              </a:ext>
-            </a:extLst>
-          </a:blip>
-          <a:srcRect/>
-          <a:stretch>
-            <a:fillRect/>
-          </a:stretch>
-        </p:blipFill>
-        <p:spPr bwMode="auto">
-          <a:xfrm>
-            <a:off x="6983896" y="3904214"/>
-            <a:ext cx="4625009" cy="2326281"/>
-          </a:xfrm>
-          <a:prstGeom prst="rect">
-            <a:avLst/>
-          </a:prstGeom>
-          <a:noFill/>
-          <a:extLst>
-            <a:ext uri="{909E8E84-426E-40DD-AFC4-6F175D3DCCD1}">
-              <a14:hiddenFill xmlns:a14="http://schemas.microsoft.com/office/drawing/2010/main">
-                <a:solidFill>
-                  <a:srgbClr val="FFFFFF"/>
-                </a:solidFill>
-              </a14:hiddenFill>
-            </a:ext>
-          </a:extLst>
-        </p:spPr>
-      </p:pic>
-      <p:sp>
-        <p:nvSpPr>
-          <p:cNvPr id="6" name="Content Placeholder 2">
-            <a:extLst>
-              <a:ext uri="{FF2B5EF4-FFF2-40B4-BE49-F238E27FC236}">
-                <a16:creationId xmlns:a16="http://schemas.microsoft.com/office/drawing/2014/main" id="{BB89BEAC-0ECF-4E43-BF53-34078C87C3CB}"/>
-              </a:ext>
-            </a:extLst>
-          </p:cNvPr>
-          <p:cNvSpPr txBox="1">
-            <a:spLocks/>
-          </p:cNvSpPr>
-          <p:nvPr/>
-        </p:nvSpPr>
-        <p:spPr>
-          <a:xfrm>
-            <a:off x="735630" y="3690731"/>
-            <a:ext cx="5824196" cy="3430449"/>
+            <a:off x="1199456" y="5901434"/>
+            <a:ext cx="9505056" cy="1351422"/>
           </a:xfrm>
           <a:prstGeom prst="rect">
             <a:avLst/>
@@ -6144,56 +3832,3050 @@
             </a:lvl9pPr>
           </a:lstStyle>
           <a:p>
-            <a:r>
-              <a:rPr lang="en-US" sz="2400" i="1" dirty="0" err="1"/>
-              <a:t>Serfling</a:t>
-            </a:r>
-            <a:r>
-              <a:rPr lang="en-US" sz="2400" dirty="0"/>
-              <a:t> model (1963)</a:t>
-            </a:r>
-          </a:p>
-          <a:p>
-            <a:pPr lvl="1"/>
-            <a:r>
-              <a:rPr lang="en-US" sz="2000" dirty="0"/>
-              <a:t>Strong assumption: influenza does not circulate during summer, and most increases during winter are due to influenza infections</a:t>
-            </a:r>
-          </a:p>
-          <a:p>
-            <a:pPr lvl="1"/>
-            <a:r>
-              <a:rPr lang="en-US" sz="2000" dirty="0"/>
-              <a:t>Simple model: a linear regression that accounts for seasonality</a:t>
-            </a:r>
-          </a:p>
-          <a:p>
-            <a:pPr lvl="1"/>
-            <a:r>
-              <a:rPr lang="en-US" sz="2000" dirty="0"/>
-              <a:t>Different variations and improvements since its original formulation</a:t>
-            </a:r>
-          </a:p>
-          <a:p>
-            <a:pPr lvl="2"/>
-            <a:endParaRPr lang="en-US" sz="1800" dirty="0"/>
-          </a:p>
-          <a:p>
-            <a:pPr lvl="1"/>
-            <a:endParaRPr lang="en-US" sz="2000" dirty="0"/>
+            <a:pPr marL="0" indent="0">
+              <a:buNone/>
+            </a:pPr>
+            <a:r>
+              <a:rPr lang="en-US" sz="2400" dirty="0">
+                <a:solidFill>
+                  <a:srgbClr val="0070C0"/>
+                </a:solidFill>
+              </a:rPr>
+              <a:t>How do these baseline differences translate in excess differences?</a:t>
+            </a:r>
           </a:p>
         </p:txBody>
       </p:sp>
     </p:spTree>
     <p:extLst>
       <p:ext uri="{BB962C8B-B14F-4D97-AF65-F5344CB8AC3E}">
-        <p14:creationId xmlns:p14="http://schemas.microsoft.com/office/powerpoint/2010/main" val="3882041152"/>
+        <p14:creationId xmlns:p14="http://schemas.microsoft.com/office/powerpoint/2010/main" val="1383172956"/>
       </p:ext>
     </p:extLst>
   </p:cSld>
   <p:clrMapOvr>
     <a:masterClrMapping/>
   </p:clrMapOvr>
+</p:sld>
+</file>
+
+<file path=ppt/slides/slide11.xml><?xml version="1.0" encoding="utf-8"?>
+<p:sld xmlns:a="http://schemas.openxmlformats.org/drawingml/2006/main" xmlns:r="http://schemas.openxmlformats.org/officeDocument/2006/relationships" xmlns:p="http://schemas.openxmlformats.org/presentationml/2006/main">
+  <p:cSld>
+    <p:spTree>
+      <p:nvGrpSpPr>
+        <p:cNvPr id="1" name=""/>
+        <p:cNvGrpSpPr/>
+        <p:nvPr/>
+      </p:nvGrpSpPr>
+      <p:grpSpPr>
+        <a:xfrm>
+          <a:off x="0" y="0"/>
+          <a:ext cx="0" cy="0"/>
+          <a:chOff x="0" y="0"/>
+          <a:chExt cx="0" cy="0"/>
+        </a:xfrm>
+      </p:grpSpPr>
+      <p:pic>
+        <p:nvPicPr>
+          <p:cNvPr id="4" name="Picture 3">
+            <a:extLst>
+              <a:ext uri="{FF2B5EF4-FFF2-40B4-BE49-F238E27FC236}">
+                <a16:creationId xmlns:a16="http://schemas.microsoft.com/office/drawing/2014/main" id="{C1634BCC-8946-478A-A074-470CC5C8EA4D}"/>
+              </a:ext>
+            </a:extLst>
+          </p:cNvPr>
+          <p:cNvPicPr>
+            <a:picLocks noChangeAspect="1"/>
+          </p:cNvPicPr>
+          <p:nvPr/>
+        </p:nvPicPr>
+        <p:blipFill>
+          <a:blip r:embed="rId2">
+            <a:extLst>
+              <a:ext uri="{28A0092B-C50C-407E-A947-70E740481C1C}">
+                <a14:useLocalDpi xmlns:a14="http://schemas.microsoft.com/office/drawing/2010/main" val="0"/>
+              </a:ext>
+            </a:extLst>
+          </a:blip>
+          <a:stretch>
+            <a:fillRect/>
+          </a:stretch>
+        </p:blipFill>
+        <p:spPr>
+          <a:xfrm>
+            <a:off x="273379" y="2651530"/>
+            <a:ext cx="11645242" cy="2911311"/>
+          </a:xfrm>
+          <a:prstGeom prst="rect">
+            <a:avLst/>
+          </a:prstGeom>
+        </p:spPr>
+      </p:pic>
+      <p:sp>
+        <p:nvSpPr>
+          <p:cNvPr id="3" name="Content Placeholder 2"/>
+          <p:cNvSpPr>
+            <a:spLocks noGrp="1"/>
+          </p:cNvSpPr>
+          <p:nvPr>
+            <p:ph idx="1"/>
+          </p:nvPr>
+        </p:nvSpPr>
+        <p:spPr>
+          <a:xfrm>
+            <a:off x="1199456" y="1674952"/>
+            <a:ext cx="9505056" cy="1351422"/>
+          </a:xfrm>
+        </p:spPr>
+        <p:txBody>
+          <a:bodyPr>
+            <a:normAutofit/>
+          </a:bodyPr>
+          <a:lstStyle/>
+          <a:p>
+            <a:r>
+              <a:rPr lang="en-US" sz="2800" dirty="0"/>
+              <a:t>Practical example: COVID-19 in Spain</a:t>
+            </a:r>
+          </a:p>
+          <a:p>
+            <a:pPr lvl="1"/>
+            <a:r>
+              <a:rPr lang="en-US" dirty="0"/>
+              <a:t>Cumulative excess by approach</a:t>
+            </a:r>
+          </a:p>
+        </p:txBody>
+      </p:sp>
+      <p:sp>
+        <p:nvSpPr>
+          <p:cNvPr id="5" name="Title 1">
+            <a:extLst>
+              <a:ext uri="{FF2B5EF4-FFF2-40B4-BE49-F238E27FC236}">
+                <a16:creationId xmlns:a16="http://schemas.microsoft.com/office/drawing/2014/main" id="{F6D882FA-475A-4E48-A526-59B78DBD0925}"/>
+              </a:ext>
+            </a:extLst>
+          </p:cNvPr>
+          <p:cNvSpPr txBox="1">
+            <a:spLocks/>
+          </p:cNvSpPr>
+          <p:nvPr/>
+        </p:nvSpPr>
+        <p:spPr>
+          <a:xfrm>
+            <a:off x="1199456" y="531952"/>
+            <a:ext cx="8229600" cy="1143000"/>
+          </a:xfrm>
+          <a:prstGeom prst="rect">
+            <a:avLst/>
+          </a:prstGeom>
+        </p:spPr>
+        <p:txBody>
+          <a:bodyPr vert="horz" lIns="91440" tIns="45720" rIns="91440" bIns="45720" rtlCol="0" anchor="ctr">
+            <a:normAutofit fontScale="92500" lnSpcReduction="20000"/>
+          </a:bodyPr>
+          <a:lstStyle>
+            <a:lvl1pPr algn="ctr" defTabSz="914400" rtl="0" eaLnBrk="1" latinLnBrk="0" hangingPunct="1">
+              <a:spcBef>
+                <a:spcPct val="0"/>
+              </a:spcBef>
+              <a:buNone/>
+              <a:defRPr sz="4400" kern="1200">
+                <a:solidFill>
+                  <a:schemeClr val="tx1"/>
+                </a:solidFill>
+                <a:latin typeface="+mj-lt"/>
+                <a:ea typeface="+mj-ea"/>
+                <a:cs typeface="+mj-cs"/>
+              </a:defRPr>
+            </a:lvl1pPr>
+          </a:lstStyle>
+          <a:p>
+            <a:pPr algn="l"/>
+            <a:r>
+              <a:rPr lang="en-US" b="1" dirty="0"/>
+              <a:t>Excess mortality in the context of COVID-19</a:t>
+            </a:r>
+          </a:p>
+        </p:txBody>
+      </p:sp>
+      <p:sp>
+        <p:nvSpPr>
+          <p:cNvPr id="8" name="TextBox 7">
+            <a:extLst>
+              <a:ext uri="{FF2B5EF4-FFF2-40B4-BE49-F238E27FC236}">
+                <a16:creationId xmlns:a16="http://schemas.microsoft.com/office/drawing/2014/main" id="{2DEE9998-6848-465C-9397-F90D3529EBE3}"/>
+              </a:ext>
+            </a:extLst>
+          </p:cNvPr>
+          <p:cNvSpPr txBox="1"/>
+          <p:nvPr/>
+        </p:nvSpPr>
+        <p:spPr>
+          <a:xfrm>
+            <a:off x="1461656" y="5624945"/>
+            <a:ext cx="8818418" cy="646331"/>
+          </a:xfrm>
+          <a:prstGeom prst="rect">
+            <a:avLst/>
+          </a:prstGeom>
+          <a:noFill/>
+        </p:spPr>
+        <p:txBody>
+          <a:bodyPr wrap="square" rtlCol="0">
+            <a:spAutoFit/>
+          </a:bodyPr>
+          <a:lstStyle/>
+          <a:p>
+            <a:r>
+              <a:rPr lang="en-US" i="1" dirty="0"/>
+              <a:t>Weekly-average</a:t>
+            </a:r>
+            <a:r>
+              <a:rPr lang="en-US" dirty="0"/>
+              <a:t> and</a:t>
+            </a:r>
+            <a:r>
+              <a:rPr lang="en-US" i="1" dirty="0"/>
+              <a:t> Week-specific average </a:t>
+            </a:r>
+            <a:r>
+              <a:rPr lang="en-US" dirty="0"/>
+              <a:t>excess estimates are </a:t>
+            </a:r>
+            <a:r>
+              <a:rPr lang="en-US" b="1" dirty="0">
+                <a:solidFill>
+                  <a:srgbClr val="FF0000"/>
+                </a:solidFill>
+              </a:rPr>
+              <a:t>82%</a:t>
+            </a:r>
+            <a:r>
+              <a:rPr lang="en-US" dirty="0"/>
+              <a:t> and </a:t>
+            </a:r>
+            <a:r>
+              <a:rPr lang="en-US" b="1" dirty="0">
+                <a:solidFill>
+                  <a:srgbClr val="FF0000"/>
+                </a:solidFill>
+              </a:rPr>
+              <a:t>97%</a:t>
+            </a:r>
+            <a:r>
+              <a:rPr lang="en-US" dirty="0"/>
+              <a:t> higher than those obtained using the Poisson model approach; </a:t>
+            </a:r>
+            <a:r>
+              <a:rPr lang="en-US" b="1" dirty="0"/>
+              <a:t>almost twice</a:t>
+            </a:r>
+            <a:r>
+              <a:rPr lang="en-US" dirty="0"/>
+              <a:t>!!</a:t>
+            </a:r>
+          </a:p>
+        </p:txBody>
+      </p:sp>
+    </p:spTree>
+    <p:extLst>
+      <p:ext uri="{BB962C8B-B14F-4D97-AF65-F5344CB8AC3E}">
+        <p14:creationId xmlns:p14="http://schemas.microsoft.com/office/powerpoint/2010/main" val="1701717309"/>
+      </p:ext>
+    </p:extLst>
+  </p:cSld>
+  <p:clrMapOvr>
+    <a:masterClrMapping/>
+  </p:clrMapOvr>
+</p:sld>
+</file>
+
+<file path=ppt/slides/slide12.xml><?xml version="1.0" encoding="utf-8"?>
+<p:sld xmlns:a="http://schemas.openxmlformats.org/drawingml/2006/main" xmlns:r="http://schemas.openxmlformats.org/officeDocument/2006/relationships" xmlns:p="http://schemas.openxmlformats.org/presentationml/2006/main">
+  <p:cSld>
+    <p:spTree>
+      <p:nvGrpSpPr>
+        <p:cNvPr id="1" name=""/>
+        <p:cNvGrpSpPr/>
+        <p:nvPr/>
+      </p:nvGrpSpPr>
+      <p:grpSpPr>
+        <a:xfrm>
+          <a:off x="0" y="0"/>
+          <a:ext cx="0" cy="0"/>
+          <a:chOff x="0" y="0"/>
+          <a:chExt cx="0" cy="0"/>
+        </a:xfrm>
+      </p:grpSpPr>
+      <p:sp>
+        <p:nvSpPr>
+          <p:cNvPr id="3" name="Content Placeholder 2"/>
+          <p:cNvSpPr>
+            <a:spLocks noGrp="1"/>
+          </p:cNvSpPr>
+          <p:nvPr>
+            <p:ph idx="1"/>
+          </p:nvPr>
+        </p:nvSpPr>
+        <p:spPr>
+          <a:xfrm>
+            <a:off x="1199456" y="1842051"/>
+            <a:ext cx="9505056" cy="2597427"/>
+          </a:xfrm>
+        </p:spPr>
+        <p:txBody>
+          <a:bodyPr>
+            <a:normAutofit/>
+          </a:bodyPr>
+          <a:lstStyle/>
+          <a:p>
+            <a:r>
+              <a:rPr lang="en-US" sz="2800" dirty="0"/>
+              <a:t>Avoided mortality:</a:t>
+            </a:r>
+          </a:p>
+          <a:p>
+            <a:pPr lvl="1"/>
+            <a:r>
+              <a:rPr lang="en-US" dirty="0"/>
+              <a:t>Expected deaths that did not occur</a:t>
+            </a:r>
+          </a:p>
+          <a:p>
+            <a:pPr lvl="1"/>
+            <a:r>
+              <a:rPr lang="en-US" dirty="0"/>
+              <a:t>During the pandemic, influenza circulation was very low. However, the baseline is built under “normal” circumstances, which include typical influenza mortality. </a:t>
+            </a:r>
+          </a:p>
+          <a:p>
+            <a:pPr lvl="2"/>
+            <a:r>
+              <a:rPr lang="en-US" dirty="0"/>
+              <a:t>Should we include influenza deaths in the baseline?</a:t>
+            </a:r>
+          </a:p>
+          <a:p>
+            <a:pPr lvl="1"/>
+            <a:endParaRPr lang="en-US" dirty="0"/>
+          </a:p>
+          <a:p>
+            <a:pPr lvl="1"/>
+            <a:endParaRPr lang="en-US" dirty="0"/>
+          </a:p>
+        </p:txBody>
+      </p:sp>
+      <p:sp>
+        <p:nvSpPr>
+          <p:cNvPr id="5" name="Title 1">
+            <a:extLst>
+              <a:ext uri="{FF2B5EF4-FFF2-40B4-BE49-F238E27FC236}">
+                <a16:creationId xmlns:a16="http://schemas.microsoft.com/office/drawing/2014/main" id="{F6D882FA-475A-4E48-A526-59B78DBD0925}"/>
+              </a:ext>
+            </a:extLst>
+          </p:cNvPr>
+          <p:cNvSpPr txBox="1">
+            <a:spLocks/>
+          </p:cNvSpPr>
+          <p:nvPr/>
+        </p:nvSpPr>
+        <p:spPr>
+          <a:xfrm>
+            <a:off x="1199455" y="531952"/>
+            <a:ext cx="9369153" cy="1143000"/>
+          </a:xfrm>
+          <a:prstGeom prst="rect">
+            <a:avLst/>
+          </a:prstGeom>
+        </p:spPr>
+        <p:txBody>
+          <a:bodyPr vert="horz" lIns="91440" tIns="45720" rIns="91440" bIns="45720" rtlCol="0" anchor="ctr">
+            <a:normAutofit fontScale="92500" lnSpcReduction="20000"/>
+          </a:bodyPr>
+          <a:lstStyle>
+            <a:lvl1pPr algn="ctr" defTabSz="914400" rtl="0" eaLnBrk="1" latinLnBrk="0" hangingPunct="1">
+              <a:spcBef>
+                <a:spcPct val="0"/>
+              </a:spcBef>
+              <a:buNone/>
+              <a:defRPr sz="4400" kern="1200">
+                <a:solidFill>
+                  <a:schemeClr val="tx1"/>
+                </a:solidFill>
+                <a:latin typeface="+mj-lt"/>
+                <a:ea typeface="+mj-ea"/>
+                <a:cs typeface="+mj-cs"/>
+              </a:defRPr>
+            </a:lvl1pPr>
+          </a:lstStyle>
+          <a:p>
+            <a:pPr algn="l"/>
+            <a:r>
+              <a:rPr lang="en-US" b="1" dirty="0"/>
+              <a:t>A few conceptual challenges in measuring excess mortality</a:t>
+            </a:r>
+          </a:p>
+        </p:txBody>
+      </p:sp>
+      <p:sp>
+        <p:nvSpPr>
+          <p:cNvPr id="4" name="TextBox 3">
+            <a:extLst>
+              <a:ext uri="{FF2B5EF4-FFF2-40B4-BE49-F238E27FC236}">
+                <a16:creationId xmlns:a16="http://schemas.microsoft.com/office/drawing/2014/main" id="{11EBC4F0-F3A0-4B18-A5D4-A18EB858D4EA}"/>
+              </a:ext>
+            </a:extLst>
+          </p:cNvPr>
+          <p:cNvSpPr txBox="1"/>
+          <p:nvPr/>
+        </p:nvSpPr>
+        <p:spPr>
+          <a:xfrm>
+            <a:off x="8998226" y="4724401"/>
+            <a:ext cx="2252870" cy="738664"/>
+          </a:xfrm>
+          <a:prstGeom prst="rect">
+            <a:avLst/>
+          </a:prstGeom>
+          <a:noFill/>
+        </p:spPr>
+        <p:txBody>
+          <a:bodyPr wrap="square" rtlCol="0">
+            <a:spAutoFit/>
+          </a:bodyPr>
+          <a:lstStyle/>
+          <a:p>
+            <a:r>
+              <a:rPr lang="en-US" sz="1400" i="1" dirty="0"/>
+              <a:t>Example: Belgium excess estimates in 2020</a:t>
+            </a:r>
+          </a:p>
+          <a:p>
+            <a:r>
+              <a:rPr lang="en-US" sz="1400" i="1" dirty="0"/>
+              <a:t>Source: STMF</a:t>
+            </a:r>
+          </a:p>
+        </p:txBody>
+      </p:sp>
+      <p:pic>
+        <p:nvPicPr>
+          <p:cNvPr id="8" name="Picture 7">
+            <a:extLst>
+              <a:ext uri="{FF2B5EF4-FFF2-40B4-BE49-F238E27FC236}">
+                <a16:creationId xmlns:a16="http://schemas.microsoft.com/office/drawing/2014/main" id="{47C4953A-8A74-4F23-AD93-DDD740C70413}"/>
+              </a:ext>
+            </a:extLst>
+          </p:cNvPr>
+          <p:cNvPicPr>
+            <a:picLocks noChangeAspect="1"/>
+          </p:cNvPicPr>
+          <p:nvPr/>
+        </p:nvPicPr>
+        <p:blipFill rotWithShape="1">
+          <a:blip r:embed="rId2">
+            <a:extLst>
+              <a:ext uri="{28A0092B-C50C-407E-A947-70E740481C1C}">
+                <a14:useLocalDpi xmlns:a14="http://schemas.microsoft.com/office/drawing/2010/main" val="0"/>
+              </a:ext>
+            </a:extLst>
+          </a:blip>
+          <a:srcRect/>
+          <a:stretch/>
+        </p:blipFill>
+        <p:spPr>
+          <a:xfrm>
+            <a:off x="2206486" y="4201130"/>
+            <a:ext cx="6513249" cy="2345443"/>
+          </a:xfrm>
+          <a:prstGeom prst="rect">
+            <a:avLst/>
+          </a:prstGeom>
+        </p:spPr>
+      </p:pic>
+      <p:sp>
+        <p:nvSpPr>
+          <p:cNvPr id="9" name="Oval 8">
+            <a:extLst>
+              <a:ext uri="{FF2B5EF4-FFF2-40B4-BE49-F238E27FC236}">
+                <a16:creationId xmlns:a16="http://schemas.microsoft.com/office/drawing/2014/main" id="{434EBF43-6239-443B-8BD4-985F3D44D204}"/>
+              </a:ext>
+            </a:extLst>
+          </p:cNvPr>
+          <p:cNvSpPr/>
+          <p:nvPr/>
+        </p:nvSpPr>
+        <p:spPr>
+          <a:xfrm>
+            <a:off x="2478157" y="5463065"/>
+            <a:ext cx="1464366" cy="785336"/>
+          </a:xfrm>
+          <a:prstGeom prst="ellipse">
+            <a:avLst/>
+          </a:prstGeom>
+          <a:noFill/>
+          <a:ln w="28575">
+            <a:solidFill>
+              <a:srgbClr val="FF0000"/>
+            </a:solidFill>
+          </a:ln>
+        </p:spPr>
+        <p:style>
+          <a:lnRef idx="2">
+            <a:schemeClr val="accent1">
+              <a:shade val="50000"/>
+            </a:schemeClr>
+          </a:lnRef>
+          <a:fillRef idx="1">
+            <a:schemeClr val="accent1"/>
+          </a:fillRef>
+          <a:effectRef idx="0">
+            <a:schemeClr val="accent1"/>
+          </a:effectRef>
+          <a:fontRef idx="minor">
+            <a:schemeClr val="lt1"/>
+          </a:fontRef>
+        </p:style>
+        <p:txBody>
+          <a:bodyPr rtlCol="0" anchor="ctr"/>
+          <a:lstStyle/>
+          <a:p>
+            <a:pPr algn="ctr"/>
+            <a:endParaRPr lang="en-US"/>
+          </a:p>
+        </p:txBody>
+      </p:sp>
+    </p:spTree>
+    <p:extLst>
+      <p:ext uri="{BB962C8B-B14F-4D97-AF65-F5344CB8AC3E}">
+        <p14:creationId xmlns:p14="http://schemas.microsoft.com/office/powerpoint/2010/main" val="4238229461"/>
+      </p:ext>
+    </p:extLst>
+  </p:cSld>
+  <p:clrMapOvr>
+    <a:masterClrMapping/>
+  </p:clrMapOvr>
+</p:sld>
+</file>
+
+<file path=ppt/slides/slide13.xml><?xml version="1.0" encoding="utf-8"?>
+<p:sld xmlns:a="http://schemas.openxmlformats.org/drawingml/2006/main" xmlns:r="http://schemas.openxmlformats.org/officeDocument/2006/relationships" xmlns:p="http://schemas.openxmlformats.org/presentationml/2006/main">
+  <p:cSld>
+    <p:spTree>
+      <p:nvGrpSpPr>
+        <p:cNvPr id="1" name=""/>
+        <p:cNvGrpSpPr/>
+        <p:nvPr/>
+      </p:nvGrpSpPr>
+      <p:grpSpPr>
+        <a:xfrm>
+          <a:off x="0" y="0"/>
+          <a:ext cx="0" cy="0"/>
+          <a:chOff x="0" y="0"/>
+          <a:chExt cx="0" cy="0"/>
+        </a:xfrm>
+      </p:grpSpPr>
+      <p:sp>
+        <p:nvSpPr>
+          <p:cNvPr id="3" name="Content Placeholder 2"/>
+          <p:cNvSpPr>
+            <a:spLocks noGrp="1"/>
+          </p:cNvSpPr>
+          <p:nvPr>
+            <p:ph idx="1"/>
+          </p:nvPr>
+        </p:nvSpPr>
+        <p:spPr>
+          <a:xfrm>
+            <a:off x="1199456" y="1842051"/>
+            <a:ext cx="9505056" cy="2597427"/>
+          </a:xfrm>
+        </p:spPr>
+        <p:txBody>
+          <a:bodyPr>
+            <a:normAutofit/>
+          </a:bodyPr>
+          <a:lstStyle/>
+          <a:p>
+            <a:r>
+              <a:rPr lang="en-US" sz="2800" dirty="0"/>
+              <a:t>Avoided mortality:</a:t>
+            </a:r>
+          </a:p>
+          <a:p>
+            <a:pPr lvl="1"/>
+            <a:r>
+              <a:rPr lang="en-US" dirty="0"/>
+              <a:t>Question: How would you consider the baseline mortality? As a “typical” period, or would you adjust for exceptional characteristics?</a:t>
+            </a:r>
+          </a:p>
+          <a:p>
+            <a:pPr lvl="1"/>
+            <a:r>
+              <a:rPr lang="en-US" dirty="0"/>
+              <a:t>Possible adjustment: remove influenza deaths from previous years before estimating the baseline</a:t>
+            </a:r>
+          </a:p>
+          <a:p>
+            <a:pPr lvl="1"/>
+            <a:endParaRPr lang="en-US" dirty="0"/>
+          </a:p>
+        </p:txBody>
+      </p:sp>
+      <p:sp>
+        <p:nvSpPr>
+          <p:cNvPr id="5" name="Title 1">
+            <a:extLst>
+              <a:ext uri="{FF2B5EF4-FFF2-40B4-BE49-F238E27FC236}">
+                <a16:creationId xmlns:a16="http://schemas.microsoft.com/office/drawing/2014/main" id="{F6D882FA-475A-4E48-A526-59B78DBD0925}"/>
+              </a:ext>
+            </a:extLst>
+          </p:cNvPr>
+          <p:cNvSpPr txBox="1">
+            <a:spLocks/>
+          </p:cNvSpPr>
+          <p:nvPr/>
+        </p:nvSpPr>
+        <p:spPr>
+          <a:xfrm>
+            <a:off x="1199455" y="531952"/>
+            <a:ext cx="9369153" cy="1143000"/>
+          </a:xfrm>
+          <a:prstGeom prst="rect">
+            <a:avLst/>
+          </a:prstGeom>
+        </p:spPr>
+        <p:txBody>
+          <a:bodyPr vert="horz" lIns="91440" tIns="45720" rIns="91440" bIns="45720" rtlCol="0" anchor="ctr">
+            <a:normAutofit fontScale="92500" lnSpcReduction="20000"/>
+          </a:bodyPr>
+          <a:lstStyle>
+            <a:lvl1pPr algn="ctr" defTabSz="914400" rtl="0" eaLnBrk="1" latinLnBrk="0" hangingPunct="1">
+              <a:spcBef>
+                <a:spcPct val="0"/>
+              </a:spcBef>
+              <a:buNone/>
+              <a:defRPr sz="4400" kern="1200">
+                <a:solidFill>
+                  <a:schemeClr val="tx1"/>
+                </a:solidFill>
+                <a:latin typeface="+mj-lt"/>
+                <a:ea typeface="+mj-ea"/>
+                <a:cs typeface="+mj-cs"/>
+              </a:defRPr>
+            </a:lvl1pPr>
+          </a:lstStyle>
+          <a:p>
+            <a:pPr algn="l"/>
+            <a:r>
+              <a:rPr lang="en-US" b="1" dirty="0"/>
+              <a:t>A few conceptual challenges in measuring excess mortality</a:t>
+            </a:r>
+          </a:p>
+        </p:txBody>
+      </p:sp>
+      <p:pic>
+        <p:nvPicPr>
+          <p:cNvPr id="7" name="Picture 6">
+            <a:extLst>
+              <a:ext uri="{FF2B5EF4-FFF2-40B4-BE49-F238E27FC236}">
+                <a16:creationId xmlns:a16="http://schemas.microsoft.com/office/drawing/2014/main" id="{9014AA15-42EB-4919-8018-3AEF7D2D3ECC}"/>
+              </a:ext>
+            </a:extLst>
+          </p:cNvPr>
+          <p:cNvPicPr>
+            <a:picLocks noChangeAspect="1"/>
+          </p:cNvPicPr>
+          <p:nvPr/>
+        </p:nvPicPr>
+        <p:blipFill rotWithShape="1">
+          <a:blip r:embed="rId2">
+            <a:extLst>
+              <a:ext uri="{28A0092B-C50C-407E-A947-70E740481C1C}">
+                <a14:useLocalDpi xmlns:a14="http://schemas.microsoft.com/office/drawing/2010/main" val="0"/>
+              </a:ext>
+            </a:extLst>
+          </a:blip>
+          <a:srcRect/>
+          <a:stretch/>
+        </p:blipFill>
+        <p:spPr>
+          <a:xfrm>
+            <a:off x="2206486" y="4201130"/>
+            <a:ext cx="6513249" cy="2345443"/>
+          </a:xfrm>
+          <a:prstGeom prst="rect">
+            <a:avLst/>
+          </a:prstGeom>
+        </p:spPr>
+      </p:pic>
+      <p:sp>
+        <p:nvSpPr>
+          <p:cNvPr id="8" name="TextBox 7">
+            <a:extLst>
+              <a:ext uri="{FF2B5EF4-FFF2-40B4-BE49-F238E27FC236}">
+                <a16:creationId xmlns:a16="http://schemas.microsoft.com/office/drawing/2014/main" id="{D49216DF-32DF-467C-9D80-222DFF406314}"/>
+              </a:ext>
+            </a:extLst>
+          </p:cNvPr>
+          <p:cNvSpPr txBox="1"/>
+          <p:nvPr/>
+        </p:nvSpPr>
+        <p:spPr>
+          <a:xfrm>
+            <a:off x="8998226" y="4724401"/>
+            <a:ext cx="2252870" cy="738664"/>
+          </a:xfrm>
+          <a:prstGeom prst="rect">
+            <a:avLst/>
+          </a:prstGeom>
+          <a:noFill/>
+        </p:spPr>
+        <p:txBody>
+          <a:bodyPr wrap="square" rtlCol="0">
+            <a:spAutoFit/>
+          </a:bodyPr>
+          <a:lstStyle/>
+          <a:p>
+            <a:r>
+              <a:rPr lang="en-US" sz="1400" i="1" dirty="0"/>
+              <a:t>Example: Belgium excess estimates in 2020</a:t>
+            </a:r>
+          </a:p>
+          <a:p>
+            <a:r>
+              <a:rPr lang="en-US" sz="1400" i="1" dirty="0"/>
+              <a:t>Source: STMF</a:t>
+            </a:r>
+          </a:p>
+        </p:txBody>
+      </p:sp>
+      <p:sp>
+        <p:nvSpPr>
+          <p:cNvPr id="9" name="Oval 8">
+            <a:extLst>
+              <a:ext uri="{FF2B5EF4-FFF2-40B4-BE49-F238E27FC236}">
+                <a16:creationId xmlns:a16="http://schemas.microsoft.com/office/drawing/2014/main" id="{C3B79E44-0B43-480D-BA3F-141F023B7C60}"/>
+              </a:ext>
+            </a:extLst>
+          </p:cNvPr>
+          <p:cNvSpPr/>
+          <p:nvPr/>
+        </p:nvSpPr>
+        <p:spPr>
+          <a:xfrm>
+            <a:off x="2478157" y="5463065"/>
+            <a:ext cx="1464366" cy="785336"/>
+          </a:xfrm>
+          <a:prstGeom prst="ellipse">
+            <a:avLst/>
+          </a:prstGeom>
+          <a:noFill/>
+          <a:ln w="28575">
+            <a:solidFill>
+              <a:srgbClr val="FF0000"/>
+            </a:solidFill>
+          </a:ln>
+        </p:spPr>
+        <p:style>
+          <a:lnRef idx="2">
+            <a:schemeClr val="accent1">
+              <a:shade val="50000"/>
+            </a:schemeClr>
+          </a:lnRef>
+          <a:fillRef idx="1">
+            <a:schemeClr val="accent1"/>
+          </a:fillRef>
+          <a:effectRef idx="0">
+            <a:schemeClr val="accent1"/>
+          </a:effectRef>
+          <a:fontRef idx="minor">
+            <a:schemeClr val="lt1"/>
+          </a:fontRef>
+        </p:style>
+        <p:txBody>
+          <a:bodyPr rtlCol="0" anchor="ctr"/>
+          <a:lstStyle/>
+          <a:p>
+            <a:pPr algn="ctr"/>
+            <a:endParaRPr lang="en-US"/>
+          </a:p>
+        </p:txBody>
+      </p:sp>
+    </p:spTree>
+    <p:extLst>
+      <p:ext uri="{BB962C8B-B14F-4D97-AF65-F5344CB8AC3E}">
+        <p14:creationId xmlns:p14="http://schemas.microsoft.com/office/powerpoint/2010/main" val="3867474365"/>
+      </p:ext>
+    </p:extLst>
+  </p:cSld>
+  <p:clrMapOvr>
+    <a:masterClrMapping/>
+  </p:clrMapOvr>
+</p:sld>
+</file>
+
+<file path=ppt/slides/slide14.xml><?xml version="1.0" encoding="utf-8"?>
+<p:sld xmlns:a="http://schemas.openxmlformats.org/drawingml/2006/main" xmlns:r="http://schemas.openxmlformats.org/officeDocument/2006/relationships" xmlns:p="http://schemas.openxmlformats.org/presentationml/2006/main">
+  <p:cSld>
+    <p:spTree>
+      <p:nvGrpSpPr>
+        <p:cNvPr id="1" name=""/>
+        <p:cNvGrpSpPr/>
+        <p:nvPr/>
+      </p:nvGrpSpPr>
+      <p:grpSpPr>
+        <a:xfrm>
+          <a:off x="0" y="0"/>
+          <a:ext cx="0" cy="0"/>
+          <a:chOff x="0" y="0"/>
+          <a:chExt cx="0" cy="0"/>
+        </a:xfrm>
+      </p:grpSpPr>
+      <p:sp>
+        <p:nvSpPr>
+          <p:cNvPr id="3" name="Content Placeholder 2"/>
+          <p:cNvSpPr>
+            <a:spLocks noGrp="1"/>
+          </p:cNvSpPr>
+          <p:nvPr>
+            <p:ph idx="1"/>
+          </p:nvPr>
+        </p:nvSpPr>
+        <p:spPr>
+          <a:xfrm>
+            <a:off x="1199456" y="1842051"/>
+            <a:ext cx="9505056" cy="3962401"/>
+          </a:xfrm>
+        </p:spPr>
+        <p:txBody>
+          <a:bodyPr>
+            <a:normAutofit/>
+          </a:bodyPr>
+          <a:lstStyle/>
+          <a:p>
+            <a:r>
+              <a:rPr lang="en-US" dirty="0"/>
+              <a:t>Mortality displacement:</a:t>
+            </a:r>
+          </a:p>
+          <a:p>
+            <a:pPr lvl="1"/>
+            <a:r>
+              <a:rPr lang="en-US" dirty="0"/>
+              <a:t>Deaths of frail or sick people that were expected to occur during the observation period, but were brought forward by COVID-19 (aka., </a:t>
+            </a:r>
+            <a:r>
+              <a:rPr lang="en-US" i="1" dirty="0"/>
+              <a:t>harvesting effect</a:t>
+            </a:r>
+            <a:r>
+              <a:rPr lang="en-US" dirty="0"/>
+              <a:t>)</a:t>
+            </a:r>
+          </a:p>
+          <a:p>
+            <a:pPr lvl="2"/>
+            <a:r>
+              <a:rPr lang="en-US" dirty="0"/>
+              <a:t>Result in a temporary surplus in mortality followed by a deficit</a:t>
+            </a:r>
+          </a:p>
+          <a:p>
+            <a:pPr lvl="2"/>
+            <a:r>
+              <a:rPr lang="en-US" dirty="0"/>
+              <a:t>Issue: These deaths are ignored when calculating cumulative excess deaths!!</a:t>
+            </a:r>
+          </a:p>
+          <a:p>
+            <a:pPr lvl="1"/>
+            <a:endParaRPr lang="en-US" dirty="0"/>
+          </a:p>
+        </p:txBody>
+      </p:sp>
+      <p:sp>
+        <p:nvSpPr>
+          <p:cNvPr id="4" name="Title 1">
+            <a:extLst>
+              <a:ext uri="{FF2B5EF4-FFF2-40B4-BE49-F238E27FC236}">
+                <a16:creationId xmlns:a16="http://schemas.microsoft.com/office/drawing/2014/main" id="{DC46E228-8C17-45CD-86DE-C0BF03BCC47D}"/>
+              </a:ext>
+            </a:extLst>
+          </p:cNvPr>
+          <p:cNvSpPr txBox="1">
+            <a:spLocks/>
+          </p:cNvSpPr>
+          <p:nvPr/>
+        </p:nvSpPr>
+        <p:spPr>
+          <a:xfrm>
+            <a:off x="1199455" y="531952"/>
+            <a:ext cx="9369153" cy="1143000"/>
+          </a:xfrm>
+          <a:prstGeom prst="rect">
+            <a:avLst/>
+          </a:prstGeom>
+        </p:spPr>
+        <p:txBody>
+          <a:bodyPr vert="horz" lIns="91440" tIns="45720" rIns="91440" bIns="45720" rtlCol="0" anchor="ctr">
+            <a:normAutofit fontScale="92500" lnSpcReduction="20000"/>
+          </a:bodyPr>
+          <a:lstStyle>
+            <a:lvl1pPr algn="ctr" defTabSz="914400" rtl="0" eaLnBrk="1" latinLnBrk="0" hangingPunct="1">
+              <a:spcBef>
+                <a:spcPct val="0"/>
+              </a:spcBef>
+              <a:buNone/>
+              <a:defRPr sz="4400" kern="1200">
+                <a:solidFill>
+                  <a:schemeClr val="tx1"/>
+                </a:solidFill>
+                <a:latin typeface="+mj-lt"/>
+                <a:ea typeface="+mj-ea"/>
+                <a:cs typeface="+mj-cs"/>
+              </a:defRPr>
+            </a:lvl1pPr>
+          </a:lstStyle>
+          <a:p>
+            <a:pPr algn="l"/>
+            <a:r>
+              <a:rPr lang="en-US" b="1" dirty="0"/>
+              <a:t>A few conceptual challenges in measuring excess mortality</a:t>
+            </a:r>
+          </a:p>
+        </p:txBody>
+      </p:sp>
+      <p:sp>
+        <p:nvSpPr>
+          <p:cNvPr id="6" name="TextBox 5">
+            <a:extLst>
+              <a:ext uri="{FF2B5EF4-FFF2-40B4-BE49-F238E27FC236}">
+                <a16:creationId xmlns:a16="http://schemas.microsoft.com/office/drawing/2014/main" id="{873F2752-B09D-453D-ACB0-CC9C58A35759}"/>
+              </a:ext>
+            </a:extLst>
+          </p:cNvPr>
+          <p:cNvSpPr txBox="1"/>
+          <p:nvPr/>
+        </p:nvSpPr>
+        <p:spPr>
+          <a:xfrm>
+            <a:off x="8998226" y="4724401"/>
+            <a:ext cx="2252870" cy="738664"/>
+          </a:xfrm>
+          <a:prstGeom prst="rect">
+            <a:avLst/>
+          </a:prstGeom>
+          <a:noFill/>
+        </p:spPr>
+        <p:txBody>
+          <a:bodyPr wrap="square" rtlCol="0">
+            <a:spAutoFit/>
+          </a:bodyPr>
+          <a:lstStyle/>
+          <a:p>
+            <a:r>
+              <a:rPr lang="en-US" sz="1400" i="1" dirty="0"/>
+              <a:t>Example: Belgium excess estimates in 2020</a:t>
+            </a:r>
+          </a:p>
+          <a:p>
+            <a:r>
+              <a:rPr lang="en-US" sz="1400" i="1" dirty="0"/>
+              <a:t>Source: STMF</a:t>
+            </a:r>
+          </a:p>
+        </p:txBody>
+      </p:sp>
+      <p:pic>
+        <p:nvPicPr>
+          <p:cNvPr id="7" name="Picture 6">
+            <a:extLst>
+              <a:ext uri="{FF2B5EF4-FFF2-40B4-BE49-F238E27FC236}">
+                <a16:creationId xmlns:a16="http://schemas.microsoft.com/office/drawing/2014/main" id="{6CCAA3E2-2234-41A4-93A0-60931B95DD23}"/>
+              </a:ext>
+            </a:extLst>
+          </p:cNvPr>
+          <p:cNvPicPr>
+            <a:picLocks noChangeAspect="1"/>
+          </p:cNvPicPr>
+          <p:nvPr/>
+        </p:nvPicPr>
+        <p:blipFill rotWithShape="1">
+          <a:blip r:embed="rId2">
+            <a:extLst>
+              <a:ext uri="{28A0092B-C50C-407E-A947-70E740481C1C}">
+                <a14:useLocalDpi xmlns:a14="http://schemas.microsoft.com/office/drawing/2010/main" val="0"/>
+              </a:ext>
+            </a:extLst>
+          </a:blip>
+          <a:srcRect/>
+          <a:stretch/>
+        </p:blipFill>
+        <p:spPr>
+          <a:xfrm>
+            <a:off x="2206486" y="4201130"/>
+            <a:ext cx="6513249" cy="2345443"/>
+          </a:xfrm>
+          <a:prstGeom prst="rect">
+            <a:avLst/>
+          </a:prstGeom>
+        </p:spPr>
+      </p:pic>
+      <p:sp>
+        <p:nvSpPr>
+          <p:cNvPr id="8" name="Oval 7">
+            <a:extLst>
+              <a:ext uri="{FF2B5EF4-FFF2-40B4-BE49-F238E27FC236}">
+                <a16:creationId xmlns:a16="http://schemas.microsoft.com/office/drawing/2014/main" id="{9D3BE543-70AB-4967-8FBD-BBD391C38E66}"/>
+              </a:ext>
+            </a:extLst>
+          </p:cNvPr>
+          <p:cNvSpPr/>
+          <p:nvPr/>
+        </p:nvSpPr>
+        <p:spPr>
+          <a:xfrm>
+            <a:off x="4903305" y="5661847"/>
+            <a:ext cx="1464366" cy="785336"/>
+          </a:xfrm>
+          <a:prstGeom prst="ellipse">
+            <a:avLst/>
+          </a:prstGeom>
+          <a:noFill/>
+          <a:ln w="28575">
+            <a:solidFill>
+              <a:srgbClr val="FF0000"/>
+            </a:solidFill>
+          </a:ln>
+        </p:spPr>
+        <p:style>
+          <a:lnRef idx="2">
+            <a:schemeClr val="accent1">
+              <a:shade val="50000"/>
+            </a:schemeClr>
+          </a:lnRef>
+          <a:fillRef idx="1">
+            <a:schemeClr val="accent1"/>
+          </a:fillRef>
+          <a:effectRef idx="0">
+            <a:schemeClr val="accent1"/>
+          </a:effectRef>
+          <a:fontRef idx="minor">
+            <a:schemeClr val="lt1"/>
+          </a:fontRef>
+        </p:style>
+        <p:txBody>
+          <a:bodyPr rtlCol="0" anchor="ctr"/>
+          <a:lstStyle/>
+          <a:p>
+            <a:pPr algn="ctr"/>
+            <a:endParaRPr lang="en-US"/>
+          </a:p>
+        </p:txBody>
+      </p:sp>
+    </p:spTree>
+    <p:extLst>
+      <p:ext uri="{BB962C8B-B14F-4D97-AF65-F5344CB8AC3E}">
+        <p14:creationId xmlns:p14="http://schemas.microsoft.com/office/powerpoint/2010/main" val="2697005742"/>
+      </p:ext>
+    </p:extLst>
+  </p:cSld>
+  <p:clrMapOvr>
+    <a:masterClrMapping/>
+  </p:clrMapOvr>
+</p:sld>
+</file>
+
+<file path=ppt/slides/slide15.xml><?xml version="1.0" encoding="utf-8"?>
+<p:sld xmlns:a="http://schemas.openxmlformats.org/drawingml/2006/main" xmlns:r="http://schemas.openxmlformats.org/officeDocument/2006/relationships" xmlns:p="http://schemas.openxmlformats.org/presentationml/2006/main">
+  <p:cSld>
+    <p:spTree>
+      <p:nvGrpSpPr>
+        <p:cNvPr id="1" name=""/>
+        <p:cNvGrpSpPr/>
+        <p:nvPr/>
+      </p:nvGrpSpPr>
+      <p:grpSpPr>
+        <a:xfrm>
+          <a:off x="0" y="0"/>
+          <a:ext cx="0" cy="0"/>
+          <a:chOff x="0" y="0"/>
+          <a:chExt cx="0" cy="0"/>
+        </a:xfrm>
+      </p:grpSpPr>
+      <p:sp>
+        <p:nvSpPr>
+          <p:cNvPr id="3" name="Content Placeholder 2"/>
+          <p:cNvSpPr>
+            <a:spLocks noGrp="1"/>
+          </p:cNvSpPr>
+          <p:nvPr>
+            <p:ph idx="1"/>
+          </p:nvPr>
+        </p:nvSpPr>
+        <p:spPr>
+          <a:xfrm>
+            <a:off x="1199456" y="1842051"/>
+            <a:ext cx="9505056" cy="3962401"/>
+          </a:xfrm>
+        </p:spPr>
+        <p:txBody>
+          <a:bodyPr>
+            <a:normAutofit/>
+          </a:bodyPr>
+          <a:lstStyle/>
+          <a:p>
+            <a:r>
+              <a:rPr lang="en-US" dirty="0"/>
+              <a:t>Mortality displacement:</a:t>
+            </a:r>
+          </a:p>
+          <a:p>
+            <a:pPr lvl="1"/>
+            <a:r>
+              <a:rPr lang="en-US" dirty="0"/>
+              <a:t>Question: How would you consider cancer terminal patients that were supposed to die in April but died from COVID in March? Should these be considered COVID deaths or not?</a:t>
+            </a:r>
+          </a:p>
+          <a:p>
+            <a:pPr lvl="1"/>
+            <a:r>
+              <a:rPr lang="en-US" dirty="0"/>
+              <a:t>Possible adjustment: Do not include the negative excess deaths in the cumulative count</a:t>
+            </a:r>
+          </a:p>
+        </p:txBody>
+      </p:sp>
+      <p:sp>
+        <p:nvSpPr>
+          <p:cNvPr id="4" name="Title 1">
+            <a:extLst>
+              <a:ext uri="{FF2B5EF4-FFF2-40B4-BE49-F238E27FC236}">
+                <a16:creationId xmlns:a16="http://schemas.microsoft.com/office/drawing/2014/main" id="{DC46E228-8C17-45CD-86DE-C0BF03BCC47D}"/>
+              </a:ext>
+            </a:extLst>
+          </p:cNvPr>
+          <p:cNvSpPr txBox="1">
+            <a:spLocks/>
+          </p:cNvSpPr>
+          <p:nvPr/>
+        </p:nvSpPr>
+        <p:spPr>
+          <a:xfrm>
+            <a:off x="1199455" y="531952"/>
+            <a:ext cx="9369153" cy="1143000"/>
+          </a:xfrm>
+          <a:prstGeom prst="rect">
+            <a:avLst/>
+          </a:prstGeom>
+        </p:spPr>
+        <p:txBody>
+          <a:bodyPr vert="horz" lIns="91440" tIns="45720" rIns="91440" bIns="45720" rtlCol="0" anchor="ctr">
+            <a:normAutofit fontScale="92500" lnSpcReduction="20000"/>
+          </a:bodyPr>
+          <a:lstStyle>
+            <a:lvl1pPr algn="ctr" defTabSz="914400" rtl="0" eaLnBrk="1" latinLnBrk="0" hangingPunct="1">
+              <a:spcBef>
+                <a:spcPct val="0"/>
+              </a:spcBef>
+              <a:buNone/>
+              <a:defRPr sz="4400" kern="1200">
+                <a:solidFill>
+                  <a:schemeClr val="tx1"/>
+                </a:solidFill>
+                <a:latin typeface="+mj-lt"/>
+                <a:ea typeface="+mj-ea"/>
+                <a:cs typeface="+mj-cs"/>
+              </a:defRPr>
+            </a:lvl1pPr>
+          </a:lstStyle>
+          <a:p>
+            <a:pPr algn="l"/>
+            <a:r>
+              <a:rPr lang="en-US" b="1" dirty="0"/>
+              <a:t>A few conceptual challenges in measuring excess mortality</a:t>
+            </a:r>
+          </a:p>
+        </p:txBody>
+      </p:sp>
+      <p:sp>
+        <p:nvSpPr>
+          <p:cNvPr id="5" name="TextBox 4">
+            <a:extLst>
+              <a:ext uri="{FF2B5EF4-FFF2-40B4-BE49-F238E27FC236}">
+                <a16:creationId xmlns:a16="http://schemas.microsoft.com/office/drawing/2014/main" id="{00EC58A1-27FD-4CF9-9B86-36C0FFE28687}"/>
+              </a:ext>
+            </a:extLst>
+          </p:cNvPr>
+          <p:cNvSpPr txBox="1"/>
+          <p:nvPr/>
+        </p:nvSpPr>
+        <p:spPr>
+          <a:xfrm>
+            <a:off x="8998226" y="4724401"/>
+            <a:ext cx="2252870" cy="738664"/>
+          </a:xfrm>
+          <a:prstGeom prst="rect">
+            <a:avLst/>
+          </a:prstGeom>
+          <a:noFill/>
+        </p:spPr>
+        <p:txBody>
+          <a:bodyPr wrap="square" rtlCol="0">
+            <a:spAutoFit/>
+          </a:bodyPr>
+          <a:lstStyle/>
+          <a:p>
+            <a:r>
+              <a:rPr lang="en-US" sz="1400" i="1" dirty="0"/>
+              <a:t>Example: Belgium excess estimates in 2020</a:t>
+            </a:r>
+          </a:p>
+          <a:p>
+            <a:r>
+              <a:rPr lang="en-US" sz="1400" i="1" dirty="0"/>
+              <a:t>Source: STMF</a:t>
+            </a:r>
+          </a:p>
+        </p:txBody>
+      </p:sp>
+      <p:pic>
+        <p:nvPicPr>
+          <p:cNvPr id="6" name="Picture 5">
+            <a:extLst>
+              <a:ext uri="{FF2B5EF4-FFF2-40B4-BE49-F238E27FC236}">
+                <a16:creationId xmlns:a16="http://schemas.microsoft.com/office/drawing/2014/main" id="{FD596771-457F-4C2D-9D15-25FE0BF8507C}"/>
+              </a:ext>
+            </a:extLst>
+          </p:cNvPr>
+          <p:cNvPicPr>
+            <a:picLocks noChangeAspect="1"/>
+          </p:cNvPicPr>
+          <p:nvPr/>
+        </p:nvPicPr>
+        <p:blipFill rotWithShape="1">
+          <a:blip r:embed="rId2">
+            <a:extLst>
+              <a:ext uri="{28A0092B-C50C-407E-A947-70E740481C1C}">
+                <a14:useLocalDpi xmlns:a14="http://schemas.microsoft.com/office/drawing/2010/main" val="0"/>
+              </a:ext>
+            </a:extLst>
+          </a:blip>
+          <a:srcRect/>
+          <a:stretch/>
+        </p:blipFill>
+        <p:spPr>
+          <a:xfrm>
+            <a:off x="2206486" y="4201130"/>
+            <a:ext cx="6513249" cy="2345443"/>
+          </a:xfrm>
+          <a:prstGeom prst="rect">
+            <a:avLst/>
+          </a:prstGeom>
+        </p:spPr>
+      </p:pic>
+      <p:sp>
+        <p:nvSpPr>
+          <p:cNvPr id="7" name="Oval 6">
+            <a:extLst>
+              <a:ext uri="{FF2B5EF4-FFF2-40B4-BE49-F238E27FC236}">
+                <a16:creationId xmlns:a16="http://schemas.microsoft.com/office/drawing/2014/main" id="{F643298F-740E-444C-9CD4-D244428B2C18}"/>
+              </a:ext>
+            </a:extLst>
+          </p:cNvPr>
+          <p:cNvSpPr/>
+          <p:nvPr/>
+        </p:nvSpPr>
+        <p:spPr>
+          <a:xfrm>
+            <a:off x="4903305" y="5661847"/>
+            <a:ext cx="1464366" cy="785336"/>
+          </a:xfrm>
+          <a:prstGeom prst="ellipse">
+            <a:avLst/>
+          </a:prstGeom>
+          <a:noFill/>
+          <a:ln w="28575">
+            <a:solidFill>
+              <a:srgbClr val="FF0000"/>
+            </a:solidFill>
+          </a:ln>
+        </p:spPr>
+        <p:style>
+          <a:lnRef idx="2">
+            <a:schemeClr val="accent1">
+              <a:shade val="50000"/>
+            </a:schemeClr>
+          </a:lnRef>
+          <a:fillRef idx="1">
+            <a:schemeClr val="accent1"/>
+          </a:fillRef>
+          <a:effectRef idx="0">
+            <a:schemeClr val="accent1"/>
+          </a:effectRef>
+          <a:fontRef idx="minor">
+            <a:schemeClr val="lt1"/>
+          </a:fontRef>
+        </p:style>
+        <p:txBody>
+          <a:bodyPr rtlCol="0" anchor="ctr"/>
+          <a:lstStyle/>
+          <a:p>
+            <a:pPr algn="ctr"/>
+            <a:endParaRPr lang="en-US"/>
+          </a:p>
+        </p:txBody>
+      </p:sp>
+    </p:spTree>
+    <p:extLst>
+      <p:ext uri="{BB962C8B-B14F-4D97-AF65-F5344CB8AC3E}">
+        <p14:creationId xmlns:p14="http://schemas.microsoft.com/office/powerpoint/2010/main" val="1579343979"/>
+      </p:ext>
+    </p:extLst>
+  </p:cSld>
+  <p:clrMapOvr>
+    <a:masterClrMapping/>
+  </p:clrMapOvr>
+</p:sld>
+</file>
+
+<file path=ppt/slides/slide16.xml><?xml version="1.0" encoding="utf-8"?>
+<p:sld xmlns:a="http://schemas.openxmlformats.org/drawingml/2006/main" xmlns:r="http://schemas.openxmlformats.org/officeDocument/2006/relationships" xmlns:p="http://schemas.openxmlformats.org/presentationml/2006/main">
+  <p:cSld>
+    <p:spTree>
+      <p:nvGrpSpPr>
+        <p:cNvPr id="1" name=""/>
+        <p:cNvGrpSpPr/>
+        <p:nvPr/>
+      </p:nvGrpSpPr>
+      <p:grpSpPr>
+        <a:xfrm>
+          <a:off x="0" y="0"/>
+          <a:ext cx="0" cy="0"/>
+          <a:chOff x="0" y="0"/>
+          <a:chExt cx="0" cy="0"/>
+        </a:xfrm>
+      </p:grpSpPr>
+      <p:sp>
+        <p:nvSpPr>
+          <p:cNvPr id="3" name="Content Placeholder 2"/>
+          <p:cNvSpPr>
+            <a:spLocks noGrp="1"/>
+          </p:cNvSpPr>
+          <p:nvPr>
+            <p:ph idx="1"/>
+          </p:nvPr>
+        </p:nvSpPr>
+        <p:spPr>
+          <a:xfrm>
+            <a:off x="1199456" y="1842051"/>
+            <a:ext cx="9505056" cy="3962401"/>
+          </a:xfrm>
+        </p:spPr>
+        <p:txBody>
+          <a:bodyPr>
+            <a:normAutofit fontScale="92500"/>
+          </a:bodyPr>
+          <a:lstStyle/>
+          <a:p>
+            <a:pPr marL="0" indent="0">
+              <a:buNone/>
+            </a:pPr>
+            <a:r>
+              <a:rPr lang="en-US" dirty="0"/>
+              <a:t>Accounting or not for processes as </a:t>
+            </a:r>
+            <a:r>
+              <a:rPr lang="en-US" i="1" dirty="0"/>
+              <a:t>avoided mortality</a:t>
+            </a:r>
+            <a:r>
+              <a:rPr lang="en-US" dirty="0"/>
+              <a:t> and </a:t>
+            </a:r>
+            <a:r>
+              <a:rPr lang="en-US" i="1" dirty="0"/>
+              <a:t>mortality displacement</a:t>
+            </a:r>
+            <a:r>
+              <a:rPr lang="en-US" dirty="0"/>
+              <a:t>?</a:t>
+            </a:r>
+          </a:p>
+          <a:p>
+            <a:r>
+              <a:rPr lang="en-US" dirty="0"/>
+              <a:t>Not straightforward answer… it depends:</a:t>
+            </a:r>
+          </a:p>
+          <a:p>
+            <a:pPr lvl="1"/>
+            <a:r>
+              <a:rPr lang="en-US" dirty="0"/>
+              <a:t>Do we aim to measure </a:t>
+            </a:r>
+            <a:r>
+              <a:rPr lang="en-US" b="1" dirty="0"/>
+              <a:t>COVID-related mortality</a:t>
+            </a:r>
+            <a:r>
+              <a:rPr lang="en-US" dirty="0"/>
+              <a:t>?</a:t>
+            </a:r>
+          </a:p>
+          <a:p>
+            <a:pPr lvl="2"/>
+            <a:r>
+              <a:rPr lang="en-US" dirty="0"/>
+              <a:t>Important to know if we are interested in known the severity and fatality of the disease</a:t>
+            </a:r>
+          </a:p>
+          <a:p>
+            <a:pPr lvl="1"/>
+            <a:r>
+              <a:rPr lang="en-US" dirty="0"/>
+              <a:t>Do we aim to measure </a:t>
+            </a:r>
+            <a:r>
+              <a:rPr lang="en-US" b="1" dirty="0"/>
+              <a:t>mortality changes relative to a “regular” year</a:t>
+            </a:r>
+            <a:r>
+              <a:rPr lang="en-US" dirty="0"/>
+              <a:t>?</a:t>
+            </a:r>
+          </a:p>
+          <a:p>
+            <a:pPr lvl="2"/>
+            <a:r>
+              <a:rPr lang="en-US" dirty="0"/>
+              <a:t>Important to know if we are interested in adjusting mortality and population estimates</a:t>
+            </a:r>
+          </a:p>
+          <a:p>
+            <a:pPr lvl="1"/>
+            <a:endParaRPr lang="en-US" dirty="0"/>
+          </a:p>
+          <a:p>
+            <a:pPr lvl="1"/>
+            <a:r>
+              <a:rPr lang="en-US" dirty="0"/>
+              <a:t>Most available “COVID mortality estimates” follow the second approach</a:t>
+            </a:r>
+          </a:p>
+          <a:p>
+            <a:pPr lvl="2"/>
+            <a:endParaRPr lang="en-US" dirty="0"/>
+          </a:p>
+        </p:txBody>
+      </p:sp>
+      <p:sp>
+        <p:nvSpPr>
+          <p:cNvPr id="4" name="Title 1">
+            <a:extLst>
+              <a:ext uri="{FF2B5EF4-FFF2-40B4-BE49-F238E27FC236}">
+                <a16:creationId xmlns:a16="http://schemas.microsoft.com/office/drawing/2014/main" id="{DC46E228-8C17-45CD-86DE-C0BF03BCC47D}"/>
+              </a:ext>
+            </a:extLst>
+          </p:cNvPr>
+          <p:cNvSpPr txBox="1">
+            <a:spLocks/>
+          </p:cNvSpPr>
+          <p:nvPr/>
+        </p:nvSpPr>
+        <p:spPr>
+          <a:xfrm>
+            <a:off x="1199455" y="531952"/>
+            <a:ext cx="9369153" cy="1143000"/>
+          </a:xfrm>
+          <a:prstGeom prst="rect">
+            <a:avLst/>
+          </a:prstGeom>
+        </p:spPr>
+        <p:txBody>
+          <a:bodyPr vert="horz" lIns="91440" tIns="45720" rIns="91440" bIns="45720" rtlCol="0" anchor="ctr">
+            <a:normAutofit fontScale="92500" lnSpcReduction="20000"/>
+          </a:bodyPr>
+          <a:lstStyle>
+            <a:lvl1pPr algn="ctr" defTabSz="914400" rtl="0" eaLnBrk="1" latinLnBrk="0" hangingPunct="1">
+              <a:spcBef>
+                <a:spcPct val="0"/>
+              </a:spcBef>
+              <a:buNone/>
+              <a:defRPr sz="4400" kern="1200">
+                <a:solidFill>
+                  <a:schemeClr val="tx1"/>
+                </a:solidFill>
+                <a:latin typeface="+mj-lt"/>
+                <a:ea typeface="+mj-ea"/>
+                <a:cs typeface="+mj-cs"/>
+              </a:defRPr>
+            </a:lvl1pPr>
+          </a:lstStyle>
+          <a:p>
+            <a:pPr algn="l"/>
+            <a:r>
+              <a:rPr lang="en-US" b="1" dirty="0"/>
+              <a:t>A few conceptual challenges in measuring excess mortality</a:t>
+            </a:r>
+          </a:p>
+        </p:txBody>
+      </p:sp>
+    </p:spTree>
+    <p:extLst>
+      <p:ext uri="{BB962C8B-B14F-4D97-AF65-F5344CB8AC3E}">
+        <p14:creationId xmlns:p14="http://schemas.microsoft.com/office/powerpoint/2010/main" val="1866298208"/>
+      </p:ext>
+    </p:extLst>
+  </p:cSld>
+  <p:clrMapOvr>
+    <a:masterClrMapping/>
+  </p:clrMapOvr>
+</p:sld>
+</file>
+
+<file path=ppt/slides/slide17.xml><?xml version="1.0" encoding="utf-8"?>
+<p:sld xmlns:a="http://schemas.openxmlformats.org/drawingml/2006/main" xmlns:r="http://schemas.openxmlformats.org/officeDocument/2006/relationships" xmlns:p="http://schemas.openxmlformats.org/presentationml/2006/main">
+  <p:cSld>
+    <p:spTree>
+      <p:nvGrpSpPr>
+        <p:cNvPr id="1" name=""/>
+        <p:cNvGrpSpPr/>
+        <p:nvPr/>
+      </p:nvGrpSpPr>
+      <p:grpSpPr>
+        <a:xfrm>
+          <a:off x="0" y="0"/>
+          <a:ext cx="0" cy="0"/>
+          <a:chOff x="0" y="0"/>
+          <a:chExt cx="0" cy="0"/>
+        </a:xfrm>
+      </p:grpSpPr>
+      <p:sp>
+        <p:nvSpPr>
+          <p:cNvPr id="3" name="Content Placeholder 2"/>
+          <p:cNvSpPr>
+            <a:spLocks noGrp="1"/>
+          </p:cNvSpPr>
+          <p:nvPr>
+            <p:ph idx="1"/>
+          </p:nvPr>
+        </p:nvSpPr>
+        <p:spPr>
+          <a:xfrm>
+            <a:off x="1199456" y="1842051"/>
+            <a:ext cx="9505056" cy="3962401"/>
+          </a:xfrm>
+        </p:spPr>
+        <p:txBody>
+          <a:bodyPr>
+            <a:normAutofit fontScale="92500" lnSpcReduction="10000"/>
+          </a:bodyPr>
+          <a:lstStyle/>
+          <a:p>
+            <a:pPr lvl="0"/>
+            <a:r>
+              <a:rPr lang="en-US" dirty="0"/>
+              <a:t>Time resolution</a:t>
+            </a:r>
+          </a:p>
+          <a:p>
+            <a:pPr lvl="1"/>
+            <a:r>
+              <a:rPr lang="en-US" dirty="0"/>
+              <a:t>Does it make a difference to use annual, monthly, weekly mortality?</a:t>
+            </a:r>
+          </a:p>
+          <a:p>
+            <a:pPr lvl="2"/>
+            <a:r>
+              <a:rPr lang="en-US" dirty="0"/>
+              <a:t>Not too much, unless you want to adjust for avoided and displaced mortality</a:t>
+            </a:r>
+          </a:p>
+          <a:p>
+            <a:pPr lvl="0"/>
+            <a:r>
+              <a:rPr lang="en-US" dirty="0"/>
+              <a:t>Training period</a:t>
+            </a:r>
+          </a:p>
+          <a:p>
+            <a:pPr lvl="1"/>
+            <a:r>
+              <a:rPr lang="en-US" dirty="0"/>
+              <a:t>How many years to take in consideration for constructing the baseline?</a:t>
+            </a:r>
+          </a:p>
+          <a:p>
+            <a:pPr lvl="2"/>
+            <a:r>
+              <a:rPr lang="en-US" dirty="0"/>
+              <a:t>Estimates are highly sensitive to this, depending in the trend, of course</a:t>
+            </a:r>
+          </a:p>
+          <a:p>
+            <a:pPr lvl="2"/>
+            <a:r>
+              <a:rPr lang="en-US" dirty="0"/>
+              <a:t>Cross-validation of the model is sensible</a:t>
+            </a:r>
+          </a:p>
+          <a:p>
+            <a:r>
+              <a:rPr lang="en-US" dirty="0"/>
+              <a:t>Exposures</a:t>
+            </a:r>
+          </a:p>
+          <a:p>
+            <a:pPr lvl="1"/>
+            <a:r>
+              <a:rPr lang="en-US" dirty="0"/>
+              <a:t>How exposures to risk change over the course of a long period shock of mortality as the COVID-19 pandemic? How do we account for excess deaths in the denominator? Kind of circularity… (?)</a:t>
+            </a:r>
+          </a:p>
+          <a:p>
+            <a:endParaRPr lang="en-US" dirty="0"/>
+          </a:p>
+          <a:p>
+            <a:pPr lvl="1"/>
+            <a:endParaRPr lang="en-US" dirty="0"/>
+          </a:p>
+        </p:txBody>
+      </p:sp>
+      <p:sp>
+        <p:nvSpPr>
+          <p:cNvPr id="4" name="Title 1">
+            <a:extLst>
+              <a:ext uri="{FF2B5EF4-FFF2-40B4-BE49-F238E27FC236}">
+                <a16:creationId xmlns:a16="http://schemas.microsoft.com/office/drawing/2014/main" id="{DC46E228-8C17-45CD-86DE-C0BF03BCC47D}"/>
+              </a:ext>
+            </a:extLst>
+          </p:cNvPr>
+          <p:cNvSpPr txBox="1">
+            <a:spLocks/>
+          </p:cNvSpPr>
+          <p:nvPr/>
+        </p:nvSpPr>
+        <p:spPr>
+          <a:xfrm>
+            <a:off x="1199455" y="531952"/>
+            <a:ext cx="9369153" cy="1143000"/>
+          </a:xfrm>
+          <a:prstGeom prst="rect">
+            <a:avLst/>
+          </a:prstGeom>
+        </p:spPr>
+        <p:txBody>
+          <a:bodyPr vert="horz" lIns="91440" tIns="45720" rIns="91440" bIns="45720" rtlCol="0" anchor="ctr">
+            <a:normAutofit fontScale="92500" lnSpcReduction="20000"/>
+          </a:bodyPr>
+          <a:lstStyle>
+            <a:lvl1pPr algn="ctr" defTabSz="914400" rtl="0" eaLnBrk="1" latinLnBrk="0" hangingPunct="1">
+              <a:spcBef>
+                <a:spcPct val="0"/>
+              </a:spcBef>
+              <a:buNone/>
+              <a:defRPr sz="4400" kern="1200">
+                <a:solidFill>
+                  <a:schemeClr val="tx1"/>
+                </a:solidFill>
+                <a:latin typeface="+mj-lt"/>
+                <a:ea typeface="+mj-ea"/>
+                <a:cs typeface="+mj-cs"/>
+              </a:defRPr>
+            </a:lvl1pPr>
+          </a:lstStyle>
+          <a:p>
+            <a:pPr algn="l"/>
+            <a:r>
+              <a:rPr lang="en-US" b="1" dirty="0"/>
+              <a:t>A few methodological challenges in measuring excess mortality</a:t>
+            </a:r>
+          </a:p>
+        </p:txBody>
+      </p:sp>
+    </p:spTree>
+    <p:extLst>
+      <p:ext uri="{BB962C8B-B14F-4D97-AF65-F5344CB8AC3E}">
+        <p14:creationId xmlns:p14="http://schemas.microsoft.com/office/powerpoint/2010/main" val="211381477"/>
+      </p:ext>
+    </p:extLst>
+  </p:cSld>
+  <p:clrMapOvr>
+    <a:masterClrMapping/>
+  </p:clrMapOvr>
+</p:sld>
+</file>
+
+<file path=ppt/slides/slide18.xml><?xml version="1.0" encoding="utf-8"?>
+<p:sld xmlns:a="http://schemas.openxmlformats.org/drawingml/2006/main" xmlns:r="http://schemas.openxmlformats.org/officeDocument/2006/relationships" xmlns:p="http://schemas.openxmlformats.org/presentationml/2006/main">
+  <p:cSld>
+    <p:spTree>
+      <p:nvGrpSpPr>
+        <p:cNvPr id="1" name=""/>
+        <p:cNvGrpSpPr/>
+        <p:nvPr/>
+      </p:nvGrpSpPr>
+      <p:grpSpPr>
+        <a:xfrm>
+          <a:off x="0" y="0"/>
+          <a:ext cx="0" cy="0"/>
+          <a:chOff x="0" y="0"/>
+          <a:chExt cx="0" cy="0"/>
+        </a:xfrm>
+      </p:grpSpPr>
+      <p:sp>
+        <p:nvSpPr>
+          <p:cNvPr id="3" name="Content Placeholder 2"/>
+          <p:cNvSpPr>
+            <a:spLocks noGrp="1"/>
+          </p:cNvSpPr>
+          <p:nvPr>
+            <p:ph idx="1"/>
+          </p:nvPr>
+        </p:nvSpPr>
+        <p:spPr>
+          <a:xfrm>
+            <a:off x="1199456" y="1842051"/>
+            <a:ext cx="9505056" cy="3962401"/>
+          </a:xfrm>
+        </p:spPr>
+        <p:txBody>
+          <a:bodyPr>
+            <a:normAutofit fontScale="92500" lnSpcReduction="10000"/>
+          </a:bodyPr>
+          <a:lstStyle/>
+          <a:p>
+            <a:r>
+              <a:rPr lang="en-US" dirty="0"/>
+              <a:t>Parameterization of the model</a:t>
+            </a:r>
+          </a:p>
+          <a:p>
+            <a:pPr lvl="1"/>
+            <a:r>
+              <a:rPr lang="en-US" dirty="0"/>
+              <a:t>What type of parameter use for modeling the </a:t>
+            </a:r>
+            <a:r>
+              <a:rPr lang="en-US" b="1" dirty="0"/>
+              <a:t>secular trend</a:t>
+            </a:r>
+            <a:r>
+              <a:rPr lang="en-US" dirty="0"/>
+              <a:t>? Is it preferable a more rigid (exponential curve) or flexible (spline) parameter?</a:t>
+            </a:r>
+          </a:p>
+          <a:p>
+            <a:pPr lvl="2"/>
+            <a:r>
+              <a:rPr lang="en-US" dirty="0"/>
+              <a:t>When interpolating (e.g., pandemics in the past), splines offer a great fitting and less arbitrary impositions</a:t>
+            </a:r>
+          </a:p>
+          <a:p>
+            <a:pPr lvl="2"/>
+            <a:r>
+              <a:rPr lang="en-US" dirty="0"/>
+              <a:t>When extrapolating (e.g., pandemics in development) splines are highly volatile, and might be preferable to constrain them strongly or impose a parametric shape for the secular trend</a:t>
+            </a:r>
+          </a:p>
+          <a:p>
+            <a:pPr lvl="1"/>
+            <a:r>
+              <a:rPr lang="en-US" dirty="0"/>
+              <a:t>What about the </a:t>
+            </a:r>
+            <a:r>
+              <a:rPr lang="en-US" b="1" dirty="0"/>
+              <a:t>seasonality</a:t>
+            </a:r>
+            <a:r>
+              <a:rPr lang="en-US" dirty="0"/>
+              <a:t>?</a:t>
+            </a:r>
+          </a:p>
+          <a:p>
+            <a:pPr lvl="2"/>
+            <a:r>
+              <a:rPr lang="en-US" dirty="0"/>
+              <a:t>When building a baseline without influenza, preferable to impose more rigid parameter (e.g., sinusoidal curve)</a:t>
+            </a:r>
+          </a:p>
+          <a:p>
+            <a:pPr lvl="2"/>
+            <a:r>
+              <a:rPr lang="en-US" dirty="0"/>
+              <a:t>When building a baseline for a typical year, preferable to use a more flexible approach (e.g., cyclic splines)</a:t>
+            </a:r>
+          </a:p>
+        </p:txBody>
+      </p:sp>
+      <p:sp>
+        <p:nvSpPr>
+          <p:cNvPr id="4" name="Title 1">
+            <a:extLst>
+              <a:ext uri="{FF2B5EF4-FFF2-40B4-BE49-F238E27FC236}">
+                <a16:creationId xmlns:a16="http://schemas.microsoft.com/office/drawing/2014/main" id="{DC46E228-8C17-45CD-86DE-C0BF03BCC47D}"/>
+              </a:ext>
+            </a:extLst>
+          </p:cNvPr>
+          <p:cNvSpPr txBox="1">
+            <a:spLocks/>
+          </p:cNvSpPr>
+          <p:nvPr/>
+        </p:nvSpPr>
+        <p:spPr>
+          <a:xfrm>
+            <a:off x="1199455" y="531952"/>
+            <a:ext cx="9369153" cy="1143000"/>
+          </a:xfrm>
+          <a:prstGeom prst="rect">
+            <a:avLst/>
+          </a:prstGeom>
+        </p:spPr>
+        <p:txBody>
+          <a:bodyPr vert="horz" lIns="91440" tIns="45720" rIns="91440" bIns="45720" rtlCol="0" anchor="ctr">
+            <a:normAutofit fontScale="92500" lnSpcReduction="20000"/>
+          </a:bodyPr>
+          <a:lstStyle>
+            <a:lvl1pPr algn="ctr" defTabSz="914400" rtl="0" eaLnBrk="1" latinLnBrk="0" hangingPunct="1">
+              <a:spcBef>
+                <a:spcPct val="0"/>
+              </a:spcBef>
+              <a:buNone/>
+              <a:defRPr sz="4400" kern="1200">
+                <a:solidFill>
+                  <a:schemeClr val="tx1"/>
+                </a:solidFill>
+                <a:latin typeface="+mj-lt"/>
+                <a:ea typeface="+mj-ea"/>
+                <a:cs typeface="+mj-cs"/>
+              </a:defRPr>
+            </a:lvl1pPr>
+          </a:lstStyle>
+          <a:p>
+            <a:pPr algn="l"/>
+            <a:r>
+              <a:rPr lang="en-US" b="1" dirty="0"/>
+              <a:t>A few methodological challenges in measuring excess mortality</a:t>
+            </a:r>
+          </a:p>
+        </p:txBody>
+      </p:sp>
+    </p:spTree>
+    <p:extLst>
+      <p:ext uri="{BB962C8B-B14F-4D97-AF65-F5344CB8AC3E}">
+        <p14:creationId xmlns:p14="http://schemas.microsoft.com/office/powerpoint/2010/main" val="4010554561"/>
+      </p:ext>
+    </p:extLst>
+  </p:cSld>
+  <p:clrMapOvr>
+    <a:masterClrMapping/>
+  </p:clrMapOvr>
+</p:sld>
+</file>
+
+<file path=ppt/slides/slide19.xml><?xml version="1.0" encoding="utf-8"?>
+<p:sld xmlns:a="http://schemas.openxmlformats.org/drawingml/2006/main" xmlns:r="http://schemas.openxmlformats.org/officeDocument/2006/relationships" xmlns:p="http://schemas.openxmlformats.org/presentationml/2006/main">
+  <p:cSld>
+    <p:spTree>
+      <p:nvGrpSpPr>
+        <p:cNvPr id="1" name=""/>
+        <p:cNvGrpSpPr/>
+        <p:nvPr/>
+      </p:nvGrpSpPr>
+      <p:grpSpPr>
+        <a:xfrm>
+          <a:off x="0" y="0"/>
+          <a:ext cx="0" cy="0"/>
+          <a:chOff x="0" y="0"/>
+          <a:chExt cx="0" cy="0"/>
+        </a:xfrm>
+      </p:grpSpPr>
+      <p:sp>
+        <p:nvSpPr>
+          <p:cNvPr id="3" name="Content Placeholder 2"/>
+          <p:cNvSpPr>
+            <a:spLocks noGrp="1"/>
+          </p:cNvSpPr>
+          <p:nvPr>
+            <p:ph idx="1"/>
+          </p:nvPr>
+        </p:nvSpPr>
+        <p:spPr>
+          <a:xfrm>
+            <a:off x="941039" y="1292086"/>
+            <a:ext cx="10101034" cy="3962401"/>
+          </a:xfrm>
+        </p:spPr>
+        <p:txBody>
+          <a:bodyPr>
+            <a:normAutofit/>
+          </a:bodyPr>
+          <a:lstStyle/>
+          <a:p>
+            <a:r>
+              <a:rPr lang="en-US" sz="2800" dirty="0"/>
+              <a:t>Not limited to mortality</a:t>
+            </a:r>
+          </a:p>
+          <a:p>
+            <a:r>
+              <a:rPr lang="en-US" dirty="0"/>
+              <a:t>Extendible to other demographic phenomena</a:t>
+            </a:r>
+          </a:p>
+          <a:p>
+            <a:pPr lvl="1"/>
+            <a:r>
+              <a:rPr lang="en-US" dirty="0"/>
+              <a:t>E.g., analysis of the pandemic impact on fertility in Brazil and Colombia by socioeconomic status (Castro et al., 2023).</a:t>
+            </a:r>
+          </a:p>
+        </p:txBody>
+      </p:sp>
+      <p:sp>
+        <p:nvSpPr>
+          <p:cNvPr id="5" name="Title 1">
+            <a:extLst>
+              <a:ext uri="{FF2B5EF4-FFF2-40B4-BE49-F238E27FC236}">
+                <a16:creationId xmlns:a16="http://schemas.microsoft.com/office/drawing/2014/main" id="{F6D882FA-475A-4E48-A526-59B78DBD0925}"/>
+              </a:ext>
+            </a:extLst>
+          </p:cNvPr>
+          <p:cNvSpPr txBox="1">
+            <a:spLocks/>
+          </p:cNvSpPr>
+          <p:nvPr/>
+        </p:nvSpPr>
+        <p:spPr>
+          <a:xfrm>
+            <a:off x="861392" y="236054"/>
+            <a:ext cx="8229600" cy="1143000"/>
+          </a:xfrm>
+          <a:prstGeom prst="rect">
+            <a:avLst/>
+          </a:prstGeom>
+        </p:spPr>
+        <p:txBody>
+          <a:bodyPr vert="horz" lIns="91440" tIns="45720" rIns="91440" bIns="45720" rtlCol="0" anchor="ctr">
+            <a:normAutofit/>
+          </a:bodyPr>
+          <a:lstStyle>
+            <a:lvl1pPr algn="ctr" defTabSz="914400" rtl="0" eaLnBrk="1" latinLnBrk="0" hangingPunct="1">
+              <a:spcBef>
+                <a:spcPct val="0"/>
+              </a:spcBef>
+              <a:buNone/>
+              <a:defRPr sz="4400" kern="1200">
+                <a:solidFill>
+                  <a:schemeClr val="tx1"/>
+                </a:solidFill>
+                <a:latin typeface="+mj-lt"/>
+                <a:ea typeface="+mj-ea"/>
+                <a:cs typeface="+mj-cs"/>
+              </a:defRPr>
+            </a:lvl1pPr>
+          </a:lstStyle>
+          <a:p>
+            <a:pPr algn="l"/>
+            <a:r>
+              <a:rPr lang="en-US" b="1" dirty="0"/>
+              <a:t>Other potential applications</a:t>
+            </a:r>
+          </a:p>
+        </p:txBody>
+      </p:sp>
+      <p:pic>
+        <p:nvPicPr>
+          <p:cNvPr id="4" name="image5.png">
+            <a:extLst>
+              <a:ext uri="{FF2B5EF4-FFF2-40B4-BE49-F238E27FC236}">
+                <a16:creationId xmlns:a16="http://schemas.microsoft.com/office/drawing/2014/main" id="{152FC0C9-DF46-44C8-86A6-CB4665AE3727}"/>
+              </a:ext>
+            </a:extLst>
+          </p:cNvPr>
+          <p:cNvPicPr/>
+          <p:nvPr/>
+        </p:nvPicPr>
+        <p:blipFill>
+          <a:blip r:embed="rId2"/>
+          <a:srcRect/>
+          <a:stretch>
+            <a:fillRect/>
+          </a:stretch>
+        </p:blipFill>
+        <p:spPr>
+          <a:xfrm>
+            <a:off x="1023730" y="2992507"/>
+            <a:ext cx="7199244" cy="3629439"/>
+          </a:xfrm>
+          <a:prstGeom prst="rect">
+            <a:avLst/>
+          </a:prstGeom>
+          <a:ln/>
+        </p:spPr>
+      </p:pic>
+      <p:sp>
+        <p:nvSpPr>
+          <p:cNvPr id="2" name="TextBox 1">
+            <a:extLst>
+              <a:ext uri="{FF2B5EF4-FFF2-40B4-BE49-F238E27FC236}">
+                <a16:creationId xmlns:a16="http://schemas.microsoft.com/office/drawing/2014/main" id="{327847B2-77FB-4DF7-B4CF-7766B4F49C58}"/>
+              </a:ext>
+            </a:extLst>
+          </p:cNvPr>
+          <p:cNvSpPr txBox="1"/>
+          <p:nvPr/>
+        </p:nvSpPr>
+        <p:spPr>
+          <a:xfrm>
+            <a:off x="8441635" y="3772729"/>
+            <a:ext cx="2809326" cy="2031325"/>
+          </a:xfrm>
+          <a:prstGeom prst="rect">
+            <a:avLst/>
+          </a:prstGeom>
+          <a:noFill/>
+        </p:spPr>
+        <p:txBody>
+          <a:bodyPr wrap="square" rtlCol="0">
+            <a:spAutoFit/>
+          </a:bodyPr>
+          <a:lstStyle/>
+          <a:p>
+            <a:r>
+              <a:rPr lang="en-US" dirty="0">
+                <a:solidFill>
+                  <a:srgbClr val="0070C0"/>
+                </a:solidFill>
+              </a:rPr>
+              <a:t>● predicted births based on trimester averages</a:t>
+            </a:r>
+          </a:p>
+          <a:p>
+            <a:endParaRPr lang="en-US" dirty="0">
+              <a:solidFill>
+                <a:srgbClr val="FF0000"/>
+              </a:solidFill>
+            </a:endParaRPr>
+          </a:p>
+          <a:p>
+            <a:r>
+              <a:rPr lang="en-US" dirty="0">
+                <a:solidFill>
+                  <a:srgbClr val="FF0000"/>
+                </a:solidFill>
+              </a:rPr>
+              <a:t>● predicted births based on Poisson model</a:t>
+            </a:r>
+          </a:p>
+          <a:p>
+            <a:endParaRPr lang="en-US" dirty="0"/>
+          </a:p>
+          <a:p>
+            <a:endParaRPr lang="en-US" dirty="0"/>
+          </a:p>
+        </p:txBody>
+      </p:sp>
+    </p:spTree>
+    <p:extLst>
+      <p:ext uri="{BB962C8B-B14F-4D97-AF65-F5344CB8AC3E}">
+        <p14:creationId xmlns:p14="http://schemas.microsoft.com/office/powerpoint/2010/main" val="3441370624"/>
+      </p:ext>
+    </p:extLst>
+  </p:cSld>
+  <p:clrMapOvr>
+    <a:masterClrMapping/>
+  </p:clrMapOvr>
+</p:sld>
+</file>
+
+<file path=ppt/slides/slide2.xml><?xml version="1.0" encoding="utf-8"?>
+<p:sld xmlns:a="http://schemas.openxmlformats.org/drawingml/2006/main" xmlns:r="http://schemas.openxmlformats.org/officeDocument/2006/relationships" xmlns:p="http://schemas.openxmlformats.org/presentationml/2006/main">
+  <p:cSld>
+    <p:spTree>
+      <p:nvGrpSpPr>
+        <p:cNvPr id="1" name=""/>
+        <p:cNvGrpSpPr/>
+        <p:nvPr/>
+      </p:nvGrpSpPr>
+      <p:grpSpPr>
+        <a:xfrm>
+          <a:off x="0" y="0"/>
+          <a:ext cx="0" cy="0"/>
+          <a:chOff x="0" y="0"/>
+          <a:chExt cx="0" cy="0"/>
+        </a:xfrm>
+      </p:grpSpPr>
+      <p:sp>
+        <p:nvSpPr>
+          <p:cNvPr id="2" name="Title 1">
+            <a:extLst>
+              <a:ext uri="{FF2B5EF4-FFF2-40B4-BE49-F238E27FC236}">
+                <a16:creationId xmlns:a16="http://schemas.microsoft.com/office/drawing/2014/main" id="{7C9DF14B-5499-442C-8370-84BF84438779}"/>
+              </a:ext>
+            </a:extLst>
+          </p:cNvPr>
+          <p:cNvSpPr>
+            <a:spLocks noGrp="1"/>
+          </p:cNvSpPr>
+          <p:nvPr>
+            <p:ph type="title"/>
+          </p:nvPr>
+        </p:nvSpPr>
+        <p:spPr/>
+        <p:txBody>
+          <a:bodyPr/>
+          <a:lstStyle/>
+          <a:p>
+            <a:r>
+              <a:rPr lang="en-US" dirty="0"/>
+              <a:t>Before starting today…</a:t>
+            </a:r>
+          </a:p>
+        </p:txBody>
+      </p:sp>
+      <p:sp>
+        <p:nvSpPr>
+          <p:cNvPr id="3" name="Content Placeholder 2">
+            <a:extLst>
+              <a:ext uri="{FF2B5EF4-FFF2-40B4-BE49-F238E27FC236}">
+                <a16:creationId xmlns:a16="http://schemas.microsoft.com/office/drawing/2014/main" id="{9E2719A5-DD74-4359-BD38-864C8C66B135}"/>
+              </a:ext>
+            </a:extLst>
+          </p:cNvPr>
+          <p:cNvSpPr>
+            <a:spLocks noGrp="1"/>
+          </p:cNvSpPr>
+          <p:nvPr>
+            <p:ph idx="1"/>
+          </p:nvPr>
+        </p:nvSpPr>
+        <p:spPr/>
+        <p:txBody>
+          <a:bodyPr>
+            <a:normAutofit fontScale="92500" lnSpcReduction="10000"/>
+          </a:bodyPr>
+          <a:lstStyle/>
+          <a:p>
+            <a:r>
+              <a:rPr lang="en-US" dirty="0"/>
+              <a:t>One answer that I want to improve, another that I forgot to give:</a:t>
+            </a:r>
+          </a:p>
+          <a:p>
+            <a:pPr lvl="1"/>
+            <a:r>
+              <a:rPr lang="en-US" b="1" dirty="0"/>
+              <a:t>Philip: Can cohort effects from early life exposures be fully counterbalanced during the life course through lifestyle and decisions?</a:t>
+            </a:r>
+          </a:p>
+          <a:p>
+            <a:pPr lvl="2"/>
+            <a:r>
+              <a:rPr lang="en-US" dirty="0"/>
+              <a:t>It is possible that counterbalance mechanisms are at place, but on average we should be able to recognize those cohorts that suffered a systematic disadvantage.</a:t>
+            </a:r>
+          </a:p>
+          <a:p>
+            <a:pPr lvl="2"/>
+            <a:r>
+              <a:rPr lang="en-US" dirty="0"/>
+              <a:t>See Hayward &amp; Gorman (2004) “The Long Arm of Childhood: The Influence of Early-Life Social Conditions on Men's Mortality.” </a:t>
+            </a:r>
+            <a:r>
+              <a:rPr lang="en-US" i="1" dirty="0"/>
+              <a:t>Demography</a:t>
+            </a:r>
+            <a:r>
+              <a:rPr lang="en-US" dirty="0"/>
+              <a:t>.</a:t>
+            </a:r>
+          </a:p>
+          <a:p>
+            <a:pPr lvl="1"/>
+            <a:r>
+              <a:rPr lang="en-US" b="1" dirty="0"/>
+              <a:t>Sahar: Can we see the period effects that were at the origin of cohort effects?</a:t>
+            </a:r>
+          </a:p>
+          <a:p>
+            <a:pPr lvl="2"/>
+            <a:r>
+              <a:rPr lang="en-US" dirty="0"/>
+              <a:t>It depends: </a:t>
+            </a:r>
+          </a:p>
+          <a:p>
+            <a:pPr lvl="3"/>
+            <a:r>
+              <a:rPr lang="en-US" dirty="0"/>
+              <a:t>If the mechanisms that are rooted as cohort effects are also related with mortality, we may be able to see them sometimes when analyzing mortality. E.g., wars, famines, pandemics, etc., at the origin of a adverse cohort effect.</a:t>
+            </a:r>
+          </a:p>
+          <a:p>
+            <a:pPr lvl="3"/>
+            <a:r>
+              <a:rPr lang="en-US" dirty="0"/>
+              <a:t>If the mechanisms are not strictly related with mortality, they are not noticeable when looking at death rates. E.g., contraction of the labor market when a cohort is entering in adulthood. We </a:t>
+            </a:r>
+            <a:r>
+              <a:rPr lang="en-US" dirty="0" err="1"/>
+              <a:t>migh</a:t>
+            </a:r>
+            <a:r>
+              <a:rPr lang="en-US" dirty="0"/>
+              <a:t> see only the outcomes here, but maybe the contraction did not have a short term impact on mortality, only a long term one…</a:t>
+            </a:r>
+          </a:p>
+        </p:txBody>
+      </p:sp>
+    </p:spTree>
+    <p:extLst>
+      <p:ext uri="{BB962C8B-B14F-4D97-AF65-F5344CB8AC3E}">
+        <p14:creationId xmlns:p14="http://schemas.microsoft.com/office/powerpoint/2010/main" val="2772321477"/>
+      </p:ext>
+    </p:extLst>
+  </p:cSld>
+  <p:clrMapOvr>
+    <a:masterClrMapping/>
+  </p:clrMapOvr>
+  <p:timing>
+    <p:tnLst>
+      <p:par>
+        <p:cTn id="1" dur="indefinite" restart="never" nodeType="tmRoot">
+          <p:childTnLst>
+            <p:seq concurrent="1" nextAc="seek">
+              <p:cTn id="2" dur="indefinite" nodeType="mainSeq">
+                <p:childTnLst>
+                  <p:par>
+                    <p:cTn id="3" fill="hold">
+                      <p:stCondLst>
+                        <p:cond delay="indefinite"/>
+                      </p:stCondLst>
+                      <p:childTnLst>
+                        <p:par>
+                          <p:cTn id="4" fill="hold">
+                            <p:stCondLst>
+                              <p:cond delay="0"/>
+                            </p:stCondLst>
+                            <p:childTnLst>
+                              <p:par>
+                                <p:cTn id="5" presetID="1" presetClass="entr" presetSubtype="0" fill="hold" nodeType="clickEffect">
+                                  <p:stCondLst>
+                                    <p:cond delay="0"/>
+                                  </p:stCondLst>
+                                  <p:childTnLst>
+                                    <p:set>
+                                      <p:cBhvr>
+                                        <p:cTn id="6" dur="1" fill="hold">
+                                          <p:stCondLst>
+                                            <p:cond delay="0"/>
+                                          </p:stCondLst>
+                                        </p:cTn>
+                                        <p:tgtEl>
+                                          <p:spTgt spid="3">
+                                            <p:txEl>
+                                              <p:pRg st="4" end="4"/>
+                                            </p:txEl>
+                                          </p:spTgt>
+                                        </p:tgtEl>
+                                        <p:attrNameLst>
+                                          <p:attrName>style.visibility</p:attrName>
+                                        </p:attrNameLst>
+                                      </p:cBhvr>
+                                      <p:to>
+                                        <p:strVal val="visible"/>
+                                      </p:to>
+                                    </p:set>
+                                  </p:childTnLst>
+                                </p:cTn>
+                              </p:par>
+                              <p:par>
+                                <p:cTn id="7" presetID="1" presetClass="entr" presetSubtype="0" fill="hold" nodeType="withEffect">
+                                  <p:stCondLst>
+                                    <p:cond delay="0"/>
+                                  </p:stCondLst>
+                                  <p:childTnLst>
+                                    <p:set>
+                                      <p:cBhvr>
+                                        <p:cTn id="8" dur="1" fill="hold">
+                                          <p:stCondLst>
+                                            <p:cond delay="0"/>
+                                          </p:stCondLst>
+                                        </p:cTn>
+                                        <p:tgtEl>
+                                          <p:spTgt spid="3">
+                                            <p:txEl>
+                                              <p:pRg st="5" end="5"/>
+                                            </p:txEl>
+                                          </p:spTgt>
+                                        </p:tgtEl>
+                                        <p:attrNameLst>
+                                          <p:attrName>style.visibility</p:attrName>
+                                        </p:attrNameLst>
+                                      </p:cBhvr>
+                                      <p:to>
+                                        <p:strVal val="visible"/>
+                                      </p:to>
+                                    </p:set>
+                                  </p:childTnLst>
+                                </p:cTn>
+                              </p:par>
+                              <p:par>
+                                <p:cTn id="9" presetID="1" presetClass="entr" presetSubtype="0" fill="hold" nodeType="withEffect">
+                                  <p:stCondLst>
+                                    <p:cond delay="0"/>
+                                  </p:stCondLst>
+                                  <p:childTnLst>
+                                    <p:set>
+                                      <p:cBhvr>
+                                        <p:cTn id="10" dur="1" fill="hold">
+                                          <p:stCondLst>
+                                            <p:cond delay="0"/>
+                                          </p:stCondLst>
+                                        </p:cTn>
+                                        <p:tgtEl>
+                                          <p:spTgt spid="3">
+                                            <p:txEl>
+                                              <p:pRg st="6" end="6"/>
+                                            </p:txEl>
+                                          </p:spTgt>
+                                        </p:tgtEl>
+                                        <p:attrNameLst>
+                                          <p:attrName>style.visibility</p:attrName>
+                                        </p:attrNameLst>
+                                      </p:cBhvr>
+                                      <p:to>
+                                        <p:strVal val="visible"/>
+                                      </p:to>
+                                    </p:set>
+                                  </p:childTnLst>
+                                </p:cTn>
+                              </p:par>
+                              <p:par>
+                                <p:cTn id="11" presetID="1" presetClass="entr" presetSubtype="0" fill="hold" nodeType="withEffect">
+                                  <p:stCondLst>
+                                    <p:cond delay="0"/>
+                                  </p:stCondLst>
+                                  <p:childTnLst>
+                                    <p:set>
+                                      <p:cBhvr>
+                                        <p:cTn id="12" dur="1" fill="hold">
+                                          <p:stCondLst>
+                                            <p:cond delay="0"/>
+                                          </p:stCondLst>
+                                        </p:cTn>
+                                        <p:tgtEl>
+                                          <p:spTgt spid="3">
+                                            <p:txEl>
+                                              <p:pRg st="7" end="7"/>
+                                            </p:txEl>
+                                          </p:spTgt>
+                                        </p:tgtEl>
+                                        <p:attrNameLst>
+                                          <p:attrName>style.visibility</p:attrName>
+                                        </p:attrNameLst>
+                                      </p:cBhvr>
+                                      <p:to>
+                                        <p:strVal val="visible"/>
+                                      </p:to>
+                                    </p:set>
+                                  </p:childTnLst>
+                                </p:cTn>
+                              </p:par>
+                            </p:childTnLst>
+                          </p:cTn>
+                        </p:par>
+                      </p:childTnLst>
+                    </p:cTn>
+                  </p:par>
+                </p:childTnLst>
+              </p:cTn>
+              <p:prevCondLst>
+                <p:cond evt="onPrev" delay="0">
+                  <p:tgtEl>
+                    <p:sldTgt/>
+                  </p:tgtEl>
+                </p:cond>
+              </p:prevCondLst>
+              <p:nextCondLst>
+                <p:cond evt="onNext" delay="0">
+                  <p:tgtEl>
+                    <p:sldTgt/>
+                  </p:tgtEl>
+                </p:cond>
+              </p:nextCondLst>
+            </p:seq>
+          </p:childTnLst>
+        </p:cTn>
+      </p:par>
+    </p:tnLst>
+  </p:timing>
+</p:sld>
+</file>
+
+<file path=ppt/slides/slide20.xml><?xml version="1.0" encoding="utf-8"?>
+<p:sld xmlns:a="http://schemas.openxmlformats.org/drawingml/2006/main" xmlns:r="http://schemas.openxmlformats.org/officeDocument/2006/relationships" xmlns:p="http://schemas.openxmlformats.org/presentationml/2006/main">
+  <p:cSld>
+    <p:spTree>
+      <p:nvGrpSpPr>
+        <p:cNvPr id="1" name=""/>
+        <p:cNvGrpSpPr/>
+        <p:nvPr/>
+      </p:nvGrpSpPr>
+      <p:grpSpPr>
+        <a:xfrm>
+          <a:off x="0" y="0"/>
+          <a:ext cx="0" cy="0"/>
+          <a:chOff x="0" y="0"/>
+          <a:chExt cx="0" cy="0"/>
+        </a:xfrm>
+      </p:grpSpPr>
+      <p:sp>
+        <p:nvSpPr>
+          <p:cNvPr id="2" name="Title 1">
+            <a:extLst>
+              <a:ext uri="{FF2B5EF4-FFF2-40B4-BE49-F238E27FC236}">
+                <a16:creationId xmlns:a16="http://schemas.microsoft.com/office/drawing/2014/main" id="{C7747F3C-CE5B-43A5-8BDE-A8FB5D01F5F6}"/>
+              </a:ext>
+            </a:extLst>
+          </p:cNvPr>
+          <p:cNvSpPr>
+            <a:spLocks noGrp="1"/>
+          </p:cNvSpPr>
+          <p:nvPr>
+            <p:ph type="title"/>
+          </p:nvPr>
+        </p:nvSpPr>
+        <p:spPr/>
+        <p:txBody>
+          <a:bodyPr/>
+          <a:lstStyle/>
+          <a:p>
+            <a:r>
+              <a:rPr lang="en-US" dirty="0"/>
+              <a:t>Excess mortality estimation</a:t>
+            </a:r>
+          </a:p>
+        </p:txBody>
+      </p:sp>
+      <p:sp>
+        <p:nvSpPr>
+          <p:cNvPr id="3" name="Content Placeholder 2">
+            <a:extLst>
+              <a:ext uri="{FF2B5EF4-FFF2-40B4-BE49-F238E27FC236}">
+                <a16:creationId xmlns:a16="http://schemas.microsoft.com/office/drawing/2014/main" id="{4E4E7E7F-0767-454E-ABFB-D0B5BC39816B}"/>
+              </a:ext>
+            </a:extLst>
+          </p:cNvPr>
+          <p:cNvSpPr>
+            <a:spLocks noGrp="1"/>
+          </p:cNvSpPr>
+          <p:nvPr>
+            <p:ph idx="1"/>
+          </p:nvPr>
+        </p:nvSpPr>
+        <p:spPr/>
+        <p:txBody>
+          <a:bodyPr/>
+          <a:lstStyle/>
+          <a:p>
+            <a:r>
+              <a:rPr lang="en-US" dirty="0"/>
+              <a:t>Let’s see an example in R!</a:t>
+            </a:r>
+          </a:p>
+        </p:txBody>
+      </p:sp>
+    </p:spTree>
+    <p:extLst>
+      <p:ext uri="{BB962C8B-B14F-4D97-AF65-F5344CB8AC3E}">
+        <p14:creationId xmlns:p14="http://schemas.microsoft.com/office/powerpoint/2010/main" val="95931349"/>
+      </p:ext>
+    </p:extLst>
+  </p:cSld>
+  <p:clrMapOvr>
+    <a:masterClrMapping/>
+  </p:clrMapOvr>
+</p:sld>
+</file>
+
+<file path=ppt/slides/slide3.xml><?xml version="1.0" encoding="utf-8"?>
+<p:sld xmlns:a="http://schemas.openxmlformats.org/drawingml/2006/main" xmlns:r="http://schemas.openxmlformats.org/officeDocument/2006/relationships" xmlns:p="http://schemas.openxmlformats.org/presentationml/2006/main">
+  <p:cSld>
+    <p:spTree>
+      <p:nvGrpSpPr>
+        <p:cNvPr id="1" name=""/>
+        <p:cNvGrpSpPr/>
+        <p:nvPr/>
+      </p:nvGrpSpPr>
+      <p:grpSpPr>
+        <a:xfrm>
+          <a:off x="0" y="0"/>
+          <a:ext cx="0" cy="0"/>
+          <a:chOff x="0" y="0"/>
+          <a:chExt cx="0" cy="0"/>
+        </a:xfrm>
+      </p:grpSpPr>
+      <p:sp>
+        <p:nvSpPr>
+          <p:cNvPr id="2" name="Title 1">
+            <a:extLst>
+              <a:ext uri="{FF2B5EF4-FFF2-40B4-BE49-F238E27FC236}">
+                <a16:creationId xmlns:a16="http://schemas.microsoft.com/office/drawing/2014/main" id="{2D7BA354-2B69-4CBF-A440-4572C3C4F7F6}"/>
+              </a:ext>
+            </a:extLst>
+          </p:cNvPr>
+          <p:cNvSpPr>
+            <a:spLocks noGrp="1"/>
+          </p:cNvSpPr>
+          <p:nvPr>
+            <p:ph type="title"/>
+          </p:nvPr>
+        </p:nvSpPr>
+        <p:spPr>
+          <a:xfrm>
+            <a:off x="2027548" y="1916832"/>
+            <a:ext cx="8136904" cy="2592288"/>
+          </a:xfrm>
+        </p:spPr>
+        <p:txBody>
+          <a:bodyPr>
+            <a:normAutofit/>
+          </a:bodyPr>
+          <a:lstStyle/>
+          <a:p>
+            <a:r>
+              <a:rPr lang="en-US" sz="6000" dirty="0"/>
+              <a:t>Lecture IV. Introduction to excess mortality estimation (bonus track)</a:t>
+            </a:r>
+          </a:p>
+        </p:txBody>
+      </p:sp>
+    </p:spTree>
+    <p:extLst>
+      <p:ext uri="{BB962C8B-B14F-4D97-AF65-F5344CB8AC3E}">
+        <p14:creationId xmlns:p14="http://schemas.microsoft.com/office/powerpoint/2010/main" val="1316155987"/>
+      </p:ext>
+    </p:extLst>
+  </p:cSld>
+  <p:clrMapOvr>
+    <a:masterClrMapping/>
+  </p:clrMapOvr>
+</p:sld>
+</file>
+
+<file path=ppt/slides/slide4.xml><?xml version="1.0" encoding="utf-8"?>
+<p:sld xmlns:a="http://schemas.openxmlformats.org/drawingml/2006/main" xmlns:r="http://schemas.openxmlformats.org/officeDocument/2006/relationships" xmlns:p="http://schemas.openxmlformats.org/presentationml/2006/main">
+  <p:cSld>
+    <p:spTree>
+      <p:nvGrpSpPr>
+        <p:cNvPr id="1" name=""/>
+        <p:cNvGrpSpPr/>
+        <p:nvPr/>
+      </p:nvGrpSpPr>
+      <p:grpSpPr>
+        <a:xfrm>
+          <a:off x="0" y="0"/>
+          <a:ext cx="0" cy="0"/>
+          <a:chOff x="0" y="0"/>
+          <a:chExt cx="0" cy="0"/>
+        </a:xfrm>
+      </p:grpSpPr>
+      <p:sp>
+        <p:nvSpPr>
+          <p:cNvPr id="3" name="Content Placeholder 2"/>
+          <p:cNvSpPr>
+            <a:spLocks noGrp="1"/>
+          </p:cNvSpPr>
+          <p:nvPr>
+            <p:ph idx="1"/>
+          </p:nvPr>
+        </p:nvSpPr>
+        <p:spPr>
+          <a:xfrm>
+            <a:off x="1199456" y="1842051"/>
+            <a:ext cx="9505056" cy="4359966"/>
+          </a:xfrm>
+        </p:spPr>
+        <p:txBody>
+          <a:bodyPr>
+            <a:normAutofit fontScale="85000" lnSpcReduction="20000"/>
+          </a:bodyPr>
+          <a:lstStyle/>
+          <a:p>
+            <a:r>
+              <a:rPr lang="en-US" sz="2800" dirty="0"/>
+              <a:t>What is excess mortality?</a:t>
+            </a:r>
+          </a:p>
+          <a:p>
+            <a:pPr lvl="1"/>
+            <a:r>
+              <a:rPr lang="en-US" dirty="0"/>
+              <a:t>What is the reference or “normal” mortality?</a:t>
+            </a:r>
+          </a:p>
+          <a:p>
+            <a:pPr lvl="1"/>
+            <a:r>
+              <a:rPr lang="en-US" dirty="0"/>
+              <a:t>Who defines it?</a:t>
+            </a:r>
+          </a:p>
+          <a:p>
+            <a:pPr lvl="1"/>
+            <a:r>
+              <a:rPr lang="en-US" dirty="0"/>
+              <a:t>Requires to build a counterfactual scenario (baseline)</a:t>
+            </a:r>
+          </a:p>
+          <a:p>
+            <a:pPr lvl="1"/>
+            <a:r>
+              <a:rPr lang="en-US" dirty="0"/>
+              <a:t>A conceptual and subjective definition</a:t>
+            </a:r>
+          </a:p>
+          <a:p>
+            <a:r>
+              <a:rPr lang="en-US" dirty="0"/>
+              <a:t>As mortality deviations, relative to expected levels</a:t>
+            </a:r>
+          </a:p>
+          <a:p>
+            <a:pPr lvl="1"/>
+            <a:r>
+              <a:rPr lang="en-US" dirty="0"/>
+              <a:t>Usually refers to period shocks </a:t>
+            </a:r>
+          </a:p>
+          <a:p>
+            <a:pPr lvl="2"/>
+            <a:r>
+              <a:rPr lang="en-US" dirty="0"/>
+              <a:t>E.g., wars, epidemics, pandemics, heat waves, natural disasters</a:t>
+            </a:r>
+          </a:p>
+          <a:p>
+            <a:pPr lvl="1"/>
+            <a:r>
+              <a:rPr lang="en-US" dirty="0"/>
+              <a:t>Excess mortality considered as the “Gold standard” method for mortality in these contexts</a:t>
+            </a:r>
+          </a:p>
+          <a:p>
+            <a:r>
+              <a:rPr lang="en-US" dirty="0"/>
+              <a:t>As mortality deviating from an hypothetical trend</a:t>
+            </a:r>
+          </a:p>
+          <a:p>
+            <a:pPr lvl="1"/>
+            <a:r>
+              <a:rPr lang="en-US" dirty="0"/>
+              <a:t>Usually refers to a more elaborated counterfactual scenario, in several cases completely inexistent </a:t>
+            </a:r>
+          </a:p>
+          <a:p>
+            <a:pPr lvl="2"/>
+            <a:r>
+              <a:rPr lang="en-US" dirty="0"/>
+              <a:t>E.g., Young hump excess mortality, cohort excess mortality, etc.</a:t>
+            </a:r>
+          </a:p>
+          <a:p>
+            <a:pPr lvl="1"/>
+            <a:r>
+              <a:rPr lang="en-US" dirty="0"/>
+              <a:t>More a methodological tool for analyzing mortality trends</a:t>
+            </a:r>
+          </a:p>
+        </p:txBody>
+      </p:sp>
+      <p:sp>
+        <p:nvSpPr>
+          <p:cNvPr id="5" name="Title 1">
+            <a:extLst>
+              <a:ext uri="{FF2B5EF4-FFF2-40B4-BE49-F238E27FC236}">
+                <a16:creationId xmlns:a16="http://schemas.microsoft.com/office/drawing/2014/main" id="{F6D882FA-475A-4E48-A526-59B78DBD0925}"/>
+              </a:ext>
+            </a:extLst>
+          </p:cNvPr>
+          <p:cNvSpPr txBox="1">
+            <a:spLocks/>
+          </p:cNvSpPr>
+          <p:nvPr/>
+        </p:nvSpPr>
+        <p:spPr>
+          <a:xfrm>
+            <a:off x="1199456" y="412682"/>
+            <a:ext cx="8229600" cy="1143000"/>
+          </a:xfrm>
+          <a:prstGeom prst="rect">
+            <a:avLst/>
+          </a:prstGeom>
+        </p:spPr>
+        <p:txBody>
+          <a:bodyPr vert="horz" lIns="91440" tIns="45720" rIns="91440" bIns="45720" rtlCol="0" anchor="ctr">
+            <a:normAutofit/>
+          </a:bodyPr>
+          <a:lstStyle>
+            <a:lvl1pPr algn="ctr" defTabSz="914400" rtl="0" eaLnBrk="1" latinLnBrk="0" hangingPunct="1">
+              <a:spcBef>
+                <a:spcPct val="0"/>
+              </a:spcBef>
+              <a:buNone/>
+              <a:defRPr sz="4400" kern="1200">
+                <a:solidFill>
+                  <a:schemeClr val="tx1"/>
+                </a:solidFill>
+                <a:latin typeface="+mj-lt"/>
+                <a:ea typeface="+mj-ea"/>
+                <a:cs typeface="+mj-cs"/>
+              </a:defRPr>
+            </a:lvl1pPr>
+          </a:lstStyle>
+          <a:p>
+            <a:pPr algn="l"/>
+            <a:r>
+              <a:rPr lang="en-US" b="1" dirty="0"/>
+              <a:t>Excess mortality</a:t>
+            </a:r>
+          </a:p>
+        </p:txBody>
+      </p:sp>
+    </p:spTree>
+    <p:extLst>
+      <p:ext uri="{BB962C8B-B14F-4D97-AF65-F5344CB8AC3E}">
+        <p14:creationId xmlns:p14="http://schemas.microsoft.com/office/powerpoint/2010/main" val="550564623"/>
+      </p:ext>
+    </p:extLst>
+  </p:cSld>
+  <p:clrMapOvr>
+    <a:masterClrMapping/>
+  </p:clrMapOvr>
+  <p:timing>
+    <p:tnLst>
+      <p:par>
+        <p:cTn id="1" dur="indefinite" restart="never" nodeType="tmRoot">
+          <p:childTnLst>
+            <p:seq concurrent="1" nextAc="seek">
+              <p:cTn id="2" dur="indefinite" nodeType="mainSeq">
+                <p:childTnLst>
+                  <p:par>
+                    <p:cTn id="3" fill="hold">
+                      <p:stCondLst>
+                        <p:cond delay="indefinite"/>
+                      </p:stCondLst>
+                      <p:childTnLst>
+                        <p:par>
+                          <p:cTn id="4" fill="hold">
+                            <p:stCondLst>
+                              <p:cond delay="0"/>
+                            </p:stCondLst>
+                            <p:childTnLst>
+                              <p:par>
+                                <p:cTn id="5" presetID="1" presetClass="entr" presetSubtype="0" fill="hold" nodeType="clickEffect">
+                                  <p:stCondLst>
+                                    <p:cond delay="0"/>
+                                  </p:stCondLst>
+                                  <p:childTnLst>
+                                    <p:set>
+                                      <p:cBhvr>
+                                        <p:cTn id="6" dur="1" fill="hold">
+                                          <p:stCondLst>
+                                            <p:cond delay="0"/>
+                                          </p:stCondLst>
+                                        </p:cTn>
+                                        <p:tgtEl>
+                                          <p:spTgt spid="3">
+                                            <p:txEl>
+                                              <p:pRg st="5" end="5"/>
+                                            </p:txEl>
+                                          </p:spTgt>
+                                        </p:tgtEl>
+                                        <p:attrNameLst>
+                                          <p:attrName>style.visibility</p:attrName>
+                                        </p:attrNameLst>
+                                      </p:cBhvr>
+                                      <p:to>
+                                        <p:strVal val="visible"/>
+                                      </p:to>
+                                    </p:set>
+                                  </p:childTnLst>
+                                </p:cTn>
+                              </p:par>
+                              <p:par>
+                                <p:cTn id="7" presetID="1" presetClass="entr" presetSubtype="0" fill="hold" nodeType="withEffect">
+                                  <p:stCondLst>
+                                    <p:cond delay="0"/>
+                                  </p:stCondLst>
+                                  <p:childTnLst>
+                                    <p:set>
+                                      <p:cBhvr>
+                                        <p:cTn id="8" dur="1" fill="hold">
+                                          <p:stCondLst>
+                                            <p:cond delay="0"/>
+                                          </p:stCondLst>
+                                        </p:cTn>
+                                        <p:tgtEl>
+                                          <p:spTgt spid="3">
+                                            <p:txEl>
+                                              <p:pRg st="6" end="6"/>
+                                            </p:txEl>
+                                          </p:spTgt>
+                                        </p:tgtEl>
+                                        <p:attrNameLst>
+                                          <p:attrName>style.visibility</p:attrName>
+                                        </p:attrNameLst>
+                                      </p:cBhvr>
+                                      <p:to>
+                                        <p:strVal val="visible"/>
+                                      </p:to>
+                                    </p:set>
+                                  </p:childTnLst>
+                                </p:cTn>
+                              </p:par>
+                              <p:par>
+                                <p:cTn id="9" presetID="1" presetClass="entr" presetSubtype="0" fill="hold" nodeType="withEffect">
+                                  <p:stCondLst>
+                                    <p:cond delay="0"/>
+                                  </p:stCondLst>
+                                  <p:childTnLst>
+                                    <p:set>
+                                      <p:cBhvr>
+                                        <p:cTn id="10" dur="1" fill="hold">
+                                          <p:stCondLst>
+                                            <p:cond delay="0"/>
+                                          </p:stCondLst>
+                                        </p:cTn>
+                                        <p:tgtEl>
+                                          <p:spTgt spid="3">
+                                            <p:txEl>
+                                              <p:pRg st="7" end="7"/>
+                                            </p:txEl>
+                                          </p:spTgt>
+                                        </p:tgtEl>
+                                        <p:attrNameLst>
+                                          <p:attrName>style.visibility</p:attrName>
+                                        </p:attrNameLst>
+                                      </p:cBhvr>
+                                      <p:to>
+                                        <p:strVal val="visible"/>
+                                      </p:to>
+                                    </p:set>
+                                  </p:childTnLst>
+                                </p:cTn>
+                              </p:par>
+                              <p:par>
+                                <p:cTn id="11" presetID="1" presetClass="entr" presetSubtype="0" fill="hold" nodeType="withEffect">
+                                  <p:stCondLst>
+                                    <p:cond delay="0"/>
+                                  </p:stCondLst>
+                                  <p:childTnLst>
+                                    <p:set>
+                                      <p:cBhvr>
+                                        <p:cTn id="12" dur="1" fill="hold">
+                                          <p:stCondLst>
+                                            <p:cond delay="0"/>
+                                          </p:stCondLst>
+                                        </p:cTn>
+                                        <p:tgtEl>
+                                          <p:spTgt spid="3">
+                                            <p:txEl>
+                                              <p:pRg st="8" end="8"/>
+                                            </p:txEl>
+                                          </p:spTgt>
+                                        </p:tgtEl>
+                                        <p:attrNameLst>
+                                          <p:attrName>style.visibility</p:attrName>
+                                        </p:attrNameLst>
+                                      </p:cBhvr>
+                                      <p:to>
+                                        <p:strVal val="visible"/>
+                                      </p:to>
+                                    </p:set>
+                                  </p:childTnLst>
+                                </p:cTn>
+                              </p:par>
+                            </p:childTnLst>
+                          </p:cTn>
+                        </p:par>
+                      </p:childTnLst>
+                    </p:cTn>
+                  </p:par>
+                  <p:par>
+                    <p:cTn id="13" fill="hold">
+                      <p:stCondLst>
+                        <p:cond delay="indefinite"/>
+                      </p:stCondLst>
+                      <p:childTnLst>
+                        <p:par>
+                          <p:cTn id="14" fill="hold">
+                            <p:stCondLst>
+                              <p:cond delay="0"/>
+                            </p:stCondLst>
+                            <p:childTnLst>
+                              <p:par>
+                                <p:cTn id="15" presetID="1" presetClass="entr" presetSubtype="0" fill="hold" nodeType="clickEffect">
+                                  <p:stCondLst>
+                                    <p:cond delay="0"/>
+                                  </p:stCondLst>
+                                  <p:childTnLst>
+                                    <p:set>
+                                      <p:cBhvr>
+                                        <p:cTn id="16" dur="1" fill="hold">
+                                          <p:stCondLst>
+                                            <p:cond delay="0"/>
+                                          </p:stCondLst>
+                                        </p:cTn>
+                                        <p:tgtEl>
+                                          <p:spTgt spid="3">
+                                            <p:txEl>
+                                              <p:pRg st="9" end="9"/>
+                                            </p:txEl>
+                                          </p:spTgt>
+                                        </p:tgtEl>
+                                        <p:attrNameLst>
+                                          <p:attrName>style.visibility</p:attrName>
+                                        </p:attrNameLst>
+                                      </p:cBhvr>
+                                      <p:to>
+                                        <p:strVal val="visible"/>
+                                      </p:to>
+                                    </p:set>
+                                  </p:childTnLst>
+                                </p:cTn>
+                              </p:par>
+                              <p:par>
+                                <p:cTn id="17" presetID="1" presetClass="entr" presetSubtype="0" fill="hold" nodeType="withEffect">
+                                  <p:stCondLst>
+                                    <p:cond delay="0"/>
+                                  </p:stCondLst>
+                                  <p:childTnLst>
+                                    <p:set>
+                                      <p:cBhvr>
+                                        <p:cTn id="18" dur="1" fill="hold">
+                                          <p:stCondLst>
+                                            <p:cond delay="0"/>
+                                          </p:stCondLst>
+                                        </p:cTn>
+                                        <p:tgtEl>
+                                          <p:spTgt spid="3">
+                                            <p:txEl>
+                                              <p:pRg st="10" end="10"/>
+                                            </p:txEl>
+                                          </p:spTgt>
+                                        </p:tgtEl>
+                                        <p:attrNameLst>
+                                          <p:attrName>style.visibility</p:attrName>
+                                        </p:attrNameLst>
+                                      </p:cBhvr>
+                                      <p:to>
+                                        <p:strVal val="visible"/>
+                                      </p:to>
+                                    </p:set>
+                                  </p:childTnLst>
+                                </p:cTn>
+                              </p:par>
+                              <p:par>
+                                <p:cTn id="19" presetID="1" presetClass="entr" presetSubtype="0" fill="hold" nodeType="withEffect">
+                                  <p:stCondLst>
+                                    <p:cond delay="0"/>
+                                  </p:stCondLst>
+                                  <p:childTnLst>
+                                    <p:set>
+                                      <p:cBhvr>
+                                        <p:cTn id="20" dur="1" fill="hold">
+                                          <p:stCondLst>
+                                            <p:cond delay="0"/>
+                                          </p:stCondLst>
+                                        </p:cTn>
+                                        <p:tgtEl>
+                                          <p:spTgt spid="3">
+                                            <p:txEl>
+                                              <p:pRg st="11" end="11"/>
+                                            </p:txEl>
+                                          </p:spTgt>
+                                        </p:tgtEl>
+                                        <p:attrNameLst>
+                                          <p:attrName>style.visibility</p:attrName>
+                                        </p:attrNameLst>
+                                      </p:cBhvr>
+                                      <p:to>
+                                        <p:strVal val="visible"/>
+                                      </p:to>
+                                    </p:set>
+                                  </p:childTnLst>
+                                </p:cTn>
+                              </p:par>
+                              <p:par>
+                                <p:cTn id="21" presetID="1" presetClass="entr" presetSubtype="0" fill="hold" nodeType="withEffect">
+                                  <p:stCondLst>
+                                    <p:cond delay="0"/>
+                                  </p:stCondLst>
+                                  <p:childTnLst>
+                                    <p:set>
+                                      <p:cBhvr>
+                                        <p:cTn id="22" dur="1" fill="hold">
+                                          <p:stCondLst>
+                                            <p:cond delay="0"/>
+                                          </p:stCondLst>
+                                        </p:cTn>
+                                        <p:tgtEl>
+                                          <p:spTgt spid="3">
+                                            <p:txEl>
+                                              <p:pRg st="12" end="12"/>
+                                            </p:txEl>
+                                          </p:spTgt>
+                                        </p:tgtEl>
+                                        <p:attrNameLst>
+                                          <p:attrName>style.visibility</p:attrName>
+                                        </p:attrNameLst>
+                                      </p:cBhvr>
+                                      <p:to>
+                                        <p:strVal val="visible"/>
+                                      </p:to>
+                                    </p:set>
+                                  </p:childTnLst>
+                                </p:cTn>
+                              </p:par>
+                            </p:childTnLst>
+                          </p:cTn>
+                        </p:par>
+                      </p:childTnLst>
+                    </p:cTn>
+                  </p:par>
+                </p:childTnLst>
+              </p:cTn>
+              <p:prevCondLst>
+                <p:cond evt="onPrev" delay="0">
+                  <p:tgtEl>
+                    <p:sldTgt/>
+                  </p:tgtEl>
+                </p:cond>
+              </p:prevCondLst>
+              <p:nextCondLst>
+                <p:cond evt="onNext" delay="0">
+                  <p:tgtEl>
+                    <p:sldTgt/>
+                  </p:tgtEl>
+                </p:cond>
+              </p:nextCondLst>
+            </p:seq>
+          </p:childTnLst>
+        </p:cTn>
+      </p:par>
+    </p:tnLst>
+  </p:timing>
 </p:sld>
 </file>
 
@@ -6226,121 +6908,33 @@
         </p:nvSpPr>
         <p:spPr>
           <a:xfrm>
-            <a:off x="1199456" y="1842051"/>
-            <a:ext cx="9505056" cy="3962401"/>
+            <a:off x="735630" y="1842052"/>
+            <a:ext cx="9505056" cy="1895062"/>
           </a:xfrm>
         </p:spPr>
         <p:txBody>
           <a:bodyPr>
-            <a:normAutofit fontScale="92500" lnSpcReduction="10000"/>
+            <a:normAutofit/>
           </a:bodyPr>
           <a:lstStyle/>
           <a:p>
             <a:r>
-              <a:rPr lang="en-US" sz="2800" dirty="0"/>
-              <a:t>As in the case of influenza, high risk of misclassification of cause of death</a:t>
+              <a:rPr lang="en-US" sz="2400" dirty="0"/>
+              <a:t>Originally, excess mortality methods were proposed to measure and analyze influenza mortality</a:t>
             </a:r>
           </a:p>
           <a:p>
             <a:pPr lvl="1"/>
             <a:r>
-              <a:rPr lang="en-US" dirty="0"/>
-              <a:t>Even worse than for influenza because SARS-CoV-2 was a new virus</a:t>
-            </a:r>
-          </a:p>
-          <a:p>
-            <a:r>
-              <a:rPr lang="en-US" sz="2800" dirty="0"/>
-              <a:t>Predominance of </a:t>
-            </a:r>
-            <a:r>
-              <a:rPr lang="en-US" sz="2800" dirty="0">
-                <a:solidFill>
-                  <a:srgbClr val="C00000"/>
-                </a:solidFill>
-              </a:rPr>
-              <a:t>simplistic </a:t>
-            </a:r>
-            <a:r>
-              <a:rPr lang="en-US" sz="2800" dirty="0"/>
-              <a:t>methods for excess mortality estimation</a:t>
+              <a:rPr lang="en-US" sz="2000" dirty="0"/>
+              <a:t>Influenza is most of the times misclassified as pneumonia, cardiovascular, or respiratory diseases</a:t>
             </a:r>
           </a:p>
           <a:p>
             <a:pPr lvl="1"/>
             <a:r>
-              <a:rPr lang="en-US" dirty="0"/>
-              <a:t>As </a:t>
-            </a:r>
-            <a:r>
-              <a:rPr lang="en-US" dirty="0" err="1"/>
-              <a:t>Serfling</a:t>
-            </a:r>
-            <a:r>
-              <a:rPr lang="en-US" dirty="0"/>
-              <a:t>-like models have some complexity, very simplistic approaches have dominated official estimates… ones much worse than others! </a:t>
-            </a:r>
-          </a:p>
-          <a:p>
-            <a:pPr lvl="1"/>
-            <a:r>
-              <a:rPr lang="en-US" dirty="0"/>
-              <a:t>E.g., </a:t>
-            </a:r>
-            <a:r>
-              <a:rPr lang="en-US" i="1" dirty="0"/>
-              <a:t>weekly-average </a:t>
-            </a:r>
-            <a:r>
-              <a:rPr lang="en-US" dirty="0"/>
-              <a:t>and</a:t>
-            </a:r>
-            <a:r>
-              <a:rPr lang="en-US" i="1" dirty="0"/>
-              <a:t> Week-specific average </a:t>
-            </a:r>
-            <a:r>
-              <a:rPr lang="en-US" dirty="0"/>
-              <a:t>approaches</a:t>
-            </a:r>
-          </a:p>
-          <a:p>
-            <a:pPr lvl="2"/>
-            <a:r>
-              <a:rPr lang="en-US" dirty="0"/>
-              <a:t>Limitations</a:t>
-            </a:r>
-          </a:p>
-          <a:p>
-            <a:pPr lvl="3"/>
-            <a:r>
-              <a:rPr lang="en-US" i="1" dirty="0"/>
-              <a:t>Yearly average-week</a:t>
-            </a:r>
-            <a:r>
-              <a:rPr lang="en-US" dirty="0"/>
-              <a:t> ignore within-year seasonality</a:t>
-            </a:r>
-          </a:p>
-          <a:p>
-            <a:pPr lvl="4"/>
-            <a:r>
-              <a:rPr lang="en-US" dirty="0"/>
-              <a:t>Particularly problematic in populations living in temperate climate</a:t>
-            </a:r>
-          </a:p>
-          <a:p>
-            <a:pPr lvl="3"/>
-            <a:r>
-              <a:rPr lang="en-US" dirty="0"/>
-              <a:t>Both approaches ignore secular changes in mortality</a:t>
-            </a:r>
-          </a:p>
-          <a:p>
-            <a:pPr lvl="4"/>
-            <a:r>
-              <a:rPr lang="en-US" dirty="0"/>
-              <a:t>Particularly problematic in ageing populations</a:t>
+              <a:rPr lang="en-US" sz="2000" dirty="0"/>
+              <a:t>Need of a model that captures influenza deaths from seasonal variations</a:t>
             </a:r>
           </a:p>
         </p:txBody>
@@ -6392,6 +6986,621 @@
             <a:pPr algn="l"/>
             <a:r>
               <a:rPr lang="en-US" b="1" dirty="0"/>
+              <a:t>Excess mortality in the context of period shocks</a:t>
+            </a:r>
+          </a:p>
+        </p:txBody>
+      </p:sp>
+      <p:pic>
+        <p:nvPicPr>
+          <p:cNvPr id="1026" name="Picture 2" descr="Fig. 1">
+            <a:extLst>
+              <a:ext uri="{FF2B5EF4-FFF2-40B4-BE49-F238E27FC236}">
+                <a16:creationId xmlns:a16="http://schemas.microsoft.com/office/drawing/2014/main" id="{CF2D8FF1-9FAC-4E24-A5BC-8A52C1C7D5EB}"/>
+              </a:ext>
+            </a:extLst>
+          </p:cNvPr>
+          <p:cNvPicPr>
+            <a:picLocks noChangeAspect="1" noChangeArrowheads="1"/>
+          </p:cNvPicPr>
+          <p:nvPr/>
+        </p:nvPicPr>
+        <p:blipFill>
+          <a:blip r:embed="rId2">
+            <a:extLst>
+              <a:ext uri="{28A0092B-C50C-407E-A947-70E740481C1C}">
+                <a14:useLocalDpi xmlns:a14="http://schemas.microsoft.com/office/drawing/2010/main" val="0"/>
+              </a:ext>
+            </a:extLst>
+          </a:blip>
+          <a:srcRect/>
+          <a:stretch>
+            <a:fillRect/>
+          </a:stretch>
+        </p:blipFill>
+        <p:spPr bwMode="auto">
+          <a:xfrm>
+            <a:off x="6983896" y="3904214"/>
+            <a:ext cx="4625009" cy="2326281"/>
+          </a:xfrm>
+          <a:prstGeom prst="rect">
+            <a:avLst/>
+          </a:prstGeom>
+          <a:noFill/>
+          <a:extLst>
+            <a:ext uri="{909E8E84-426E-40DD-AFC4-6F175D3DCCD1}">
+              <a14:hiddenFill xmlns:a14="http://schemas.microsoft.com/office/drawing/2010/main">
+                <a:solidFill>
+                  <a:srgbClr val="FFFFFF"/>
+                </a:solidFill>
+              </a14:hiddenFill>
+            </a:ext>
+          </a:extLst>
+        </p:spPr>
+      </p:pic>
+      <p:sp>
+        <p:nvSpPr>
+          <p:cNvPr id="6" name="Content Placeholder 2">
+            <a:extLst>
+              <a:ext uri="{FF2B5EF4-FFF2-40B4-BE49-F238E27FC236}">
+                <a16:creationId xmlns:a16="http://schemas.microsoft.com/office/drawing/2014/main" id="{BB89BEAC-0ECF-4E43-BF53-34078C87C3CB}"/>
+              </a:ext>
+            </a:extLst>
+          </p:cNvPr>
+          <p:cNvSpPr txBox="1">
+            <a:spLocks/>
+          </p:cNvSpPr>
+          <p:nvPr/>
+        </p:nvSpPr>
+        <p:spPr>
+          <a:xfrm>
+            <a:off x="735630" y="3690731"/>
+            <a:ext cx="5824196" cy="3430449"/>
+          </a:xfrm>
+          <a:prstGeom prst="rect">
+            <a:avLst/>
+          </a:prstGeom>
+        </p:spPr>
+        <p:txBody>
+          <a:bodyPr vert="horz" lIns="91440" tIns="45720" rIns="91440" bIns="45720" rtlCol="0">
+            <a:normAutofit/>
+          </a:bodyPr>
+          <a:lstStyle>
+            <a:lvl1pPr marL="228600" indent="-228600" algn="l" defTabSz="914400" rtl="0" eaLnBrk="1" latinLnBrk="0" hangingPunct="1">
+              <a:lnSpc>
+                <a:spcPct val="90000"/>
+              </a:lnSpc>
+              <a:spcBef>
+                <a:spcPts val="1000"/>
+              </a:spcBef>
+              <a:buFont typeface="Arial" panose="020B0604020202020204" pitchFamily="34" charset="0"/>
+              <a:buChar char="•"/>
+              <a:defRPr sz="2800" kern="1200">
+                <a:solidFill>
+                  <a:schemeClr val="tx1"/>
+                </a:solidFill>
+                <a:latin typeface="+mn-lt"/>
+                <a:ea typeface="+mn-ea"/>
+                <a:cs typeface="+mn-cs"/>
+              </a:defRPr>
+            </a:lvl1pPr>
+            <a:lvl2pPr marL="685800" indent="-228600" algn="l" defTabSz="914400" rtl="0" eaLnBrk="1" latinLnBrk="0" hangingPunct="1">
+              <a:lnSpc>
+                <a:spcPct val="90000"/>
+              </a:lnSpc>
+              <a:spcBef>
+                <a:spcPts val="500"/>
+              </a:spcBef>
+              <a:buFont typeface="Arial" panose="020B0604020202020204" pitchFamily="34" charset="0"/>
+              <a:buChar char="•"/>
+              <a:defRPr sz="2400" kern="1200">
+                <a:solidFill>
+                  <a:schemeClr val="tx1"/>
+                </a:solidFill>
+                <a:latin typeface="+mn-lt"/>
+                <a:ea typeface="+mn-ea"/>
+                <a:cs typeface="+mn-cs"/>
+              </a:defRPr>
+            </a:lvl2pPr>
+            <a:lvl3pPr marL="1143000" indent="-228600" algn="l" defTabSz="914400" rtl="0" eaLnBrk="1" latinLnBrk="0" hangingPunct="1">
+              <a:lnSpc>
+                <a:spcPct val="90000"/>
+              </a:lnSpc>
+              <a:spcBef>
+                <a:spcPts val="500"/>
+              </a:spcBef>
+              <a:buFont typeface="Arial" panose="020B0604020202020204" pitchFamily="34" charset="0"/>
+              <a:buChar char="•"/>
+              <a:defRPr sz="2000" kern="1200">
+                <a:solidFill>
+                  <a:schemeClr val="tx1"/>
+                </a:solidFill>
+                <a:latin typeface="+mn-lt"/>
+                <a:ea typeface="+mn-ea"/>
+                <a:cs typeface="+mn-cs"/>
+              </a:defRPr>
+            </a:lvl3pPr>
+            <a:lvl4pPr marL="1600200" indent="-228600" algn="l" defTabSz="914400" rtl="0" eaLnBrk="1" latinLnBrk="0" hangingPunct="1">
+              <a:lnSpc>
+                <a:spcPct val="90000"/>
+              </a:lnSpc>
+              <a:spcBef>
+                <a:spcPts val="500"/>
+              </a:spcBef>
+              <a:buFont typeface="Arial" panose="020B0604020202020204" pitchFamily="34" charset="0"/>
+              <a:buChar char="•"/>
+              <a:defRPr sz="1800" kern="1200">
+                <a:solidFill>
+                  <a:schemeClr val="tx1"/>
+                </a:solidFill>
+                <a:latin typeface="+mn-lt"/>
+                <a:ea typeface="+mn-ea"/>
+                <a:cs typeface="+mn-cs"/>
+              </a:defRPr>
+            </a:lvl4pPr>
+            <a:lvl5pPr marL="2057400" indent="-228600" algn="l" defTabSz="914400" rtl="0" eaLnBrk="1" latinLnBrk="0" hangingPunct="1">
+              <a:lnSpc>
+                <a:spcPct val="90000"/>
+              </a:lnSpc>
+              <a:spcBef>
+                <a:spcPts val="500"/>
+              </a:spcBef>
+              <a:buFont typeface="Arial" panose="020B0604020202020204" pitchFamily="34" charset="0"/>
+              <a:buChar char="•"/>
+              <a:defRPr sz="1800" kern="1200">
+                <a:solidFill>
+                  <a:schemeClr val="tx1"/>
+                </a:solidFill>
+                <a:latin typeface="+mn-lt"/>
+                <a:ea typeface="+mn-ea"/>
+                <a:cs typeface="+mn-cs"/>
+              </a:defRPr>
+            </a:lvl5pPr>
+            <a:lvl6pPr marL="2514600" indent="-228600" algn="l" defTabSz="914400" rtl="0" eaLnBrk="1" latinLnBrk="0" hangingPunct="1">
+              <a:lnSpc>
+                <a:spcPct val="90000"/>
+              </a:lnSpc>
+              <a:spcBef>
+                <a:spcPts val="500"/>
+              </a:spcBef>
+              <a:buFont typeface="Arial" panose="020B0604020202020204" pitchFamily="34" charset="0"/>
+              <a:buChar char="•"/>
+              <a:defRPr sz="1800" kern="1200">
+                <a:solidFill>
+                  <a:schemeClr val="tx1"/>
+                </a:solidFill>
+                <a:latin typeface="+mn-lt"/>
+                <a:ea typeface="+mn-ea"/>
+                <a:cs typeface="+mn-cs"/>
+              </a:defRPr>
+            </a:lvl6pPr>
+            <a:lvl7pPr marL="2971800" indent="-228600" algn="l" defTabSz="914400" rtl="0" eaLnBrk="1" latinLnBrk="0" hangingPunct="1">
+              <a:lnSpc>
+                <a:spcPct val="90000"/>
+              </a:lnSpc>
+              <a:spcBef>
+                <a:spcPts val="500"/>
+              </a:spcBef>
+              <a:buFont typeface="Arial" panose="020B0604020202020204" pitchFamily="34" charset="0"/>
+              <a:buChar char="•"/>
+              <a:defRPr sz="1800" kern="1200">
+                <a:solidFill>
+                  <a:schemeClr val="tx1"/>
+                </a:solidFill>
+                <a:latin typeface="+mn-lt"/>
+                <a:ea typeface="+mn-ea"/>
+                <a:cs typeface="+mn-cs"/>
+              </a:defRPr>
+            </a:lvl7pPr>
+            <a:lvl8pPr marL="3429000" indent="-228600" algn="l" defTabSz="914400" rtl="0" eaLnBrk="1" latinLnBrk="0" hangingPunct="1">
+              <a:lnSpc>
+                <a:spcPct val="90000"/>
+              </a:lnSpc>
+              <a:spcBef>
+                <a:spcPts val="500"/>
+              </a:spcBef>
+              <a:buFont typeface="Arial" panose="020B0604020202020204" pitchFamily="34" charset="0"/>
+              <a:buChar char="•"/>
+              <a:defRPr sz="1800" kern="1200">
+                <a:solidFill>
+                  <a:schemeClr val="tx1"/>
+                </a:solidFill>
+                <a:latin typeface="+mn-lt"/>
+                <a:ea typeface="+mn-ea"/>
+                <a:cs typeface="+mn-cs"/>
+              </a:defRPr>
+            </a:lvl8pPr>
+            <a:lvl9pPr marL="3886200" indent="-228600" algn="l" defTabSz="914400" rtl="0" eaLnBrk="1" latinLnBrk="0" hangingPunct="1">
+              <a:lnSpc>
+                <a:spcPct val="90000"/>
+              </a:lnSpc>
+              <a:spcBef>
+                <a:spcPts val="500"/>
+              </a:spcBef>
+              <a:buFont typeface="Arial" panose="020B0604020202020204" pitchFamily="34" charset="0"/>
+              <a:buChar char="•"/>
+              <a:defRPr sz="1800" kern="1200">
+                <a:solidFill>
+                  <a:schemeClr val="tx1"/>
+                </a:solidFill>
+                <a:latin typeface="+mn-lt"/>
+                <a:ea typeface="+mn-ea"/>
+                <a:cs typeface="+mn-cs"/>
+              </a:defRPr>
+            </a:lvl9pPr>
+          </a:lstStyle>
+          <a:p>
+            <a:r>
+              <a:rPr lang="en-US" sz="2400" i="1" dirty="0" err="1"/>
+              <a:t>Serfling</a:t>
+            </a:r>
+            <a:r>
+              <a:rPr lang="en-US" sz="2400" dirty="0"/>
+              <a:t> model (1963)</a:t>
+            </a:r>
+          </a:p>
+          <a:p>
+            <a:pPr lvl="1"/>
+            <a:r>
+              <a:rPr lang="en-US" sz="2000" dirty="0"/>
+              <a:t>Strong assumption: influenza does not circulate during summer, and most increases during winter are due to influenza infections</a:t>
+            </a:r>
+          </a:p>
+          <a:p>
+            <a:pPr lvl="1"/>
+            <a:r>
+              <a:rPr lang="en-US" sz="2000" dirty="0"/>
+              <a:t>Simple model: a linear regression that accounts for seasonality</a:t>
+            </a:r>
+          </a:p>
+          <a:p>
+            <a:pPr lvl="1"/>
+            <a:r>
+              <a:rPr lang="en-US" sz="2000" dirty="0"/>
+              <a:t>Different variations and improvements since its original formulation</a:t>
+            </a:r>
+          </a:p>
+          <a:p>
+            <a:pPr lvl="2"/>
+            <a:endParaRPr lang="en-US" sz="1800" dirty="0"/>
+          </a:p>
+          <a:p>
+            <a:pPr lvl="1"/>
+            <a:endParaRPr lang="en-US" sz="2000" dirty="0"/>
+          </a:p>
+        </p:txBody>
+      </p:sp>
+    </p:spTree>
+    <p:extLst>
+      <p:ext uri="{BB962C8B-B14F-4D97-AF65-F5344CB8AC3E}">
+        <p14:creationId xmlns:p14="http://schemas.microsoft.com/office/powerpoint/2010/main" val="3882041152"/>
+      </p:ext>
+    </p:extLst>
+  </p:cSld>
+  <p:clrMapOvr>
+    <a:masterClrMapping/>
+  </p:clrMapOvr>
+  <p:timing>
+    <p:tnLst>
+      <p:par>
+        <p:cTn id="1" dur="indefinite" restart="never" nodeType="tmRoot">
+          <p:childTnLst>
+            <p:seq concurrent="1" nextAc="seek">
+              <p:cTn id="2" dur="indefinite" nodeType="mainSeq">
+                <p:childTnLst>
+                  <p:par>
+                    <p:cTn id="3" fill="hold">
+                      <p:stCondLst>
+                        <p:cond delay="indefinite"/>
+                      </p:stCondLst>
+                      <p:childTnLst>
+                        <p:par>
+                          <p:cTn id="4" fill="hold">
+                            <p:stCondLst>
+                              <p:cond delay="0"/>
+                            </p:stCondLst>
+                            <p:childTnLst>
+                              <p:par>
+                                <p:cTn id="5" presetID="1" presetClass="entr" presetSubtype="0" fill="hold" grpId="0" nodeType="clickEffect">
+                                  <p:stCondLst>
+                                    <p:cond delay="0"/>
+                                  </p:stCondLst>
+                                  <p:childTnLst>
+                                    <p:set>
+                                      <p:cBhvr>
+                                        <p:cTn id="6" dur="1" fill="hold">
+                                          <p:stCondLst>
+                                            <p:cond delay="0"/>
+                                          </p:stCondLst>
+                                        </p:cTn>
+                                        <p:tgtEl>
+                                          <p:spTgt spid="6"/>
+                                        </p:tgtEl>
+                                        <p:attrNameLst>
+                                          <p:attrName>style.visibility</p:attrName>
+                                        </p:attrNameLst>
+                                      </p:cBhvr>
+                                      <p:to>
+                                        <p:strVal val="visible"/>
+                                      </p:to>
+                                    </p:set>
+                                  </p:childTnLst>
+                                </p:cTn>
+                              </p:par>
+                            </p:childTnLst>
+                          </p:cTn>
+                        </p:par>
+                      </p:childTnLst>
+                    </p:cTn>
+                  </p:par>
+                  <p:par>
+                    <p:cTn id="7" fill="hold">
+                      <p:stCondLst>
+                        <p:cond delay="indefinite"/>
+                      </p:stCondLst>
+                      <p:childTnLst>
+                        <p:par>
+                          <p:cTn id="8" fill="hold">
+                            <p:stCondLst>
+                              <p:cond delay="0"/>
+                            </p:stCondLst>
+                            <p:childTnLst>
+                              <p:par>
+                                <p:cTn id="9" presetID="1" presetClass="entr" presetSubtype="0" fill="hold" nodeType="clickEffect">
+                                  <p:stCondLst>
+                                    <p:cond delay="0"/>
+                                  </p:stCondLst>
+                                  <p:childTnLst>
+                                    <p:set>
+                                      <p:cBhvr>
+                                        <p:cTn id="10" dur="1" fill="hold">
+                                          <p:stCondLst>
+                                            <p:cond delay="0"/>
+                                          </p:stCondLst>
+                                        </p:cTn>
+                                        <p:tgtEl>
+                                          <p:spTgt spid="1026"/>
+                                        </p:tgtEl>
+                                        <p:attrNameLst>
+                                          <p:attrName>style.visibility</p:attrName>
+                                        </p:attrNameLst>
+                                      </p:cBhvr>
+                                      <p:to>
+                                        <p:strVal val="visible"/>
+                                      </p:to>
+                                    </p:set>
+                                  </p:childTnLst>
+                                </p:cTn>
+                              </p:par>
+                            </p:childTnLst>
+                          </p:cTn>
+                        </p:par>
+                      </p:childTnLst>
+                    </p:cTn>
+                  </p:par>
+                </p:childTnLst>
+              </p:cTn>
+              <p:prevCondLst>
+                <p:cond evt="onPrev" delay="0">
+                  <p:tgtEl>
+                    <p:sldTgt/>
+                  </p:tgtEl>
+                </p:cond>
+              </p:prevCondLst>
+              <p:nextCondLst>
+                <p:cond evt="onNext" delay="0">
+                  <p:tgtEl>
+                    <p:sldTgt/>
+                  </p:tgtEl>
+                </p:cond>
+              </p:nextCondLst>
+            </p:seq>
+          </p:childTnLst>
+        </p:cTn>
+      </p:par>
+    </p:tnLst>
+    <p:bldLst>
+      <p:bldP spid="6" grpId="0"/>
+    </p:bldLst>
+  </p:timing>
+</p:sld>
+</file>
+
+<file path=ppt/slides/slide6.xml><?xml version="1.0" encoding="utf-8"?>
+<p:sld xmlns:a="http://schemas.openxmlformats.org/drawingml/2006/main" xmlns:r="http://schemas.openxmlformats.org/officeDocument/2006/relationships" xmlns:p="http://schemas.openxmlformats.org/presentationml/2006/main">
+  <p:cSld>
+    <p:spTree>
+      <p:nvGrpSpPr>
+        <p:cNvPr id="1" name=""/>
+        <p:cNvGrpSpPr/>
+        <p:nvPr/>
+      </p:nvGrpSpPr>
+      <p:grpSpPr>
+        <a:xfrm>
+          <a:off x="0" y="0"/>
+          <a:ext cx="0" cy="0"/>
+          <a:chOff x="0" y="0"/>
+          <a:chExt cx="0" cy="0"/>
+        </a:xfrm>
+      </p:grpSpPr>
+      <p:sp>
+        <p:nvSpPr>
+          <p:cNvPr id="3" name="Content Placeholder 2"/>
+          <p:cNvSpPr>
+            <a:spLocks noGrp="1"/>
+          </p:cNvSpPr>
+          <p:nvPr>
+            <p:ph idx="1"/>
+          </p:nvPr>
+        </p:nvSpPr>
+        <p:spPr>
+          <a:xfrm>
+            <a:off x="1199456" y="1842051"/>
+            <a:ext cx="9505056" cy="3962401"/>
+          </a:xfrm>
+        </p:spPr>
+        <p:txBody>
+          <a:bodyPr>
+            <a:normAutofit fontScale="92500" lnSpcReduction="20000"/>
+          </a:bodyPr>
+          <a:lstStyle/>
+          <a:p>
+            <a:r>
+              <a:rPr lang="en-US" sz="2800" dirty="0"/>
+              <a:t>As in the case of influenza, high risk of misclassification of cause of death</a:t>
+            </a:r>
+          </a:p>
+          <a:p>
+            <a:pPr lvl="1"/>
+            <a:r>
+              <a:rPr lang="en-US" dirty="0"/>
+              <a:t>Even worse than for influenza because SARS-CoV-2 was a new virus</a:t>
+            </a:r>
+          </a:p>
+          <a:p>
+            <a:r>
+              <a:rPr lang="en-US" sz="2800" dirty="0"/>
+              <a:t>Predominance of </a:t>
+            </a:r>
+            <a:r>
+              <a:rPr lang="en-US" sz="2800" dirty="0">
+                <a:solidFill>
+                  <a:srgbClr val="C00000"/>
+                </a:solidFill>
+              </a:rPr>
+              <a:t>simplistic </a:t>
+            </a:r>
+            <a:r>
+              <a:rPr lang="en-US" sz="2800" dirty="0"/>
+              <a:t>methods for excess mortality estimation</a:t>
+            </a:r>
+          </a:p>
+          <a:p>
+            <a:pPr lvl="1"/>
+            <a:r>
+              <a:rPr lang="en-US" dirty="0"/>
+              <a:t>Because </a:t>
+            </a:r>
+            <a:r>
+              <a:rPr lang="en-US" dirty="0" err="1"/>
+              <a:t>Serfling</a:t>
+            </a:r>
+            <a:r>
+              <a:rPr lang="en-US" dirty="0"/>
+              <a:t>-like models have some complexity, very simplistic approaches have dominated official estimates… ones much worse than others! </a:t>
+            </a:r>
+          </a:p>
+          <a:p>
+            <a:pPr lvl="1"/>
+            <a:r>
+              <a:rPr lang="en-US" dirty="0"/>
+              <a:t>E.g., </a:t>
+            </a:r>
+            <a:r>
+              <a:rPr lang="en-US" i="1" dirty="0"/>
+              <a:t>weekly-average </a:t>
+            </a:r>
+            <a:r>
+              <a:rPr lang="en-US" dirty="0"/>
+              <a:t>and</a:t>
+            </a:r>
+            <a:r>
+              <a:rPr lang="en-US" i="1" dirty="0"/>
+              <a:t> week-specific average </a:t>
+            </a:r>
+            <a:r>
+              <a:rPr lang="en-US" dirty="0"/>
+              <a:t>approaches</a:t>
+            </a:r>
+          </a:p>
+          <a:p>
+            <a:pPr lvl="2"/>
+            <a:r>
+              <a:rPr lang="en-US" dirty="0"/>
+              <a:t>Limitations</a:t>
+            </a:r>
+          </a:p>
+          <a:p>
+            <a:pPr lvl="3"/>
+            <a:r>
+              <a:rPr lang="en-US" i="1" dirty="0"/>
+              <a:t>Yearly average-week</a:t>
+            </a:r>
+            <a:r>
+              <a:rPr lang="en-US" dirty="0"/>
+              <a:t> ignore within-year seasonality</a:t>
+            </a:r>
+          </a:p>
+          <a:p>
+            <a:pPr lvl="4"/>
+            <a:r>
+              <a:rPr lang="en-US" dirty="0"/>
+              <a:t>Particularly problematic in populations living in temperate climate</a:t>
+            </a:r>
+          </a:p>
+          <a:p>
+            <a:pPr lvl="3"/>
+            <a:r>
+              <a:rPr lang="en-US" dirty="0"/>
+              <a:t>Both approaches ignore secular changes in mortality</a:t>
+            </a:r>
+          </a:p>
+          <a:p>
+            <a:pPr lvl="4"/>
+            <a:r>
+              <a:rPr lang="en-US" dirty="0"/>
+              <a:t>Particularly problematic in ageing populations</a:t>
+            </a:r>
+          </a:p>
+        </p:txBody>
+      </p:sp>
+      <p:sp>
+        <p:nvSpPr>
+          <p:cNvPr id="5" name="Title 1">
+            <a:extLst>
+              <a:ext uri="{FF2B5EF4-FFF2-40B4-BE49-F238E27FC236}">
+                <a16:creationId xmlns:a16="http://schemas.microsoft.com/office/drawing/2014/main" id="{F6D882FA-475A-4E48-A526-59B78DBD0925}"/>
+              </a:ext>
+            </a:extLst>
+          </p:cNvPr>
+          <p:cNvSpPr txBox="1">
+            <a:spLocks/>
+          </p:cNvSpPr>
+          <p:nvPr/>
+        </p:nvSpPr>
+        <p:spPr>
+          <a:xfrm>
+            <a:off x="1199456" y="531952"/>
+            <a:ext cx="8229600" cy="1143000"/>
+          </a:xfrm>
+          <a:prstGeom prst="rect">
+            <a:avLst/>
+          </a:prstGeom>
+        </p:spPr>
+        <p:txBody>
+          <a:bodyPr vert="horz" lIns="91440" tIns="45720" rIns="91440" bIns="45720" rtlCol="0" anchor="ctr">
+            <a:normAutofit fontScale="92500" lnSpcReduction="20000"/>
+          </a:bodyPr>
+          <a:lstStyle>
+            <a:lvl1pPr algn="ctr" defTabSz="914400" rtl="0" eaLnBrk="1" latinLnBrk="0" hangingPunct="1">
+              <a:spcBef>
+                <a:spcPct val="0"/>
+              </a:spcBef>
+              <a:buNone/>
+              <a:defRPr sz="4400" kern="1200">
+                <a:solidFill>
+                  <a:schemeClr val="tx1"/>
+                </a:solidFill>
+                <a:latin typeface="+mj-lt"/>
+                <a:ea typeface="+mj-ea"/>
+                <a:cs typeface="+mj-cs"/>
+              </a:defRPr>
+            </a:lvl1pPr>
+          </a:lstStyle>
+          <a:p>
+            <a:pPr algn="l"/>
+            <a:r>
+              <a:rPr lang="en-US" b="1" dirty="0"/>
               <a:t>Excess mortality in the context of COVID-19</a:t>
             </a:r>
           </a:p>
@@ -6410,7 +7619,7 @@
 </p:sld>
 </file>
 
-<file path=ppt/slides/slide6.xml><?xml version="1.0" encoding="utf-8"?>
+<file path=ppt/slides/slide7.xml><?xml version="1.0" encoding="utf-8"?>
 <p:sld xmlns:a="http://schemas.openxmlformats.org/drawingml/2006/main" xmlns:r="http://schemas.openxmlformats.org/officeDocument/2006/relationships" xmlns:p="http://schemas.openxmlformats.org/presentationml/2006/main">
   <p:cSld>
     <p:spTree>
@@ -6650,7 +7859,7 @@
                 <a:pPr lvl="1"/>
                 <a:r>
                   <a:rPr lang="en-US" dirty="0"/>
-                  <a:t>Compute average deaths for each week of the year</a:t>
+                  <a:t>Compute average deaths for each of the 52 weeks of the year</a:t>
                 </a:r>
               </a:p>
               <a:p>
@@ -6942,7 +8151,7 @@
 </p:sld>
 </file>
 
-<file path=ppt/slides/slide7.xml><?xml version="1.0" encoding="utf-8"?>
+<file path=ppt/slides/slide8.xml><?xml version="1.0" encoding="utf-8"?>
 <p:sld xmlns:a="http://schemas.openxmlformats.org/drawingml/2006/main" xmlns:r="http://schemas.openxmlformats.org/officeDocument/2006/relationships" xmlns:p="http://schemas.openxmlformats.org/presentationml/2006/main">
   <p:cSld>
     <p:spTree>
@@ -7619,7 +8828,7 @@
 </p:sld>
 </file>
 
-<file path=ppt/slides/slide8.xml><?xml version="1.0" encoding="utf-8"?>
+<file path=ppt/slides/slide9.xml><?xml version="1.0" encoding="utf-8"?>
 <p:sld xmlns:a="http://schemas.openxmlformats.org/drawingml/2006/main" xmlns:r="http://schemas.openxmlformats.org/officeDocument/2006/relationships" xmlns:p="http://schemas.openxmlformats.org/presentationml/2006/main">
   <p:cSld>
     <p:spTree>
@@ -7764,366 +8973,6 @@
     <p:extLst>
       <p:ext uri="{BB962C8B-B14F-4D97-AF65-F5344CB8AC3E}">
         <p14:creationId xmlns:p14="http://schemas.microsoft.com/office/powerpoint/2010/main" val="3815608756"/>
-      </p:ext>
-    </p:extLst>
-  </p:cSld>
-  <p:clrMapOvr>
-    <a:masterClrMapping/>
-  </p:clrMapOvr>
-</p:sld>
-</file>
-
-<file path=ppt/slides/slide9.xml><?xml version="1.0" encoding="utf-8"?>
-<p:sld xmlns:a="http://schemas.openxmlformats.org/drawingml/2006/main" xmlns:r="http://schemas.openxmlformats.org/officeDocument/2006/relationships" xmlns:p="http://schemas.openxmlformats.org/presentationml/2006/main">
-  <p:cSld>
-    <p:spTree>
-      <p:nvGrpSpPr>
-        <p:cNvPr id="1" name=""/>
-        <p:cNvGrpSpPr/>
-        <p:nvPr/>
-      </p:nvGrpSpPr>
-      <p:grpSpPr>
-        <a:xfrm>
-          <a:off x="0" y="0"/>
-          <a:ext cx="0" cy="0"/>
-          <a:chOff x="0" y="0"/>
-          <a:chExt cx="0" cy="0"/>
-        </a:xfrm>
-      </p:grpSpPr>
-      <p:sp>
-        <p:nvSpPr>
-          <p:cNvPr id="3" name="Content Placeholder 2"/>
-          <p:cNvSpPr>
-            <a:spLocks noGrp="1"/>
-          </p:cNvSpPr>
-          <p:nvPr>
-            <p:ph idx="1"/>
-          </p:nvPr>
-        </p:nvSpPr>
-        <p:spPr>
-          <a:xfrm>
-            <a:off x="1199456" y="1842052"/>
-            <a:ext cx="9505056" cy="1351422"/>
-          </a:xfrm>
-        </p:spPr>
-        <p:txBody>
-          <a:bodyPr>
-            <a:normAutofit/>
-          </a:bodyPr>
-          <a:lstStyle/>
-          <a:p>
-            <a:r>
-              <a:rPr lang="en-US" sz="2800" dirty="0"/>
-              <a:t>Practical example: COVID-19 in Spain</a:t>
-            </a:r>
-          </a:p>
-          <a:p>
-            <a:pPr lvl="1"/>
-            <a:r>
-              <a:rPr lang="en-US" dirty="0"/>
-              <a:t>Fitting the three types of baselines: average mortality, weekly-specific averages, and the Poisson model</a:t>
-            </a:r>
-          </a:p>
-        </p:txBody>
-      </p:sp>
-      <p:sp>
-        <p:nvSpPr>
-          <p:cNvPr id="5" name="Title 1">
-            <a:extLst>
-              <a:ext uri="{FF2B5EF4-FFF2-40B4-BE49-F238E27FC236}">
-                <a16:creationId xmlns:a16="http://schemas.microsoft.com/office/drawing/2014/main" id="{F6D882FA-475A-4E48-A526-59B78DBD0925}"/>
-              </a:ext>
-            </a:extLst>
-          </p:cNvPr>
-          <p:cNvSpPr txBox="1">
-            <a:spLocks/>
-          </p:cNvSpPr>
-          <p:nvPr/>
-        </p:nvSpPr>
-        <p:spPr>
-          <a:xfrm>
-            <a:off x="1199456" y="531952"/>
-            <a:ext cx="8229600" cy="1143000"/>
-          </a:xfrm>
-          <a:prstGeom prst="rect">
-            <a:avLst/>
-          </a:prstGeom>
-        </p:spPr>
-        <p:txBody>
-          <a:bodyPr vert="horz" lIns="91440" tIns="45720" rIns="91440" bIns="45720" rtlCol="0" anchor="ctr">
-            <a:normAutofit fontScale="92500" lnSpcReduction="20000"/>
-          </a:bodyPr>
-          <a:lstStyle>
-            <a:lvl1pPr algn="ctr" defTabSz="914400" rtl="0" eaLnBrk="1" latinLnBrk="0" hangingPunct="1">
-              <a:spcBef>
-                <a:spcPct val="0"/>
-              </a:spcBef>
-              <a:buNone/>
-              <a:defRPr sz="4400" kern="1200">
-                <a:solidFill>
-                  <a:schemeClr val="tx1"/>
-                </a:solidFill>
-                <a:latin typeface="+mj-lt"/>
-                <a:ea typeface="+mj-ea"/>
-                <a:cs typeface="+mj-cs"/>
-              </a:defRPr>
-            </a:lvl1pPr>
-          </a:lstStyle>
-          <a:p>
-            <a:pPr algn="l"/>
-            <a:r>
-              <a:rPr lang="en-US" b="1" dirty="0"/>
-              <a:t>Excess mortality in the context of COVID-19</a:t>
-            </a:r>
-          </a:p>
-        </p:txBody>
-      </p:sp>
-      <p:pic>
-        <p:nvPicPr>
-          <p:cNvPr id="7" name="Picture 6">
-            <a:extLst>
-              <a:ext uri="{FF2B5EF4-FFF2-40B4-BE49-F238E27FC236}">
-                <a16:creationId xmlns:a16="http://schemas.microsoft.com/office/drawing/2014/main" id="{08BEC40E-3256-4485-9A7C-5A17020A66FE}"/>
-              </a:ext>
-            </a:extLst>
-          </p:cNvPr>
-          <p:cNvPicPr>
-            <a:picLocks noChangeAspect="1"/>
-          </p:cNvPicPr>
-          <p:nvPr/>
-        </p:nvPicPr>
-        <p:blipFill>
-          <a:blip r:embed="rId2">
-            <a:extLst>
-              <a:ext uri="{28A0092B-C50C-407E-A947-70E740481C1C}">
-                <a14:useLocalDpi xmlns:a14="http://schemas.microsoft.com/office/drawing/2010/main" val="0"/>
-              </a:ext>
-            </a:extLst>
-          </a:blip>
-          <a:stretch>
-            <a:fillRect/>
-          </a:stretch>
-        </p:blipFill>
-        <p:spPr>
-          <a:xfrm>
-            <a:off x="273378" y="3060240"/>
-            <a:ext cx="11645243" cy="2911311"/>
-          </a:xfrm>
-          <a:prstGeom prst="rect">
-            <a:avLst/>
-          </a:prstGeom>
-        </p:spPr>
-      </p:pic>
-      <p:sp>
-        <p:nvSpPr>
-          <p:cNvPr id="6" name="Content Placeholder 2">
-            <a:extLst>
-              <a:ext uri="{FF2B5EF4-FFF2-40B4-BE49-F238E27FC236}">
-                <a16:creationId xmlns:a16="http://schemas.microsoft.com/office/drawing/2014/main" id="{5FB4A1A1-12E7-49E1-BFDB-EC5D32132C76}"/>
-              </a:ext>
-            </a:extLst>
-          </p:cNvPr>
-          <p:cNvSpPr txBox="1">
-            <a:spLocks/>
-          </p:cNvSpPr>
-          <p:nvPr/>
-        </p:nvSpPr>
-        <p:spPr>
-          <a:xfrm>
-            <a:off x="1199456" y="5901434"/>
-            <a:ext cx="9505056" cy="1351422"/>
-          </a:xfrm>
-          <a:prstGeom prst="rect">
-            <a:avLst/>
-          </a:prstGeom>
-        </p:spPr>
-        <p:txBody>
-          <a:bodyPr vert="horz" lIns="91440" tIns="45720" rIns="91440" bIns="45720" rtlCol="0">
-            <a:normAutofit/>
-          </a:bodyPr>
-          <a:lstStyle>
-            <a:lvl1pPr marL="228600" indent="-228600" algn="l" defTabSz="914400" rtl="0" eaLnBrk="1" latinLnBrk="0" hangingPunct="1">
-              <a:lnSpc>
-                <a:spcPct val="90000"/>
-              </a:lnSpc>
-              <a:spcBef>
-                <a:spcPts val="1000"/>
-              </a:spcBef>
-              <a:buFont typeface="Arial" panose="020B0604020202020204" pitchFamily="34" charset="0"/>
-              <a:buChar char="•"/>
-              <a:defRPr sz="2800" kern="1200">
-                <a:solidFill>
-                  <a:schemeClr val="tx1"/>
-                </a:solidFill>
-                <a:latin typeface="+mn-lt"/>
-                <a:ea typeface="+mn-ea"/>
-                <a:cs typeface="+mn-cs"/>
-              </a:defRPr>
-            </a:lvl1pPr>
-            <a:lvl2pPr marL="685800" indent="-228600" algn="l" defTabSz="914400" rtl="0" eaLnBrk="1" latinLnBrk="0" hangingPunct="1">
-              <a:lnSpc>
-                <a:spcPct val="90000"/>
-              </a:lnSpc>
-              <a:spcBef>
-                <a:spcPts val="500"/>
-              </a:spcBef>
-              <a:buFont typeface="Arial" panose="020B0604020202020204" pitchFamily="34" charset="0"/>
-              <a:buChar char="•"/>
-              <a:defRPr sz="2400" kern="1200">
-                <a:solidFill>
-                  <a:schemeClr val="tx1"/>
-                </a:solidFill>
-                <a:latin typeface="+mn-lt"/>
-                <a:ea typeface="+mn-ea"/>
-                <a:cs typeface="+mn-cs"/>
-              </a:defRPr>
-            </a:lvl2pPr>
-            <a:lvl3pPr marL="1143000" indent="-228600" algn="l" defTabSz="914400" rtl="0" eaLnBrk="1" latinLnBrk="0" hangingPunct="1">
-              <a:lnSpc>
-                <a:spcPct val="90000"/>
-              </a:lnSpc>
-              <a:spcBef>
-                <a:spcPts val="500"/>
-              </a:spcBef>
-              <a:buFont typeface="Arial" panose="020B0604020202020204" pitchFamily="34" charset="0"/>
-              <a:buChar char="•"/>
-              <a:defRPr sz="2000" kern="1200">
-                <a:solidFill>
-                  <a:schemeClr val="tx1"/>
-                </a:solidFill>
-                <a:latin typeface="+mn-lt"/>
-                <a:ea typeface="+mn-ea"/>
-                <a:cs typeface="+mn-cs"/>
-              </a:defRPr>
-            </a:lvl3pPr>
-            <a:lvl4pPr marL="1600200" indent="-228600" algn="l" defTabSz="914400" rtl="0" eaLnBrk="1" latinLnBrk="0" hangingPunct="1">
-              <a:lnSpc>
-                <a:spcPct val="90000"/>
-              </a:lnSpc>
-              <a:spcBef>
-                <a:spcPts val="500"/>
-              </a:spcBef>
-              <a:buFont typeface="Arial" panose="020B0604020202020204" pitchFamily="34" charset="0"/>
-              <a:buChar char="•"/>
-              <a:defRPr sz="1800" kern="1200">
-                <a:solidFill>
-                  <a:schemeClr val="tx1"/>
-                </a:solidFill>
-                <a:latin typeface="+mn-lt"/>
-                <a:ea typeface="+mn-ea"/>
-                <a:cs typeface="+mn-cs"/>
-              </a:defRPr>
-            </a:lvl4pPr>
-            <a:lvl5pPr marL="2057400" indent="-228600" algn="l" defTabSz="914400" rtl="0" eaLnBrk="1" latinLnBrk="0" hangingPunct="1">
-              <a:lnSpc>
-                <a:spcPct val="90000"/>
-              </a:lnSpc>
-              <a:spcBef>
-                <a:spcPts val="500"/>
-              </a:spcBef>
-              <a:buFont typeface="Arial" panose="020B0604020202020204" pitchFamily="34" charset="0"/>
-              <a:buChar char="•"/>
-              <a:defRPr sz="1800" kern="1200">
-                <a:solidFill>
-                  <a:schemeClr val="tx1"/>
-                </a:solidFill>
-                <a:latin typeface="+mn-lt"/>
-                <a:ea typeface="+mn-ea"/>
-                <a:cs typeface="+mn-cs"/>
-              </a:defRPr>
-            </a:lvl5pPr>
-            <a:lvl6pPr marL="2514600" indent="-228600" algn="l" defTabSz="914400" rtl="0" eaLnBrk="1" latinLnBrk="0" hangingPunct="1">
-              <a:lnSpc>
-                <a:spcPct val="90000"/>
-              </a:lnSpc>
-              <a:spcBef>
-                <a:spcPts val="500"/>
-              </a:spcBef>
-              <a:buFont typeface="Arial" panose="020B0604020202020204" pitchFamily="34" charset="0"/>
-              <a:buChar char="•"/>
-              <a:defRPr sz="1800" kern="1200">
-                <a:solidFill>
-                  <a:schemeClr val="tx1"/>
-                </a:solidFill>
-                <a:latin typeface="+mn-lt"/>
-                <a:ea typeface="+mn-ea"/>
-                <a:cs typeface="+mn-cs"/>
-              </a:defRPr>
-            </a:lvl6pPr>
-            <a:lvl7pPr marL="2971800" indent="-228600" algn="l" defTabSz="914400" rtl="0" eaLnBrk="1" latinLnBrk="0" hangingPunct="1">
-              <a:lnSpc>
-                <a:spcPct val="90000"/>
-              </a:lnSpc>
-              <a:spcBef>
-                <a:spcPts val="500"/>
-              </a:spcBef>
-              <a:buFont typeface="Arial" panose="020B0604020202020204" pitchFamily="34" charset="0"/>
-              <a:buChar char="•"/>
-              <a:defRPr sz="1800" kern="1200">
-                <a:solidFill>
-                  <a:schemeClr val="tx1"/>
-                </a:solidFill>
-                <a:latin typeface="+mn-lt"/>
-                <a:ea typeface="+mn-ea"/>
-                <a:cs typeface="+mn-cs"/>
-              </a:defRPr>
-            </a:lvl7pPr>
-            <a:lvl8pPr marL="3429000" indent="-228600" algn="l" defTabSz="914400" rtl="0" eaLnBrk="1" latinLnBrk="0" hangingPunct="1">
-              <a:lnSpc>
-                <a:spcPct val="90000"/>
-              </a:lnSpc>
-              <a:spcBef>
-                <a:spcPts val="500"/>
-              </a:spcBef>
-              <a:buFont typeface="Arial" panose="020B0604020202020204" pitchFamily="34" charset="0"/>
-              <a:buChar char="•"/>
-              <a:defRPr sz="1800" kern="1200">
-                <a:solidFill>
-                  <a:schemeClr val="tx1"/>
-                </a:solidFill>
-                <a:latin typeface="+mn-lt"/>
-                <a:ea typeface="+mn-ea"/>
-                <a:cs typeface="+mn-cs"/>
-              </a:defRPr>
-            </a:lvl8pPr>
-            <a:lvl9pPr marL="3886200" indent="-228600" algn="l" defTabSz="914400" rtl="0" eaLnBrk="1" latinLnBrk="0" hangingPunct="1">
-              <a:lnSpc>
-                <a:spcPct val="90000"/>
-              </a:lnSpc>
-              <a:spcBef>
-                <a:spcPts val="500"/>
-              </a:spcBef>
-              <a:buFont typeface="Arial" panose="020B0604020202020204" pitchFamily="34" charset="0"/>
-              <a:buChar char="•"/>
-              <a:defRPr sz="1800" kern="1200">
-                <a:solidFill>
-                  <a:schemeClr val="tx1"/>
-                </a:solidFill>
-                <a:latin typeface="+mn-lt"/>
-                <a:ea typeface="+mn-ea"/>
-                <a:cs typeface="+mn-cs"/>
-              </a:defRPr>
-            </a:lvl9pPr>
-          </a:lstStyle>
-          <a:p>
-            <a:pPr marL="0" indent="0">
-              <a:buNone/>
-            </a:pPr>
-            <a:r>
-              <a:rPr lang="en-US" sz="2400" dirty="0">
-                <a:solidFill>
-                  <a:srgbClr val="0070C0"/>
-                </a:solidFill>
-              </a:rPr>
-              <a:t>How do these baseline differences translate in excess differences?</a:t>
-            </a:r>
-          </a:p>
-        </p:txBody>
-      </p:sp>
-    </p:spTree>
-    <p:extLst>
-      <p:ext uri="{BB962C8B-B14F-4D97-AF65-F5344CB8AC3E}">
-        <p14:creationId xmlns:p14="http://schemas.microsoft.com/office/powerpoint/2010/main" val="1383172956"/>
       </p:ext>
     </p:extLst>
   </p:cSld>

--- a/slides/04_excess_mortality.pptx
+++ b/slides/04_excess_mortality.pptx
@@ -11,20 +11,21 @@
     <p:sldId id="272" r:id="rId5"/>
     <p:sldId id="330" r:id="rId6"/>
     <p:sldId id="331" r:id="rId7"/>
-    <p:sldId id="343" r:id="rId8"/>
-    <p:sldId id="344" r:id="rId9"/>
-    <p:sldId id="332" r:id="rId10"/>
+    <p:sldId id="332" r:id="rId8"/>
+    <p:sldId id="343" r:id="rId9"/>
+    <p:sldId id="344" r:id="rId10"/>
     <p:sldId id="341" r:id="rId11"/>
     <p:sldId id="342" r:id="rId12"/>
-    <p:sldId id="334" r:id="rId13"/>
-    <p:sldId id="336" r:id="rId14"/>
-    <p:sldId id="335" r:id="rId15"/>
-    <p:sldId id="337" r:id="rId16"/>
-    <p:sldId id="338" r:id="rId17"/>
-    <p:sldId id="339" r:id="rId18"/>
-    <p:sldId id="340" r:id="rId19"/>
-    <p:sldId id="333" r:id="rId20"/>
-    <p:sldId id="345" r:id="rId21"/>
+    <p:sldId id="347" r:id="rId13"/>
+    <p:sldId id="334" r:id="rId14"/>
+    <p:sldId id="336" r:id="rId15"/>
+    <p:sldId id="335" r:id="rId16"/>
+    <p:sldId id="337" r:id="rId17"/>
+    <p:sldId id="338" r:id="rId18"/>
+    <p:sldId id="339" r:id="rId19"/>
+    <p:sldId id="340" r:id="rId20"/>
+    <p:sldId id="333" r:id="rId21"/>
+    <p:sldId id="345" r:id="rId22"/>
   </p:sldIdLst>
   <p:sldSz cx="12192000" cy="6858000"/>
   <p:notesSz cx="6858000" cy="9144000"/>
@@ -153,7 +154,7 @@
           <p:cNvPr id="2" name="Title 1">
             <a:extLst>
               <a:ext uri="{FF2B5EF4-FFF2-40B4-BE49-F238E27FC236}">
-                <a16:creationId xmlns:a16="http://schemas.microsoft.com/office/drawing/2014/main" id="{14479AB2-CA12-449F-A2E2-E3B58B7C247D}"/>
+                <a16:creationId xmlns:a16="http://schemas.microsoft.com/office/drawing/2014/main" xmlns="" id="{14479AB2-CA12-449F-A2E2-E3B58B7C247D}"/>
               </a:ext>
             </a:extLst>
           </p:cNvPr>
@@ -190,7 +191,7 @@
           <p:cNvPr id="3" name="Subtitle 2">
             <a:extLst>
               <a:ext uri="{FF2B5EF4-FFF2-40B4-BE49-F238E27FC236}">
-                <a16:creationId xmlns:a16="http://schemas.microsoft.com/office/drawing/2014/main" id="{9E00C476-4694-49BF-A2C0-2D164BC642C5}"/>
+                <a16:creationId xmlns:a16="http://schemas.microsoft.com/office/drawing/2014/main" xmlns="" id="{9E00C476-4694-49BF-A2C0-2D164BC642C5}"/>
               </a:ext>
             </a:extLst>
           </p:cNvPr>
@@ -260,7 +261,7 @@
           <p:cNvPr id="4" name="Date Placeholder 3">
             <a:extLst>
               <a:ext uri="{FF2B5EF4-FFF2-40B4-BE49-F238E27FC236}">
-                <a16:creationId xmlns:a16="http://schemas.microsoft.com/office/drawing/2014/main" id="{1075986F-3567-40E2-A9D4-DB8C9C935C36}"/>
+                <a16:creationId xmlns:a16="http://schemas.microsoft.com/office/drawing/2014/main" xmlns="" id="{1075986F-3567-40E2-A9D4-DB8C9C935C36}"/>
               </a:ext>
             </a:extLst>
           </p:cNvPr>
@@ -278,7 +279,7 @@
           <a:p>
             <a:fld id="{94CEFA78-848A-481A-B58D-B4ED842EAB03}" type="datetimeFigureOut">
               <a:rPr lang="en-US" smtClean="0"/>
-              <a:t>5/17/2023</a:t>
+              <a:t>5/18/2023</a:t>
             </a:fld>
             <a:endParaRPr lang="en-US" dirty="0"/>
           </a:p>
@@ -289,7 +290,7 @@
           <p:cNvPr id="5" name="Footer Placeholder 4">
             <a:extLst>
               <a:ext uri="{FF2B5EF4-FFF2-40B4-BE49-F238E27FC236}">
-                <a16:creationId xmlns:a16="http://schemas.microsoft.com/office/drawing/2014/main" id="{FA6873BB-F0E9-40D5-AEF2-55DEE04F0BC3}"/>
+                <a16:creationId xmlns:a16="http://schemas.microsoft.com/office/drawing/2014/main" xmlns="" id="{FA6873BB-F0E9-40D5-AEF2-55DEE04F0BC3}"/>
               </a:ext>
             </a:extLst>
           </p:cNvPr>
@@ -314,7 +315,7 @@
           <p:cNvPr id="6" name="Slide Number Placeholder 5">
             <a:extLst>
               <a:ext uri="{FF2B5EF4-FFF2-40B4-BE49-F238E27FC236}">
-                <a16:creationId xmlns:a16="http://schemas.microsoft.com/office/drawing/2014/main" id="{63E03492-9564-4541-A550-868FFC3CF3CA}"/>
+                <a16:creationId xmlns:a16="http://schemas.microsoft.com/office/drawing/2014/main" xmlns="" id="{63E03492-9564-4541-A550-868FFC3CF3CA}"/>
               </a:ext>
             </a:extLst>
           </p:cNvPr>
@@ -373,7 +374,7 @@
           <p:cNvPr id="2" name="Title 1">
             <a:extLst>
               <a:ext uri="{FF2B5EF4-FFF2-40B4-BE49-F238E27FC236}">
-                <a16:creationId xmlns:a16="http://schemas.microsoft.com/office/drawing/2014/main" id="{0D313639-6FEB-4906-B57F-34D9B1F81648}"/>
+                <a16:creationId xmlns:a16="http://schemas.microsoft.com/office/drawing/2014/main" xmlns="" id="{0D313639-6FEB-4906-B57F-34D9B1F81648}"/>
               </a:ext>
             </a:extLst>
           </p:cNvPr>
@@ -401,7 +402,7 @@
           <p:cNvPr id="3" name="Vertical Text Placeholder 2">
             <a:extLst>
               <a:ext uri="{FF2B5EF4-FFF2-40B4-BE49-F238E27FC236}">
-                <a16:creationId xmlns:a16="http://schemas.microsoft.com/office/drawing/2014/main" id="{4ED62893-7E0C-4A3F-8334-7AC169D2C482}"/>
+                <a16:creationId xmlns:a16="http://schemas.microsoft.com/office/drawing/2014/main" xmlns="" id="{4ED62893-7E0C-4A3F-8334-7AC169D2C482}"/>
               </a:ext>
             </a:extLst>
           </p:cNvPr>
@@ -458,7 +459,7 @@
           <p:cNvPr id="4" name="Date Placeholder 3">
             <a:extLst>
               <a:ext uri="{FF2B5EF4-FFF2-40B4-BE49-F238E27FC236}">
-                <a16:creationId xmlns:a16="http://schemas.microsoft.com/office/drawing/2014/main" id="{51C7BFF4-6956-4E2D-98A6-56E3578E1FDE}"/>
+                <a16:creationId xmlns:a16="http://schemas.microsoft.com/office/drawing/2014/main" xmlns="" id="{51C7BFF4-6956-4E2D-98A6-56E3578E1FDE}"/>
               </a:ext>
             </a:extLst>
           </p:cNvPr>
@@ -476,7 +477,7 @@
           <a:p>
             <a:fld id="{94CEFA78-848A-481A-B58D-B4ED842EAB03}" type="datetimeFigureOut">
               <a:rPr lang="en-US" smtClean="0"/>
-              <a:t>5/17/2023</a:t>
+              <a:t>5/18/2023</a:t>
             </a:fld>
             <a:endParaRPr lang="en-US" dirty="0"/>
           </a:p>
@@ -487,7 +488,7 @@
           <p:cNvPr id="5" name="Footer Placeholder 4">
             <a:extLst>
               <a:ext uri="{FF2B5EF4-FFF2-40B4-BE49-F238E27FC236}">
-                <a16:creationId xmlns:a16="http://schemas.microsoft.com/office/drawing/2014/main" id="{81056143-D42D-4213-8D87-469EB0182ACA}"/>
+                <a16:creationId xmlns:a16="http://schemas.microsoft.com/office/drawing/2014/main" xmlns="" id="{81056143-D42D-4213-8D87-469EB0182ACA}"/>
               </a:ext>
             </a:extLst>
           </p:cNvPr>
@@ -512,7 +513,7 @@
           <p:cNvPr id="6" name="Slide Number Placeholder 5">
             <a:extLst>
               <a:ext uri="{FF2B5EF4-FFF2-40B4-BE49-F238E27FC236}">
-                <a16:creationId xmlns:a16="http://schemas.microsoft.com/office/drawing/2014/main" id="{873617A6-CCC6-46AA-AA53-38FF83DBCF24}"/>
+                <a16:creationId xmlns:a16="http://schemas.microsoft.com/office/drawing/2014/main" xmlns="" id="{873617A6-CCC6-46AA-AA53-38FF83DBCF24}"/>
               </a:ext>
             </a:extLst>
           </p:cNvPr>
@@ -571,7 +572,7 @@
           <p:cNvPr id="2" name="Vertical Title 1">
             <a:extLst>
               <a:ext uri="{FF2B5EF4-FFF2-40B4-BE49-F238E27FC236}">
-                <a16:creationId xmlns:a16="http://schemas.microsoft.com/office/drawing/2014/main" id="{8CF1CDA4-00E5-47E4-9DA6-86F67BF6C423}"/>
+                <a16:creationId xmlns:a16="http://schemas.microsoft.com/office/drawing/2014/main" xmlns="" id="{8CF1CDA4-00E5-47E4-9DA6-86F67BF6C423}"/>
               </a:ext>
             </a:extLst>
           </p:cNvPr>
@@ -604,7 +605,7 @@
           <p:cNvPr id="3" name="Vertical Text Placeholder 2">
             <a:extLst>
               <a:ext uri="{FF2B5EF4-FFF2-40B4-BE49-F238E27FC236}">
-                <a16:creationId xmlns:a16="http://schemas.microsoft.com/office/drawing/2014/main" id="{2971B046-CF92-423D-890B-D6BE140F0A0D}"/>
+                <a16:creationId xmlns:a16="http://schemas.microsoft.com/office/drawing/2014/main" xmlns="" id="{2971B046-CF92-423D-890B-D6BE140F0A0D}"/>
               </a:ext>
             </a:extLst>
           </p:cNvPr>
@@ -666,7 +667,7 @@
           <p:cNvPr id="4" name="Date Placeholder 3">
             <a:extLst>
               <a:ext uri="{FF2B5EF4-FFF2-40B4-BE49-F238E27FC236}">
-                <a16:creationId xmlns:a16="http://schemas.microsoft.com/office/drawing/2014/main" id="{309EE077-EDAA-429B-9874-97DFFD01DA51}"/>
+                <a16:creationId xmlns:a16="http://schemas.microsoft.com/office/drawing/2014/main" xmlns="" id="{309EE077-EDAA-429B-9874-97DFFD01DA51}"/>
               </a:ext>
             </a:extLst>
           </p:cNvPr>
@@ -684,7 +685,7 @@
           <a:p>
             <a:fld id="{94CEFA78-848A-481A-B58D-B4ED842EAB03}" type="datetimeFigureOut">
               <a:rPr lang="en-US" smtClean="0"/>
-              <a:t>5/17/2023</a:t>
+              <a:t>5/18/2023</a:t>
             </a:fld>
             <a:endParaRPr lang="en-US" dirty="0"/>
           </a:p>
@@ -695,7 +696,7 @@
           <p:cNvPr id="5" name="Footer Placeholder 4">
             <a:extLst>
               <a:ext uri="{FF2B5EF4-FFF2-40B4-BE49-F238E27FC236}">
-                <a16:creationId xmlns:a16="http://schemas.microsoft.com/office/drawing/2014/main" id="{012F9707-764D-496B-A80C-0EA42424C321}"/>
+                <a16:creationId xmlns:a16="http://schemas.microsoft.com/office/drawing/2014/main" xmlns="" id="{012F9707-764D-496B-A80C-0EA42424C321}"/>
               </a:ext>
             </a:extLst>
           </p:cNvPr>
@@ -720,7 +721,7 @@
           <p:cNvPr id="6" name="Slide Number Placeholder 5">
             <a:extLst>
               <a:ext uri="{FF2B5EF4-FFF2-40B4-BE49-F238E27FC236}">
-                <a16:creationId xmlns:a16="http://schemas.microsoft.com/office/drawing/2014/main" id="{4F279023-722C-494E-9C70-9D9A09E5FFE1}"/>
+                <a16:creationId xmlns:a16="http://schemas.microsoft.com/office/drawing/2014/main" xmlns="" id="{4F279023-722C-494E-9C70-9D9A09E5FFE1}"/>
               </a:ext>
             </a:extLst>
           </p:cNvPr>
@@ -779,7 +780,7 @@
           <p:cNvPr id="2" name="Title 1">
             <a:extLst>
               <a:ext uri="{FF2B5EF4-FFF2-40B4-BE49-F238E27FC236}">
-                <a16:creationId xmlns:a16="http://schemas.microsoft.com/office/drawing/2014/main" id="{90C282AA-2B26-4326-9D44-6098ABDA7847}"/>
+                <a16:creationId xmlns:a16="http://schemas.microsoft.com/office/drawing/2014/main" xmlns="" id="{90C282AA-2B26-4326-9D44-6098ABDA7847}"/>
               </a:ext>
             </a:extLst>
           </p:cNvPr>
@@ -807,7 +808,7 @@
           <p:cNvPr id="3" name="Content Placeholder 2">
             <a:extLst>
               <a:ext uri="{FF2B5EF4-FFF2-40B4-BE49-F238E27FC236}">
-                <a16:creationId xmlns:a16="http://schemas.microsoft.com/office/drawing/2014/main" id="{95FCF1AA-7130-430C-B2D9-119C69F6B447}"/>
+                <a16:creationId xmlns:a16="http://schemas.microsoft.com/office/drawing/2014/main" xmlns="" id="{95FCF1AA-7130-430C-B2D9-119C69F6B447}"/>
               </a:ext>
             </a:extLst>
           </p:cNvPr>
@@ -864,7 +865,7 @@
           <p:cNvPr id="4" name="Date Placeholder 3">
             <a:extLst>
               <a:ext uri="{FF2B5EF4-FFF2-40B4-BE49-F238E27FC236}">
-                <a16:creationId xmlns:a16="http://schemas.microsoft.com/office/drawing/2014/main" id="{A66B69F5-3141-4174-BD7C-3D42129918D8}"/>
+                <a16:creationId xmlns:a16="http://schemas.microsoft.com/office/drawing/2014/main" xmlns="" id="{A66B69F5-3141-4174-BD7C-3D42129918D8}"/>
               </a:ext>
             </a:extLst>
           </p:cNvPr>
@@ -882,7 +883,7 @@
           <a:p>
             <a:fld id="{94CEFA78-848A-481A-B58D-B4ED842EAB03}" type="datetimeFigureOut">
               <a:rPr lang="en-US" smtClean="0"/>
-              <a:t>5/17/2023</a:t>
+              <a:t>5/18/2023</a:t>
             </a:fld>
             <a:endParaRPr lang="en-US" dirty="0"/>
           </a:p>
@@ -893,7 +894,7 @@
           <p:cNvPr id="5" name="Footer Placeholder 4">
             <a:extLst>
               <a:ext uri="{FF2B5EF4-FFF2-40B4-BE49-F238E27FC236}">
-                <a16:creationId xmlns:a16="http://schemas.microsoft.com/office/drawing/2014/main" id="{8A3E1052-7822-483F-8424-6E65035847D6}"/>
+                <a16:creationId xmlns:a16="http://schemas.microsoft.com/office/drawing/2014/main" xmlns="" id="{8A3E1052-7822-483F-8424-6E65035847D6}"/>
               </a:ext>
             </a:extLst>
           </p:cNvPr>
@@ -918,7 +919,7 @@
           <p:cNvPr id="6" name="Slide Number Placeholder 5">
             <a:extLst>
               <a:ext uri="{FF2B5EF4-FFF2-40B4-BE49-F238E27FC236}">
-                <a16:creationId xmlns:a16="http://schemas.microsoft.com/office/drawing/2014/main" id="{5887744F-0504-4BBB-8137-BC1304E23890}"/>
+                <a16:creationId xmlns:a16="http://schemas.microsoft.com/office/drawing/2014/main" xmlns="" id="{5887744F-0504-4BBB-8137-BC1304E23890}"/>
               </a:ext>
             </a:extLst>
           </p:cNvPr>
@@ -977,7 +978,7 @@
           <p:cNvPr id="2" name="Title 1">
             <a:extLst>
               <a:ext uri="{FF2B5EF4-FFF2-40B4-BE49-F238E27FC236}">
-                <a16:creationId xmlns:a16="http://schemas.microsoft.com/office/drawing/2014/main" id="{9F575526-2578-4C3F-9419-2E0FDDDA7DB6}"/>
+                <a16:creationId xmlns:a16="http://schemas.microsoft.com/office/drawing/2014/main" xmlns="" id="{9F575526-2578-4C3F-9419-2E0FDDDA7DB6}"/>
               </a:ext>
             </a:extLst>
           </p:cNvPr>
@@ -1014,7 +1015,7 @@
           <p:cNvPr id="3" name="Text Placeholder 2">
             <a:extLst>
               <a:ext uri="{FF2B5EF4-FFF2-40B4-BE49-F238E27FC236}">
-                <a16:creationId xmlns:a16="http://schemas.microsoft.com/office/drawing/2014/main" id="{B6E165C8-23B3-41A6-8C9B-08B9FE916B3F}"/>
+                <a16:creationId xmlns:a16="http://schemas.microsoft.com/office/drawing/2014/main" xmlns="" id="{B6E165C8-23B3-41A6-8C9B-08B9FE916B3F}"/>
               </a:ext>
             </a:extLst>
           </p:cNvPr>
@@ -1139,7 +1140,7 @@
           <p:cNvPr id="4" name="Date Placeholder 3">
             <a:extLst>
               <a:ext uri="{FF2B5EF4-FFF2-40B4-BE49-F238E27FC236}">
-                <a16:creationId xmlns:a16="http://schemas.microsoft.com/office/drawing/2014/main" id="{18EAB9CB-2FE7-4C20-86B0-920A78F70207}"/>
+                <a16:creationId xmlns:a16="http://schemas.microsoft.com/office/drawing/2014/main" xmlns="" id="{18EAB9CB-2FE7-4C20-86B0-920A78F70207}"/>
               </a:ext>
             </a:extLst>
           </p:cNvPr>
@@ -1157,7 +1158,7 @@
           <a:p>
             <a:fld id="{94CEFA78-848A-481A-B58D-B4ED842EAB03}" type="datetimeFigureOut">
               <a:rPr lang="en-US" smtClean="0"/>
-              <a:t>5/17/2023</a:t>
+              <a:t>5/18/2023</a:t>
             </a:fld>
             <a:endParaRPr lang="en-US" dirty="0"/>
           </a:p>
@@ -1168,7 +1169,7 @@
           <p:cNvPr id="5" name="Footer Placeholder 4">
             <a:extLst>
               <a:ext uri="{FF2B5EF4-FFF2-40B4-BE49-F238E27FC236}">
-                <a16:creationId xmlns:a16="http://schemas.microsoft.com/office/drawing/2014/main" id="{62131CBE-73CC-47D8-A161-187AFA946BAE}"/>
+                <a16:creationId xmlns:a16="http://schemas.microsoft.com/office/drawing/2014/main" xmlns="" id="{62131CBE-73CC-47D8-A161-187AFA946BAE}"/>
               </a:ext>
             </a:extLst>
           </p:cNvPr>
@@ -1193,7 +1194,7 @@
           <p:cNvPr id="6" name="Slide Number Placeholder 5">
             <a:extLst>
               <a:ext uri="{FF2B5EF4-FFF2-40B4-BE49-F238E27FC236}">
-                <a16:creationId xmlns:a16="http://schemas.microsoft.com/office/drawing/2014/main" id="{9846E48F-F810-40BC-B1FD-D690E0D5C2DB}"/>
+                <a16:creationId xmlns:a16="http://schemas.microsoft.com/office/drawing/2014/main" xmlns="" id="{9846E48F-F810-40BC-B1FD-D690E0D5C2DB}"/>
               </a:ext>
             </a:extLst>
           </p:cNvPr>
@@ -1252,7 +1253,7 @@
           <p:cNvPr id="2" name="Title 1">
             <a:extLst>
               <a:ext uri="{FF2B5EF4-FFF2-40B4-BE49-F238E27FC236}">
-                <a16:creationId xmlns:a16="http://schemas.microsoft.com/office/drawing/2014/main" id="{A39E59CA-EF70-4923-81FA-4936054A12A4}"/>
+                <a16:creationId xmlns:a16="http://schemas.microsoft.com/office/drawing/2014/main" xmlns="" id="{A39E59CA-EF70-4923-81FA-4936054A12A4}"/>
               </a:ext>
             </a:extLst>
           </p:cNvPr>
@@ -1280,7 +1281,7 @@
           <p:cNvPr id="3" name="Content Placeholder 2">
             <a:extLst>
               <a:ext uri="{FF2B5EF4-FFF2-40B4-BE49-F238E27FC236}">
-                <a16:creationId xmlns:a16="http://schemas.microsoft.com/office/drawing/2014/main" id="{9BB9878D-988F-4399-9AAD-615D41E24B1E}"/>
+                <a16:creationId xmlns:a16="http://schemas.microsoft.com/office/drawing/2014/main" xmlns="" id="{9BB9878D-988F-4399-9AAD-615D41E24B1E}"/>
               </a:ext>
             </a:extLst>
           </p:cNvPr>
@@ -1342,7 +1343,7 @@
           <p:cNvPr id="4" name="Content Placeholder 3">
             <a:extLst>
               <a:ext uri="{FF2B5EF4-FFF2-40B4-BE49-F238E27FC236}">
-                <a16:creationId xmlns:a16="http://schemas.microsoft.com/office/drawing/2014/main" id="{30E62421-7D8B-48A4-9049-07EB947851CD}"/>
+                <a16:creationId xmlns:a16="http://schemas.microsoft.com/office/drawing/2014/main" xmlns="" id="{30E62421-7D8B-48A4-9049-07EB947851CD}"/>
               </a:ext>
             </a:extLst>
           </p:cNvPr>
@@ -1404,7 +1405,7 @@
           <p:cNvPr id="5" name="Date Placeholder 4">
             <a:extLst>
               <a:ext uri="{FF2B5EF4-FFF2-40B4-BE49-F238E27FC236}">
-                <a16:creationId xmlns:a16="http://schemas.microsoft.com/office/drawing/2014/main" id="{78FB5A60-C94B-42A2-954D-B46DD53AA27C}"/>
+                <a16:creationId xmlns:a16="http://schemas.microsoft.com/office/drawing/2014/main" xmlns="" id="{78FB5A60-C94B-42A2-954D-B46DD53AA27C}"/>
               </a:ext>
             </a:extLst>
           </p:cNvPr>
@@ -1422,7 +1423,7 @@
           <a:p>
             <a:fld id="{94CEFA78-848A-481A-B58D-B4ED842EAB03}" type="datetimeFigureOut">
               <a:rPr lang="en-US" smtClean="0"/>
-              <a:t>5/17/2023</a:t>
+              <a:t>5/18/2023</a:t>
             </a:fld>
             <a:endParaRPr lang="en-US" dirty="0"/>
           </a:p>
@@ -1433,7 +1434,7 @@
           <p:cNvPr id="6" name="Footer Placeholder 5">
             <a:extLst>
               <a:ext uri="{FF2B5EF4-FFF2-40B4-BE49-F238E27FC236}">
-                <a16:creationId xmlns:a16="http://schemas.microsoft.com/office/drawing/2014/main" id="{6E7C963A-FCF9-43F1-9C19-C09C64BEE33D}"/>
+                <a16:creationId xmlns:a16="http://schemas.microsoft.com/office/drawing/2014/main" xmlns="" id="{6E7C963A-FCF9-43F1-9C19-C09C64BEE33D}"/>
               </a:ext>
             </a:extLst>
           </p:cNvPr>
@@ -1458,7 +1459,7 @@
           <p:cNvPr id="7" name="Slide Number Placeholder 6">
             <a:extLst>
               <a:ext uri="{FF2B5EF4-FFF2-40B4-BE49-F238E27FC236}">
-                <a16:creationId xmlns:a16="http://schemas.microsoft.com/office/drawing/2014/main" id="{1977416F-0BD8-431B-A9D8-6433F90782AB}"/>
+                <a16:creationId xmlns:a16="http://schemas.microsoft.com/office/drawing/2014/main" xmlns="" id="{1977416F-0BD8-431B-A9D8-6433F90782AB}"/>
               </a:ext>
             </a:extLst>
           </p:cNvPr>
@@ -1517,7 +1518,7 @@
           <p:cNvPr id="2" name="Title 1">
             <a:extLst>
               <a:ext uri="{FF2B5EF4-FFF2-40B4-BE49-F238E27FC236}">
-                <a16:creationId xmlns:a16="http://schemas.microsoft.com/office/drawing/2014/main" id="{7D848F9C-62F4-4C91-B4A9-F169D483F451}"/>
+                <a16:creationId xmlns:a16="http://schemas.microsoft.com/office/drawing/2014/main" xmlns="" id="{7D848F9C-62F4-4C91-B4A9-F169D483F451}"/>
               </a:ext>
             </a:extLst>
           </p:cNvPr>
@@ -1550,7 +1551,7 @@
           <p:cNvPr id="3" name="Text Placeholder 2">
             <a:extLst>
               <a:ext uri="{FF2B5EF4-FFF2-40B4-BE49-F238E27FC236}">
-                <a16:creationId xmlns:a16="http://schemas.microsoft.com/office/drawing/2014/main" id="{FA87F3D5-36C7-4263-BEBE-401D98622409}"/>
+                <a16:creationId xmlns:a16="http://schemas.microsoft.com/office/drawing/2014/main" xmlns="" id="{FA87F3D5-36C7-4263-BEBE-401D98622409}"/>
               </a:ext>
             </a:extLst>
           </p:cNvPr>
@@ -1621,7 +1622,7 @@
           <p:cNvPr id="4" name="Content Placeholder 3">
             <a:extLst>
               <a:ext uri="{FF2B5EF4-FFF2-40B4-BE49-F238E27FC236}">
-                <a16:creationId xmlns:a16="http://schemas.microsoft.com/office/drawing/2014/main" id="{72EBE290-58BA-49A8-A4FD-98F0A93DA98B}"/>
+                <a16:creationId xmlns:a16="http://schemas.microsoft.com/office/drawing/2014/main" xmlns="" id="{72EBE290-58BA-49A8-A4FD-98F0A93DA98B}"/>
               </a:ext>
             </a:extLst>
           </p:cNvPr>
@@ -1683,7 +1684,7 @@
           <p:cNvPr id="5" name="Text Placeholder 4">
             <a:extLst>
               <a:ext uri="{FF2B5EF4-FFF2-40B4-BE49-F238E27FC236}">
-                <a16:creationId xmlns:a16="http://schemas.microsoft.com/office/drawing/2014/main" id="{C0C2EBBC-FF3C-4F5E-9937-F181E640346C}"/>
+                <a16:creationId xmlns:a16="http://schemas.microsoft.com/office/drawing/2014/main" xmlns="" id="{C0C2EBBC-FF3C-4F5E-9937-F181E640346C}"/>
               </a:ext>
             </a:extLst>
           </p:cNvPr>
@@ -1754,7 +1755,7 @@
           <p:cNvPr id="6" name="Content Placeholder 5">
             <a:extLst>
               <a:ext uri="{FF2B5EF4-FFF2-40B4-BE49-F238E27FC236}">
-                <a16:creationId xmlns:a16="http://schemas.microsoft.com/office/drawing/2014/main" id="{BE66B506-6566-4CDB-A00E-B6A65EAA7ABA}"/>
+                <a16:creationId xmlns:a16="http://schemas.microsoft.com/office/drawing/2014/main" xmlns="" id="{BE66B506-6566-4CDB-A00E-B6A65EAA7ABA}"/>
               </a:ext>
             </a:extLst>
           </p:cNvPr>
@@ -1816,7 +1817,7 @@
           <p:cNvPr id="7" name="Date Placeholder 6">
             <a:extLst>
               <a:ext uri="{FF2B5EF4-FFF2-40B4-BE49-F238E27FC236}">
-                <a16:creationId xmlns:a16="http://schemas.microsoft.com/office/drawing/2014/main" id="{209D9D5D-5099-43AA-B764-C041ADD235FA}"/>
+                <a16:creationId xmlns:a16="http://schemas.microsoft.com/office/drawing/2014/main" xmlns="" id="{209D9D5D-5099-43AA-B764-C041ADD235FA}"/>
               </a:ext>
             </a:extLst>
           </p:cNvPr>
@@ -1834,7 +1835,7 @@
           <a:p>
             <a:fld id="{94CEFA78-848A-481A-B58D-B4ED842EAB03}" type="datetimeFigureOut">
               <a:rPr lang="en-US" smtClean="0"/>
-              <a:t>5/17/2023</a:t>
+              <a:t>5/18/2023</a:t>
             </a:fld>
             <a:endParaRPr lang="en-US" dirty="0"/>
           </a:p>
@@ -1845,7 +1846,7 @@
           <p:cNvPr id="8" name="Footer Placeholder 7">
             <a:extLst>
               <a:ext uri="{FF2B5EF4-FFF2-40B4-BE49-F238E27FC236}">
-                <a16:creationId xmlns:a16="http://schemas.microsoft.com/office/drawing/2014/main" id="{3034414E-60C3-46C4-BE61-93E95DE67FB5}"/>
+                <a16:creationId xmlns:a16="http://schemas.microsoft.com/office/drawing/2014/main" xmlns="" id="{3034414E-60C3-46C4-BE61-93E95DE67FB5}"/>
               </a:ext>
             </a:extLst>
           </p:cNvPr>
@@ -1870,7 +1871,7 @@
           <p:cNvPr id="9" name="Slide Number Placeholder 8">
             <a:extLst>
               <a:ext uri="{FF2B5EF4-FFF2-40B4-BE49-F238E27FC236}">
-                <a16:creationId xmlns:a16="http://schemas.microsoft.com/office/drawing/2014/main" id="{8B9B728D-372A-4867-A4F3-7DDE2A563A37}"/>
+                <a16:creationId xmlns:a16="http://schemas.microsoft.com/office/drawing/2014/main" xmlns="" id="{8B9B728D-372A-4867-A4F3-7DDE2A563A37}"/>
               </a:ext>
             </a:extLst>
           </p:cNvPr>
@@ -1929,7 +1930,7 @@
           <p:cNvPr id="2" name="Title 1">
             <a:extLst>
               <a:ext uri="{FF2B5EF4-FFF2-40B4-BE49-F238E27FC236}">
-                <a16:creationId xmlns:a16="http://schemas.microsoft.com/office/drawing/2014/main" id="{C214F47B-BCD9-4716-94D5-15EC3CB11A0A}"/>
+                <a16:creationId xmlns:a16="http://schemas.microsoft.com/office/drawing/2014/main" xmlns="" id="{C214F47B-BCD9-4716-94D5-15EC3CB11A0A}"/>
               </a:ext>
             </a:extLst>
           </p:cNvPr>
@@ -1957,7 +1958,7 @@
           <p:cNvPr id="3" name="Date Placeholder 2">
             <a:extLst>
               <a:ext uri="{FF2B5EF4-FFF2-40B4-BE49-F238E27FC236}">
-                <a16:creationId xmlns:a16="http://schemas.microsoft.com/office/drawing/2014/main" id="{5BAAEFAC-5786-4678-A380-506DEEB12EF3}"/>
+                <a16:creationId xmlns:a16="http://schemas.microsoft.com/office/drawing/2014/main" xmlns="" id="{5BAAEFAC-5786-4678-A380-506DEEB12EF3}"/>
               </a:ext>
             </a:extLst>
           </p:cNvPr>
@@ -1975,7 +1976,7 @@
           <a:p>
             <a:fld id="{94CEFA78-848A-481A-B58D-B4ED842EAB03}" type="datetimeFigureOut">
               <a:rPr lang="en-US" smtClean="0"/>
-              <a:t>5/17/2023</a:t>
+              <a:t>5/18/2023</a:t>
             </a:fld>
             <a:endParaRPr lang="en-US" dirty="0"/>
           </a:p>
@@ -1986,7 +1987,7 @@
           <p:cNvPr id="4" name="Footer Placeholder 3">
             <a:extLst>
               <a:ext uri="{FF2B5EF4-FFF2-40B4-BE49-F238E27FC236}">
-                <a16:creationId xmlns:a16="http://schemas.microsoft.com/office/drawing/2014/main" id="{71406E79-FF5E-4BB0-98B4-D79171798B97}"/>
+                <a16:creationId xmlns:a16="http://schemas.microsoft.com/office/drawing/2014/main" xmlns="" id="{71406E79-FF5E-4BB0-98B4-D79171798B97}"/>
               </a:ext>
             </a:extLst>
           </p:cNvPr>
@@ -2011,7 +2012,7 @@
           <p:cNvPr id="5" name="Slide Number Placeholder 4">
             <a:extLst>
               <a:ext uri="{FF2B5EF4-FFF2-40B4-BE49-F238E27FC236}">
-                <a16:creationId xmlns:a16="http://schemas.microsoft.com/office/drawing/2014/main" id="{E377FAFC-A060-4603-BB51-144D1D8EEB5E}"/>
+                <a16:creationId xmlns:a16="http://schemas.microsoft.com/office/drawing/2014/main" xmlns="" id="{E377FAFC-A060-4603-BB51-144D1D8EEB5E}"/>
               </a:ext>
             </a:extLst>
           </p:cNvPr>
@@ -2070,7 +2071,7 @@
           <p:cNvPr id="2" name="Date Placeholder 1">
             <a:extLst>
               <a:ext uri="{FF2B5EF4-FFF2-40B4-BE49-F238E27FC236}">
-                <a16:creationId xmlns:a16="http://schemas.microsoft.com/office/drawing/2014/main" id="{2E49030B-C032-473D-89BD-25F5D9BA8E3B}"/>
+                <a16:creationId xmlns:a16="http://schemas.microsoft.com/office/drawing/2014/main" xmlns="" id="{2E49030B-C032-473D-89BD-25F5D9BA8E3B}"/>
               </a:ext>
             </a:extLst>
           </p:cNvPr>
@@ -2088,7 +2089,7 @@
           <a:p>
             <a:fld id="{94CEFA78-848A-481A-B58D-B4ED842EAB03}" type="datetimeFigureOut">
               <a:rPr lang="en-US" smtClean="0"/>
-              <a:t>5/17/2023</a:t>
+              <a:t>5/18/2023</a:t>
             </a:fld>
             <a:endParaRPr lang="en-US" dirty="0"/>
           </a:p>
@@ -2099,7 +2100,7 @@
           <p:cNvPr id="3" name="Footer Placeholder 2">
             <a:extLst>
               <a:ext uri="{FF2B5EF4-FFF2-40B4-BE49-F238E27FC236}">
-                <a16:creationId xmlns:a16="http://schemas.microsoft.com/office/drawing/2014/main" id="{E2DA0B36-E251-4048-8C21-B0B69BF5D061}"/>
+                <a16:creationId xmlns:a16="http://schemas.microsoft.com/office/drawing/2014/main" xmlns="" id="{E2DA0B36-E251-4048-8C21-B0B69BF5D061}"/>
               </a:ext>
             </a:extLst>
           </p:cNvPr>
@@ -2124,7 +2125,7 @@
           <p:cNvPr id="4" name="Slide Number Placeholder 3">
             <a:extLst>
               <a:ext uri="{FF2B5EF4-FFF2-40B4-BE49-F238E27FC236}">
-                <a16:creationId xmlns:a16="http://schemas.microsoft.com/office/drawing/2014/main" id="{7D8C9021-AF77-44D5-9ED2-431AA12AF6D9}"/>
+                <a16:creationId xmlns:a16="http://schemas.microsoft.com/office/drawing/2014/main" xmlns="" id="{7D8C9021-AF77-44D5-9ED2-431AA12AF6D9}"/>
               </a:ext>
             </a:extLst>
           </p:cNvPr>
@@ -2183,7 +2184,7 @@
           <p:cNvPr id="2" name="Title 1">
             <a:extLst>
               <a:ext uri="{FF2B5EF4-FFF2-40B4-BE49-F238E27FC236}">
-                <a16:creationId xmlns:a16="http://schemas.microsoft.com/office/drawing/2014/main" id="{A62CBD0C-6581-4794-A434-004C34F5A6FC}"/>
+                <a16:creationId xmlns:a16="http://schemas.microsoft.com/office/drawing/2014/main" xmlns="" id="{A62CBD0C-6581-4794-A434-004C34F5A6FC}"/>
               </a:ext>
             </a:extLst>
           </p:cNvPr>
@@ -2220,7 +2221,7 @@
           <p:cNvPr id="3" name="Content Placeholder 2">
             <a:extLst>
               <a:ext uri="{FF2B5EF4-FFF2-40B4-BE49-F238E27FC236}">
-                <a16:creationId xmlns:a16="http://schemas.microsoft.com/office/drawing/2014/main" id="{EA5B938B-18D5-4B99-8782-7184D690E29D}"/>
+                <a16:creationId xmlns:a16="http://schemas.microsoft.com/office/drawing/2014/main" xmlns="" id="{EA5B938B-18D5-4B99-8782-7184D690E29D}"/>
               </a:ext>
             </a:extLst>
           </p:cNvPr>
@@ -2310,7 +2311,7 @@
           <p:cNvPr id="4" name="Text Placeholder 3">
             <a:extLst>
               <a:ext uri="{FF2B5EF4-FFF2-40B4-BE49-F238E27FC236}">
-                <a16:creationId xmlns:a16="http://schemas.microsoft.com/office/drawing/2014/main" id="{24F35D0B-590E-487E-824D-5375BB6C9EB0}"/>
+                <a16:creationId xmlns:a16="http://schemas.microsoft.com/office/drawing/2014/main" xmlns="" id="{24F35D0B-590E-487E-824D-5375BB6C9EB0}"/>
               </a:ext>
             </a:extLst>
           </p:cNvPr>
@@ -2381,7 +2382,7 @@
           <p:cNvPr id="5" name="Date Placeholder 4">
             <a:extLst>
               <a:ext uri="{FF2B5EF4-FFF2-40B4-BE49-F238E27FC236}">
-                <a16:creationId xmlns:a16="http://schemas.microsoft.com/office/drawing/2014/main" id="{21C2D904-4F63-43D8-8DC3-99CA4EE46904}"/>
+                <a16:creationId xmlns:a16="http://schemas.microsoft.com/office/drawing/2014/main" xmlns="" id="{21C2D904-4F63-43D8-8DC3-99CA4EE46904}"/>
               </a:ext>
             </a:extLst>
           </p:cNvPr>
@@ -2399,7 +2400,7 @@
           <a:p>
             <a:fld id="{94CEFA78-848A-481A-B58D-B4ED842EAB03}" type="datetimeFigureOut">
               <a:rPr lang="en-US" smtClean="0"/>
-              <a:t>5/17/2023</a:t>
+              <a:t>5/18/2023</a:t>
             </a:fld>
             <a:endParaRPr lang="en-US" dirty="0"/>
           </a:p>
@@ -2410,7 +2411,7 @@
           <p:cNvPr id="6" name="Footer Placeholder 5">
             <a:extLst>
               <a:ext uri="{FF2B5EF4-FFF2-40B4-BE49-F238E27FC236}">
-                <a16:creationId xmlns:a16="http://schemas.microsoft.com/office/drawing/2014/main" id="{C97D8104-0264-45B0-8A33-0C74B75E1848}"/>
+                <a16:creationId xmlns:a16="http://schemas.microsoft.com/office/drawing/2014/main" xmlns="" id="{C97D8104-0264-45B0-8A33-0C74B75E1848}"/>
               </a:ext>
             </a:extLst>
           </p:cNvPr>
@@ -2435,7 +2436,7 @@
           <p:cNvPr id="7" name="Slide Number Placeholder 6">
             <a:extLst>
               <a:ext uri="{FF2B5EF4-FFF2-40B4-BE49-F238E27FC236}">
-                <a16:creationId xmlns:a16="http://schemas.microsoft.com/office/drawing/2014/main" id="{8334FEFE-8602-4E91-ADDB-7F1AFCAA5442}"/>
+                <a16:creationId xmlns:a16="http://schemas.microsoft.com/office/drawing/2014/main" xmlns="" id="{8334FEFE-8602-4E91-ADDB-7F1AFCAA5442}"/>
               </a:ext>
             </a:extLst>
           </p:cNvPr>
@@ -2494,7 +2495,7 @@
           <p:cNvPr id="2" name="Title 1">
             <a:extLst>
               <a:ext uri="{FF2B5EF4-FFF2-40B4-BE49-F238E27FC236}">
-                <a16:creationId xmlns:a16="http://schemas.microsoft.com/office/drawing/2014/main" id="{B986DF5E-279F-4D1E-B22C-A9C0189FEB54}"/>
+                <a16:creationId xmlns:a16="http://schemas.microsoft.com/office/drawing/2014/main" xmlns="" id="{B986DF5E-279F-4D1E-B22C-A9C0189FEB54}"/>
               </a:ext>
             </a:extLst>
           </p:cNvPr>
@@ -2531,7 +2532,7 @@
           <p:cNvPr id="3" name="Picture Placeholder 2">
             <a:extLst>
               <a:ext uri="{FF2B5EF4-FFF2-40B4-BE49-F238E27FC236}">
-                <a16:creationId xmlns:a16="http://schemas.microsoft.com/office/drawing/2014/main" id="{91F8126A-0E9C-452F-8DE0-02FCDB34843F}"/>
+                <a16:creationId xmlns:a16="http://schemas.microsoft.com/office/drawing/2014/main" xmlns="" id="{91F8126A-0E9C-452F-8DE0-02FCDB34843F}"/>
               </a:ext>
             </a:extLst>
           </p:cNvPr>
@@ -2598,7 +2599,7 @@
           <p:cNvPr id="4" name="Text Placeholder 3">
             <a:extLst>
               <a:ext uri="{FF2B5EF4-FFF2-40B4-BE49-F238E27FC236}">
-                <a16:creationId xmlns:a16="http://schemas.microsoft.com/office/drawing/2014/main" id="{CF34F57E-DC26-4185-AED7-EDD93350D84F}"/>
+                <a16:creationId xmlns:a16="http://schemas.microsoft.com/office/drawing/2014/main" xmlns="" id="{CF34F57E-DC26-4185-AED7-EDD93350D84F}"/>
               </a:ext>
             </a:extLst>
           </p:cNvPr>
@@ -2669,7 +2670,7 @@
           <p:cNvPr id="5" name="Date Placeholder 4">
             <a:extLst>
               <a:ext uri="{FF2B5EF4-FFF2-40B4-BE49-F238E27FC236}">
-                <a16:creationId xmlns:a16="http://schemas.microsoft.com/office/drawing/2014/main" id="{E7C4373B-5433-43B0-99C9-FD64134207C8}"/>
+                <a16:creationId xmlns:a16="http://schemas.microsoft.com/office/drawing/2014/main" xmlns="" id="{E7C4373B-5433-43B0-99C9-FD64134207C8}"/>
               </a:ext>
             </a:extLst>
           </p:cNvPr>
@@ -2687,7 +2688,7 @@
           <a:p>
             <a:fld id="{94CEFA78-848A-481A-B58D-B4ED842EAB03}" type="datetimeFigureOut">
               <a:rPr lang="en-US" smtClean="0"/>
-              <a:t>5/17/2023</a:t>
+              <a:t>5/18/2023</a:t>
             </a:fld>
             <a:endParaRPr lang="en-US" dirty="0"/>
           </a:p>
@@ -2698,7 +2699,7 @@
           <p:cNvPr id="6" name="Footer Placeholder 5">
             <a:extLst>
               <a:ext uri="{FF2B5EF4-FFF2-40B4-BE49-F238E27FC236}">
-                <a16:creationId xmlns:a16="http://schemas.microsoft.com/office/drawing/2014/main" id="{F8772B46-31B1-4A66-8205-468E8DBE5F25}"/>
+                <a16:creationId xmlns:a16="http://schemas.microsoft.com/office/drawing/2014/main" xmlns="" id="{F8772B46-31B1-4A66-8205-468E8DBE5F25}"/>
               </a:ext>
             </a:extLst>
           </p:cNvPr>
@@ -2723,7 +2724,7 @@
           <p:cNvPr id="7" name="Slide Number Placeholder 6">
             <a:extLst>
               <a:ext uri="{FF2B5EF4-FFF2-40B4-BE49-F238E27FC236}">
-                <a16:creationId xmlns:a16="http://schemas.microsoft.com/office/drawing/2014/main" id="{290CD64F-42B3-45EF-9BC2-104B67591B51}"/>
+                <a16:creationId xmlns:a16="http://schemas.microsoft.com/office/drawing/2014/main" xmlns="" id="{290CD64F-42B3-45EF-9BC2-104B67591B51}"/>
               </a:ext>
             </a:extLst>
           </p:cNvPr>
@@ -2787,7 +2788,7 @@
           <p:cNvPr id="2" name="Title Placeholder 1">
             <a:extLst>
               <a:ext uri="{FF2B5EF4-FFF2-40B4-BE49-F238E27FC236}">
-                <a16:creationId xmlns:a16="http://schemas.microsoft.com/office/drawing/2014/main" id="{5B0F9736-4C3C-43EB-BD45-BB4FA5F3229C}"/>
+                <a16:creationId xmlns:a16="http://schemas.microsoft.com/office/drawing/2014/main" xmlns="" id="{5B0F9736-4C3C-43EB-BD45-BB4FA5F3229C}"/>
               </a:ext>
             </a:extLst>
           </p:cNvPr>
@@ -2825,7 +2826,7 @@
           <p:cNvPr id="3" name="Text Placeholder 2">
             <a:extLst>
               <a:ext uri="{FF2B5EF4-FFF2-40B4-BE49-F238E27FC236}">
-                <a16:creationId xmlns:a16="http://schemas.microsoft.com/office/drawing/2014/main" id="{5D2F8E7A-FF76-4305-8285-F14E88BB2D3B}"/>
+                <a16:creationId xmlns:a16="http://schemas.microsoft.com/office/drawing/2014/main" xmlns="" id="{5D2F8E7A-FF76-4305-8285-F14E88BB2D3B}"/>
               </a:ext>
             </a:extLst>
           </p:cNvPr>
@@ -2892,7 +2893,7 @@
           <p:cNvPr id="4" name="Date Placeholder 3">
             <a:extLst>
               <a:ext uri="{FF2B5EF4-FFF2-40B4-BE49-F238E27FC236}">
-                <a16:creationId xmlns:a16="http://schemas.microsoft.com/office/drawing/2014/main" id="{5B80E4F0-B5D4-4409-B24A-AC51F9852D18}"/>
+                <a16:creationId xmlns:a16="http://schemas.microsoft.com/office/drawing/2014/main" xmlns="" id="{5B80E4F0-B5D4-4409-B24A-AC51F9852D18}"/>
               </a:ext>
             </a:extLst>
           </p:cNvPr>
@@ -2928,7 +2929,7 @@
           <a:p>
             <a:fld id="{94CEFA78-848A-481A-B58D-B4ED842EAB03}" type="datetimeFigureOut">
               <a:rPr lang="en-US" smtClean="0"/>
-              <a:t>5/17/2023</a:t>
+              <a:t>5/18/2023</a:t>
             </a:fld>
             <a:endParaRPr lang="en-US" dirty="0"/>
           </a:p>
@@ -2939,7 +2940,7 @@
           <p:cNvPr id="5" name="Footer Placeholder 4">
             <a:extLst>
               <a:ext uri="{FF2B5EF4-FFF2-40B4-BE49-F238E27FC236}">
-                <a16:creationId xmlns:a16="http://schemas.microsoft.com/office/drawing/2014/main" id="{7CA12EA9-C5B5-4C77-8193-6F0871E6B939}"/>
+                <a16:creationId xmlns:a16="http://schemas.microsoft.com/office/drawing/2014/main" xmlns="" id="{7CA12EA9-C5B5-4C77-8193-6F0871E6B939}"/>
               </a:ext>
             </a:extLst>
           </p:cNvPr>
@@ -2982,7 +2983,7 @@
           <p:cNvPr id="6" name="Slide Number Placeholder 5">
             <a:extLst>
               <a:ext uri="{FF2B5EF4-FFF2-40B4-BE49-F238E27FC236}">
-                <a16:creationId xmlns:a16="http://schemas.microsoft.com/office/drawing/2014/main" id="{C847B8E2-E6FB-483B-B1FC-97BC2AEF4189}"/>
+                <a16:creationId xmlns:a16="http://schemas.microsoft.com/office/drawing/2014/main" xmlns="" id="{C847B8E2-E6FB-483B-B1FC-97BC2AEF4189}"/>
               </a:ext>
             </a:extLst>
           </p:cNvPr>
@@ -3448,7 +3449,7 @@
           <p:cNvPr id="4" name="Picture 3">
             <a:extLst>
               <a:ext uri="{FF2B5EF4-FFF2-40B4-BE49-F238E27FC236}">
-                <a16:creationId xmlns:a16="http://schemas.microsoft.com/office/drawing/2014/main" id="{699543CA-89DB-4D71-BE86-2A4DBF78CDCC}"/>
+                <a16:creationId xmlns:a16="http://schemas.microsoft.com/office/drawing/2014/main" xmlns="" id="{699543CA-89DB-4D71-BE86-2A4DBF78CDCC}"/>
               </a:ext>
             </a:extLst>
           </p:cNvPr>
@@ -3516,6 +3517,36 @@
           <a:chExt cx="0" cy="0"/>
         </a:xfrm>
       </p:grpSpPr>
+      <p:pic>
+        <p:nvPicPr>
+          <p:cNvPr id="2" name="Picture 1"/>
+          <p:cNvPicPr>
+            <a:picLocks noChangeAspect="1"/>
+          </p:cNvPicPr>
+          <p:nvPr/>
+        </p:nvPicPr>
+        <p:blipFill>
+          <a:blip r:embed="rId2" cstate="print">
+            <a:extLst>
+              <a:ext uri="{28A0092B-C50C-407E-A947-70E740481C1C}">
+                <a14:useLocalDpi xmlns:a14="http://schemas.microsoft.com/office/drawing/2010/main" val="0"/>
+              </a:ext>
+            </a:extLst>
+          </a:blip>
+          <a:stretch>
+            <a:fillRect/>
+          </a:stretch>
+        </p:blipFill>
+        <p:spPr>
+          <a:xfrm>
+            <a:off x="1288137" y="2857427"/>
+            <a:ext cx="9026741" cy="3157021"/>
+          </a:xfrm>
+          <a:prstGeom prst="rect">
+            <a:avLst/>
+          </a:prstGeom>
+        </p:spPr>
+      </p:pic>
       <p:sp>
         <p:nvSpPr>
           <p:cNvPr id="3" name="Content Placeholder 2"/>
@@ -3528,7 +3559,7 @@
         </p:nvSpPr>
         <p:spPr>
           <a:xfrm>
-            <a:off x="1199456" y="1842052"/>
+            <a:off x="1199456" y="1506005"/>
             <a:ext cx="9505056" cy="1351422"/>
           </a:xfrm>
         </p:spPr>
@@ -3540,8 +3571,13 @@
           <a:p>
             <a:r>
               <a:rPr lang="en-US" sz="2800" dirty="0"/>
-              <a:t>Practical example: COVID-19 in Spain</a:t>
-            </a:r>
+              <a:t>Practical example: COVID-19 in </a:t>
+            </a:r>
+            <a:r>
+              <a:rPr lang="en-US" sz="2800" dirty="0" smtClean="0"/>
+              <a:t>the US</a:t>
+            </a:r>
+            <a:endParaRPr lang="en-US" sz="2800" dirty="0"/>
           </a:p>
           <a:p>
             <a:pPr lvl="1"/>
@@ -3557,7 +3593,7 @@
           <p:cNvPr id="5" name="Title 1">
             <a:extLst>
               <a:ext uri="{FF2B5EF4-FFF2-40B4-BE49-F238E27FC236}">
-                <a16:creationId xmlns:a16="http://schemas.microsoft.com/office/drawing/2014/main" id="{F6D882FA-475A-4E48-A526-59B78DBD0925}"/>
+                <a16:creationId xmlns:a16="http://schemas.microsoft.com/office/drawing/2014/main" xmlns="" id="{F6D882FA-475A-4E48-A526-59B78DBD0925}"/>
               </a:ext>
             </a:extLst>
           </p:cNvPr>
@@ -3568,7 +3604,7 @@
         </p:nvSpPr>
         <p:spPr>
           <a:xfrm>
-            <a:off x="1199456" y="531952"/>
+            <a:off x="1199456" y="326871"/>
             <a:ext cx="8229600" cy="1143000"/>
           </a:xfrm>
           <a:prstGeom prst="rect">
@@ -3604,60 +3640,24 @@
           </a:p>
         </p:txBody>
       </p:sp>
-      <p:pic>
-        <p:nvPicPr>
-          <p:cNvPr id="7" name="Picture 6">
-            <a:extLst>
-              <a:ext uri="{FF2B5EF4-FFF2-40B4-BE49-F238E27FC236}">
-                <a16:creationId xmlns:a16="http://schemas.microsoft.com/office/drawing/2014/main" id="{08BEC40E-3256-4485-9A7C-5A17020A66FE}"/>
-              </a:ext>
-            </a:extLst>
-          </p:cNvPr>
-          <p:cNvPicPr>
-            <a:picLocks noChangeAspect="1"/>
-          </p:cNvPicPr>
+      <p:sp>
+        <p:nvSpPr>
+          <p:cNvPr id="6" name="Content Placeholder 2">
+            <a:extLst>
+              <a:ext uri="{FF2B5EF4-FFF2-40B4-BE49-F238E27FC236}">
+                <a16:creationId xmlns:a16="http://schemas.microsoft.com/office/drawing/2014/main" xmlns="" id="{5FB4A1A1-12E7-49E1-BFDB-EC5D32132C76}"/>
+              </a:ext>
+            </a:extLst>
+          </p:cNvPr>
+          <p:cNvSpPr txBox="1">
+            <a:spLocks/>
+          </p:cNvSpPr>
           <p:nvPr/>
-        </p:nvPicPr>
-        <p:blipFill>
-          <a:blip r:embed="rId2">
-            <a:extLst>
-              <a:ext uri="{28A0092B-C50C-407E-A947-70E740481C1C}">
-                <a14:useLocalDpi xmlns:a14="http://schemas.microsoft.com/office/drawing/2010/main" val="0"/>
-              </a:ext>
-            </a:extLst>
-          </a:blip>
-          <a:stretch>
-            <a:fillRect/>
-          </a:stretch>
-        </p:blipFill>
+        </p:nvSpPr>
         <p:spPr>
           <a:xfrm>
-            <a:off x="273378" y="3060240"/>
-            <a:ext cx="11645243" cy="2911311"/>
-          </a:xfrm>
-          <a:prstGeom prst="rect">
-            <a:avLst/>
-          </a:prstGeom>
-        </p:spPr>
-      </p:pic>
-      <p:sp>
-        <p:nvSpPr>
-          <p:cNvPr id="6" name="Content Placeholder 2">
-            <a:extLst>
-              <a:ext uri="{FF2B5EF4-FFF2-40B4-BE49-F238E27FC236}">
-                <a16:creationId xmlns:a16="http://schemas.microsoft.com/office/drawing/2014/main" id="{5FB4A1A1-12E7-49E1-BFDB-EC5D32132C76}"/>
-              </a:ext>
-            </a:extLst>
-          </p:cNvPr>
-          <p:cNvSpPr txBox="1">
-            <a:spLocks/>
-          </p:cNvSpPr>
-          <p:nvPr/>
-        </p:nvSpPr>
-        <p:spPr>
-          <a:xfrm>
-            <a:off x="1199456" y="5901434"/>
-            <a:ext cx="9505056" cy="1351422"/>
+            <a:off x="1199456" y="6014448"/>
+            <a:ext cx="9505056" cy="555122"/>
           </a:xfrm>
           <a:prstGeom prst="rect">
             <a:avLst/>
@@ -3856,6 +3856,13 @@
   <p:clrMapOvr>
     <a:masterClrMapping/>
   </p:clrMapOvr>
+  <p:timing>
+    <p:tnLst>
+      <p:par>
+        <p:cTn id="1" dur="indefinite" restart="never" nodeType="tmRoot"/>
+      </p:par>
+    </p:tnLst>
+  </p:timing>
 </p:sld>
 </file>
 
@@ -3876,42 +3883,6 @@
           <a:chExt cx="0" cy="0"/>
         </a:xfrm>
       </p:grpSpPr>
-      <p:pic>
-        <p:nvPicPr>
-          <p:cNvPr id="4" name="Picture 3">
-            <a:extLst>
-              <a:ext uri="{FF2B5EF4-FFF2-40B4-BE49-F238E27FC236}">
-                <a16:creationId xmlns:a16="http://schemas.microsoft.com/office/drawing/2014/main" id="{C1634BCC-8946-478A-A074-470CC5C8EA4D}"/>
-              </a:ext>
-            </a:extLst>
-          </p:cNvPr>
-          <p:cNvPicPr>
-            <a:picLocks noChangeAspect="1"/>
-          </p:cNvPicPr>
-          <p:nvPr/>
-        </p:nvPicPr>
-        <p:blipFill>
-          <a:blip r:embed="rId2">
-            <a:extLst>
-              <a:ext uri="{28A0092B-C50C-407E-A947-70E740481C1C}">
-                <a14:useLocalDpi xmlns:a14="http://schemas.microsoft.com/office/drawing/2010/main" val="0"/>
-              </a:ext>
-            </a:extLst>
-          </a:blip>
-          <a:stretch>
-            <a:fillRect/>
-          </a:stretch>
-        </p:blipFill>
-        <p:spPr>
-          <a:xfrm>
-            <a:off x="273379" y="2651530"/>
-            <a:ext cx="11645242" cy="2911311"/>
-          </a:xfrm>
-          <a:prstGeom prst="rect">
-            <a:avLst/>
-          </a:prstGeom>
-        </p:spPr>
-      </p:pic>
       <p:sp>
         <p:nvSpPr>
           <p:cNvPr id="3" name="Content Placeholder 2"/>
@@ -3936,8 +3907,13 @@
           <a:p>
             <a:r>
               <a:rPr lang="en-US" sz="2800" dirty="0"/>
-              <a:t>Practical example: COVID-19 in Spain</a:t>
-            </a:r>
+              <a:t>Practical example: COVID-19 in </a:t>
+            </a:r>
+            <a:r>
+              <a:rPr lang="en-US" sz="2800" dirty="0" smtClean="0"/>
+              <a:t>the US</a:t>
+            </a:r>
+            <a:endParaRPr lang="en-US" sz="2800" dirty="0"/>
           </a:p>
           <a:p>
             <a:pPr lvl="1"/>
@@ -3953,7 +3929,7 @@
           <p:cNvPr id="5" name="Title 1">
             <a:extLst>
               <a:ext uri="{FF2B5EF4-FFF2-40B4-BE49-F238E27FC236}">
-                <a16:creationId xmlns:a16="http://schemas.microsoft.com/office/drawing/2014/main" id="{F6D882FA-475A-4E48-A526-59B78DBD0925}"/>
+                <a16:creationId xmlns:a16="http://schemas.microsoft.com/office/drawing/2014/main" xmlns="" id="{F6D882FA-475A-4E48-A526-59B78DBD0925}"/>
               </a:ext>
             </a:extLst>
           </p:cNvPr>
@@ -4000,85 +3976,36 @@
           </a:p>
         </p:txBody>
       </p:sp>
-      <p:sp>
-        <p:nvSpPr>
-          <p:cNvPr id="8" name="TextBox 7">
-            <a:extLst>
-              <a:ext uri="{FF2B5EF4-FFF2-40B4-BE49-F238E27FC236}">
-                <a16:creationId xmlns:a16="http://schemas.microsoft.com/office/drawing/2014/main" id="{2DEE9998-6848-465C-9397-F90D3529EBE3}"/>
-              </a:ext>
-            </a:extLst>
-          </p:cNvPr>
-          <p:cNvSpPr txBox="1"/>
+      <p:pic>
+        <p:nvPicPr>
+          <p:cNvPr id="2" name="Picture 1"/>
+          <p:cNvPicPr>
+            <a:picLocks noChangeAspect="1"/>
+          </p:cNvPicPr>
           <p:nvPr/>
-        </p:nvSpPr>
+        </p:nvPicPr>
+        <p:blipFill>
+          <a:blip r:embed="rId2" cstate="print">
+            <a:extLst>
+              <a:ext uri="{28A0092B-C50C-407E-A947-70E740481C1C}">
+                <a14:useLocalDpi xmlns:a14="http://schemas.microsoft.com/office/drawing/2010/main" val="0"/>
+              </a:ext>
+            </a:extLst>
+          </a:blip>
+          <a:stretch>
+            <a:fillRect/>
+          </a:stretch>
+        </p:blipFill>
         <p:spPr>
           <a:xfrm>
-            <a:off x="1461656" y="5624945"/>
-            <a:ext cx="8818418" cy="646331"/>
+            <a:off x="1466558" y="2817952"/>
+            <a:ext cx="9255881" cy="3237160"/>
           </a:xfrm>
           <a:prstGeom prst="rect">
             <a:avLst/>
           </a:prstGeom>
-          <a:noFill/>
         </p:spPr>
-        <p:txBody>
-          <a:bodyPr wrap="square" rtlCol="0">
-            <a:spAutoFit/>
-          </a:bodyPr>
-          <a:lstStyle/>
-          <a:p>
-            <a:r>
-              <a:rPr lang="en-US" i="1" dirty="0"/>
-              <a:t>Weekly-average</a:t>
-            </a:r>
-            <a:r>
-              <a:rPr lang="en-US" dirty="0"/>
-              <a:t> and</a:t>
-            </a:r>
-            <a:r>
-              <a:rPr lang="en-US" i="1" dirty="0"/>
-              <a:t> Week-specific average </a:t>
-            </a:r>
-            <a:r>
-              <a:rPr lang="en-US" dirty="0"/>
-              <a:t>excess estimates are </a:t>
-            </a:r>
-            <a:r>
-              <a:rPr lang="en-US" b="1" dirty="0">
-                <a:solidFill>
-                  <a:srgbClr val="FF0000"/>
-                </a:solidFill>
-              </a:rPr>
-              <a:t>82%</a:t>
-            </a:r>
-            <a:r>
-              <a:rPr lang="en-US" dirty="0"/>
-              <a:t> and </a:t>
-            </a:r>
-            <a:r>
-              <a:rPr lang="en-US" b="1" dirty="0">
-                <a:solidFill>
-                  <a:srgbClr val="FF0000"/>
-                </a:solidFill>
-              </a:rPr>
-              <a:t>97%</a:t>
-            </a:r>
-            <a:r>
-              <a:rPr lang="en-US" dirty="0"/>
-              <a:t> higher than those obtained using the Poisson model approach; </a:t>
-            </a:r>
-            <a:r>
-              <a:rPr lang="en-US" b="1" dirty="0"/>
-              <a:t>almost twice</a:t>
-            </a:r>
-            <a:r>
-              <a:rPr lang="en-US" dirty="0"/>
-              <a:t>!!</a:t>
-            </a:r>
-          </a:p>
-        </p:txBody>
-      </p:sp>
+      </p:pic>
     </p:spTree>
     <p:extLst>
       <p:ext uri="{BB962C8B-B14F-4D97-AF65-F5344CB8AC3E}">
@@ -4089,6 +4016,13 @@
   <p:clrMapOvr>
     <a:masterClrMapping/>
   </p:clrMapOvr>
+  <p:timing>
+    <p:tnLst>
+      <p:par>
+        <p:cTn id="1" dur="indefinite" restart="never" nodeType="tmRoot"/>
+      </p:par>
+    </p:tnLst>
+  </p:timing>
 </p:sld>
 </file>
 
@@ -4121,8 +4055,8 @@
         </p:nvSpPr>
         <p:spPr>
           <a:xfrm>
-            <a:off x="1199456" y="1842051"/>
-            <a:ext cx="9505056" cy="2597427"/>
+            <a:off x="1199456" y="1674952"/>
+            <a:ext cx="9505056" cy="1351422"/>
           </a:xfrm>
         </p:spPr>
         <p:txBody>
@@ -4133,38 +4067,22 @@
           <a:p>
             <a:r>
               <a:rPr lang="en-US" sz="2800" dirty="0"/>
-              <a:t>Avoided mortality:</a:t>
-            </a:r>
+              <a:t>Practical example: COVID-19 in </a:t>
+            </a:r>
+            <a:r>
+              <a:rPr lang="en-US" sz="2800" dirty="0" smtClean="0"/>
+              <a:t>the US</a:t>
+            </a:r>
+            <a:endParaRPr lang="en-US" sz="2800" dirty="0"/>
           </a:p>
           <a:p>
             <a:pPr lvl="1"/>
             <a:r>
-              <a:rPr lang="en-US" dirty="0"/>
-              <a:t>Expected deaths that did not occur</a:t>
-            </a:r>
-          </a:p>
-          <a:p>
-            <a:pPr lvl="1"/>
-            <a:r>
-              <a:rPr lang="en-US" dirty="0"/>
-              <a:t>During the pandemic, influenza circulation was very low. However, the baseline is built under “normal” circumstances, which include typical influenza mortality. </a:t>
-            </a:r>
-          </a:p>
-          <a:p>
-            <a:pPr lvl="2"/>
-            <a:r>
-              <a:rPr lang="en-US" dirty="0"/>
-              <a:t>Should we include influenza deaths in the baseline?</a:t>
-            </a:r>
-          </a:p>
-          <a:p>
-            <a:pPr lvl="1"/>
+              <a:rPr lang="en-US" dirty="0" smtClean="0"/>
+              <a:t>Total by year</a:t>
+            </a:r>
             <a:endParaRPr lang="en-US" dirty="0"/>
           </a:p>
-          <a:p>
-            <a:pPr lvl="1"/>
-            <a:endParaRPr lang="en-US" dirty="0"/>
-          </a:p>
         </p:txBody>
       </p:sp>
       <p:sp>
@@ -4172,7 +4090,7 @@
           <p:cNvPr id="5" name="Title 1">
             <a:extLst>
               <a:ext uri="{FF2B5EF4-FFF2-40B4-BE49-F238E27FC236}">
-                <a16:creationId xmlns:a16="http://schemas.microsoft.com/office/drawing/2014/main" id="{F6D882FA-475A-4E48-A526-59B78DBD0925}"/>
+                <a16:creationId xmlns:a16="http://schemas.microsoft.com/office/drawing/2014/main" xmlns="" id="{F6D882FA-475A-4E48-A526-59B78DBD0925}"/>
               </a:ext>
             </a:extLst>
           </p:cNvPr>
@@ -4183,8 +4101,8 @@
         </p:nvSpPr>
         <p:spPr>
           <a:xfrm>
-            <a:off x="1199455" y="531952"/>
-            <a:ext cx="9369153" cy="1143000"/>
+            <a:off x="1199456" y="531952"/>
+            <a:ext cx="8229600" cy="1143000"/>
           </a:xfrm>
           <a:prstGeom prst="rect">
             <a:avLst/>
@@ -4214,6 +4132,183 @@
             <a:pPr algn="l"/>
             <a:r>
               <a:rPr lang="en-US" b="1" dirty="0"/>
+              <a:t>Excess mortality in the context of COVID-19</a:t>
+            </a:r>
+          </a:p>
+        </p:txBody>
+      </p:sp>
+      <p:pic>
+        <p:nvPicPr>
+          <p:cNvPr id="6" name="Picture 5"/>
+          <p:cNvPicPr>
+            <a:picLocks noChangeAspect="1"/>
+          </p:cNvPicPr>
+          <p:nvPr/>
+        </p:nvPicPr>
+        <p:blipFill>
+          <a:blip r:embed="rId2" cstate="print">
+            <a:extLst>
+              <a:ext uri="{28A0092B-C50C-407E-A947-70E740481C1C}">
+                <a14:useLocalDpi xmlns:a14="http://schemas.microsoft.com/office/drawing/2010/main" val="0"/>
+              </a:ext>
+            </a:extLst>
+          </a:blip>
+          <a:stretch>
+            <a:fillRect/>
+          </a:stretch>
+        </p:blipFill>
+        <p:spPr>
+          <a:xfrm>
+            <a:off x="1199456" y="2817951"/>
+            <a:ext cx="9064576" cy="3170253"/>
+          </a:xfrm>
+          <a:prstGeom prst="rect">
+            <a:avLst/>
+          </a:prstGeom>
+        </p:spPr>
+      </p:pic>
+    </p:spTree>
+    <p:extLst>
+      <p:ext uri="{BB962C8B-B14F-4D97-AF65-F5344CB8AC3E}">
+        <p14:creationId xmlns:p14="http://schemas.microsoft.com/office/powerpoint/2010/main" val="951262591"/>
+      </p:ext>
+    </p:extLst>
+  </p:cSld>
+  <p:clrMapOvr>
+    <a:masterClrMapping/>
+  </p:clrMapOvr>
+  <p:timing>
+    <p:tnLst>
+      <p:par>
+        <p:cTn id="1" dur="indefinite" restart="never" nodeType="tmRoot"/>
+      </p:par>
+    </p:tnLst>
+  </p:timing>
+</p:sld>
+</file>
+
+<file path=ppt/slides/slide13.xml><?xml version="1.0" encoding="utf-8"?>
+<p:sld xmlns:a="http://schemas.openxmlformats.org/drawingml/2006/main" xmlns:r="http://schemas.openxmlformats.org/officeDocument/2006/relationships" xmlns:p="http://schemas.openxmlformats.org/presentationml/2006/main">
+  <p:cSld>
+    <p:spTree>
+      <p:nvGrpSpPr>
+        <p:cNvPr id="1" name=""/>
+        <p:cNvGrpSpPr/>
+        <p:nvPr/>
+      </p:nvGrpSpPr>
+      <p:grpSpPr>
+        <a:xfrm>
+          <a:off x="0" y="0"/>
+          <a:ext cx="0" cy="0"/>
+          <a:chOff x="0" y="0"/>
+          <a:chExt cx="0" cy="0"/>
+        </a:xfrm>
+      </p:grpSpPr>
+      <p:sp>
+        <p:nvSpPr>
+          <p:cNvPr id="3" name="Content Placeholder 2"/>
+          <p:cNvSpPr>
+            <a:spLocks noGrp="1"/>
+          </p:cNvSpPr>
+          <p:nvPr>
+            <p:ph idx="1"/>
+          </p:nvPr>
+        </p:nvSpPr>
+        <p:spPr>
+          <a:xfrm>
+            <a:off x="1199456" y="1842051"/>
+            <a:ext cx="9505056" cy="2597427"/>
+          </a:xfrm>
+        </p:spPr>
+        <p:txBody>
+          <a:bodyPr>
+            <a:normAutofit/>
+          </a:bodyPr>
+          <a:lstStyle/>
+          <a:p>
+            <a:r>
+              <a:rPr lang="en-US" sz="2800" dirty="0"/>
+              <a:t>Avoided mortality:</a:t>
+            </a:r>
+          </a:p>
+          <a:p>
+            <a:pPr lvl="1"/>
+            <a:r>
+              <a:rPr lang="en-US" dirty="0"/>
+              <a:t>Expected deaths that did not occur</a:t>
+            </a:r>
+          </a:p>
+          <a:p>
+            <a:pPr lvl="1"/>
+            <a:r>
+              <a:rPr lang="en-US" dirty="0"/>
+              <a:t>During the pandemic, influenza circulation was very low. However, the baseline is built under “normal” circumstances, which include typical influenza mortality. </a:t>
+            </a:r>
+          </a:p>
+          <a:p>
+            <a:pPr lvl="2"/>
+            <a:r>
+              <a:rPr lang="en-US" dirty="0"/>
+              <a:t>Should we include influenza deaths in the baseline?</a:t>
+            </a:r>
+          </a:p>
+          <a:p>
+            <a:pPr lvl="1"/>
+            <a:endParaRPr lang="en-US" dirty="0"/>
+          </a:p>
+          <a:p>
+            <a:pPr lvl="1"/>
+            <a:endParaRPr lang="en-US" dirty="0"/>
+          </a:p>
+        </p:txBody>
+      </p:sp>
+      <p:sp>
+        <p:nvSpPr>
+          <p:cNvPr id="5" name="Title 1">
+            <a:extLst>
+              <a:ext uri="{FF2B5EF4-FFF2-40B4-BE49-F238E27FC236}">
+                <a16:creationId xmlns:a16="http://schemas.microsoft.com/office/drawing/2014/main" xmlns="" id="{F6D882FA-475A-4E48-A526-59B78DBD0925}"/>
+              </a:ext>
+            </a:extLst>
+          </p:cNvPr>
+          <p:cNvSpPr txBox="1">
+            <a:spLocks/>
+          </p:cNvSpPr>
+          <p:nvPr/>
+        </p:nvSpPr>
+        <p:spPr>
+          <a:xfrm>
+            <a:off x="1199455" y="531952"/>
+            <a:ext cx="9369153" cy="1143000"/>
+          </a:xfrm>
+          <a:prstGeom prst="rect">
+            <a:avLst/>
+          </a:prstGeom>
+        </p:spPr>
+        <p:txBody>
+          <a:bodyPr vert="horz" lIns="91440" tIns="45720" rIns="91440" bIns="45720" rtlCol="0" anchor="ctr">
+            <a:normAutofit fontScale="92500" lnSpcReduction="20000"/>
+          </a:bodyPr>
+          <a:lstStyle>
+            <a:lvl1pPr algn="ctr" defTabSz="914400" rtl="0" eaLnBrk="1" latinLnBrk="0" hangingPunct="1">
+              <a:spcBef>
+                <a:spcPct val="0"/>
+              </a:spcBef>
+              <a:buNone/>
+              <a:defRPr sz="4400" kern="1200">
+                <a:solidFill>
+                  <a:schemeClr val="tx1"/>
+                </a:solidFill>
+                <a:latin typeface="+mj-lt"/>
+                <a:ea typeface="+mj-ea"/>
+                <a:cs typeface="+mj-cs"/>
+              </a:defRPr>
+            </a:lvl1pPr>
+          </a:lstStyle>
+          <a:p>
+            <a:pPr algn="l"/>
+            <a:r>
+              <a:rPr lang="en-US" b="1" dirty="0"/>
               <a:t>A few conceptual challenges in measuring excess mortality</a:t>
             </a:r>
           </a:p>
@@ -4224,7 +4319,7 @@
           <p:cNvPr id="4" name="TextBox 3">
             <a:extLst>
               <a:ext uri="{FF2B5EF4-FFF2-40B4-BE49-F238E27FC236}">
-                <a16:creationId xmlns:a16="http://schemas.microsoft.com/office/drawing/2014/main" id="{11EBC4F0-F3A0-4B18-A5D4-A18EB858D4EA}"/>
+                <a16:creationId xmlns:a16="http://schemas.microsoft.com/office/drawing/2014/main" xmlns="" id="{11EBC4F0-F3A0-4B18-A5D4-A18EB858D4EA}"/>
               </a:ext>
             </a:extLst>
           </p:cNvPr>
@@ -4265,7 +4360,7 @@
           <p:cNvPr id="8" name="Picture 7">
             <a:extLst>
               <a:ext uri="{FF2B5EF4-FFF2-40B4-BE49-F238E27FC236}">
-                <a16:creationId xmlns:a16="http://schemas.microsoft.com/office/drawing/2014/main" id="{47C4953A-8A74-4F23-AD93-DDD740C70413}"/>
+                <a16:creationId xmlns:a16="http://schemas.microsoft.com/office/drawing/2014/main" xmlns="" id="{47C4953A-8A74-4F23-AD93-DDD740C70413}"/>
               </a:ext>
             </a:extLst>
           </p:cNvPr>
@@ -4275,7 +4370,7 @@
           <p:nvPr/>
         </p:nvPicPr>
         <p:blipFill rotWithShape="1">
-          <a:blip r:embed="rId2">
+          <a:blip r:embed="rId2" cstate="print">
             <a:extLst>
               <a:ext uri="{28A0092B-C50C-407E-A947-70E740481C1C}">
                 <a14:useLocalDpi xmlns:a14="http://schemas.microsoft.com/office/drawing/2010/main" val="0"/>
@@ -4300,7 +4395,7 @@
           <p:cNvPr id="9" name="Oval 8">
             <a:extLst>
               <a:ext uri="{FF2B5EF4-FFF2-40B4-BE49-F238E27FC236}">
-                <a16:creationId xmlns:a16="http://schemas.microsoft.com/office/drawing/2014/main" id="{434EBF43-6239-443B-8BD4-985F3D44D204}"/>
+                <a16:creationId xmlns:a16="http://schemas.microsoft.com/office/drawing/2014/main" xmlns="" id="{434EBF43-6239-443B-8BD4-985F3D44D204}"/>
               </a:ext>
             </a:extLst>
           </p:cNvPr>
@@ -4357,10 +4452,17 @@
   <p:clrMapOvr>
     <a:masterClrMapping/>
   </p:clrMapOvr>
+  <p:timing>
+    <p:tnLst>
+      <p:par>
+        <p:cTn id="1" dur="indefinite" restart="never" nodeType="tmRoot"/>
+      </p:par>
+    </p:tnLst>
+  </p:timing>
 </p:sld>
 </file>
 
-<file path=ppt/slides/slide13.xml><?xml version="1.0" encoding="utf-8"?>
+<file path=ppt/slides/slide14.xml><?xml version="1.0" encoding="utf-8"?>
 <p:sld xmlns:a="http://schemas.openxmlformats.org/drawingml/2006/main" xmlns:r="http://schemas.openxmlformats.org/officeDocument/2006/relationships" xmlns:p="http://schemas.openxmlformats.org/presentationml/2006/main">
   <p:cSld>
     <p:spTree>
@@ -4429,7 +4531,7 @@
           <p:cNvPr id="5" name="Title 1">
             <a:extLst>
               <a:ext uri="{FF2B5EF4-FFF2-40B4-BE49-F238E27FC236}">
-                <a16:creationId xmlns:a16="http://schemas.microsoft.com/office/drawing/2014/main" id="{F6D882FA-475A-4E48-A526-59B78DBD0925}"/>
+                <a16:creationId xmlns:a16="http://schemas.microsoft.com/office/drawing/2014/main" xmlns="" id="{F6D882FA-475A-4E48-A526-59B78DBD0925}"/>
               </a:ext>
             </a:extLst>
           </p:cNvPr>
@@ -4481,7 +4583,7 @@
           <p:cNvPr id="7" name="Picture 6">
             <a:extLst>
               <a:ext uri="{FF2B5EF4-FFF2-40B4-BE49-F238E27FC236}">
-                <a16:creationId xmlns:a16="http://schemas.microsoft.com/office/drawing/2014/main" id="{9014AA15-42EB-4919-8018-3AEF7D2D3ECC}"/>
+                <a16:creationId xmlns:a16="http://schemas.microsoft.com/office/drawing/2014/main" xmlns="" id="{9014AA15-42EB-4919-8018-3AEF7D2D3ECC}"/>
               </a:ext>
             </a:extLst>
           </p:cNvPr>
@@ -4491,7 +4593,7 @@
           <p:nvPr/>
         </p:nvPicPr>
         <p:blipFill rotWithShape="1">
-          <a:blip r:embed="rId2">
+          <a:blip r:embed="rId2" cstate="print">
             <a:extLst>
               <a:ext uri="{28A0092B-C50C-407E-A947-70E740481C1C}">
                 <a14:useLocalDpi xmlns:a14="http://schemas.microsoft.com/office/drawing/2010/main" val="0"/>
@@ -4516,7 +4618,7 @@
           <p:cNvPr id="8" name="TextBox 7">
             <a:extLst>
               <a:ext uri="{FF2B5EF4-FFF2-40B4-BE49-F238E27FC236}">
-                <a16:creationId xmlns:a16="http://schemas.microsoft.com/office/drawing/2014/main" id="{D49216DF-32DF-467C-9D80-222DFF406314}"/>
+                <a16:creationId xmlns:a16="http://schemas.microsoft.com/office/drawing/2014/main" xmlns="" id="{D49216DF-32DF-467C-9D80-222DFF406314}"/>
               </a:ext>
             </a:extLst>
           </p:cNvPr>
@@ -4557,7 +4659,7 @@
           <p:cNvPr id="9" name="Oval 8">
             <a:extLst>
               <a:ext uri="{FF2B5EF4-FFF2-40B4-BE49-F238E27FC236}">
-                <a16:creationId xmlns:a16="http://schemas.microsoft.com/office/drawing/2014/main" id="{C3B79E44-0B43-480D-BA3F-141F023B7C60}"/>
+                <a16:creationId xmlns:a16="http://schemas.microsoft.com/office/drawing/2014/main" xmlns="" id="{C3B79E44-0B43-480D-BA3F-141F023B7C60}"/>
               </a:ext>
             </a:extLst>
           </p:cNvPr>
@@ -4614,10 +4716,17 @@
   <p:clrMapOvr>
     <a:masterClrMapping/>
   </p:clrMapOvr>
+  <p:timing>
+    <p:tnLst>
+      <p:par>
+        <p:cTn id="1" dur="indefinite" restart="never" nodeType="tmRoot"/>
+      </p:par>
+    </p:tnLst>
+  </p:timing>
 </p:sld>
 </file>
 
-<file path=ppt/slides/slide14.xml><?xml version="1.0" encoding="utf-8"?>
+<file path=ppt/slides/slide15.xml><?xml version="1.0" encoding="utf-8"?>
 <p:sld xmlns:a="http://schemas.openxmlformats.org/drawingml/2006/main" xmlns:r="http://schemas.openxmlformats.org/officeDocument/2006/relationships" xmlns:p="http://schemas.openxmlformats.org/presentationml/2006/main">
   <p:cSld>
     <p:spTree>
@@ -4701,7 +4810,7 @@
           <p:cNvPr id="4" name="Title 1">
             <a:extLst>
               <a:ext uri="{FF2B5EF4-FFF2-40B4-BE49-F238E27FC236}">
-                <a16:creationId xmlns:a16="http://schemas.microsoft.com/office/drawing/2014/main" id="{DC46E228-8C17-45CD-86DE-C0BF03BCC47D}"/>
+                <a16:creationId xmlns:a16="http://schemas.microsoft.com/office/drawing/2014/main" xmlns="" id="{DC46E228-8C17-45CD-86DE-C0BF03BCC47D}"/>
               </a:ext>
             </a:extLst>
           </p:cNvPr>
@@ -4753,7 +4862,7 @@
           <p:cNvPr id="6" name="TextBox 5">
             <a:extLst>
               <a:ext uri="{FF2B5EF4-FFF2-40B4-BE49-F238E27FC236}">
-                <a16:creationId xmlns:a16="http://schemas.microsoft.com/office/drawing/2014/main" id="{873F2752-B09D-453D-ACB0-CC9C58A35759}"/>
+                <a16:creationId xmlns:a16="http://schemas.microsoft.com/office/drawing/2014/main" xmlns="" id="{873F2752-B09D-453D-ACB0-CC9C58A35759}"/>
               </a:ext>
             </a:extLst>
           </p:cNvPr>
@@ -4794,7 +4903,7 @@
           <p:cNvPr id="7" name="Picture 6">
             <a:extLst>
               <a:ext uri="{FF2B5EF4-FFF2-40B4-BE49-F238E27FC236}">
-                <a16:creationId xmlns:a16="http://schemas.microsoft.com/office/drawing/2014/main" id="{6CCAA3E2-2234-41A4-93A0-60931B95DD23}"/>
+                <a16:creationId xmlns:a16="http://schemas.microsoft.com/office/drawing/2014/main" xmlns="" id="{6CCAA3E2-2234-41A4-93A0-60931B95DD23}"/>
               </a:ext>
             </a:extLst>
           </p:cNvPr>
@@ -4804,7 +4913,7 @@
           <p:nvPr/>
         </p:nvPicPr>
         <p:blipFill rotWithShape="1">
-          <a:blip r:embed="rId2">
+          <a:blip r:embed="rId2" cstate="print">
             <a:extLst>
               <a:ext uri="{28A0092B-C50C-407E-A947-70E740481C1C}">
                 <a14:useLocalDpi xmlns:a14="http://schemas.microsoft.com/office/drawing/2010/main" val="0"/>
@@ -4829,7 +4938,7 @@
           <p:cNvPr id="8" name="Oval 7">
             <a:extLst>
               <a:ext uri="{FF2B5EF4-FFF2-40B4-BE49-F238E27FC236}">
-                <a16:creationId xmlns:a16="http://schemas.microsoft.com/office/drawing/2014/main" id="{9D3BE543-70AB-4967-8FBD-BBD391C38E66}"/>
+                <a16:creationId xmlns:a16="http://schemas.microsoft.com/office/drawing/2014/main" xmlns="" id="{9D3BE543-70AB-4967-8FBD-BBD391C38E66}"/>
               </a:ext>
             </a:extLst>
           </p:cNvPr>
@@ -4886,10 +4995,17 @@
   <p:clrMapOvr>
     <a:masterClrMapping/>
   </p:clrMapOvr>
+  <p:timing>
+    <p:tnLst>
+      <p:par>
+        <p:cTn id="1" dur="indefinite" restart="never" nodeType="tmRoot"/>
+      </p:par>
+    </p:tnLst>
+  </p:timing>
 </p:sld>
 </file>
 
-<file path=ppt/slides/slide15.xml><?xml version="1.0" encoding="utf-8"?>
+<file path=ppt/slides/slide16.xml><?xml version="1.0" encoding="utf-8"?>
 <p:sld xmlns:a="http://schemas.openxmlformats.org/drawingml/2006/main" xmlns:r="http://schemas.openxmlformats.org/officeDocument/2006/relationships" xmlns:p="http://schemas.openxmlformats.org/presentationml/2006/main">
   <p:cSld>
     <p:spTree>
@@ -4954,7 +5070,7 @@
           <p:cNvPr id="4" name="Title 1">
             <a:extLst>
               <a:ext uri="{FF2B5EF4-FFF2-40B4-BE49-F238E27FC236}">
-                <a16:creationId xmlns:a16="http://schemas.microsoft.com/office/drawing/2014/main" id="{DC46E228-8C17-45CD-86DE-C0BF03BCC47D}"/>
+                <a16:creationId xmlns:a16="http://schemas.microsoft.com/office/drawing/2014/main" xmlns="" id="{DC46E228-8C17-45CD-86DE-C0BF03BCC47D}"/>
               </a:ext>
             </a:extLst>
           </p:cNvPr>
@@ -5006,7 +5122,7 @@
           <p:cNvPr id="5" name="TextBox 4">
             <a:extLst>
               <a:ext uri="{FF2B5EF4-FFF2-40B4-BE49-F238E27FC236}">
-                <a16:creationId xmlns:a16="http://schemas.microsoft.com/office/drawing/2014/main" id="{00EC58A1-27FD-4CF9-9B86-36C0FFE28687}"/>
+                <a16:creationId xmlns:a16="http://schemas.microsoft.com/office/drawing/2014/main" xmlns="" id="{00EC58A1-27FD-4CF9-9B86-36C0FFE28687}"/>
               </a:ext>
             </a:extLst>
           </p:cNvPr>
@@ -5047,7 +5163,7 @@
           <p:cNvPr id="6" name="Picture 5">
             <a:extLst>
               <a:ext uri="{FF2B5EF4-FFF2-40B4-BE49-F238E27FC236}">
-                <a16:creationId xmlns:a16="http://schemas.microsoft.com/office/drawing/2014/main" id="{FD596771-457F-4C2D-9D15-25FE0BF8507C}"/>
+                <a16:creationId xmlns:a16="http://schemas.microsoft.com/office/drawing/2014/main" xmlns="" id="{FD596771-457F-4C2D-9D15-25FE0BF8507C}"/>
               </a:ext>
             </a:extLst>
           </p:cNvPr>
@@ -5057,7 +5173,7 @@
           <p:nvPr/>
         </p:nvPicPr>
         <p:blipFill rotWithShape="1">
-          <a:blip r:embed="rId2">
+          <a:blip r:embed="rId2" cstate="print">
             <a:extLst>
               <a:ext uri="{28A0092B-C50C-407E-A947-70E740481C1C}">
                 <a14:useLocalDpi xmlns:a14="http://schemas.microsoft.com/office/drawing/2010/main" val="0"/>
@@ -5082,7 +5198,7 @@
           <p:cNvPr id="7" name="Oval 6">
             <a:extLst>
               <a:ext uri="{FF2B5EF4-FFF2-40B4-BE49-F238E27FC236}">
-                <a16:creationId xmlns:a16="http://schemas.microsoft.com/office/drawing/2014/main" id="{F643298F-740E-444C-9CD4-D244428B2C18}"/>
+                <a16:creationId xmlns:a16="http://schemas.microsoft.com/office/drawing/2014/main" xmlns="" id="{F643298F-740E-444C-9CD4-D244428B2C18}"/>
               </a:ext>
             </a:extLst>
           </p:cNvPr>
@@ -5139,201 +5255,13 @@
   <p:clrMapOvr>
     <a:masterClrMapping/>
   </p:clrMapOvr>
-</p:sld>
-</file>
-
-<file path=ppt/slides/slide16.xml><?xml version="1.0" encoding="utf-8"?>
-<p:sld xmlns:a="http://schemas.openxmlformats.org/drawingml/2006/main" xmlns:r="http://schemas.openxmlformats.org/officeDocument/2006/relationships" xmlns:p="http://schemas.openxmlformats.org/presentationml/2006/main">
-  <p:cSld>
-    <p:spTree>
-      <p:nvGrpSpPr>
-        <p:cNvPr id="1" name=""/>
-        <p:cNvGrpSpPr/>
-        <p:nvPr/>
-      </p:nvGrpSpPr>
-      <p:grpSpPr>
-        <a:xfrm>
-          <a:off x="0" y="0"/>
-          <a:ext cx="0" cy="0"/>
-          <a:chOff x="0" y="0"/>
-          <a:chExt cx="0" cy="0"/>
-        </a:xfrm>
-      </p:grpSpPr>
-      <p:sp>
-        <p:nvSpPr>
-          <p:cNvPr id="3" name="Content Placeholder 2"/>
-          <p:cNvSpPr>
-            <a:spLocks noGrp="1"/>
-          </p:cNvSpPr>
-          <p:nvPr>
-            <p:ph idx="1"/>
-          </p:nvPr>
-        </p:nvSpPr>
-        <p:spPr>
-          <a:xfrm>
-            <a:off x="1199456" y="1842051"/>
-            <a:ext cx="9505056" cy="3962401"/>
-          </a:xfrm>
-        </p:spPr>
-        <p:txBody>
-          <a:bodyPr>
-            <a:normAutofit fontScale="92500"/>
-          </a:bodyPr>
-          <a:lstStyle/>
-          <a:p>
-            <a:pPr marL="0" indent="0">
-              <a:buNone/>
-            </a:pPr>
-            <a:r>
-              <a:rPr lang="en-US" dirty="0"/>
-              <a:t>Accounting or not for processes as </a:t>
-            </a:r>
-            <a:r>
-              <a:rPr lang="en-US" i="1" dirty="0"/>
-              <a:t>avoided mortality</a:t>
-            </a:r>
-            <a:r>
-              <a:rPr lang="en-US" dirty="0"/>
-              <a:t> and </a:t>
-            </a:r>
-            <a:r>
-              <a:rPr lang="en-US" i="1" dirty="0"/>
-              <a:t>mortality displacement</a:t>
-            </a:r>
-            <a:r>
-              <a:rPr lang="en-US" dirty="0"/>
-              <a:t>?</a:t>
-            </a:r>
-          </a:p>
-          <a:p>
-            <a:r>
-              <a:rPr lang="en-US" dirty="0"/>
-              <a:t>Not straightforward answer… it depends:</a:t>
-            </a:r>
-          </a:p>
-          <a:p>
-            <a:pPr lvl="1"/>
-            <a:r>
-              <a:rPr lang="en-US" dirty="0"/>
-              <a:t>Do we aim to measure </a:t>
-            </a:r>
-            <a:r>
-              <a:rPr lang="en-US" b="1" dirty="0"/>
-              <a:t>COVID-related mortality</a:t>
-            </a:r>
-            <a:r>
-              <a:rPr lang="en-US" dirty="0"/>
-              <a:t>?</a:t>
-            </a:r>
-          </a:p>
-          <a:p>
-            <a:pPr lvl="2"/>
-            <a:r>
-              <a:rPr lang="en-US" dirty="0"/>
-              <a:t>Important to know if we are interested in known the severity and fatality of the disease</a:t>
-            </a:r>
-          </a:p>
-          <a:p>
-            <a:pPr lvl="1"/>
-            <a:r>
-              <a:rPr lang="en-US" dirty="0"/>
-              <a:t>Do we aim to measure </a:t>
-            </a:r>
-            <a:r>
-              <a:rPr lang="en-US" b="1" dirty="0"/>
-              <a:t>mortality changes relative to a “regular” year</a:t>
-            </a:r>
-            <a:r>
-              <a:rPr lang="en-US" dirty="0"/>
-              <a:t>?</a:t>
-            </a:r>
-          </a:p>
-          <a:p>
-            <a:pPr lvl="2"/>
-            <a:r>
-              <a:rPr lang="en-US" dirty="0"/>
-              <a:t>Important to know if we are interested in adjusting mortality and population estimates</a:t>
-            </a:r>
-          </a:p>
-          <a:p>
-            <a:pPr lvl="1"/>
-            <a:endParaRPr lang="en-US" dirty="0"/>
-          </a:p>
-          <a:p>
-            <a:pPr lvl="1"/>
-            <a:r>
-              <a:rPr lang="en-US" dirty="0"/>
-              <a:t>Most available “COVID mortality estimates” follow the second approach</a:t>
-            </a:r>
-          </a:p>
-          <a:p>
-            <a:pPr lvl="2"/>
-            <a:endParaRPr lang="en-US" dirty="0"/>
-          </a:p>
-        </p:txBody>
-      </p:sp>
-      <p:sp>
-        <p:nvSpPr>
-          <p:cNvPr id="4" name="Title 1">
-            <a:extLst>
-              <a:ext uri="{FF2B5EF4-FFF2-40B4-BE49-F238E27FC236}">
-                <a16:creationId xmlns:a16="http://schemas.microsoft.com/office/drawing/2014/main" id="{DC46E228-8C17-45CD-86DE-C0BF03BCC47D}"/>
-              </a:ext>
-            </a:extLst>
-          </p:cNvPr>
-          <p:cNvSpPr txBox="1">
-            <a:spLocks/>
-          </p:cNvSpPr>
-          <p:nvPr/>
-        </p:nvSpPr>
-        <p:spPr>
-          <a:xfrm>
-            <a:off x="1199455" y="531952"/>
-            <a:ext cx="9369153" cy="1143000"/>
-          </a:xfrm>
-          <a:prstGeom prst="rect">
-            <a:avLst/>
-          </a:prstGeom>
-        </p:spPr>
-        <p:txBody>
-          <a:bodyPr vert="horz" lIns="91440" tIns="45720" rIns="91440" bIns="45720" rtlCol="0" anchor="ctr">
-            <a:normAutofit fontScale="92500" lnSpcReduction="20000"/>
-          </a:bodyPr>
-          <a:lstStyle>
-            <a:lvl1pPr algn="ctr" defTabSz="914400" rtl="0" eaLnBrk="1" latinLnBrk="0" hangingPunct="1">
-              <a:spcBef>
-                <a:spcPct val="0"/>
-              </a:spcBef>
-              <a:buNone/>
-              <a:defRPr sz="4400" kern="1200">
-                <a:solidFill>
-                  <a:schemeClr val="tx1"/>
-                </a:solidFill>
-                <a:latin typeface="+mj-lt"/>
-                <a:ea typeface="+mj-ea"/>
-                <a:cs typeface="+mj-cs"/>
-              </a:defRPr>
-            </a:lvl1pPr>
-          </a:lstStyle>
-          <a:p>
-            <a:pPr algn="l"/>
-            <a:r>
-              <a:rPr lang="en-US" b="1" dirty="0"/>
-              <a:t>A few conceptual challenges in measuring excess mortality</a:t>
-            </a:r>
-          </a:p>
-        </p:txBody>
-      </p:sp>
-    </p:spTree>
-    <p:extLst>
-      <p:ext uri="{BB962C8B-B14F-4D97-AF65-F5344CB8AC3E}">
-        <p14:creationId xmlns:p14="http://schemas.microsoft.com/office/powerpoint/2010/main" val="1866298208"/>
-      </p:ext>
-    </p:extLst>
-  </p:cSld>
-  <p:clrMapOvr>
-    <a:masterClrMapping/>
-  </p:clrMapOvr>
+  <p:timing>
+    <p:tnLst>
+      <p:par>
+        <p:cTn id="1" dur="indefinite" restart="never" nodeType="tmRoot"/>
+      </p:par>
+    </p:tnLst>
+  </p:timing>
 </p:sld>
 </file>
 
@@ -5372,78 +5300,99 @@
         </p:spPr>
         <p:txBody>
           <a:bodyPr>
-            <a:normAutofit fontScale="92500" lnSpcReduction="10000"/>
+            <a:normAutofit fontScale="92500"/>
           </a:bodyPr>
           <a:lstStyle/>
           <a:p>
-            <a:pPr lvl="0"/>
+            <a:pPr marL="0" indent="0">
+              <a:buNone/>
+            </a:pPr>
             <a:r>
               <a:rPr lang="en-US" dirty="0"/>
-              <a:t>Time resolution</a:t>
+              <a:t>Accounting or not for processes as </a:t>
+            </a:r>
+            <a:r>
+              <a:rPr lang="en-US" i="1" dirty="0"/>
+              <a:t>avoided mortality</a:t>
+            </a:r>
+            <a:r>
+              <a:rPr lang="en-US" dirty="0"/>
+              <a:t> and </a:t>
+            </a:r>
+            <a:r>
+              <a:rPr lang="en-US" i="1" dirty="0"/>
+              <a:t>mortality displacement</a:t>
+            </a:r>
+            <a:r>
+              <a:rPr lang="en-US" dirty="0"/>
+              <a:t>?</a:t>
+            </a:r>
+          </a:p>
+          <a:p>
+            <a:r>
+              <a:rPr lang="en-US" dirty="0"/>
+              <a:t>Not straightforward answer… it depends:</a:t>
             </a:r>
           </a:p>
           <a:p>
             <a:pPr lvl="1"/>
             <a:r>
               <a:rPr lang="en-US" dirty="0"/>
-              <a:t>Does it make a difference to use annual, monthly, weekly mortality?</a:t>
+              <a:t>Do we aim to measure </a:t>
+            </a:r>
+            <a:r>
+              <a:rPr lang="en-US" b="1" dirty="0"/>
+              <a:t>COVID-related mortality</a:t>
+            </a:r>
+            <a:r>
+              <a:rPr lang="en-US" dirty="0"/>
+              <a:t>?</a:t>
             </a:r>
           </a:p>
           <a:p>
             <a:pPr lvl="2"/>
             <a:r>
               <a:rPr lang="en-US" dirty="0"/>
-              <a:t>Not too much, unless you want to adjust for avoided and displaced mortality</a:t>
-            </a:r>
-          </a:p>
-          <a:p>
-            <a:pPr lvl="0"/>
+              <a:t>Important to know if we are interested in known the severity and fatality of the disease</a:t>
+            </a:r>
+          </a:p>
+          <a:p>
+            <a:pPr lvl="1"/>
             <a:r>
               <a:rPr lang="en-US" dirty="0"/>
-              <a:t>Training period</a:t>
-            </a:r>
-          </a:p>
-          <a:p>
-            <a:pPr lvl="1"/>
+              <a:t>Do we aim to measure </a:t>
+            </a:r>
+            <a:r>
+              <a:rPr lang="en-US" b="1" dirty="0"/>
+              <a:t>mortality changes relative to a “regular” year</a:t>
+            </a:r>
             <a:r>
               <a:rPr lang="en-US" dirty="0"/>
-              <a:t>How many years to take in consideration for constructing the baseline?</a:t>
+              <a:t>?</a:t>
             </a:r>
           </a:p>
           <a:p>
             <a:pPr lvl="2"/>
             <a:r>
               <a:rPr lang="en-US" dirty="0"/>
-              <a:t>Estimates are highly sensitive to this, depending in the trend, of course</a:t>
-            </a:r>
-          </a:p>
-          <a:p>
-            <a:pPr lvl="2"/>
-            <a:r>
-              <a:rPr lang="en-US" dirty="0"/>
-              <a:t>Cross-validation of the model is sensible</a:t>
-            </a:r>
-          </a:p>
-          <a:p>
-            <a:r>
-              <a:rPr lang="en-US" dirty="0"/>
-              <a:t>Exposures</a:t>
-            </a:r>
-          </a:p>
-          <a:p>
-            <a:pPr lvl="1"/>
-            <a:r>
-              <a:rPr lang="en-US" dirty="0"/>
-              <a:t>How exposures to risk change over the course of a long period shock of mortality as the COVID-19 pandemic? How do we account for excess deaths in the denominator? Kind of circularity… (?)</a:t>
-            </a:r>
-          </a:p>
-          <a:p>
-            <a:endParaRPr lang="en-US" dirty="0"/>
+              <a:t>Important to know if we are interested in adjusting mortality and population estimates</a:t>
+            </a:r>
           </a:p>
           <a:p>
             <a:pPr lvl="1"/>
             <a:endParaRPr lang="en-US" dirty="0"/>
           </a:p>
+          <a:p>
+            <a:pPr lvl="1"/>
+            <a:r>
+              <a:rPr lang="en-US" dirty="0"/>
+              <a:t>Most available “COVID mortality estimates” follow the second approach</a:t>
+            </a:r>
+          </a:p>
+          <a:p>
+            <a:pPr lvl="2"/>
+            <a:endParaRPr lang="en-US" dirty="0"/>
+          </a:p>
         </p:txBody>
       </p:sp>
       <p:sp>
@@ -5451,7 +5400,7 @@
           <p:cNvPr id="4" name="Title 1">
             <a:extLst>
               <a:ext uri="{FF2B5EF4-FFF2-40B4-BE49-F238E27FC236}">
-                <a16:creationId xmlns:a16="http://schemas.microsoft.com/office/drawing/2014/main" id="{DC46E228-8C17-45CD-86DE-C0BF03BCC47D}"/>
+                <a16:creationId xmlns:a16="http://schemas.microsoft.com/office/drawing/2014/main" xmlns="" id="{DC46E228-8C17-45CD-86DE-C0BF03BCC47D}"/>
               </a:ext>
             </a:extLst>
           </p:cNvPr>
@@ -5493,7 +5442,7 @@
             <a:pPr algn="l"/>
             <a:r>
               <a:rPr lang="en-US" b="1" dirty="0"/>
-              <a:t>A few methodological challenges in measuring excess mortality</a:t>
+              <a:t>A few conceptual challenges in measuring excess mortality</a:t>
             </a:r>
           </a:p>
         </p:txBody>
@@ -5501,13 +5450,20 @@
     </p:spTree>
     <p:extLst>
       <p:ext uri="{BB962C8B-B14F-4D97-AF65-F5344CB8AC3E}">
-        <p14:creationId xmlns:p14="http://schemas.microsoft.com/office/powerpoint/2010/main" val="211381477"/>
+        <p14:creationId xmlns:p14="http://schemas.microsoft.com/office/powerpoint/2010/main" val="1866298208"/>
       </p:ext>
     </p:extLst>
   </p:cSld>
   <p:clrMapOvr>
     <a:masterClrMapping/>
   </p:clrMapOvr>
+  <p:timing>
+    <p:tnLst>
+      <p:par>
+        <p:cTn id="1" dur="indefinite" restart="never" nodeType="tmRoot"/>
+      </p:par>
+    </p:tnLst>
+  </p:timing>
 </p:sld>
 </file>
 
@@ -5550,68 +5506,73 @@
           </a:bodyPr>
           <a:lstStyle/>
           <a:p>
+            <a:pPr lvl="0"/>
             <a:r>
               <a:rPr lang="en-US" dirty="0"/>
-              <a:t>Parameterization of the model</a:t>
+              <a:t>Time resolution</a:t>
             </a:r>
           </a:p>
           <a:p>
             <a:pPr lvl="1"/>
             <a:r>
               <a:rPr lang="en-US" dirty="0"/>
-              <a:t>What type of parameter use for modeling the </a:t>
-            </a:r>
-            <a:r>
-              <a:rPr lang="en-US" b="1" dirty="0"/>
-              <a:t>secular trend</a:t>
-            </a:r>
+              <a:t>Does it make a difference to use annual, monthly, weekly mortality?</a:t>
+            </a:r>
+          </a:p>
+          <a:p>
+            <a:pPr lvl="2"/>
             <a:r>
               <a:rPr lang="en-US" dirty="0"/>
-              <a:t>? Is it preferable a more rigid (exponential curve) or flexible (spline) parameter?</a:t>
+              <a:t>Not too much, unless you want to adjust for avoided and displaced mortality</a:t>
+            </a:r>
+          </a:p>
+          <a:p>
+            <a:pPr lvl="0"/>
+            <a:r>
+              <a:rPr lang="en-US" dirty="0"/>
+              <a:t>Training period</a:t>
+            </a:r>
+          </a:p>
+          <a:p>
+            <a:pPr lvl="1"/>
+            <a:r>
+              <a:rPr lang="en-US" dirty="0"/>
+              <a:t>How many years to take in consideration for constructing the baseline?</a:t>
             </a:r>
           </a:p>
           <a:p>
             <a:pPr lvl="2"/>
             <a:r>
               <a:rPr lang="en-US" dirty="0"/>
-              <a:t>When interpolating (e.g., pandemics in the past), splines offer a great fitting and less arbitrary impositions</a:t>
+              <a:t>Estimates are highly sensitive to this, depending in the trend, of course</a:t>
             </a:r>
           </a:p>
           <a:p>
             <a:pPr lvl="2"/>
             <a:r>
               <a:rPr lang="en-US" dirty="0"/>
-              <a:t>When extrapolating (e.g., pandemics in development) splines are highly volatile, and might be preferable to constrain them strongly or impose a parametric shape for the secular trend</a:t>
+              <a:t>Cross-validation of the model is sensible</a:t>
+            </a:r>
+          </a:p>
+          <a:p>
+            <a:r>
+              <a:rPr lang="en-US" dirty="0"/>
+              <a:t>Exposures</a:t>
             </a:r>
           </a:p>
           <a:p>
             <a:pPr lvl="1"/>
             <a:r>
               <a:rPr lang="en-US" dirty="0"/>
-              <a:t>What about the </a:t>
-            </a:r>
-            <a:r>
-              <a:rPr lang="en-US" b="1" dirty="0"/>
-              <a:t>seasonality</a:t>
-            </a:r>
-            <a:r>
-              <a:rPr lang="en-US" dirty="0"/>
-              <a:t>?</a:t>
-            </a:r>
-          </a:p>
-          <a:p>
-            <a:pPr lvl="2"/>
-            <a:r>
-              <a:rPr lang="en-US" dirty="0"/>
-              <a:t>When building a baseline without influenza, preferable to impose more rigid parameter (e.g., sinusoidal curve)</a:t>
-            </a:r>
-          </a:p>
-          <a:p>
-            <a:pPr lvl="2"/>
-            <a:r>
-              <a:rPr lang="en-US" dirty="0"/>
-              <a:t>When building a baseline for a typical year, preferable to use a more flexible approach (e.g., cyclic splines)</a:t>
-            </a:r>
+              <a:t>How exposures to risk change over the course of a long period shock of mortality as the COVID-19 pandemic? How do we account for excess deaths in the denominator? Kind of circularity… (?)</a:t>
+            </a:r>
+          </a:p>
+          <a:p>
+            <a:endParaRPr lang="en-US" dirty="0"/>
+          </a:p>
+          <a:p>
+            <a:pPr lvl="1"/>
+            <a:endParaRPr lang="en-US" dirty="0"/>
           </a:p>
         </p:txBody>
       </p:sp>
@@ -5620,7 +5581,7 @@
           <p:cNvPr id="4" name="Title 1">
             <a:extLst>
               <a:ext uri="{FF2B5EF4-FFF2-40B4-BE49-F238E27FC236}">
-                <a16:creationId xmlns:a16="http://schemas.microsoft.com/office/drawing/2014/main" id="{DC46E228-8C17-45CD-86DE-C0BF03BCC47D}"/>
+                <a16:creationId xmlns:a16="http://schemas.microsoft.com/office/drawing/2014/main" xmlns="" id="{DC46E228-8C17-45CD-86DE-C0BF03BCC47D}"/>
               </a:ext>
             </a:extLst>
           </p:cNvPr>
@@ -5670,13 +5631,20 @@
     </p:spTree>
     <p:extLst>
       <p:ext uri="{BB962C8B-B14F-4D97-AF65-F5344CB8AC3E}">
-        <p14:creationId xmlns:p14="http://schemas.microsoft.com/office/powerpoint/2010/main" val="4010554561"/>
+        <p14:creationId xmlns:p14="http://schemas.microsoft.com/office/powerpoint/2010/main" val="211381477"/>
       </p:ext>
     </p:extLst>
   </p:cSld>
   <p:clrMapOvr>
     <a:masterClrMapping/>
   </p:clrMapOvr>
+  <p:timing>
+    <p:tnLst>
+      <p:par>
+        <p:cTn id="1" dur="indefinite" restart="never" nodeType="tmRoot"/>
+      </p:par>
+    </p:tnLst>
+  </p:timing>
 </p:sld>
 </file>
 
@@ -5709,42 +5677,87 @@
         </p:nvSpPr>
         <p:spPr>
           <a:xfrm>
-            <a:off x="941039" y="1292086"/>
-            <a:ext cx="10101034" cy="3962401"/>
+            <a:off x="1199456" y="1842051"/>
+            <a:ext cx="9505056" cy="3962401"/>
           </a:xfrm>
         </p:spPr>
         <p:txBody>
           <a:bodyPr>
-            <a:normAutofit/>
+            <a:normAutofit fontScale="92500" lnSpcReduction="10000"/>
           </a:bodyPr>
           <a:lstStyle/>
           <a:p>
             <a:r>
-              <a:rPr lang="en-US" sz="2800" dirty="0"/>
-              <a:t>Not limited to mortality</a:t>
-            </a:r>
-          </a:p>
-          <a:p>
-            <a:r>
               <a:rPr lang="en-US" dirty="0"/>
-              <a:t>Extendible to other demographic phenomena</a:t>
+              <a:t>Parameterization of the model</a:t>
             </a:r>
           </a:p>
           <a:p>
             <a:pPr lvl="1"/>
             <a:r>
               <a:rPr lang="en-US" dirty="0"/>
-              <a:t>E.g., analysis of the pandemic impact on fertility in Brazil and Colombia by socioeconomic status (Castro et al., 2023).</a:t>
-            </a:r>
-          </a:p>
-        </p:txBody>
-      </p:sp>
-      <p:sp>
-        <p:nvSpPr>
-          <p:cNvPr id="5" name="Title 1">
-            <a:extLst>
-              <a:ext uri="{FF2B5EF4-FFF2-40B4-BE49-F238E27FC236}">
-                <a16:creationId xmlns:a16="http://schemas.microsoft.com/office/drawing/2014/main" id="{F6D882FA-475A-4E48-A526-59B78DBD0925}"/>
+              <a:t>What type of parameter use for modeling the </a:t>
+            </a:r>
+            <a:r>
+              <a:rPr lang="en-US" b="1" dirty="0"/>
+              <a:t>secular trend</a:t>
+            </a:r>
+            <a:r>
+              <a:rPr lang="en-US" dirty="0"/>
+              <a:t>? Is it preferable a more rigid (exponential curve) or flexible (spline) parameter?</a:t>
+            </a:r>
+          </a:p>
+          <a:p>
+            <a:pPr lvl="2"/>
+            <a:r>
+              <a:rPr lang="en-US" dirty="0"/>
+              <a:t>When interpolating (e.g., pandemics in the past), splines offer a great fitting and less arbitrary impositions</a:t>
+            </a:r>
+          </a:p>
+          <a:p>
+            <a:pPr lvl="2"/>
+            <a:r>
+              <a:rPr lang="en-US" dirty="0"/>
+              <a:t>When extrapolating (e.g., pandemics in development) splines are highly volatile, and might be preferable to constrain them strongly or impose a parametric shape for the secular trend</a:t>
+            </a:r>
+          </a:p>
+          <a:p>
+            <a:pPr lvl="1"/>
+            <a:r>
+              <a:rPr lang="en-US" dirty="0"/>
+              <a:t>What about the </a:t>
+            </a:r>
+            <a:r>
+              <a:rPr lang="en-US" b="1" dirty="0"/>
+              <a:t>seasonality</a:t>
+            </a:r>
+            <a:r>
+              <a:rPr lang="en-US" dirty="0"/>
+              <a:t>?</a:t>
+            </a:r>
+          </a:p>
+          <a:p>
+            <a:pPr lvl="2"/>
+            <a:r>
+              <a:rPr lang="en-US" dirty="0"/>
+              <a:t>When building a baseline without influenza, preferable to impose more rigid parameter (e.g., sinusoidal curve)</a:t>
+            </a:r>
+          </a:p>
+          <a:p>
+            <a:pPr lvl="2"/>
+            <a:r>
+              <a:rPr lang="en-US" dirty="0"/>
+              <a:t>When building a baseline for a typical year, preferable to use a more flexible approach (e.g., cyclic splines)</a:t>
+            </a:r>
+          </a:p>
+        </p:txBody>
+      </p:sp>
+      <p:sp>
+        <p:nvSpPr>
+          <p:cNvPr id="4" name="Title 1">
+            <a:extLst>
+              <a:ext uri="{FF2B5EF4-FFF2-40B4-BE49-F238E27FC236}">
+                <a16:creationId xmlns:a16="http://schemas.microsoft.com/office/drawing/2014/main" xmlns="" id="{DC46E228-8C17-45CD-86DE-C0BF03BCC47D}"/>
               </a:ext>
             </a:extLst>
           </p:cNvPr>
@@ -5755,8 +5768,8 @@
         </p:nvSpPr>
         <p:spPr>
           <a:xfrm>
-            <a:off x="861392" y="236054"/>
-            <a:ext cx="8229600" cy="1143000"/>
+            <a:off x="1199455" y="531952"/>
+            <a:ext cx="9369153" cy="1143000"/>
           </a:xfrm>
           <a:prstGeom prst="rect">
             <a:avLst/>
@@ -5764,7 +5777,7 @@
         </p:spPr>
         <p:txBody>
           <a:bodyPr vert="horz" lIns="91440" tIns="45720" rIns="91440" bIns="45720" rtlCol="0" anchor="ctr">
-            <a:normAutofit/>
+            <a:normAutofit fontScale="92500" lnSpcReduction="20000"/>
           </a:bodyPr>
           <a:lstStyle>
             <a:lvl1pPr algn="ctr" defTabSz="914400" rtl="0" eaLnBrk="1" latinLnBrk="0" hangingPunct="1">
@@ -5786,113 +5799,28 @@
             <a:pPr algn="l"/>
             <a:r>
               <a:rPr lang="en-US" b="1" dirty="0"/>
-              <a:t>Other potential applications</a:t>
-            </a:r>
-          </a:p>
-        </p:txBody>
-      </p:sp>
-      <p:pic>
-        <p:nvPicPr>
-          <p:cNvPr id="4" name="image5.png">
-            <a:extLst>
-              <a:ext uri="{FF2B5EF4-FFF2-40B4-BE49-F238E27FC236}">
-                <a16:creationId xmlns:a16="http://schemas.microsoft.com/office/drawing/2014/main" id="{152FC0C9-DF46-44C8-86A6-CB4665AE3727}"/>
-              </a:ext>
-            </a:extLst>
-          </p:cNvPr>
-          <p:cNvPicPr/>
-          <p:nvPr/>
-        </p:nvPicPr>
-        <p:blipFill>
-          <a:blip r:embed="rId2"/>
-          <a:srcRect/>
-          <a:stretch>
-            <a:fillRect/>
-          </a:stretch>
-        </p:blipFill>
-        <p:spPr>
-          <a:xfrm>
-            <a:off x="1023730" y="2992507"/>
-            <a:ext cx="7199244" cy="3629439"/>
-          </a:xfrm>
-          <a:prstGeom prst="rect">
-            <a:avLst/>
-          </a:prstGeom>
-          <a:ln/>
-        </p:spPr>
-      </p:pic>
-      <p:sp>
-        <p:nvSpPr>
-          <p:cNvPr id="2" name="TextBox 1">
-            <a:extLst>
-              <a:ext uri="{FF2B5EF4-FFF2-40B4-BE49-F238E27FC236}">
-                <a16:creationId xmlns:a16="http://schemas.microsoft.com/office/drawing/2014/main" id="{327847B2-77FB-4DF7-B4CF-7766B4F49C58}"/>
-              </a:ext>
-            </a:extLst>
-          </p:cNvPr>
-          <p:cNvSpPr txBox="1"/>
-          <p:nvPr/>
-        </p:nvSpPr>
-        <p:spPr>
-          <a:xfrm>
-            <a:off x="8441635" y="3772729"/>
-            <a:ext cx="2809326" cy="2031325"/>
-          </a:xfrm>
-          <a:prstGeom prst="rect">
-            <a:avLst/>
-          </a:prstGeom>
-          <a:noFill/>
-        </p:spPr>
-        <p:txBody>
-          <a:bodyPr wrap="square" rtlCol="0">
-            <a:spAutoFit/>
-          </a:bodyPr>
-          <a:lstStyle/>
-          <a:p>
-            <a:r>
-              <a:rPr lang="en-US" dirty="0">
-                <a:solidFill>
-                  <a:srgbClr val="0070C0"/>
-                </a:solidFill>
-              </a:rPr>
-              <a:t>● predicted births based on trimester averages</a:t>
-            </a:r>
-          </a:p>
-          <a:p>
-            <a:endParaRPr lang="en-US" dirty="0">
-              <a:solidFill>
-                <a:srgbClr val="FF0000"/>
-              </a:solidFill>
-            </a:endParaRPr>
-          </a:p>
-          <a:p>
-            <a:r>
-              <a:rPr lang="en-US" dirty="0">
-                <a:solidFill>
-                  <a:srgbClr val="FF0000"/>
-                </a:solidFill>
-              </a:rPr>
-              <a:t>● predicted births based on Poisson model</a:t>
-            </a:r>
-          </a:p>
-          <a:p>
-            <a:endParaRPr lang="en-US" dirty="0"/>
-          </a:p>
-          <a:p>
-            <a:endParaRPr lang="en-US" dirty="0"/>
+              <a:t>A few methodological challenges in measuring excess mortality</a:t>
+            </a:r>
           </a:p>
         </p:txBody>
       </p:sp>
     </p:spTree>
     <p:extLst>
       <p:ext uri="{BB962C8B-B14F-4D97-AF65-F5344CB8AC3E}">
-        <p14:creationId xmlns:p14="http://schemas.microsoft.com/office/powerpoint/2010/main" val="3441370624"/>
+        <p14:creationId xmlns:p14="http://schemas.microsoft.com/office/powerpoint/2010/main" val="4010554561"/>
       </p:ext>
     </p:extLst>
   </p:cSld>
   <p:clrMapOvr>
     <a:masterClrMapping/>
   </p:clrMapOvr>
+  <p:timing>
+    <p:tnLst>
+      <p:par>
+        <p:cTn id="1" dur="indefinite" restart="never" nodeType="tmRoot"/>
+      </p:par>
+    </p:tnLst>
+  </p:timing>
 </p:sld>
 </file>
 
@@ -5918,7 +5846,7 @@
           <p:cNvPr id="2" name="Title 1">
             <a:extLst>
               <a:ext uri="{FF2B5EF4-FFF2-40B4-BE49-F238E27FC236}">
-                <a16:creationId xmlns:a16="http://schemas.microsoft.com/office/drawing/2014/main" id="{7C9DF14B-5499-442C-8370-84BF84438779}"/>
+                <a16:creationId xmlns:a16="http://schemas.microsoft.com/office/drawing/2014/main" xmlns="" id="{7C9DF14B-5499-442C-8370-84BF84438779}"/>
               </a:ext>
             </a:extLst>
           </p:cNvPr>
@@ -5946,7 +5874,7 @@
           <p:cNvPr id="3" name="Content Placeholder 2">
             <a:extLst>
               <a:ext uri="{FF2B5EF4-FFF2-40B4-BE49-F238E27FC236}">
-                <a16:creationId xmlns:a16="http://schemas.microsoft.com/office/drawing/2014/main" id="{9E2719A5-DD74-4359-BD38-864C8C66B135}"/>
+                <a16:creationId xmlns:a16="http://schemas.microsoft.com/office/drawing/2014/main" xmlns="" id="{9E2719A5-DD74-4359-BD38-864C8C66B135}"/>
               </a:ext>
             </a:extLst>
           </p:cNvPr>
@@ -5960,7 +5888,7 @@
         <p:spPr/>
         <p:txBody>
           <a:bodyPr>
-            <a:normAutofit fontScale="92500" lnSpcReduction="10000"/>
+            <a:normAutofit fontScale="92500" lnSpcReduction="20000"/>
           </a:bodyPr>
           <a:lstStyle/>
           <a:p>
@@ -6008,19 +5936,23 @@
           <a:p>
             <a:pPr lvl="2"/>
             <a:r>
+              <a:rPr lang="en-US" dirty="0" smtClean="0"/>
+              <a:t>Depends:</a:t>
+            </a:r>
+          </a:p>
+          <a:p>
+            <a:pPr lvl="2"/>
+            <a:r>
+              <a:rPr lang="en-US" dirty="0" smtClean="0"/>
+              <a:t>If </a:t>
+            </a:r>
+            <a:r>
               <a:rPr lang="en-US" dirty="0"/>
-              <a:t>It depends: </a:t>
-            </a:r>
-          </a:p>
-          <a:p>
-            <a:pPr lvl="3"/>
-            <a:r>
-              <a:rPr lang="en-US" dirty="0"/>
-              <a:t>If the mechanisms that are rooted as cohort effects are also related with mortality, we may be able to see them sometimes when analyzing mortality. E.g., wars, famines, pandemics, etc., at the origin of a adverse cohort effect.</a:t>
-            </a:r>
-          </a:p>
-          <a:p>
-            <a:pPr lvl="3"/>
+              <a:t>the mechanisms that are rooted as cohort effects are also related with mortality, we may be able to see them sometimes when analyzing mortality. E.g., wars, famines, pandemics, etc., at the origin of a adverse cohort effect.</a:t>
+            </a:r>
+          </a:p>
+          <a:p>
+            <a:pPr lvl="2"/>
             <a:r>
               <a:rPr lang="en-US" dirty="0"/>
               <a:t>If the mechanisms are not strictly related with mortality, they are not noticeable when looking at death rates. E.g., contraction of the labor market when a cohort is entering in adulthood. We </a:t>
@@ -6097,15 +6029,33 @@
                                   </p:childTnLst>
                                 </p:cTn>
                               </p:par>
+                            </p:childTnLst>
+                          </p:cTn>
+                        </p:par>
+                      </p:childTnLst>
+                    </p:cTn>
+                  </p:par>
+                  <p:par>
+                    <p:cTn id="7" fill="hold">
+                      <p:stCondLst>
+                        <p:cond delay="indefinite"/>
+                      </p:stCondLst>
+                      <p:childTnLst>
+                        <p:par>
+                          <p:cTn id="8" fill="hold">
+                            <p:stCondLst>
+                              <p:cond delay="0"/>
+                            </p:stCondLst>
+                            <p:childTnLst>
                               <p:par>
-                                <p:cTn id="7" presetID="1" presetClass="entr" presetSubtype="0" fill="hold" nodeType="withEffect">
+                                <p:cTn id="9" presetID="1" presetClass="entr" presetSubtype="0" fill="hold" nodeType="clickEffect">
                                   <p:stCondLst>
                                     <p:cond delay="0"/>
                                   </p:stCondLst>
                                   <p:childTnLst>
                                     <p:set>
                                       <p:cBhvr>
-                                        <p:cTn id="8" dur="1" fill="hold">
+                                        <p:cTn id="10" dur="1" fill="hold">
                                           <p:stCondLst>
                                             <p:cond delay="0"/>
                                           </p:stCondLst>
@@ -6129,14 +6079,14 @@
                                 </p:cTn>
                               </p:par>
                               <p:par>
-                                <p:cTn id="9" presetID="1" presetClass="entr" presetSubtype="0" fill="hold" nodeType="withEffect">
+                                <p:cTn id="11" presetID="1" presetClass="entr" presetSubtype="0" fill="hold" nodeType="withEffect">
                                   <p:stCondLst>
                                     <p:cond delay="0"/>
                                   </p:stCondLst>
                                   <p:childTnLst>
                                     <p:set>
                                       <p:cBhvr>
-                                        <p:cTn id="10" dur="1" fill="hold">
+                                        <p:cTn id="12" dur="1" fill="hold">
                                           <p:stCondLst>
                                             <p:cond delay="0"/>
                                           </p:stCondLst>
@@ -6160,14 +6110,14 @@
                                 </p:cTn>
                               </p:par>
                               <p:par>
-                                <p:cTn id="11" presetID="1" presetClass="entr" presetSubtype="0" fill="hold" nodeType="withEffect">
+                                <p:cTn id="13" presetID="1" presetClass="entr" presetSubtype="0" fill="hold" nodeType="withEffect">
                                   <p:stCondLst>
                                     <p:cond delay="0"/>
                                   </p:stCondLst>
                                   <p:childTnLst>
                                     <p:set>
                                       <p:cBhvr>
-                                        <p:cTn id="12" dur="1" fill="hold">
+                                        <p:cTn id="14" dur="1" fill="hold">
                                           <p:stCondLst>
                                             <p:cond delay="0"/>
                                           </p:stCondLst>
@@ -6240,10 +6190,233 @@
       </p:grpSpPr>
       <p:sp>
         <p:nvSpPr>
+          <p:cNvPr id="3" name="Content Placeholder 2"/>
+          <p:cNvSpPr>
+            <a:spLocks noGrp="1"/>
+          </p:cNvSpPr>
+          <p:nvPr>
+            <p:ph idx="1"/>
+          </p:nvPr>
+        </p:nvSpPr>
+        <p:spPr>
+          <a:xfrm>
+            <a:off x="941039" y="1292086"/>
+            <a:ext cx="10101034" cy="3962401"/>
+          </a:xfrm>
+        </p:spPr>
+        <p:txBody>
+          <a:bodyPr>
+            <a:normAutofit/>
+          </a:bodyPr>
+          <a:lstStyle/>
+          <a:p>
+            <a:r>
+              <a:rPr lang="en-US" sz="2800" dirty="0"/>
+              <a:t>Not limited to mortality</a:t>
+            </a:r>
+          </a:p>
+          <a:p>
+            <a:r>
+              <a:rPr lang="en-US" dirty="0"/>
+              <a:t>Extendible to other demographic phenomena</a:t>
+            </a:r>
+          </a:p>
+          <a:p>
+            <a:pPr lvl="1"/>
+            <a:r>
+              <a:rPr lang="en-US" dirty="0"/>
+              <a:t>E.g., analysis of the pandemic impact on fertility in Brazil and Colombia by socioeconomic status (Castro et al., 2023).</a:t>
+            </a:r>
+          </a:p>
+        </p:txBody>
+      </p:sp>
+      <p:sp>
+        <p:nvSpPr>
+          <p:cNvPr id="5" name="Title 1">
+            <a:extLst>
+              <a:ext uri="{FF2B5EF4-FFF2-40B4-BE49-F238E27FC236}">
+                <a16:creationId xmlns:a16="http://schemas.microsoft.com/office/drawing/2014/main" xmlns="" id="{F6D882FA-475A-4E48-A526-59B78DBD0925}"/>
+              </a:ext>
+            </a:extLst>
+          </p:cNvPr>
+          <p:cNvSpPr txBox="1">
+            <a:spLocks/>
+          </p:cNvSpPr>
+          <p:nvPr/>
+        </p:nvSpPr>
+        <p:spPr>
+          <a:xfrm>
+            <a:off x="861392" y="236054"/>
+            <a:ext cx="8229600" cy="1143000"/>
+          </a:xfrm>
+          <a:prstGeom prst="rect">
+            <a:avLst/>
+          </a:prstGeom>
+        </p:spPr>
+        <p:txBody>
+          <a:bodyPr vert="horz" lIns="91440" tIns="45720" rIns="91440" bIns="45720" rtlCol="0" anchor="ctr">
+            <a:normAutofit/>
+          </a:bodyPr>
+          <a:lstStyle>
+            <a:lvl1pPr algn="ctr" defTabSz="914400" rtl="0" eaLnBrk="1" latinLnBrk="0" hangingPunct="1">
+              <a:spcBef>
+                <a:spcPct val="0"/>
+              </a:spcBef>
+              <a:buNone/>
+              <a:defRPr sz="4400" kern="1200">
+                <a:solidFill>
+                  <a:schemeClr val="tx1"/>
+                </a:solidFill>
+                <a:latin typeface="+mj-lt"/>
+                <a:ea typeface="+mj-ea"/>
+                <a:cs typeface="+mj-cs"/>
+              </a:defRPr>
+            </a:lvl1pPr>
+          </a:lstStyle>
+          <a:p>
+            <a:pPr algn="l"/>
+            <a:r>
+              <a:rPr lang="en-US" b="1" dirty="0"/>
+              <a:t>Other potential applications</a:t>
+            </a:r>
+          </a:p>
+        </p:txBody>
+      </p:sp>
+      <p:pic>
+        <p:nvPicPr>
+          <p:cNvPr id="4" name="image5.png">
+            <a:extLst>
+              <a:ext uri="{FF2B5EF4-FFF2-40B4-BE49-F238E27FC236}">
+                <a16:creationId xmlns:a16="http://schemas.microsoft.com/office/drawing/2014/main" xmlns="" id="{152FC0C9-DF46-44C8-86A6-CB4665AE3727}"/>
+              </a:ext>
+            </a:extLst>
+          </p:cNvPr>
+          <p:cNvPicPr/>
+          <p:nvPr/>
+        </p:nvPicPr>
+        <p:blipFill>
+          <a:blip r:embed="rId2"/>
+          <a:srcRect/>
+          <a:stretch>
+            <a:fillRect/>
+          </a:stretch>
+        </p:blipFill>
+        <p:spPr>
+          <a:xfrm>
+            <a:off x="1023730" y="2992507"/>
+            <a:ext cx="7199244" cy="3629439"/>
+          </a:xfrm>
+          <a:prstGeom prst="rect">
+            <a:avLst/>
+          </a:prstGeom>
+          <a:ln/>
+        </p:spPr>
+      </p:pic>
+      <p:sp>
+        <p:nvSpPr>
+          <p:cNvPr id="2" name="TextBox 1">
+            <a:extLst>
+              <a:ext uri="{FF2B5EF4-FFF2-40B4-BE49-F238E27FC236}">
+                <a16:creationId xmlns:a16="http://schemas.microsoft.com/office/drawing/2014/main" xmlns="" id="{327847B2-77FB-4DF7-B4CF-7766B4F49C58}"/>
+              </a:ext>
+            </a:extLst>
+          </p:cNvPr>
+          <p:cNvSpPr txBox="1"/>
+          <p:nvPr/>
+        </p:nvSpPr>
+        <p:spPr>
+          <a:xfrm>
+            <a:off x="8441635" y="3772729"/>
+            <a:ext cx="2809326" cy="2031325"/>
+          </a:xfrm>
+          <a:prstGeom prst="rect">
+            <a:avLst/>
+          </a:prstGeom>
+          <a:noFill/>
+        </p:spPr>
+        <p:txBody>
+          <a:bodyPr wrap="square" rtlCol="0">
+            <a:spAutoFit/>
+          </a:bodyPr>
+          <a:lstStyle/>
+          <a:p>
+            <a:r>
+              <a:rPr lang="en-US" dirty="0">
+                <a:solidFill>
+                  <a:srgbClr val="0070C0"/>
+                </a:solidFill>
+              </a:rPr>
+              <a:t>● predicted births based on trimester averages</a:t>
+            </a:r>
+          </a:p>
+          <a:p>
+            <a:endParaRPr lang="en-US" dirty="0">
+              <a:solidFill>
+                <a:srgbClr val="FF0000"/>
+              </a:solidFill>
+            </a:endParaRPr>
+          </a:p>
+          <a:p>
+            <a:r>
+              <a:rPr lang="en-US" dirty="0">
+                <a:solidFill>
+                  <a:srgbClr val="FF0000"/>
+                </a:solidFill>
+              </a:rPr>
+              <a:t>● predicted births based on Poisson model</a:t>
+            </a:r>
+          </a:p>
+          <a:p>
+            <a:endParaRPr lang="en-US" dirty="0"/>
+          </a:p>
+          <a:p>
+            <a:endParaRPr lang="en-US" dirty="0"/>
+          </a:p>
+        </p:txBody>
+      </p:sp>
+    </p:spTree>
+    <p:extLst>
+      <p:ext uri="{BB962C8B-B14F-4D97-AF65-F5344CB8AC3E}">
+        <p14:creationId xmlns:p14="http://schemas.microsoft.com/office/powerpoint/2010/main" val="3441370624"/>
+      </p:ext>
+    </p:extLst>
+  </p:cSld>
+  <p:clrMapOvr>
+    <a:masterClrMapping/>
+  </p:clrMapOvr>
+  <p:timing>
+    <p:tnLst>
+      <p:par>
+        <p:cTn id="1" dur="indefinite" restart="never" nodeType="tmRoot"/>
+      </p:par>
+    </p:tnLst>
+  </p:timing>
+</p:sld>
+</file>
+
+<file path=ppt/slides/slide21.xml><?xml version="1.0" encoding="utf-8"?>
+<p:sld xmlns:a="http://schemas.openxmlformats.org/drawingml/2006/main" xmlns:r="http://schemas.openxmlformats.org/officeDocument/2006/relationships" xmlns:p="http://schemas.openxmlformats.org/presentationml/2006/main">
+  <p:cSld>
+    <p:spTree>
+      <p:nvGrpSpPr>
+        <p:cNvPr id="1" name=""/>
+        <p:cNvGrpSpPr/>
+        <p:nvPr/>
+      </p:nvGrpSpPr>
+      <p:grpSpPr>
+        <a:xfrm>
+          <a:off x="0" y="0"/>
+          <a:ext cx="0" cy="0"/>
+          <a:chOff x="0" y="0"/>
+          <a:chExt cx="0" cy="0"/>
+        </a:xfrm>
+      </p:grpSpPr>
+      <p:sp>
+        <p:nvSpPr>
           <p:cNvPr id="2" name="Title 1">
             <a:extLst>
               <a:ext uri="{FF2B5EF4-FFF2-40B4-BE49-F238E27FC236}">
-                <a16:creationId xmlns:a16="http://schemas.microsoft.com/office/drawing/2014/main" id="{C7747F3C-CE5B-43A5-8BDE-A8FB5D01F5F6}"/>
+                <a16:creationId xmlns:a16="http://schemas.microsoft.com/office/drawing/2014/main" xmlns="" id="{C7747F3C-CE5B-43A5-8BDE-A8FB5D01F5F6}"/>
               </a:ext>
             </a:extLst>
           </p:cNvPr>
@@ -6271,7 +6444,7 @@
           <p:cNvPr id="3" name="Content Placeholder 2">
             <a:extLst>
               <a:ext uri="{FF2B5EF4-FFF2-40B4-BE49-F238E27FC236}">
-                <a16:creationId xmlns:a16="http://schemas.microsoft.com/office/drawing/2014/main" id="{4E4E7E7F-0767-454E-ABFB-D0B5BC39816B}"/>
+                <a16:creationId xmlns:a16="http://schemas.microsoft.com/office/drawing/2014/main" xmlns="" id="{4E4E7E7F-0767-454E-ABFB-D0B5BC39816B}"/>
               </a:ext>
             </a:extLst>
           </p:cNvPr>
@@ -6304,6 +6477,13 @@
   <p:clrMapOvr>
     <a:masterClrMapping/>
   </p:clrMapOvr>
+  <p:timing>
+    <p:tnLst>
+      <p:par>
+        <p:cTn id="1" dur="indefinite" restart="never" nodeType="tmRoot"/>
+      </p:par>
+    </p:tnLst>
+  </p:timing>
 </p:sld>
 </file>
 
@@ -6329,7 +6509,7 @@
           <p:cNvPr id="2" name="Title 1">
             <a:extLst>
               <a:ext uri="{FF2B5EF4-FFF2-40B4-BE49-F238E27FC236}">
-                <a16:creationId xmlns:a16="http://schemas.microsoft.com/office/drawing/2014/main" id="{2D7BA354-2B69-4CBF-A440-4572C3C4F7F6}"/>
+                <a16:creationId xmlns:a16="http://schemas.microsoft.com/office/drawing/2014/main" xmlns="" id="{2D7BA354-2B69-4CBF-A440-4572C3C4F7F6}"/>
               </a:ext>
             </a:extLst>
           </p:cNvPr>
@@ -6369,6 +6549,13 @@
   <p:clrMapOvr>
     <a:masterClrMapping/>
   </p:clrMapOvr>
+  <p:timing>
+    <p:tnLst>
+      <p:par>
+        <p:cTn id="1" dur="indefinite" restart="never" nodeType="tmRoot"/>
+      </p:par>
+    </p:tnLst>
+  </p:timing>
 </p:sld>
 </file>
 
@@ -6401,7 +6588,7 @@
         </p:nvSpPr>
         <p:spPr>
           <a:xfrm>
-            <a:off x="1199456" y="1842051"/>
+            <a:off x="1199456" y="1555682"/>
             <a:ext cx="9505056" cy="4359966"/>
           </a:xfrm>
         </p:spPr>
@@ -6505,7 +6692,7 @@
           <p:cNvPr id="5" name="Title 1">
             <a:extLst>
               <a:ext uri="{FF2B5EF4-FFF2-40B4-BE49-F238E27FC236}">
-                <a16:creationId xmlns:a16="http://schemas.microsoft.com/office/drawing/2014/main" id="{F6D882FA-475A-4E48-A526-59B78DBD0925}"/>
+                <a16:creationId xmlns:a16="http://schemas.microsoft.com/office/drawing/2014/main" xmlns="" id="{F6D882FA-475A-4E48-A526-59B78DBD0925}"/>
               </a:ext>
             </a:extLst>
           </p:cNvPr>
@@ -6944,7 +7131,7 @@
           <p:cNvPr id="5" name="Title 1">
             <a:extLst>
               <a:ext uri="{FF2B5EF4-FFF2-40B4-BE49-F238E27FC236}">
-                <a16:creationId xmlns:a16="http://schemas.microsoft.com/office/drawing/2014/main" id="{F6D882FA-475A-4E48-A526-59B78DBD0925}"/>
+                <a16:creationId xmlns:a16="http://schemas.microsoft.com/office/drawing/2014/main" xmlns="" id="{F6D882FA-475A-4E48-A526-59B78DBD0925}"/>
               </a:ext>
             </a:extLst>
           </p:cNvPr>
@@ -6996,7 +7183,7 @@
           <p:cNvPr id="1026" name="Picture 2" descr="Fig. 1">
             <a:extLst>
               <a:ext uri="{FF2B5EF4-FFF2-40B4-BE49-F238E27FC236}">
-                <a16:creationId xmlns:a16="http://schemas.microsoft.com/office/drawing/2014/main" id="{CF2D8FF1-9FAC-4E24-A5BC-8A52C1C7D5EB}"/>
+                <a16:creationId xmlns:a16="http://schemas.microsoft.com/office/drawing/2014/main" xmlns="" id="{CF2D8FF1-9FAC-4E24-A5BC-8A52C1C7D5EB}"/>
               </a:ext>
             </a:extLst>
           </p:cNvPr>
@@ -7006,7 +7193,7 @@
           <p:nvPr/>
         </p:nvPicPr>
         <p:blipFill>
-          <a:blip r:embed="rId2">
+          <a:blip r:embed="rId2" cstate="print">
             <a:extLst>
               <a:ext uri="{28A0092B-C50C-407E-A947-70E740481C1C}">
                 <a14:useLocalDpi xmlns:a14="http://schemas.microsoft.com/office/drawing/2010/main" val="0"/>
@@ -7043,7 +7230,7 @@
           <p:cNvPr id="6" name="Content Placeholder 2">
             <a:extLst>
               <a:ext uri="{FF2B5EF4-FFF2-40B4-BE49-F238E27FC236}">
-                <a16:creationId xmlns:a16="http://schemas.microsoft.com/office/drawing/2014/main" id="{BB89BEAC-0ECF-4E43-BF53-34078C87C3CB}"/>
+                <a16:creationId xmlns:a16="http://schemas.microsoft.com/office/drawing/2014/main" xmlns="" id="{BB89BEAC-0ECF-4E43-BF53-34078C87C3CB}"/>
               </a:ext>
             </a:extLst>
           </p:cNvPr>
@@ -7559,7 +7746,7 @@
           <p:cNvPr id="5" name="Title 1">
             <a:extLst>
               <a:ext uri="{FF2B5EF4-FFF2-40B4-BE49-F238E27FC236}">
-                <a16:creationId xmlns:a16="http://schemas.microsoft.com/office/drawing/2014/main" id="{F6D882FA-475A-4E48-A526-59B78DBD0925}"/>
+                <a16:creationId xmlns:a16="http://schemas.microsoft.com/office/drawing/2014/main" xmlns="" id="{F6D882FA-475A-4E48-A526-59B78DBD0925}"/>
               </a:ext>
             </a:extLst>
           </p:cNvPr>
@@ -7616,6 +7803,13 @@
   <p:clrMapOvr>
     <a:masterClrMapping/>
   </p:clrMapOvr>
+  <p:timing>
+    <p:tnLst>
+      <p:par>
+        <p:cTn id="1" dur="indefinite" restart="never" nodeType="tmRoot"/>
+      </p:par>
+    </p:tnLst>
+  </p:timing>
 </p:sld>
 </file>
 
@@ -7636,8 +7830,236 @@
           <a:chExt cx="0" cy="0"/>
         </a:xfrm>
       </p:grpSpPr>
-      <mc:AlternateContent xmlns:mc="http://schemas.openxmlformats.org/markup-compatibility/2006" xmlns:a14="http://schemas.microsoft.com/office/drawing/2010/main">
-        <mc:Choice Requires="a14">
+      <p:pic>
+        <p:nvPicPr>
+          <p:cNvPr id="2" name="Picture 1"/>
+          <p:cNvPicPr>
+            <a:picLocks noChangeAspect="1"/>
+          </p:cNvPicPr>
+          <p:nvPr/>
+        </p:nvPicPr>
+        <p:blipFill>
+          <a:blip r:embed="rId2" cstate="print">
+            <a:extLst>
+              <a:ext uri="{28A0092B-C50C-407E-A947-70E740481C1C}">
+                <a14:useLocalDpi xmlns:a14="http://schemas.microsoft.com/office/drawing/2010/main" val="0"/>
+              </a:ext>
+            </a:extLst>
+          </a:blip>
+          <a:stretch>
+            <a:fillRect/>
+          </a:stretch>
+        </p:blipFill>
+        <p:spPr>
+          <a:xfrm>
+            <a:off x="1327343" y="3180006"/>
+            <a:ext cx="8643055" cy="3022830"/>
+          </a:xfrm>
+          <a:prstGeom prst="rect">
+            <a:avLst/>
+          </a:prstGeom>
+        </p:spPr>
+      </p:pic>
+      <p:sp>
+        <p:nvSpPr>
+          <p:cNvPr id="3" name="Content Placeholder 2"/>
+          <p:cNvSpPr>
+            <a:spLocks noGrp="1"/>
+          </p:cNvSpPr>
+          <p:nvPr>
+            <p:ph idx="1"/>
+          </p:nvPr>
+        </p:nvSpPr>
+        <p:spPr>
+          <a:xfrm>
+            <a:off x="1199456" y="1842051"/>
+            <a:ext cx="9505056" cy="3962401"/>
+          </a:xfrm>
+        </p:spPr>
+        <p:txBody>
+          <a:bodyPr>
+            <a:normAutofit/>
+          </a:bodyPr>
+          <a:lstStyle/>
+          <a:p>
+            <a:r>
+              <a:rPr lang="en-US" sz="2800" dirty="0"/>
+              <a:t>Practical example: COVID-19 in </a:t>
+            </a:r>
+            <a:r>
+              <a:rPr lang="en-US" sz="2800" dirty="0" smtClean="0"/>
+              <a:t>the US</a:t>
+            </a:r>
+            <a:endParaRPr lang="en-US" sz="2800" dirty="0"/>
+          </a:p>
+          <a:p>
+            <a:pPr lvl="1"/>
+            <a:r>
+              <a:rPr lang="en-US" dirty="0"/>
+              <a:t>Weekly deaths from the STMF between </a:t>
+            </a:r>
+            <a:r>
+              <a:rPr lang="en-US" dirty="0" smtClean="0"/>
+              <a:t>2015 </a:t>
+            </a:r>
+            <a:r>
+              <a:rPr lang="en-US" dirty="0"/>
+              <a:t>and 2022 for all sexes and ages</a:t>
+            </a:r>
+          </a:p>
+        </p:txBody>
+      </p:sp>
+      <p:sp>
+        <p:nvSpPr>
+          <p:cNvPr id="5" name="Title 1">
+            <a:extLst>
+              <a:ext uri="{FF2B5EF4-FFF2-40B4-BE49-F238E27FC236}">
+                <a16:creationId xmlns:a16="http://schemas.microsoft.com/office/drawing/2014/main" xmlns="" id="{F6D882FA-475A-4E48-A526-59B78DBD0925}"/>
+              </a:ext>
+            </a:extLst>
+          </p:cNvPr>
+          <p:cNvSpPr txBox="1">
+            <a:spLocks/>
+          </p:cNvSpPr>
+          <p:nvPr/>
+        </p:nvSpPr>
+        <p:spPr>
+          <a:xfrm>
+            <a:off x="1199456" y="531952"/>
+            <a:ext cx="8229600" cy="1143000"/>
+          </a:xfrm>
+          <a:prstGeom prst="rect">
+            <a:avLst/>
+          </a:prstGeom>
+        </p:spPr>
+        <p:txBody>
+          <a:bodyPr vert="horz" lIns="91440" tIns="45720" rIns="91440" bIns="45720" rtlCol="0" anchor="ctr">
+            <a:normAutofit fontScale="92500" lnSpcReduction="20000"/>
+          </a:bodyPr>
+          <a:lstStyle>
+            <a:lvl1pPr algn="ctr" defTabSz="914400" rtl="0" eaLnBrk="1" latinLnBrk="0" hangingPunct="1">
+              <a:spcBef>
+                <a:spcPct val="0"/>
+              </a:spcBef>
+              <a:buNone/>
+              <a:defRPr sz="4400" kern="1200">
+                <a:solidFill>
+                  <a:schemeClr val="tx1"/>
+                </a:solidFill>
+                <a:latin typeface="+mj-lt"/>
+                <a:ea typeface="+mj-ea"/>
+                <a:cs typeface="+mj-cs"/>
+              </a:defRPr>
+            </a:lvl1pPr>
+          </a:lstStyle>
+          <a:p>
+            <a:pPr algn="l"/>
+            <a:r>
+              <a:rPr lang="en-US" b="1" dirty="0"/>
+              <a:t>Excess mortality in the context of COVID-19</a:t>
+            </a:r>
+          </a:p>
+        </p:txBody>
+      </p:sp>
+    </p:spTree>
+    <p:extLst>
+      <p:ext uri="{BB962C8B-B14F-4D97-AF65-F5344CB8AC3E}">
+        <p14:creationId xmlns:p14="http://schemas.microsoft.com/office/powerpoint/2010/main" val="3815608756"/>
+      </p:ext>
+    </p:extLst>
+  </p:cSld>
+  <p:clrMapOvr>
+    <a:masterClrMapping/>
+  </p:clrMapOvr>
+  <p:timing>
+    <p:tnLst>
+      <p:par>
+        <p:cTn id="1" dur="indefinite" restart="never" nodeType="tmRoot"/>
+      </p:par>
+    </p:tnLst>
+  </p:timing>
+</p:sld>
+</file>
+
+<file path=ppt/slides/slide8.xml><?xml version="1.0" encoding="utf-8"?>
+<p:sld xmlns:a="http://schemas.openxmlformats.org/drawingml/2006/main" xmlns:r="http://schemas.openxmlformats.org/officeDocument/2006/relationships" xmlns:p="http://schemas.openxmlformats.org/presentationml/2006/main">
+  <p:cSld>
+    <p:spTree>
+      <p:nvGrpSpPr>
+        <p:cNvPr id="1" name=""/>
+        <p:cNvGrpSpPr/>
+        <p:nvPr/>
+      </p:nvGrpSpPr>
+      <p:grpSpPr>
+        <a:xfrm>
+          <a:off x="0" y="0"/>
+          <a:ext cx="0" cy="0"/>
+          <a:chOff x="0" y="0"/>
+          <a:chExt cx="0" cy="0"/>
+        </a:xfrm>
+      </p:grpSpPr>
+      <p:pic>
+        <p:nvPicPr>
+          <p:cNvPr id="7" name="Picture 6"/>
+          <p:cNvPicPr>
+            <a:picLocks noChangeAspect="1"/>
+          </p:cNvPicPr>
+          <p:nvPr/>
+        </p:nvPicPr>
+        <p:blipFill>
+          <a:blip r:embed="rId2" cstate="print">
+            <a:extLst>
+              <a:ext uri="{28A0092B-C50C-407E-A947-70E740481C1C}">
+                <a14:useLocalDpi xmlns:a14="http://schemas.microsoft.com/office/drawing/2010/main" val="0"/>
+              </a:ext>
+            </a:extLst>
+          </a:blip>
+          <a:stretch>
+            <a:fillRect/>
+          </a:stretch>
+        </p:blipFill>
+        <p:spPr>
+          <a:xfrm>
+            <a:off x="5908436" y="4941941"/>
+            <a:ext cx="5000254" cy="1748793"/>
+          </a:xfrm>
+          <a:prstGeom prst="rect">
+            <a:avLst/>
+          </a:prstGeom>
+        </p:spPr>
+      </p:pic>
+      <p:pic>
+        <p:nvPicPr>
+          <p:cNvPr id="6" name="Picture 5"/>
+          <p:cNvPicPr>
+            <a:picLocks noChangeAspect="1"/>
+          </p:cNvPicPr>
+          <p:nvPr/>
+        </p:nvPicPr>
+        <p:blipFill>
+          <a:blip r:embed="rId3" cstate="print">
+            <a:extLst>
+              <a:ext uri="{28A0092B-C50C-407E-A947-70E740481C1C}">
+                <a14:useLocalDpi xmlns:a14="http://schemas.microsoft.com/office/drawing/2010/main" val="0"/>
+              </a:ext>
+            </a:extLst>
+          </a:blip>
+          <a:stretch>
+            <a:fillRect/>
+          </a:stretch>
+        </p:blipFill>
+        <p:spPr>
+          <a:xfrm>
+            <a:off x="5908436" y="2550954"/>
+            <a:ext cx="5000254" cy="1748793"/>
+          </a:xfrm>
+          <a:prstGeom prst="rect">
+            <a:avLst/>
+          </a:prstGeom>
+        </p:spPr>
+      </p:pic>
+      <mc:AlternateContent xmlns:mc="http://schemas.openxmlformats.org/markup-compatibility/2006">
+        <mc:Choice xmlns:a14="http://schemas.microsoft.com/office/drawing/2010/main" Requires="a14">
           <p:sp>
             <p:nvSpPr>
               <p:cNvPr id="3" name="Content Placeholder 2"/>
@@ -7650,13 +8072,13 @@
             </p:nvSpPr>
             <p:spPr>
               <a:xfrm>
-                <a:off x="1199456" y="1842051"/>
-                <a:ext cx="9505056" cy="3962401"/>
+                <a:off x="1199456" y="1674952"/>
+                <a:ext cx="9505056" cy="4714666"/>
               </a:xfrm>
             </p:spPr>
             <p:txBody>
               <a:bodyPr>
-                <a:normAutofit fontScale="92500" lnSpcReduction="20000"/>
+                <a:normAutofit/>
               </a:bodyPr>
               <a:lstStyle/>
               <a:p>
@@ -7686,7 +8108,7 @@
                 <a14:m>
                   <m:oMathPara xmlns:m="http://schemas.openxmlformats.org/officeDocument/2006/math">
                     <m:oMathParaPr>
-                      <m:jc m:val="centerGroup"/>
+                      <m:jc m:val="left"/>
                     </m:oMathParaPr>
                     <m:oMath xmlns:m="http://schemas.openxmlformats.org/officeDocument/2006/math">
                       <m:sSub>
@@ -7851,8 +8273,12 @@
               </a:p>
               <a:p>
                 <a:r>
+                  <a:rPr lang="en-US" i="1" dirty="0" smtClean="0"/>
+                  <a:t>Week-specific </a:t>
+                </a:r>
+                <a:r>
                   <a:rPr lang="en-US" i="1" dirty="0"/>
-                  <a:t>Week-specific average</a:t>
+                  <a:t>average</a:t>
                 </a:r>
               </a:p>
               <a:p>
@@ -7866,7 +8292,15 @@
                 <a:pPr lvl="2"/>
                 <a:r>
                   <a:rPr lang="en-US" b="1" dirty="0"/>
-                  <a:t>52 values, one for each week</a:t>
+                  <a:t>52 </a:t>
+                </a:r>
+                <a:r>
+                  <a:rPr lang="en-US" b="1" dirty="0" smtClean="0"/>
+                  <a:t>values, </a:t>
+                </a:r>
+                <a:r>
+                  <a:rPr lang="en-US" b="1" dirty="0"/>
+                  <a:t>one for each week</a:t>
                 </a:r>
               </a:p>
               <a:p>
@@ -7880,7 +8314,7 @@
                 <a14:m>
                   <m:oMathPara xmlns:m="http://schemas.openxmlformats.org/officeDocument/2006/math">
                     <m:oMathParaPr>
-                      <m:jc m:val="centerGroup"/>
+                      <m:jc m:val="left"/>
                     </m:oMathParaPr>
                     <m:oMath xmlns:m="http://schemas.openxmlformats.org/officeDocument/2006/math">
                       <m:sSubSup>
@@ -8048,7 +8482,7 @@
             </p:txBody>
           </p:sp>
         </mc:Choice>
-        <mc:Fallback xmlns="">
+        <mc:Fallback>
           <p:sp>
             <p:nvSpPr>
               <p:cNvPr id="3" name="Content Placeholder 2"/>
@@ -8061,13 +8495,13 @@
             </p:nvSpPr>
             <p:spPr>
               <a:xfrm>
-                <a:off x="1199456" y="1842051"/>
-                <a:ext cx="9505056" cy="3962401"/>
+                <a:off x="1199456" y="1674952"/>
+                <a:ext cx="9505056" cy="4714666"/>
               </a:xfrm>
-              <a:blipFill>
-                <a:blip r:embed="rId2"/>
+              <a:blipFill rotWithShape="0">
+                <a:blip r:embed="rId4"/>
                 <a:stretch>
-                  <a:fillRect l="-1026" t="-3846"/>
+                  <a:fillRect l="-1155" t="-2199"/>
                 </a:stretch>
               </a:blipFill>
             </p:spPr>
@@ -8091,7 +8525,7 @@
           <p:cNvPr id="5" name="Title 1">
             <a:extLst>
               <a:ext uri="{FF2B5EF4-FFF2-40B4-BE49-F238E27FC236}">
-                <a16:creationId xmlns:a16="http://schemas.microsoft.com/office/drawing/2014/main" id="{F6D882FA-475A-4E48-A526-59B78DBD0925}"/>
+                <a16:creationId xmlns:a16="http://schemas.microsoft.com/office/drawing/2014/main" xmlns="" id="{F6D882FA-475A-4E48-A526-59B78DBD0925}"/>
               </a:ext>
             </a:extLst>
           </p:cNvPr>
@@ -8148,10 +8582,272 @@
   <p:clrMapOvr>
     <a:masterClrMapping/>
   </p:clrMapOvr>
+  <p:timing>
+    <p:tnLst>
+      <p:par>
+        <p:cTn id="1" dur="indefinite" restart="never" nodeType="tmRoot">
+          <p:childTnLst>
+            <p:seq concurrent="1" nextAc="seek">
+              <p:cTn id="2" dur="indefinite" nodeType="mainSeq">
+                <p:childTnLst>
+                  <p:par>
+                    <p:cTn id="3" fill="hold">
+                      <p:stCondLst>
+                        <p:cond delay="indefinite"/>
+                      </p:stCondLst>
+                      <p:childTnLst>
+                        <p:par>
+                          <p:cTn id="4" fill="hold">
+                            <p:stCondLst>
+                              <p:cond delay="0"/>
+                            </p:stCondLst>
+                            <p:childTnLst>
+                              <p:par>
+                                <p:cTn id="5" presetID="1" presetClass="entr" presetSubtype="0" fill="hold" nodeType="clickEffect">
+                                  <p:stCondLst>
+                                    <p:cond delay="0"/>
+                                  </p:stCondLst>
+                                  <p:childTnLst>
+                                    <p:set>
+                                      <p:cBhvr>
+                                        <p:cTn id="6" dur="1" fill="hold">
+                                          <p:stCondLst>
+                                            <p:cond delay="0"/>
+                                          </p:stCondLst>
+                                        </p:cTn>
+                                        <p:tgtEl>
+                                          <p:spTgt spid="6"/>
+                                        </p:tgtEl>
+                                        <p:attrNameLst>
+                                          <p:attrName>style.visibility</p:attrName>
+                                        </p:attrNameLst>
+                                      </p:cBhvr>
+                                      <p:to>
+                                        <p:strVal val="visible"/>
+                                      </p:to>
+                                    </p:set>
+                                  </p:childTnLst>
+                                </p:cTn>
+                              </p:par>
+                            </p:childTnLst>
+                          </p:cTn>
+                        </p:par>
+                      </p:childTnLst>
+                    </p:cTn>
+                  </p:par>
+                  <p:par>
+                    <p:cTn id="7" fill="hold">
+                      <p:stCondLst>
+                        <p:cond delay="indefinite"/>
+                      </p:stCondLst>
+                      <p:childTnLst>
+                        <p:par>
+                          <p:cTn id="8" fill="hold">
+                            <p:stCondLst>
+                              <p:cond delay="0"/>
+                            </p:stCondLst>
+                            <p:childTnLst>
+                              <p:par>
+                                <p:cTn id="9" presetID="1" presetClass="entr" presetSubtype="0" fill="hold" nodeType="clickEffect">
+                                  <p:stCondLst>
+                                    <p:cond delay="0"/>
+                                  </p:stCondLst>
+                                  <p:childTnLst>
+                                    <p:set>
+                                      <p:cBhvr>
+                                        <p:cTn id="10" dur="1" fill="hold">
+                                          <p:stCondLst>
+                                            <p:cond delay="0"/>
+                                          </p:stCondLst>
+                                        </p:cTn>
+                                        <p:tgtEl>
+                                          <p:spTgt spid="3">
+                                            <p:txEl>
+                                              <p:pRg st="5" end="5"/>
+                                            </p:txEl>
+                                          </p:spTgt>
+                                        </p:tgtEl>
+                                        <p:attrNameLst>
+                                          <p:attrName>style.visibility</p:attrName>
+                                        </p:attrNameLst>
+                                      </p:cBhvr>
+                                      <p:to>
+                                        <p:strVal val="visible"/>
+                                      </p:to>
+                                    </p:set>
+                                  </p:childTnLst>
+                                </p:cTn>
+                              </p:par>
+                              <p:par>
+                                <p:cTn id="11" presetID="1" presetClass="entr" presetSubtype="0" fill="hold" nodeType="withEffect">
+                                  <p:stCondLst>
+                                    <p:cond delay="0"/>
+                                  </p:stCondLst>
+                                  <p:childTnLst>
+                                    <p:set>
+                                      <p:cBhvr>
+                                        <p:cTn id="12" dur="1" fill="hold">
+                                          <p:stCondLst>
+                                            <p:cond delay="0"/>
+                                          </p:stCondLst>
+                                        </p:cTn>
+                                        <p:tgtEl>
+                                          <p:spTgt spid="3">
+                                            <p:txEl>
+                                              <p:pRg st="6" end="6"/>
+                                            </p:txEl>
+                                          </p:spTgt>
+                                        </p:tgtEl>
+                                        <p:attrNameLst>
+                                          <p:attrName>style.visibility</p:attrName>
+                                        </p:attrNameLst>
+                                      </p:cBhvr>
+                                      <p:to>
+                                        <p:strVal val="visible"/>
+                                      </p:to>
+                                    </p:set>
+                                  </p:childTnLst>
+                                </p:cTn>
+                              </p:par>
+                              <p:par>
+                                <p:cTn id="13" presetID="1" presetClass="entr" presetSubtype="0" fill="hold" nodeType="withEffect">
+                                  <p:stCondLst>
+                                    <p:cond delay="0"/>
+                                  </p:stCondLst>
+                                  <p:childTnLst>
+                                    <p:set>
+                                      <p:cBhvr>
+                                        <p:cTn id="14" dur="1" fill="hold">
+                                          <p:stCondLst>
+                                            <p:cond delay="0"/>
+                                          </p:stCondLst>
+                                        </p:cTn>
+                                        <p:tgtEl>
+                                          <p:spTgt spid="3">
+                                            <p:txEl>
+                                              <p:pRg st="7" end="7"/>
+                                            </p:txEl>
+                                          </p:spTgt>
+                                        </p:tgtEl>
+                                        <p:attrNameLst>
+                                          <p:attrName>style.visibility</p:attrName>
+                                        </p:attrNameLst>
+                                      </p:cBhvr>
+                                      <p:to>
+                                        <p:strVal val="visible"/>
+                                      </p:to>
+                                    </p:set>
+                                  </p:childTnLst>
+                                </p:cTn>
+                              </p:par>
+                              <p:par>
+                                <p:cTn id="15" presetID="1" presetClass="entr" presetSubtype="0" fill="hold" nodeType="withEffect">
+                                  <p:stCondLst>
+                                    <p:cond delay="0"/>
+                                  </p:stCondLst>
+                                  <p:childTnLst>
+                                    <p:set>
+                                      <p:cBhvr>
+                                        <p:cTn id="16" dur="1" fill="hold">
+                                          <p:stCondLst>
+                                            <p:cond delay="0"/>
+                                          </p:stCondLst>
+                                        </p:cTn>
+                                        <p:tgtEl>
+                                          <p:spTgt spid="3">
+                                            <p:txEl>
+                                              <p:pRg st="9" end="9"/>
+                                            </p:txEl>
+                                          </p:spTgt>
+                                        </p:tgtEl>
+                                        <p:attrNameLst>
+                                          <p:attrName>style.visibility</p:attrName>
+                                        </p:attrNameLst>
+                                      </p:cBhvr>
+                                      <p:to>
+                                        <p:strVal val="visible"/>
+                                      </p:to>
+                                    </p:set>
+                                  </p:childTnLst>
+                                </p:cTn>
+                              </p:par>
+                            </p:childTnLst>
+                          </p:cTn>
+                        </p:par>
+                      </p:childTnLst>
+                    </p:cTn>
+                  </p:par>
+                  <p:par>
+                    <p:cTn id="17" fill="hold">
+                      <p:stCondLst>
+                        <p:cond delay="indefinite"/>
+                      </p:stCondLst>
+                      <p:childTnLst>
+                        <p:par>
+                          <p:cTn id="18" fill="hold">
+                            <p:stCondLst>
+                              <p:cond delay="0"/>
+                            </p:stCondLst>
+                            <p:childTnLst>
+                              <p:par>
+                                <p:cTn id="19" presetID="1" presetClass="entr" presetSubtype="0" fill="hold" nodeType="clickEffect">
+                                  <p:stCondLst>
+                                    <p:cond delay="0"/>
+                                  </p:stCondLst>
+                                  <p:childTnLst>
+                                    <p:set>
+                                      <p:cBhvr>
+                                        <p:cTn id="20" dur="1" fill="hold">
+                                          <p:stCondLst>
+                                            <p:cond delay="0"/>
+                                          </p:stCondLst>
+                                        </p:cTn>
+                                        <p:tgtEl>
+                                          <p:spTgt spid="7"/>
+                                        </p:tgtEl>
+                                        <p:attrNameLst>
+                                          <p:attrName>style.visibility</p:attrName>
+                                        </p:attrNameLst>
+                                      </p:cBhvr>
+                                      <p:to>
+                                        <p:strVal val="visible"/>
+                                      </p:to>
+                                    </p:set>
+                                  </p:childTnLst>
+                                </p:cTn>
+                              </p:par>
+                            </p:childTnLst>
+                          </p:cTn>
+                        </p:par>
+                      </p:childTnLst>
+                    </p:cTn>
+                  </p:par>
+                </p:childTnLst>
+              </p:cTn>
+              <p:prevCondLst>
+                <p:cond evt="onPrev" delay="0">
+                  <p:tgtEl>
+                    <p:sldTgt/>
+                  </p:tgtEl>
+                </p:cond>
+              </p:prevCondLst>
+              <p:nextCondLst>
+                <p:cond evt="onNext" delay="0">
+                  <p:tgtEl>
+                    <p:sldTgt/>
+                  </p:tgtEl>
+                </p:cond>
+              </p:nextCondLst>
+            </p:seq>
+          </p:childTnLst>
+        </p:cTn>
+      </p:par>
+    </p:tnLst>
+  </p:timing>
 </p:sld>
 </file>
 
-<file path=ppt/slides/slide8.xml><?xml version="1.0" encoding="utf-8"?>
+<file path=ppt/slides/slide9.xml><?xml version="1.0" encoding="utf-8"?>
 <p:sld xmlns:a="http://schemas.openxmlformats.org/drawingml/2006/main" xmlns:r="http://schemas.openxmlformats.org/officeDocument/2006/relationships" xmlns:p="http://schemas.openxmlformats.org/presentationml/2006/main">
   <p:cSld>
     <p:spTree>
@@ -8168,6 +8864,36 @@
           <a:chExt cx="0" cy="0"/>
         </a:xfrm>
       </p:grpSpPr>
+      <p:pic>
+        <p:nvPicPr>
+          <p:cNvPr id="12" name="Picture 11"/>
+          <p:cNvPicPr>
+            <a:picLocks noChangeAspect="1"/>
+          </p:cNvPicPr>
+          <p:nvPr/>
+        </p:nvPicPr>
+        <p:blipFill>
+          <a:blip r:embed="rId2" cstate="print">
+            <a:extLst>
+              <a:ext uri="{28A0092B-C50C-407E-A947-70E740481C1C}">
+                <a14:useLocalDpi xmlns:a14="http://schemas.microsoft.com/office/drawing/2010/main" val="0"/>
+              </a:ext>
+            </a:extLst>
+          </a:blip>
+          <a:stretch>
+            <a:fillRect/>
+          </a:stretch>
+        </p:blipFill>
+        <p:spPr>
+          <a:xfrm>
+            <a:off x="6504471" y="4094671"/>
+            <a:ext cx="5464465" cy="1911147"/>
+          </a:xfrm>
+          <a:prstGeom prst="rect">
+            <a:avLst/>
+          </a:prstGeom>
+        </p:spPr>
+      </p:pic>
       <p:sp>
         <p:nvSpPr>
           <p:cNvPr id="3" name="Content Placeholder 2"/>
@@ -8191,12 +8917,16 @@
           <a:lstStyle/>
           <a:p>
             <a:r>
-              <a:rPr lang="en-US" dirty="0" err="1"/>
+              <a:rPr lang="en-US" i="1" dirty="0" err="1"/>
               <a:t>Serfling</a:t>
             </a:r>
             <a:r>
+              <a:rPr lang="en-US" i="1" dirty="0"/>
+              <a:t>-like</a:t>
+            </a:r>
+            <a:r>
               <a:rPr lang="en-US" dirty="0"/>
-              <a:t>-like models</a:t>
+              <a:t> models</a:t>
             </a:r>
           </a:p>
           <a:p>
@@ -8232,7 +8962,7 @@
           <p:cNvPr id="5" name="Title 1">
             <a:extLst>
               <a:ext uri="{FF2B5EF4-FFF2-40B4-BE49-F238E27FC236}">
-                <a16:creationId xmlns:a16="http://schemas.microsoft.com/office/drawing/2014/main" id="{F6D882FA-475A-4E48-A526-59B78DBD0925}"/>
+                <a16:creationId xmlns:a16="http://schemas.microsoft.com/office/drawing/2014/main" xmlns="" id="{F6D882FA-475A-4E48-A526-59B78DBD0925}"/>
               </a:ext>
             </a:extLst>
           </p:cNvPr>
@@ -8279,14 +9009,14 @@
           </a:p>
         </p:txBody>
       </p:sp>
-      <mc:AlternateContent xmlns:mc="http://schemas.openxmlformats.org/markup-compatibility/2006" xmlns:a14="http://schemas.microsoft.com/office/drawing/2010/main">
-        <mc:Choice Requires="a14">
+      <mc:AlternateContent xmlns:mc="http://schemas.openxmlformats.org/markup-compatibility/2006">
+        <mc:Choice xmlns:a14="http://schemas.microsoft.com/office/drawing/2010/main" Requires="a14">
           <p:sp>
             <p:nvSpPr>
               <p:cNvPr id="2" name="Rectangle 1">
                 <a:extLst>
                   <a:ext uri="{FF2B5EF4-FFF2-40B4-BE49-F238E27FC236}">
-                    <a16:creationId xmlns:a16="http://schemas.microsoft.com/office/drawing/2014/main" id="{866E1362-94C8-4660-8C95-6BF264C89767}"/>
+                    <a16:creationId xmlns:a16="http://schemas.microsoft.com/office/drawing/2014/main" xmlns="" id="{866E1362-94C8-4660-8C95-6BF264C89767}"/>
                   </a:ext>
                 </a:extLst>
               </p:cNvPr>
@@ -8295,7 +9025,7 @@
             </p:nvSpPr>
             <p:spPr>
               <a:xfrm>
-                <a:off x="2989052" y="3723312"/>
+                <a:off x="546934" y="4148670"/>
                 <a:ext cx="5713359" cy="369332"/>
               </a:xfrm>
               <a:prstGeom prst="rect">
@@ -8515,13 +9245,13 @@
             </p:txBody>
           </p:sp>
         </mc:Choice>
-        <mc:Fallback xmlns="">
+        <mc:Fallback>
           <p:sp>
             <p:nvSpPr>
               <p:cNvPr id="2" name="Rectangle 1">
                 <a:extLst>
                   <a:ext uri="{FF2B5EF4-FFF2-40B4-BE49-F238E27FC236}">
-                    <a16:creationId xmlns:a16="http://schemas.microsoft.com/office/drawing/2014/main" id="{866E1362-94C8-4660-8C95-6BF264C89767}"/>
+                    <a16:creationId xmlns:a16="http://schemas.microsoft.com/office/drawing/2014/main" xmlns:a14="http://schemas.microsoft.com/office/drawing/2010/main" xmlns="" id="{866E1362-94C8-4660-8C95-6BF264C89767}"/>
                   </a:ext>
                 </a:extLst>
               </p:cNvPr>
@@ -8532,14 +9262,14 @@
             </p:nvSpPr>
             <p:spPr>
               <a:xfrm>
-                <a:off x="2989052" y="3723312"/>
+                <a:off x="546934" y="4148670"/>
                 <a:ext cx="5713359" cy="369332"/>
               </a:xfrm>
               <a:prstGeom prst="rect">
                 <a:avLst/>
               </a:prstGeom>
-              <a:blipFill>
-                <a:blip r:embed="rId2"/>
+              <a:blipFill rotWithShape="0">
+                <a:blip r:embed="rId3"/>
                 <a:stretch>
                   <a:fillRect b="-15000"/>
                 </a:stretch>
@@ -8565,7 +9295,7 @@
           <p:cNvPr id="4" name="Left Brace 3">
             <a:extLst>
               <a:ext uri="{FF2B5EF4-FFF2-40B4-BE49-F238E27FC236}">
-                <a16:creationId xmlns:a16="http://schemas.microsoft.com/office/drawing/2014/main" id="{ED2782F8-6A33-4962-973A-E8414B374DBB}"/>
+                <a16:creationId xmlns:a16="http://schemas.microsoft.com/office/drawing/2014/main" xmlns="" id="{ED2782F8-6A33-4962-973A-E8414B374DBB}"/>
               </a:ext>
             </a:extLst>
           </p:cNvPr>
@@ -8574,7 +9304,7 @@
         </p:nvSpPr>
         <p:spPr>
           <a:xfrm rot="16200000">
-            <a:off x="5275996" y="3793478"/>
+            <a:off x="2833878" y="4218836"/>
             <a:ext cx="131460" cy="729792"/>
           </a:xfrm>
           <a:prstGeom prst="leftBrace">
@@ -8614,7 +9344,7 @@
           <p:cNvPr id="6" name="Left Brace 5">
             <a:extLst>
               <a:ext uri="{FF2B5EF4-FFF2-40B4-BE49-F238E27FC236}">
-                <a16:creationId xmlns:a16="http://schemas.microsoft.com/office/drawing/2014/main" id="{51DA9B3B-BAF5-4682-A646-ED3DE67243E2}"/>
+                <a16:creationId xmlns:a16="http://schemas.microsoft.com/office/drawing/2014/main" xmlns="" id="{51DA9B3B-BAF5-4682-A646-ED3DE67243E2}"/>
               </a:ext>
             </a:extLst>
           </p:cNvPr>
@@ -8623,7 +9353,7 @@
         </p:nvSpPr>
         <p:spPr>
           <a:xfrm rot="16200000">
-            <a:off x="6155759" y="3793478"/>
+            <a:off x="3713641" y="4218836"/>
             <a:ext cx="131460" cy="729792"/>
           </a:xfrm>
           <a:prstGeom prst="leftBrace">
@@ -8663,7 +9393,7 @@
           <p:cNvPr id="7" name="Left Brace 6">
             <a:extLst>
               <a:ext uri="{FF2B5EF4-FFF2-40B4-BE49-F238E27FC236}">
-                <a16:creationId xmlns:a16="http://schemas.microsoft.com/office/drawing/2014/main" id="{9033657C-D7B0-4A3D-A687-E7C365ABCB75}"/>
+                <a16:creationId xmlns:a16="http://schemas.microsoft.com/office/drawing/2014/main" xmlns="" id="{9033657C-D7B0-4A3D-A687-E7C365ABCB75}"/>
               </a:ext>
             </a:extLst>
           </p:cNvPr>
@@ -8672,7 +9402,7 @@
         </p:nvSpPr>
         <p:spPr>
           <a:xfrm rot="16200000">
-            <a:off x="7458197" y="3421282"/>
+            <a:off x="5016079" y="3846640"/>
             <a:ext cx="131460" cy="1459585"/>
           </a:xfrm>
           <a:prstGeom prst="leftBrace">
@@ -8712,7 +9442,7 @@
           <p:cNvPr id="8" name="TextBox 7">
             <a:extLst>
               <a:ext uri="{FF2B5EF4-FFF2-40B4-BE49-F238E27FC236}">
-                <a16:creationId xmlns:a16="http://schemas.microsoft.com/office/drawing/2014/main" id="{FBD3B432-5E63-4262-A85A-6590F85328CA}"/>
+                <a16:creationId xmlns:a16="http://schemas.microsoft.com/office/drawing/2014/main" xmlns="" id="{FBD3B432-5E63-4262-A85A-6590F85328CA}"/>
               </a:ext>
             </a:extLst>
           </p:cNvPr>
@@ -8721,7 +9451,7 @@
         </p:nvSpPr>
         <p:spPr>
           <a:xfrm>
-            <a:off x="4838284" y="4280294"/>
+            <a:off x="2396166" y="4705652"/>
             <a:ext cx="1011382" cy="923330"/>
           </a:xfrm>
           <a:prstGeom prst="rect">
@@ -8748,7 +9478,7 @@
           <p:cNvPr id="9" name="TextBox 8">
             <a:extLst>
               <a:ext uri="{FF2B5EF4-FFF2-40B4-BE49-F238E27FC236}">
-                <a16:creationId xmlns:a16="http://schemas.microsoft.com/office/drawing/2014/main" id="{ECCCF57F-A47A-4F56-9D89-F656A1F4F355}"/>
+                <a16:creationId xmlns:a16="http://schemas.microsoft.com/office/drawing/2014/main" xmlns="" id="{ECCCF57F-A47A-4F56-9D89-F656A1F4F355}"/>
               </a:ext>
             </a:extLst>
           </p:cNvPr>
@@ -8757,7 +9487,7 @@
         </p:nvSpPr>
         <p:spPr>
           <a:xfrm>
-            <a:off x="5713549" y="4280294"/>
+            <a:off x="3271431" y="4705652"/>
             <a:ext cx="1011382" cy="646331"/>
           </a:xfrm>
           <a:prstGeom prst="rect">
@@ -8784,7 +9514,7 @@
           <p:cNvPr id="10" name="TextBox 9">
             <a:extLst>
               <a:ext uri="{FF2B5EF4-FFF2-40B4-BE49-F238E27FC236}">
-                <a16:creationId xmlns:a16="http://schemas.microsoft.com/office/drawing/2014/main" id="{60F267E3-A975-4338-BA76-FDB191F94C9B}"/>
+                <a16:creationId xmlns:a16="http://schemas.microsoft.com/office/drawing/2014/main" xmlns="" id="{60F267E3-A975-4338-BA76-FDB191F94C9B}"/>
               </a:ext>
             </a:extLst>
           </p:cNvPr>
@@ -8793,7 +9523,7 @@
         </p:nvSpPr>
         <p:spPr>
           <a:xfrm>
-            <a:off x="6906185" y="4280293"/>
+            <a:off x="4464067" y="4705651"/>
             <a:ext cx="1235484" cy="646331"/>
           </a:xfrm>
           <a:prstGeom prst="rect">
@@ -8825,160 +9555,81 @@
   <p:clrMapOvr>
     <a:masterClrMapping/>
   </p:clrMapOvr>
-</p:sld>
-</file>
-
-<file path=ppt/slides/slide9.xml><?xml version="1.0" encoding="utf-8"?>
-<p:sld xmlns:a="http://schemas.openxmlformats.org/drawingml/2006/main" xmlns:r="http://schemas.openxmlformats.org/officeDocument/2006/relationships" xmlns:p="http://schemas.openxmlformats.org/presentationml/2006/main">
-  <p:cSld>
-    <p:spTree>
-      <p:nvGrpSpPr>
-        <p:cNvPr id="1" name=""/>
-        <p:cNvGrpSpPr/>
-        <p:nvPr/>
-      </p:nvGrpSpPr>
-      <p:grpSpPr>
-        <a:xfrm>
-          <a:off x="0" y="0"/>
-          <a:ext cx="0" cy="0"/>
-          <a:chOff x="0" y="0"/>
-          <a:chExt cx="0" cy="0"/>
-        </a:xfrm>
-      </p:grpSpPr>
-      <p:pic>
-        <p:nvPicPr>
-          <p:cNvPr id="11" name="Picture 10">
-            <a:extLst>
-              <a:ext uri="{FF2B5EF4-FFF2-40B4-BE49-F238E27FC236}">
-                <a16:creationId xmlns:a16="http://schemas.microsoft.com/office/drawing/2014/main" id="{C3CF0A5C-14E9-4720-AE68-D81677773291}"/>
-              </a:ext>
-            </a:extLst>
-          </p:cNvPr>
-          <p:cNvPicPr>
-            <a:picLocks noChangeAspect="1"/>
-          </p:cNvPicPr>
-          <p:nvPr/>
-        </p:nvPicPr>
-        <p:blipFill>
-          <a:blip r:embed="rId2">
-            <a:extLst>
-              <a:ext uri="{28A0092B-C50C-407E-A947-70E740481C1C}">
-                <a14:useLocalDpi xmlns:a14="http://schemas.microsoft.com/office/drawing/2010/main" val="0"/>
-              </a:ext>
-            </a:extLst>
-          </a:blip>
-          <a:stretch>
-            <a:fillRect/>
-          </a:stretch>
-        </p:blipFill>
-        <p:spPr>
-          <a:xfrm>
-            <a:off x="1123252" y="3308977"/>
-            <a:ext cx="9051239" cy="2262810"/>
-          </a:xfrm>
-          <a:prstGeom prst="rect">
-            <a:avLst/>
-          </a:prstGeom>
-        </p:spPr>
-      </p:pic>
-      <p:sp>
-        <p:nvSpPr>
-          <p:cNvPr id="3" name="Content Placeholder 2"/>
-          <p:cNvSpPr>
-            <a:spLocks noGrp="1"/>
-          </p:cNvSpPr>
-          <p:nvPr>
-            <p:ph idx="1"/>
-          </p:nvPr>
-        </p:nvSpPr>
-        <p:spPr>
-          <a:xfrm>
-            <a:off x="1199456" y="1842051"/>
-            <a:ext cx="9505056" cy="3962401"/>
-          </a:xfrm>
-        </p:spPr>
-        <p:txBody>
-          <a:bodyPr>
-            <a:normAutofit/>
-          </a:bodyPr>
-          <a:lstStyle/>
-          <a:p>
-            <a:r>
-              <a:rPr lang="en-US" sz="2800" dirty="0"/>
-              <a:t>Practical example: COVID-19 in Spain</a:t>
-            </a:r>
-          </a:p>
-          <a:p>
-            <a:pPr lvl="1"/>
-            <a:r>
-              <a:rPr lang="en-US" dirty="0"/>
-              <a:t>Weekly deaths from the STMF between 2010 and 2022 for all sexes and ages</a:t>
-            </a:r>
-          </a:p>
-        </p:txBody>
-      </p:sp>
-      <p:sp>
-        <p:nvSpPr>
-          <p:cNvPr id="5" name="Title 1">
-            <a:extLst>
-              <a:ext uri="{FF2B5EF4-FFF2-40B4-BE49-F238E27FC236}">
-                <a16:creationId xmlns:a16="http://schemas.microsoft.com/office/drawing/2014/main" id="{F6D882FA-475A-4E48-A526-59B78DBD0925}"/>
-              </a:ext>
-            </a:extLst>
-          </p:cNvPr>
-          <p:cNvSpPr txBox="1">
-            <a:spLocks/>
-          </p:cNvSpPr>
-          <p:nvPr/>
-        </p:nvSpPr>
-        <p:spPr>
-          <a:xfrm>
-            <a:off x="1199456" y="531952"/>
-            <a:ext cx="8229600" cy="1143000"/>
-          </a:xfrm>
-          <a:prstGeom prst="rect">
-            <a:avLst/>
-          </a:prstGeom>
-        </p:spPr>
-        <p:txBody>
-          <a:bodyPr vert="horz" lIns="91440" tIns="45720" rIns="91440" bIns="45720" rtlCol="0" anchor="ctr">
-            <a:normAutofit fontScale="92500" lnSpcReduction="20000"/>
-          </a:bodyPr>
-          <a:lstStyle>
-            <a:lvl1pPr algn="ctr" defTabSz="914400" rtl="0" eaLnBrk="1" latinLnBrk="0" hangingPunct="1">
-              <a:spcBef>
-                <a:spcPct val="0"/>
-              </a:spcBef>
-              <a:buNone/>
-              <a:defRPr sz="4400" kern="1200">
-                <a:solidFill>
-                  <a:schemeClr val="tx1"/>
-                </a:solidFill>
-                <a:latin typeface="+mj-lt"/>
-                <a:ea typeface="+mj-ea"/>
-                <a:cs typeface="+mj-cs"/>
-              </a:defRPr>
-            </a:lvl1pPr>
-          </a:lstStyle>
-          <a:p>
-            <a:pPr algn="l"/>
-            <a:r>
-              <a:rPr lang="en-US" b="1" dirty="0"/>
-              <a:t>Excess mortality in the context of COVID-19</a:t>
-            </a:r>
-          </a:p>
-        </p:txBody>
-      </p:sp>
-    </p:spTree>
-    <p:extLst>
-      <p:ext uri="{BB962C8B-B14F-4D97-AF65-F5344CB8AC3E}">
-        <p14:creationId xmlns:p14="http://schemas.microsoft.com/office/powerpoint/2010/main" val="3815608756"/>
-      </p:ext>
-    </p:extLst>
-  </p:cSld>
-  <p:clrMapOvr>
-    <a:masterClrMapping/>
-  </p:clrMapOvr>
+  <p:timing>
+    <p:tnLst>
+      <p:par>
+        <p:cTn id="1" dur="indefinite" restart="never" nodeType="tmRoot">
+          <p:childTnLst>
+            <p:seq concurrent="1" nextAc="seek">
+              <p:cTn id="2" dur="indefinite" nodeType="mainSeq">
+                <p:childTnLst>
+                  <p:par>
+                    <p:cTn id="3" fill="hold">
+                      <p:stCondLst>
+                        <p:cond delay="indefinite"/>
+                      </p:stCondLst>
+                      <p:childTnLst>
+                        <p:par>
+                          <p:cTn id="4" fill="hold">
+                            <p:stCondLst>
+                              <p:cond delay="0"/>
+                            </p:stCondLst>
+                            <p:childTnLst>
+                              <p:par>
+                                <p:cTn id="5" presetID="1" presetClass="entr" presetSubtype="0" fill="hold" nodeType="clickEffect">
+                                  <p:stCondLst>
+                                    <p:cond delay="0"/>
+                                  </p:stCondLst>
+                                  <p:childTnLst>
+                                    <p:set>
+                                      <p:cBhvr>
+                                        <p:cTn id="6" dur="1" fill="hold">
+                                          <p:stCondLst>
+                                            <p:cond delay="0"/>
+                                          </p:stCondLst>
+                                        </p:cTn>
+                                        <p:tgtEl>
+                                          <p:spTgt spid="12"/>
+                                        </p:tgtEl>
+                                        <p:attrNameLst>
+                                          <p:attrName>style.visibility</p:attrName>
+                                        </p:attrNameLst>
+                                      </p:cBhvr>
+                                      <p:to>
+                                        <p:strVal val="visible"/>
+                                      </p:to>
+                                    </p:set>
+                                  </p:childTnLst>
+                                </p:cTn>
+                              </p:par>
+                            </p:childTnLst>
+                          </p:cTn>
+                        </p:par>
+                      </p:childTnLst>
+                    </p:cTn>
+                  </p:par>
+                </p:childTnLst>
+              </p:cTn>
+              <p:prevCondLst>
+                <p:cond evt="onPrev" delay="0">
+                  <p:tgtEl>
+                    <p:sldTgt/>
+                  </p:tgtEl>
+                </p:cond>
+              </p:prevCondLst>
+              <p:nextCondLst>
+                <p:cond evt="onNext" delay="0">
+                  <p:tgtEl>
+                    <p:sldTgt/>
+                  </p:tgtEl>
+                </p:cond>
+              </p:nextCondLst>
+            </p:seq>
+          </p:childTnLst>
+        </p:cTn>
+      </p:par>
+    </p:tnLst>
+  </p:timing>
 </p:sld>
 </file>
 

--- a/slides/04_excess_mortality.pptx
+++ b/slides/04_excess_mortality.pptx
@@ -154,7 +154,7 @@
           <p:cNvPr id="2" name="Title 1">
             <a:extLst>
               <a:ext uri="{FF2B5EF4-FFF2-40B4-BE49-F238E27FC236}">
-                <a16:creationId xmlns:a16="http://schemas.microsoft.com/office/drawing/2014/main" xmlns="" id="{14479AB2-CA12-449F-A2E2-E3B58B7C247D}"/>
+                <a16:creationId xmlns="" xmlns:a16="http://schemas.microsoft.com/office/drawing/2014/main" id="{14479AB2-CA12-449F-A2E2-E3B58B7C247D}"/>
               </a:ext>
             </a:extLst>
           </p:cNvPr>
@@ -191,7 +191,7 @@
           <p:cNvPr id="3" name="Subtitle 2">
             <a:extLst>
               <a:ext uri="{FF2B5EF4-FFF2-40B4-BE49-F238E27FC236}">
-                <a16:creationId xmlns:a16="http://schemas.microsoft.com/office/drawing/2014/main" xmlns="" id="{9E00C476-4694-49BF-A2C0-2D164BC642C5}"/>
+                <a16:creationId xmlns="" xmlns:a16="http://schemas.microsoft.com/office/drawing/2014/main" id="{9E00C476-4694-49BF-A2C0-2D164BC642C5}"/>
               </a:ext>
             </a:extLst>
           </p:cNvPr>
@@ -261,7 +261,7 @@
           <p:cNvPr id="4" name="Date Placeholder 3">
             <a:extLst>
               <a:ext uri="{FF2B5EF4-FFF2-40B4-BE49-F238E27FC236}">
-                <a16:creationId xmlns:a16="http://schemas.microsoft.com/office/drawing/2014/main" xmlns="" id="{1075986F-3567-40E2-A9D4-DB8C9C935C36}"/>
+                <a16:creationId xmlns="" xmlns:a16="http://schemas.microsoft.com/office/drawing/2014/main" id="{1075986F-3567-40E2-A9D4-DB8C9C935C36}"/>
               </a:ext>
             </a:extLst>
           </p:cNvPr>
@@ -290,7 +290,7 @@
           <p:cNvPr id="5" name="Footer Placeholder 4">
             <a:extLst>
               <a:ext uri="{FF2B5EF4-FFF2-40B4-BE49-F238E27FC236}">
-                <a16:creationId xmlns:a16="http://schemas.microsoft.com/office/drawing/2014/main" xmlns="" id="{FA6873BB-F0E9-40D5-AEF2-55DEE04F0BC3}"/>
+                <a16:creationId xmlns="" xmlns:a16="http://schemas.microsoft.com/office/drawing/2014/main" id="{FA6873BB-F0E9-40D5-AEF2-55DEE04F0BC3}"/>
               </a:ext>
             </a:extLst>
           </p:cNvPr>
@@ -315,7 +315,7 @@
           <p:cNvPr id="6" name="Slide Number Placeholder 5">
             <a:extLst>
               <a:ext uri="{FF2B5EF4-FFF2-40B4-BE49-F238E27FC236}">
-                <a16:creationId xmlns:a16="http://schemas.microsoft.com/office/drawing/2014/main" xmlns="" id="{63E03492-9564-4541-A550-868FFC3CF3CA}"/>
+                <a16:creationId xmlns="" xmlns:a16="http://schemas.microsoft.com/office/drawing/2014/main" id="{63E03492-9564-4541-A550-868FFC3CF3CA}"/>
               </a:ext>
             </a:extLst>
           </p:cNvPr>
@@ -374,7 +374,7 @@
           <p:cNvPr id="2" name="Title 1">
             <a:extLst>
               <a:ext uri="{FF2B5EF4-FFF2-40B4-BE49-F238E27FC236}">
-                <a16:creationId xmlns:a16="http://schemas.microsoft.com/office/drawing/2014/main" xmlns="" id="{0D313639-6FEB-4906-B57F-34D9B1F81648}"/>
+                <a16:creationId xmlns="" xmlns:a16="http://schemas.microsoft.com/office/drawing/2014/main" id="{0D313639-6FEB-4906-B57F-34D9B1F81648}"/>
               </a:ext>
             </a:extLst>
           </p:cNvPr>
@@ -402,7 +402,7 @@
           <p:cNvPr id="3" name="Vertical Text Placeholder 2">
             <a:extLst>
               <a:ext uri="{FF2B5EF4-FFF2-40B4-BE49-F238E27FC236}">
-                <a16:creationId xmlns:a16="http://schemas.microsoft.com/office/drawing/2014/main" xmlns="" id="{4ED62893-7E0C-4A3F-8334-7AC169D2C482}"/>
+                <a16:creationId xmlns="" xmlns:a16="http://schemas.microsoft.com/office/drawing/2014/main" id="{4ED62893-7E0C-4A3F-8334-7AC169D2C482}"/>
               </a:ext>
             </a:extLst>
           </p:cNvPr>
@@ -459,7 +459,7 @@
           <p:cNvPr id="4" name="Date Placeholder 3">
             <a:extLst>
               <a:ext uri="{FF2B5EF4-FFF2-40B4-BE49-F238E27FC236}">
-                <a16:creationId xmlns:a16="http://schemas.microsoft.com/office/drawing/2014/main" xmlns="" id="{51C7BFF4-6956-4E2D-98A6-56E3578E1FDE}"/>
+                <a16:creationId xmlns="" xmlns:a16="http://schemas.microsoft.com/office/drawing/2014/main" id="{51C7BFF4-6956-4E2D-98A6-56E3578E1FDE}"/>
               </a:ext>
             </a:extLst>
           </p:cNvPr>
@@ -488,7 +488,7 @@
           <p:cNvPr id="5" name="Footer Placeholder 4">
             <a:extLst>
               <a:ext uri="{FF2B5EF4-FFF2-40B4-BE49-F238E27FC236}">
-                <a16:creationId xmlns:a16="http://schemas.microsoft.com/office/drawing/2014/main" xmlns="" id="{81056143-D42D-4213-8D87-469EB0182ACA}"/>
+                <a16:creationId xmlns="" xmlns:a16="http://schemas.microsoft.com/office/drawing/2014/main" id="{81056143-D42D-4213-8D87-469EB0182ACA}"/>
               </a:ext>
             </a:extLst>
           </p:cNvPr>
@@ -513,7 +513,7 @@
           <p:cNvPr id="6" name="Slide Number Placeholder 5">
             <a:extLst>
               <a:ext uri="{FF2B5EF4-FFF2-40B4-BE49-F238E27FC236}">
-                <a16:creationId xmlns:a16="http://schemas.microsoft.com/office/drawing/2014/main" xmlns="" id="{873617A6-CCC6-46AA-AA53-38FF83DBCF24}"/>
+                <a16:creationId xmlns="" xmlns:a16="http://schemas.microsoft.com/office/drawing/2014/main" id="{873617A6-CCC6-46AA-AA53-38FF83DBCF24}"/>
               </a:ext>
             </a:extLst>
           </p:cNvPr>
@@ -572,7 +572,7 @@
           <p:cNvPr id="2" name="Vertical Title 1">
             <a:extLst>
               <a:ext uri="{FF2B5EF4-FFF2-40B4-BE49-F238E27FC236}">
-                <a16:creationId xmlns:a16="http://schemas.microsoft.com/office/drawing/2014/main" xmlns="" id="{8CF1CDA4-00E5-47E4-9DA6-86F67BF6C423}"/>
+                <a16:creationId xmlns="" xmlns:a16="http://schemas.microsoft.com/office/drawing/2014/main" id="{8CF1CDA4-00E5-47E4-9DA6-86F67BF6C423}"/>
               </a:ext>
             </a:extLst>
           </p:cNvPr>
@@ -605,7 +605,7 @@
           <p:cNvPr id="3" name="Vertical Text Placeholder 2">
             <a:extLst>
               <a:ext uri="{FF2B5EF4-FFF2-40B4-BE49-F238E27FC236}">
-                <a16:creationId xmlns:a16="http://schemas.microsoft.com/office/drawing/2014/main" xmlns="" id="{2971B046-CF92-423D-890B-D6BE140F0A0D}"/>
+                <a16:creationId xmlns="" xmlns:a16="http://schemas.microsoft.com/office/drawing/2014/main" id="{2971B046-CF92-423D-890B-D6BE140F0A0D}"/>
               </a:ext>
             </a:extLst>
           </p:cNvPr>
@@ -667,7 +667,7 @@
           <p:cNvPr id="4" name="Date Placeholder 3">
             <a:extLst>
               <a:ext uri="{FF2B5EF4-FFF2-40B4-BE49-F238E27FC236}">
-                <a16:creationId xmlns:a16="http://schemas.microsoft.com/office/drawing/2014/main" xmlns="" id="{309EE077-EDAA-429B-9874-97DFFD01DA51}"/>
+                <a16:creationId xmlns="" xmlns:a16="http://schemas.microsoft.com/office/drawing/2014/main" id="{309EE077-EDAA-429B-9874-97DFFD01DA51}"/>
               </a:ext>
             </a:extLst>
           </p:cNvPr>
@@ -696,7 +696,7 @@
           <p:cNvPr id="5" name="Footer Placeholder 4">
             <a:extLst>
               <a:ext uri="{FF2B5EF4-FFF2-40B4-BE49-F238E27FC236}">
-                <a16:creationId xmlns:a16="http://schemas.microsoft.com/office/drawing/2014/main" xmlns="" id="{012F9707-764D-496B-A80C-0EA42424C321}"/>
+                <a16:creationId xmlns="" xmlns:a16="http://schemas.microsoft.com/office/drawing/2014/main" id="{012F9707-764D-496B-A80C-0EA42424C321}"/>
               </a:ext>
             </a:extLst>
           </p:cNvPr>
@@ -721,7 +721,7 @@
           <p:cNvPr id="6" name="Slide Number Placeholder 5">
             <a:extLst>
               <a:ext uri="{FF2B5EF4-FFF2-40B4-BE49-F238E27FC236}">
-                <a16:creationId xmlns:a16="http://schemas.microsoft.com/office/drawing/2014/main" xmlns="" id="{4F279023-722C-494E-9C70-9D9A09E5FFE1}"/>
+                <a16:creationId xmlns="" xmlns:a16="http://schemas.microsoft.com/office/drawing/2014/main" id="{4F279023-722C-494E-9C70-9D9A09E5FFE1}"/>
               </a:ext>
             </a:extLst>
           </p:cNvPr>
@@ -780,7 +780,7 @@
           <p:cNvPr id="2" name="Title 1">
             <a:extLst>
               <a:ext uri="{FF2B5EF4-FFF2-40B4-BE49-F238E27FC236}">
-                <a16:creationId xmlns:a16="http://schemas.microsoft.com/office/drawing/2014/main" xmlns="" id="{90C282AA-2B26-4326-9D44-6098ABDA7847}"/>
+                <a16:creationId xmlns="" xmlns:a16="http://schemas.microsoft.com/office/drawing/2014/main" id="{90C282AA-2B26-4326-9D44-6098ABDA7847}"/>
               </a:ext>
             </a:extLst>
           </p:cNvPr>
@@ -808,7 +808,7 @@
           <p:cNvPr id="3" name="Content Placeholder 2">
             <a:extLst>
               <a:ext uri="{FF2B5EF4-FFF2-40B4-BE49-F238E27FC236}">
-                <a16:creationId xmlns:a16="http://schemas.microsoft.com/office/drawing/2014/main" xmlns="" id="{95FCF1AA-7130-430C-B2D9-119C69F6B447}"/>
+                <a16:creationId xmlns="" xmlns:a16="http://schemas.microsoft.com/office/drawing/2014/main" id="{95FCF1AA-7130-430C-B2D9-119C69F6B447}"/>
               </a:ext>
             </a:extLst>
           </p:cNvPr>
@@ -865,7 +865,7 @@
           <p:cNvPr id="4" name="Date Placeholder 3">
             <a:extLst>
               <a:ext uri="{FF2B5EF4-FFF2-40B4-BE49-F238E27FC236}">
-                <a16:creationId xmlns:a16="http://schemas.microsoft.com/office/drawing/2014/main" xmlns="" id="{A66B69F5-3141-4174-BD7C-3D42129918D8}"/>
+                <a16:creationId xmlns="" xmlns:a16="http://schemas.microsoft.com/office/drawing/2014/main" id="{A66B69F5-3141-4174-BD7C-3D42129918D8}"/>
               </a:ext>
             </a:extLst>
           </p:cNvPr>
@@ -894,7 +894,7 @@
           <p:cNvPr id="5" name="Footer Placeholder 4">
             <a:extLst>
               <a:ext uri="{FF2B5EF4-FFF2-40B4-BE49-F238E27FC236}">
-                <a16:creationId xmlns:a16="http://schemas.microsoft.com/office/drawing/2014/main" xmlns="" id="{8A3E1052-7822-483F-8424-6E65035847D6}"/>
+                <a16:creationId xmlns="" xmlns:a16="http://schemas.microsoft.com/office/drawing/2014/main" id="{8A3E1052-7822-483F-8424-6E65035847D6}"/>
               </a:ext>
             </a:extLst>
           </p:cNvPr>
@@ -919,7 +919,7 @@
           <p:cNvPr id="6" name="Slide Number Placeholder 5">
             <a:extLst>
               <a:ext uri="{FF2B5EF4-FFF2-40B4-BE49-F238E27FC236}">
-                <a16:creationId xmlns:a16="http://schemas.microsoft.com/office/drawing/2014/main" xmlns="" id="{5887744F-0504-4BBB-8137-BC1304E23890}"/>
+                <a16:creationId xmlns="" xmlns:a16="http://schemas.microsoft.com/office/drawing/2014/main" id="{5887744F-0504-4BBB-8137-BC1304E23890}"/>
               </a:ext>
             </a:extLst>
           </p:cNvPr>
@@ -978,7 +978,7 @@
           <p:cNvPr id="2" name="Title 1">
             <a:extLst>
               <a:ext uri="{FF2B5EF4-FFF2-40B4-BE49-F238E27FC236}">
-                <a16:creationId xmlns:a16="http://schemas.microsoft.com/office/drawing/2014/main" xmlns="" id="{9F575526-2578-4C3F-9419-2E0FDDDA7DB6}"/>
+                <a16:creationId xmlns="" xmlns:a16="http://schemas.microsoft.com/office/drawing/2014/main" id="{9F575526-2578-4C3F-9419-2E0FDDDA7DB6}"/>
               </a:ext>
             </a:extLst>
           </p:cNvPr>
@@ -1015,7 +1015,7 @@
           <p:cNvPr id="3" name="Text Placeholder 2">
             <a:extLst>
               <a:ext uri="{FF2B5EF4-FFF2-40B4-BE49-F238E27FC236}">
-                <a16:creationId xmlns:a16="http://schemas.microsoft.com/office/drawing/2014/main" xmlns="" id="{B6E165C8-23B3-41A6-8C9B-08B9FE916B3F}"/>
+                <a16:creationId xmlns="" xmlns:a16="http://schemas.microsoft.com/office/drawing/2014/main" id="{B6E165C8-23B3-41A6-8C9B-08B9FE916B3F}"/>
               </a:ext>
             </a:extLst>
           </p:cNvPr>
@@ -1140,7 +1140,7 @@
           <p:cNvPr id="4" name="Date Placeholder 3">
             <a:extLst>
               <a:ext uri="{FF2B5EF4-FFF2-40B4-BE49-F238E27FC236}">
-                <a16:creationId xmlns:a16="http://schemas.microsoft.com/office/drawing/2014/main" xmlns="" id="{18EAB9CB-2FE7-4C20-86B0-920A78F70207}"/>
+                <a16:creationId xmlns="" xmlns:a16="http://schemas.microsoft.com/office/drawing/2014/main" id="{18EAB9CB-2FE7-4C20-86B0-920A78F70207}"/>
               </a:ext>
             </a:extLst>
           </p:cNvPr>
@@ -1169,7 +1169,7 @@
           <p:cNvPr id="5" name="Footer Placeholder 4">
             <a:extLst>
               <a:ext uri="{FF2B5EF4-FFF2-40B4-BE49-F238E27FC236}">
-                <a16:creationId xmlns:a16="http://schemas.microsoft.com/office/drawing/2014/main" xmlns="" id="{62131CBE-73CC-47D8-A161-187AFA946BAE}"/>
+                <a16:creationId xmlns="" xmlns:a16="http://schemas.microsoft.com/office/drawing/2014/main" id="{62131CBE-73CC-47D8-A161-187AFA946BAE}"/>
               </a:ext>
             </a:extLst>
           </p:cNvPr>
@@ -1194,7 +1194,7 @@
           <p:cNvPr id="6" name="Slide Number Placeholder 5">
             <a:extLst>
               <a:ext uri="{FF2B5EF4-FFF2-40B4-BE49-F238E27FC236}">
-                <a16:creationId xmlns:a16="http://schemas.microsoft.com/office/drawing/2014/main" xmlns="" id="{9846E48F-F810-40BC-B1FD-D690E0D5C2DB}"/>
+                <a16:creationId xmlns="" xmlns:a16="http://schemas.microsoft.com/office/drawing/2014/main" id="{9846E48F-F810-40BC-B1FD-D690E0D5C2DB}"/>
               </a:ext>
             </a:extLst>
           </p:cNvPr>
@@ -1253,7 +1253,7 @@
           <p:cNvPr id="2" name="Title 1">
             <a:extLst>
               <a:ext uri="{FF2B5EF4-FFF2-40B4-BE49-F238E27FC236}">
-                <a16:creationId xmlns:a16="http://schemas.microsoft.com/office/drawing/2014/main" xmlns="" id="{A39E59CA-EF70-4923-81FA-4936054A12A4}"/>
+                <a16:creationId xmlns="" xmlns:a16="http://schemas.microsoft.com/office/drawing/2014/main" id="{A39E59CA-EF70-4923-81FA-4936054A12A4}"/>
               </a:ext>
             </a:extLst>
           </p:cNvPr>
@@ -1281,7 +1281,7 @@
           <p:cNvPr id="3" name="Content Placeholder 2">
             <a:extLst>
               <a:ext uri="{FF2B5EF4-FFF2-40B4-BE49-F238E27FC236}">
-                <a16:creationId xmlns:a16="http://schemas.microsoft.com/office/drawing/2014/main" xmlns="" id="{9BB9878D-988F-4399-9AAD-615D41E24B1E}"/>
+                <a16:creationId xmlns="" xmlns:a16="http://schemas.microsoft.com/office/drawing/2014/main" id="{9BB9878D-988F-4399-9AAD-615D41E24B1E}"/>
               </a:ext>
             </a:extLst>
           </p:cNvPr>
@@ -1343,7 +1343,7 @@
           <p:cNvPr id="4" name="Content Placeholder 3">
             <a:extLst>
               <a:ext uri="{FF2B5EF4-FFF2-40B4-BE49-F238E27FC236}">
-                <a16:creationId xmlns:a16="http://schemas.microsoft.com/office/drawing/2014/main" xmlns="" id="{30E62421-7D8B-48A4-9049-07EB947851CD}"/>
+                <a16:creationId xmlns="" xmlns:a16="http://schemas.microsoft.com/office/drawing/2014/main" id="{30E62421-7D8B-48A4-9049-07EB947851CD}"/>
               </a:ext>
             </a:extLst>
           </p:cNvPr>
@@ -1405,7 +1405,7 @@
           <p:cNvPr id="5" name="Date Placeholder 4">
             <a:extLst>
               <a:ext uri="{FF2B5EF4-FFF2-40B4-BE49-F238E27FC236}">
-                <a16:creationId xmlns:a16="http://schemas.microsoft.com/office/drawing/2014/main" xmlns="" id="{78FB5A60-C94B-42A2-954D-B46DD53AA27C}"/>
+                <a16:creationId xmlns="" xmlns:a16="http://schemas.microsoft.com/office/drawing/2014/main" id="{78FB5A60-C94B-42A2-954D-B46DD53AA27C}"/>
               </a:ext>
             </a:extLst>
           </p:cNvPr>
@@ -1434,7 +1434,7 @@
           <p:cNvPr id="6" name="Footer Placeholder 5">
             <a:extLst>
               <a:ext uri="{FF2B5EF4-FFF2-40B4-BE49-F238E27FC236}">
-                <a16:creationId xmlns:a16="http://schemas.microsoft.com/office/drawing/2014/main" xmlns="" id="{6E7C963A-FCF9-43F1-9C19-C09C64BEE33D}"/>
+                <a16:creationId xmlns="" xmlns:a16="http://schemas.microsoft.com/office/drawing/2014/main" id="{6E7C963A-FCF9-43F1-9C19-C09C64BEE33D}"/>
               </a:ext>
             </a:extLst>
           </p:cNvPr>
@@ -1459,7 +1459,7 @@
           <p:cNvPr id="7" name="Slide Number Placeholder 6">
             <a:extLst>
               <a:ext uri="{FF2B5EF4-FFF2-40B4-BE49-F238E27FC236}">
-                <a16:creationId xmlns:a16="http://schemas.microsoft.com/office/drawing/2014/main" xmlns="" id="{1977416F-0BD8-431B-A9D8-6433F90782AB}"/>
+                <a16:creationId xmlns="" xmlns:a16="http://schemas.microsoft.com/office/drawing/2014/main" id="{1977416F-0BD8-431B-A9D8-6433F90782AB}"/>
               </a:ext>
             </a:extLst>
           </p:cNvPr>
@@ -1518,7 +1518,7 @@
           <p:cNvPr id="2" name="Title 1">
             <a:extLst>
               <a:ext uri="{FF2B5EF4-FFF2-40B4-BE49-F238E27FC236}">
-                <a16:creationId xmlns:a16="http://schemas.microsoft.com/office/drawing/2014/main" xmlns="" id="{7D848F9C-62F4-4C91-B4A9-F169D483F451}"/>
+                <a16:creationId xmlns="" xmlns:a16="http://schemas.microsoft.com/office/drawing/2014/main" id="{7D848F9C-62F4-4C91-B4A9-F169D483F451}"/>
               </a:ext>
             </a:extLst>
           </p:cNvPr>
@@ -1551,7 +1551,7 @@
           <p:cNvPr id="3" name="Text Placeholder 2">
             <a:extLst>
               <a:ext uri="{FF2B5EF4-FFF2-40B4-BE49-F238E27FC236}">
-                <a16:creationId xmlns:a16="http://schemas.microsoft.com/office/drawing/2014/main" xmlns="" id="{FA87F3D5-36C7-4263-BEBE-401D98622409}"/>
+                <a16:creationId xmlns="" xmlns:a16="http://schemas.microsoft.com/office/drawing/2014/main" id="{FA87F3D5-36C7-4263-BEBE-401D98622409}"/>
               </a:ext>
             </a:extLst>
           </p:cNvPr>
@@ -1622,7 +1622,7 @@
           <p:cNvPr id="4" name="Content Placeholder 3">
             <a:extLst>
               <a:ext uri="{FF2B5EF4-FFF2-40B4-BE49-F238E27FC236}">
-                <a16:creationId xmlns:a16="http://schemas.microsoft.com/office/drawing/2014/main" xmlns="" id="{72EBE290-58BA-49A8-A4FD-98F0A93DA98B}"/>
+                <a16:creationId xmlns="" xmlns:a16="http://schemas.microsoft.com/office/drawing/2014/main" id="{72EBE290-58BA-49A8-A4FD-98F0A93DA98B}"/>
               </a:ext>
             </a:extLst>
           </p:cNvPr>
@@ -1684,7 +1684,7 @@
           <p:cNvPr id="5" name="Text Placeholder 4">
             <a:extLst>
               <a:ext uri="{FF2B5EF4-FFF2-40B4-BE49-F238E27FC236}">
-                <a16:creationId xmlns:a16="http://schemas.microsoft.com/office/drawing/2014/main" xmlns="" id="{C0C2EBBC-FF3C-4F5E-9937-F181E640346C}"/>
+                <a16:creationId xmlns="" xmlns:a16="http://schemas.microsoft.com/office/drawing/2014/main" id="{C0C2EBBC-FF3C-4F5E-9937-F181E640346C}"/>
               </a:ext>
             </a:extLst>
           </p:cNvPr>
@@ -1755,7 +1755,7 @@
           <p:cNvPr id="6" name="Content Placeholder 5">
             <a:extLst>
               <a:ext uri="{FF2B5EF4-FFF2-40B4-BE49-F238E27FC236}">
-                <a16:creationId xmlns:a16="http://schemas.microsoft.com/office/drawing/2014/main" xmlns="" id="{BE66B506-6566-4CDB-A00E-B6A65EAA7ABA}"/>
+                <a16:creationId xmlns="" xmlns:a16="http://schemas.microsoft.com/office/drawing/2014/main" id="{BE66B506-6566-4CDB-A00E-B6A65EAA7ABA}"/>
               </a:ext>
             </a:extLst>
           </p:cNvPr>
@@ -1817,7 +1817,7 @@
           <p:cNvPr id="7" name="Date Placeholder 6">
             <a:extLst>
               <a:ext uri="{FF2B5EF4-FFF2-40B4-BE49-F238E27FC236}">
-                <a16:creationId xmlns:a16="http://schemas.microsoft.com/office/drawing/2014/main" xmlns="" id="{209D9D5D-5099-43AA-B764-C041ADD235FA}"/>
+                <a16:creationId xmlns="" xmlns:a16="http://schemas.microsoft.com/office/drawing/2014/main" id="{209D9D5D-5099-43AA-B764-C041ADD235FA}"/>
               </a:ext>
             </a:extLst>
           </p:cNvPr>
@@ -1846,7 +1846,7 @@
           <p:cNvPr id="8" name="Footer Placeholder 7">
             <a:extLst>
               <a:ext uri="{FF2B5EF4-FFF2-40B4-BE49-F238E27FC236}">
-                <a16:creationId xmlns:a16="http://schemas.microsoft.com/office/drawing/2014/main" xmlns="" id="{3034414E-60C3-46C4-BE61-93E95DE67FB5}"/>
+                <a16:creationId xmlns="" xmlns:a16="http://schemas.microsoft.com/office/drawing/2014/main" id="{3034414E-60C3-46C4-BE61-93E95DE67FB5}"/>
               </a:ext>
             </a:extLst>
           </p:cNvPr>
@@ -1871,7 +1871,7 @@
           <p:cNvPr id="9" name="Slide Number Placeholder 8">
             <a:extLst>
               <a:ext uri="{FF2B5EF4-FFF2-40B4-BE49-F238E27FC236}">
-                <a16:creationId xmlns:a16="http://schemas.microsoft.com/office/drawing/2014/main" xmlns="" id="{8B9B728D-372A-4867-A4F3-7DDE2A563A37}"/>
+                <a16:creationId xmlns="" xmlns:a16="http://schemas.microsoft.com/office/drawing/2014/main" id="{8B9B728D-372A-4867-A4F3-7DDE2A563A37}"/>
               </a:ext>
             </a:extLst>
           </p:cNvPr>
@@ -1930,7 +1930,7 @@
           <p:cNvPr id="2" name="Title 1">
             <a:extLst>
               <a:ext uri="{FF2B5EF4-FFF2-40B4-BE49-F238E27FC236}">
-                <a16:creationId xmlns:a16="http://schemas.microsoft.com/office/drawing/2014/main" xmlns="" id="{C214F47B-BCD9-4716-94D5-15EC3CB11A0A}"/>
+                <a16:creationId xmlns="" xmlns:a16="http://schemas.microsoft.com/office/drawing/2014/main" id="{C214F47B-BCD9-4716-94D5-15EC3CB11A0A}"/>
               </a:ext>
             </a:extLst>
           </p:cNvPr>
@@ -1958,7 +1958,7 @@
           <p:cNvPr id="3" name="Date Placeholder 2">
             <a:extLst>
               <a:ext uri="{FF2B5EF4-FFF2-40B4-BE49-F238E27FC236}">
-                <a16:creationId xmlns:a16="http://schemas.microsoft.com/office/drawing/2014/main" xmlns="" id="{5BAAEFAC-5786-4678-A380-506DEEB12EF3}"/>
+                <a16:creationId xmlns="" xmlns:a16="http://schemas.microsoft.com/office/drawing/2014/main" id="{5BAAEFAC-5786-4678-A380-506DEEB12EF3}"/>
               </a:ext>
             </a:extLst>
           </p:cNvPr>
@@ -1987,7 +1987,7 @@
           <p:cNvPr id="4" name="Footer Placeholder 3">
             <a:extLst>
               <a:ext uri="{FF2B5EF4-FFF2-40B4-BE49-F238E27FC236}">
-                <a16:creationId xmlns:a16="http://schemas.microsoft.com/office/drawing/2014/main" xmlns="" id="{71406E79-FF5E-4BB0-98B4-D79171798B97}"/>
+                <a16:creationId xmlns="" xmlns:a16="http://schemas.microsoft.com/office/drawing/2014/main" id="{71406E79-FF5E-4BB0-98B4-D79171798B97}"/>
               </a:ext>
             </a:extLst>
           </p:cNvPr>
@@ -2012,7 +2012,7 @@
           <p:cNvPr id="5" name="Slide Number Placeholder 4">
             <a:extLst>
               <a:ext uri="{FF2B5EF4-FFF2-40B4-BE49-F238E27FC236}">
-                <a16:creationId xmlns:a16="http://schemas.microsoft.com/office/drawing/2014/main" xmlns="" id="{E377FAFC-A060-4603-BB51-144D1D8EEB5E}"/>
+                <a16:creationId xmlns="" xmlns:a16="http://schemas.microsoft.com/office/drawing/2014/main" id="{E377FAFC-A060-4603-BB51-144D1D8EEB5E}"/>
               </a:ext>
             </a:extLst>
           </p:cNvPr>
@@ -2071,7 +2071,7 @@
           <p:cNvPr id="2" name="Date Placeholder 1">
             <a:extLst>
               <a:ext uri="{FF2B5EF4-FFF2-40B4-BE49-F238E27FC236}">
-                <a16:creationId xmlns:a16="http://schemas.microsoft.com/office/drawing/2014/main" xmlns="" id="{2E49030B-C032-473D-89BD-25F5D9BA8E3B}"/>
+                <a16:creationId xmlns="" xmlns:a16="http://schemas.microsoft.com/office/drawing/2014/main" id="{2E49030B-C032-473D-89BD-25F5D9BA8E3B}"/>
               </a:ext>
             </a:extLst>
           </p:cNvPr>
@@ -2100,7 +2100,7 @@
           <p:cNvPr id="3" name="Footer Placeholder 2">
             <a:extLst>
               <a:ext uri="{FF2B5EF4-FFF2-40B4-BE49-F238E27FC236}">
-                <a16:creationId xmlns:a16="http://schemas.microsoft.com/office/drawing/2014/main" xmlns="" id="{E2DA0B36-E251-4048-8C21-B0B69BF5D061}"/>
+                <a16:creationId xmlns="" xmlns:a16="http://schemas.microsoft.com/office/drawing/2014/main" id="{E2DA0B36-E251-4048-8C21-B0B69BF5D061}"/>
               </a:ext>
             </a:extLst>
           </p:cNvPr>
@@ -2125,7 +2125,7 @@
           <p:cNvPr id="4" name="Slide Number Placeholder 3">
             <a:extLst>
               <a:ext uri="{FF2B5EF4-FFF2-40B4-BE49-F238E27FC236}">
-                <a16:creationId xmlns:a16="http://schemas.microsoft.com/office/drawing/2014/main" xmlns="" id="{7D8C9021-AF77-44D5-9ED2-431AA12AF6D9}"/>
+                <a16:creationId xmlns="" xmlns:a16="http://schemas.microsoft.com/office/drawing/2014/main" id="{7D8C9021-AF77-44D5-9ED2-431AA12AF6D9}"/>
               </a:ext>
             </a:extLst>
           </p:cNvPr>
@@ -2184,7 +2184,7 @@
           <p:cNvPr id="2" name="Title 1">
             <a:extLst>
               <a:ext uri="{FF2B5EF4-FFF2-40B4-BE49-F238E27FC236}">
-                <a16:creationId xmlns:a16="http://schemas.microsoft.com/office/drawing/2014/main" xmlns="" id="{A62CBD0C-6581-4794-A434-004C34F5A6FC}"/>
+                <a16:creationId xmlns="" xmlns:a16="http://schemas.microsoft.com/office/drawing/2014/main" id="{A62CBD0C-6581-4794-A434-004C34F5A6FC}"/>
               </a:ext>
             </a:extLst>
           </p:cNvPr>
@@ -2221,7 +2221,7 @@
           <p:cNvPr id="3" name="Content Placeholder 2">
             <a:extLst>
               <a:ext uri="{FF2B5EF4-FFF2-40B4-BE49-F238E27FC236}">
-                <a16:creationId xmlns:a16="http://schemas.microsoft.com/office/drawing/2014/main" xmlns="" id="{EA5B938B-18D5-4B99-8782-7184D690E29D}"/>
+                <a16:creationId xmlns="" xmlns:a16="http://schemas.microsoft.com/office/drawing/2014/main" id="{EA5B938B-18D5-4B99-8782-7184D690E29D}"/>
               </a:ext>
             </a:extLst>
           </p:cNvPr>
@@ -2311,7 +2311,7 @@
           <p:cNvPr id="4" name="Text Placeholder 3">
             <a:extLst>
               <a:ext uri="{FF2B5EF4-FFF2-40B4-BE49-F238E27FC236}">
-                <a16:creationId xmlns:a16="http://schemas.microsoft.com/office/drawing/2014/main" xmlns="" id="{24F35D0B-590E-487E-824D-5375BB6C9EB0}"/>
+                <a16:creationId xmlns="" xmlns:a16="http://schemas.microsoft.com/office/drawing/2014/main" id="{24F35D0B-590E-487E-824D-5375BB6C9EB0}"/>
               </a:ext>
             </a:extLst>
           </p:cNvPr>
@@ -2382,7 +2382,7 @@
           <p:cNvPr id="5" name="Date Placeholder 4">
             <a:extLst>
               <a:ext uri="{FF2B5EF4-FFF2-40B4-BE49-F238E27FC236}">
-                <a16:creationId xmlns:a16="http://schemas.microsoft.com/office/drawing/2014/main" xmlns="" id="{21C2D904-4F63-43D8-8DC3-99CA4EE46904}"/>
+                <a16:creationId xmlns="" xmlns:a16="http://schemas.microsoft.com/office/drawing/2014/main" id="{21C2D904-4F63-43D8-8DC3-99CA4EE46904}"/>
               </a:ext>
             </a:extLst>
           </p:cNvPr>
@@ -2411,7 +2411,7 @@
           <p:cNvPr id="6" name="Footer Placeholder 5">
             <a:extLst>
               <a:ext uri="{FF2B5EF4-FFF2-40B4-BE49-F238E27FC236}">
-                <a16:creationId xmlns:a16="http://schemas.microsoft.com/office/drawing/2014/main" xmlns="" id="{C97D8104-0264-45B0-8A33-0C74B75E1848}"/>
+                <a16:creationId xmlns="" xmlns:a16="http://schemas.microsoft.com/office/drawing/2014/main" id="{C97D8104-0264-45B0-8A33-0C74B75E1848}"/>
               </a:ext>
             </a:extLst>
           </p:cNvPr>
@@ -2436,7 +2436,7 @@
           <p:cNvPr id="7" name="Slide Number Placeholder 6">
             <a:extLst>
               <a:ext uri="{FF2B5EF4-FFF2-40B4-BE49-F238E27FC236}">
-                <a16:creationId xmlns:a16="http://schemas.microsoft.com/office/drawing/2014/main" xmlns="" id="{8334FEFE-8602-4E91-ADDB-7F1AFCAA5442}"/>
+                <a16:creationId xmlns="" xmlns:a16="http://schemas.microsoft.com/office/drawing/2014/main" id="{8334FEFE-8602-4E91-ADDB-7F1AFCAA5442}"/>
               </a:ext>
             </a:extLst>
           </p:cNvPr>
@@ -2495,7 +2495,7 @@
           <p:cNvPr id="2" name="Title 1">
             <a:extLst>
               <a:ext uri="{FF2B5EF4-FFF2-40B4-BE49-F238E27FC236}">
-                <a16:creationId xmlns:a16="http://schemas.microsoft.com/office/drawing/2014/main" xmlns="" id="{B986DF5E-279F-4D1E-B22C-A9C0189FEB54}"/>
+                <a16:creationId xmlns="" xmlns:a16="http://schemas.microsoft.com/office/drawing/2014/main" id="{B986DF5E-279F-4D1E-B22C-A9C0189FEB54}"/>
               </a:ext>
             </a:extLst>
           </p:cNvPr>
@@ -2532,7 +2532,7 @@
           <p:cNvPr id="3" name="Picture Placeholder 2">
             <a:extLst>
               <a:ext uri="{FF2B5EF4-FFF2-40B4-BE49-F238E27FC236}">
-                <a16:creationId xmlns:a16="http://schemas.microsoft.com/office/drawing/2014/main" xmlns="" id="{91F8126A-0E9C-452F-8DE0-02FCDB34843F}"/>
+                <a16:creationId xmlns="" xmlns:a16="http://schemas.microsoft.com/office/drawing/2014/main" id="{91F8126A-0E9C-452F-8DE0-02FCDB34843F}"/>
               </a:ext>
             </a:extLst>
           </p:cNvPr>
@@ -2599,7 +2599,7 @@
           <p:cNvPr id="4" name="Text Placeholder 3">
             <a:extLst>
               <a:ext uri="{FF2B5EF4-FFF2-40B4-BE49-F238E27FC236}">
-                <a16:creationId xmlns:a16="http://schemas.microsoft.com/office/drawing/2014/main" xmlns="" id="{CF34F57E-DC26-4185-AED7-EDD93350D84F}"/>
+                <a16:creationId xmlns="" xmlns:a16="http://schemas.microsoft.com/office/drawing/2014/main" id="{CF34F57E-DC26-4185-AED7-EDD93350D84F}"/>
               </a:ext>
             </a:extLst>
           </p:cNvPr>
@@ -2670,7 +2670,7 @@
           <p:cNvPr id="5" name="Date Placeholder 4">
             <a:extLst>
               <a:ext uri="{FF2B5EF4-FFF2-40B4-BE49-F238E27FC236}">
-                <a16:creationId xmlns:a16="http://schemas.microsoft.com/office/drawing/2014/main" xmlns="" id="{E7C4373B-5433-43B0-99C9-FD64134207C8}"/>
+                <a16:creationId xmlns="" xmlns:a16="http://schemas.microsoft.com/office/drawing/2014/main" id="{E7C4373B-5433-43B0-99C9-FD64134207C8}"/>
               </a:ext>
             </a:extLst>
           </p:cNvPr>
@@ -2699,7 +2699,7 @@
           <p:cNvPr id="6" name="Footer Placeholder 5">
             <a:extLst>
               <a:ext uri="{FF2B5EF4-FFF2-40B4-BE49-F238E27FC236}">
-                <a16:creationId xmlns:a16="http://schemas.microsoft.com/office/drawing/2014/main" xmlns="" id="{F8772B46-31B1-4A66-8205-468E8DBE5F25}"/>
+                <a16:creationId xmlns="" xmlns:a16="http://schemas.microsoft.com/office/drawing/2014/main" id="{F8772B46-31B1-4A66-8205-468E8DBE5F25}"/>
               </a:ext>
             </a:extLst>
           </p:cNvPr>
@@ -2724,7 +2724,7 @@
           <p:cNvPr id="7" name="Slide Number Placeholder 6">
             <a:extLst>
               <a:ext uri="{FF2B5EF4-FFF2-40B4-BE49-F238E27FC236}">
-                <a16:creationId xmlns:a16="http://schemas.microsoft.com/office/drawing/2014/main" xmlns="" id="{290CD64F-42B3-45EF-9BC2-104B67591B51}"/>
+                <a16:creationId xmlns="" xmlns:a16="http://schemas.microsoft.com/office/drawing/2014/main" id="{290CD64F-42B3-45EF-9BC2-104B67591B51}"/>
               </a:ext>
             </a:extLst>
           </p:cNvPr>
@@ -2788,7 +2788,7 @@
           <p:cNvPr id="2" name="Title Placeholder 1">
             <a:extLst>
               <a:ext uri="{FF2B5EF4-FFF2-40B4-BE49-F238E27FC236}">
-                <a16:creationId xmlns:a16="http://schemas.microsoft.com/office/drawing/2014/main" xmlns="" id="{5B0F9736-4C3C-43EB-BD45-BB4FA5F3229C}"/>
+                <a16:creationId xmlns="" xmlns:a16="http://schemas.microsoft.com/office/drawing/2014/main" id="{5B0F9736-4C3C-43EB-BD45-BB4FA5F3229C}"/>
               </a:ext>
             </a:extLst>
           </p:cNvPr>
@@ -2826,7 +2826,7 @@
           <p:cNvPr id="3" name="Text Placeholder 2">
             <a:extLst>
               <a:ext uri="{FF2B5EF4-FFF2-40B4-BE49-F238E27FC236}">
-                <a16:creationId xmlns:a16="http://schemas.microsoft.com/office/drawing/2014/main" xmlns="" id="{5D2F8E7A-FF76-4305-8285-F14E88BB2D3B}"/>
+                <a16:creationId xmlns="" xmlns:a16="http://schemas.microsoft.com/office/drawing/2014/main" id="{5D2F8E7A-FF76-4305-8285-F14E88BB2D3B}"/>
               </a:ext>
             </a:extLst>
           </p:cNvPr>
@@ -2893,7 +2893,7 @@
           <p:cNvPr id="4" name="Date Placeholder 3">
             <a:extLst>
               <a:ext uri="{FF2B5EF4-FFF2-40B4-BE49-F238E27FC236}">
-                <a16:creationId xmlns:a16="http://schemas.microsoft.com/office/drawing/2014/main" xmlns="" id="{5B80E4F0-B5D4-4409-B24A-AC51F9852D18}"/>
+                <a16:creationId xmlns="" xmlns:a16="http://schemas.microsoft.com/office/drawing/2014/main" id="{5B80E4F0-B5D4-4409-B24A-AC51F9852D18}"/>
               </a:ext>
             </a:extLst>
           </p:cNvPr>
@@ -2940,7 +2940,7 @@
           <p:cNvPr id="5" name="Footer Placeholder 4">
             <a:extLst>
               <a:ext uri="{FF2B5EF4-FFF2-40B4-BE49-F238E27FC236}">
-                <a16:creationId xmlns:a16="http://schemas.microsoft.com/office/drawing/2014/main" xmlns="" id="{7CA12EA9-C5B5-4C77-8193-6F0871E6B939}"/>
+                <a16:creationId xmlns="" xmlns:a16="http://schemas.microsoft.com/office/drawing/2014/main" id="{7CA12EA9-C5B5-4C77-8193-6F0871E6B939}"/>
               </a:ext>
             </a:extLst>
           </p:cNvPr>
@@ -2983,7 +2983,7 @@
           <p:cNvPr id="6" name="Slide Number Placeholder 5">
             <a:extLst>
               <a:ext uri="{FF2B5EF4-FFF2-40B4-BE49-F238E27FC236}">
-                <a16:creationId xmlns:a16="http://schemas.microsoft.com/office/drawing/2014/main" xmlns="" id="{C847B8E2-E6FB-483B-B1FC-97BC2AEF4189}"/>
+                <a16:creationId xmlns="" xmlns:a16="http://schemas.microsoft.com/office/drawing/2014/main" id="{C847B8E2-E6FB-483B-B1FC-97BC2AEF4189}"/>
               </a:ext>
             </a:extLst>
           </p:cNvPr>
@@ -3449,7 +3449,7 @@
           <p:cNvPr id="4" name="Picture 3">
             <a:extLst>
               <a:ext uri="{FF2B5EF4-FFF2-40B4-BE49-F238E27FC236}">
-                <a16:creationId xmlns:a16="http://schemas.microsoft.com/office/drawing/2014/main" xmlns="" id="{699543CA-89DB-4D71-BE86-2A4DBF78CDCC}"/>
+                <a16:creationId xmlns="" xmlns:a16="http://schemas.microsoft.com/office/drawing/2014/main" id="{699543CA-89DB-4D71-BE86-2A4DBF78CDCC}"/>
               </a:ext>
             </a:extLst>
           </p:cNvPr>
@@ -3593,7 +3593,7 @@
           <p:cNvPr id="5" name="Title 1">
             <a:extLst>
               <a:ext uri="{FF2B5EF4-FFF2-40B4-BE49-F238E27FC236}">
-                <a16:creationId xmlns:a16="http://schemas.microsoft.com/office/drawing/2014/main" xmlns="" id="{F6D882FA-475A-4E48-A526-59B78DBD0925}"/>
+                <a16:creationId xmlns="" xmlns:a16="http://schemas.microsoft.com/office/drawing/2014/main" id="{F6D882FA-475A-4E48-A526-59B78DBD0925}"/>
               </a:ext>
             </a:extLst>
           </p:cNvPr>
@@ -3645,7 +3645,7 @@
           <p:cNvPr id="6" name="Content Placeholder 2">
             <a:extLst>
               <a:ext uri="{FF2B5EF4-FFF2-40B4-BE49-F238E27FC236}">
-                <a16:creationId xmlns:a16="http://schemas.microsoft.com/office/drawing/2014/main" xmlns="" id="{5FB4A1A1-12E7-49E1-BFDB-EC5D32132C76}"/>
+                <a16:creationId xmlns="" xmlns:a16="http://schemas.microsoft.com/office/drawing/2014/main" id="{5FB4A1A1-12E7-49E1-BFDB-EC5D32132C76}"/>
               </a:ext>
             </a:extLst>
           </p:cNvPr>
@@ -3929,7 +3929,7 @@
           <p:cNvPr id="5" name="Title 1">
             <a:extLst>
               <a:ext uri="{FF2B5EF4-FFF2-40B4-BE49-F238E27FC236}">
-                <a16:creationId xmlns:a16="http://schemas.microsoft.com/office/drawing/2014/main" xmlns="" id="{F6D882FA-475A-4E48-A526-59B78DBD0925}"/>
+                <a16:creationId xmlns="" xmlns:a16="http://schemas.microsoft.com/office/drawing/2014/main" id="{F6D882FA-475A-4E48-A526-59B78DBD0925}"/>
               </a:ext>
             </a:extLst>
           </p:cNvPr>
@@ -4090,7 +4090,7 @@
           <p:cNvPr id="5" name="Title 1">
             <a:extLst>
               <a:ext uri="{FF2B5EF4-FFF2-40B4-BE49-F238E27FC236}">
-                <a16:creationId xmlns:a16="http://schemas.microsoft.com/office/drawing/2014/main" xmlns="" id="{F6D882FA-475A-4E48-A526-59B78DBD0925}"/>
+                <a16:creationId xmlns="" xmlns:a16="http://schemas.microsoft.com/office/drawing/2014/main" id="{F6D882FA-475A-4E48-A526-59B78DBD0925}"/>
               </a:ext>
             </a:extLst>
           </p:cNvPr>
@@ -4267,7 +4267,7 @@
           <p:cNvPr id="5" name="Title 1">
             <a:extLst>
               <a:ext uri="{FF2B5EF4-FFF2-40B4-BE49-F238E27FC236}">
-                <a16:creationId xmlns:a16="http://schemas.microsoft.com/office/drawing/2014/main" xmlns="" id="{F6D882FA-475A-4E48-A526-59B78DBD0925}"/>
+                <a16:creationId xmlns="" xmlns:a16="http://schemas.microsoft.com/office/drawing/2014/main" id="{F6D882FA-475A-4E48-A526-59B78DBD0925}"/>
               </a:ext>
             </a:extLst>
           </p:cNvPr>
@@ -4319,7 +4319,7 @@
           <p:cNvPr id="4" name="TextBox 3">
             <a:extLst>
               <a:ext uri="{FF2B5EF4-FFF2-40B4-BE49-F238E27FC236}">
-                <a16:creationId xmlns:a16="http://schemas.microsoft.com/office/drawing/2014/main" xmlns="" id="{11EBC4F0-F3A0-4B18-A5D4-A18EB858D4EA}"/>
+                <a16:creationId xmlns="" xmlns:a16="http://schemas.microsoft.com/office/drawing/2014/main" id="{11EBC4F0-F3A0-4B18-A5D4-A18EB858D4EA}"/>
               </a:ext>
             </a:extLst>
           </p:cNvPr>
@@ -4360,7 +4360,7 @@
           <p:cNvPr id="8" name="Picture 7">
             <a:extLst>
               <a:ext uri="{FF2B5EF4-FFF2-40B4-BE49-F238E27FC236}">
-                <a16:creationId xmlns:a16="http://schemas.microsoft.com/office/drawing/2014/main" xmlns="" id="{47C4953A-8A74-4F23-AD93-DDD740C70413}"/>
+                <a16:creationId xmlns="" xmlns:a16="http://schemas.microsoft.com/office/drawing/2014/main" id="{47C4953A-8A74-4F23-AD93-DDD740C70413}"/>
               </a:ext>
             </a:extLst>
           </p:cNvPr>
@@ -4395,7 +4395,7 @@
           <p:cNvPr id="9" name="Oval 8">
             <a:extLst>
               <a:ext uri="{FF2B5EF4-FFF2-40B4-BE49-F238E27FC236}">
-                <a16:creationId xmlns:a16="http://schemas.microsoft.com/office/drawing/2014/main" xmlns="" id="{434EBF43-6239-443B-8BD4-985F3D44D204}"/>
+                <a16:creationId xmlns="" xmlns:a16="http://schemas.microsoft.com/office/drawing/2014/main" id="{434EBF43-6239-443B-8BD4-985F3D44D204}"/>
               </a:ext>
             </a:extLst>
           </p:cNvPr>
@@ -4531,7 +4531,7 @@
           <p:cNvPr id="5" name="Title 1">
             <a:extLst>
               <a:ext uri="{FF2B5EF4-FFF2-40B4-BE49-F238E27FC236}">
-                <a16:creationId xmlns:a16="http://schemas.microsoft.com/office/drawing/2014/main" xmlns="" id="{F6D882FA-475A-4E48-A526-59B78DBD0925}"/>
+                <a16:creationId xmlns="" xmlns:a16="http://schemas.microsoft.com/office/drawing/2014/main" id="{F6D882FA-475A-4E48-A526-59B78DBD0925}"/>
               </a:ext>
             </a:extLst>
           </p:cNvPr>
@@ -4583,7 +4583,7 @@
           <p:cNvPr id="7" name="Picture 6">
             <a:extLst>
               <a:ext uri="{FF2B5EF4-FFF2-40B4-BE49-F238E27FC236}">
-                <a16:creationId xmlns:a16="http://schemas.microsoft.com/office/drawing/2014/main" xmlns="" id="{9014AA15-42EB-4919-8018-3AEF7D2D3ECC}"/>
+                <a16:creationId xmlns="" xmlns:a16="http://schemas.microsoft.com/office/drawing/2014/main" id="{9014AA15-42EB-4919-8018-3AEF7D2D3ECC}"/>
               </a:ext>
             </a:extLst>
           </p:cNvPr>
@@ -4618,7 +4618,7 @@
           <p:cNvPr id="8" name="TextBox 7">
             <a:extLst>
               <a:ext uri="{FF2B5EF4-FFF2-40B4-BE49-F238E27FC236}">
-                <a16:creationId xmlns:a16="http://schemas.microsoft.com/office/drawing/2014/main" xmlns="" id="{D49216DF-32DF-467C-9D80-222DFF406314}"/>
+                <a16:creationId xmlns="" xmlns:a16="http://schemas.microsoft.com/office/drawing/2014/main" id="{D49216DF-32DF-467C-9D80-222DFF406314}"/>
               </a:ext>
             </a:extLst>
           </p:cNvPr>
@@ -4659,7 +4659,7 @@
           <p:cNvPr id="9" name="Oval 8">
             <a:extLst>
               <a:ext uri="{FF2B5EF4-FFF2-40B4-BE49-F238E27FC236}">
-                <a16:creationId xmlns:a16="http://schemas.microsoft.com/office/drawing/2014/main" xmlns="" id="{C3B79E44-0B43-480D-BA3F-141F023B7C60}"/>
+                <a16:creationId xmlns="" xmlns:a16="http://schemas.microsoft.com/office/drawing/2014/main" id="{C3B79E44-0B43-480D-BA3F-141F023B7C60}"/>
               </a:ext>
             </a:extLst>
           </p:cNvPr>
@@ -4810,7 +4810,7 @@
           <p:cNvPr id="4" name="Title 1">
             <a:extLst>
               <a:ext uri="{FF2B5EF4-FFF2-40B4-BE49-F238E27FC236}">
-                <a16:creationId xmlns:a16="http://schemas.microsoft.com/office/drawing/2014/main" xmlns="" id="{DC46E228-8C17-45CD-86DE-C0BF03BCC47D}"/>
+                <a16:creationId xmlns="" xmlns:a16="http://schemas.microsoft.com/office/drawing/2014/main" id="{DC46E228-8C17-45CD-86DE-C0BF03BCC47D}"/>
               </a:ext>
             </a:extLst>
           </p:cNvPr>
@@ -4862,7 +4862,7 @@
           <p:cNvPr id="6" name="TextBox 5">
             <a:extLst>
               <a:ext uri="{FF2B5EF4-FFF2-40B4-BE49-F238E27FC236}">
-                <a16:creationId xmlns:a16="http://schemas.microsoft.com/office/drawing/2014/main" xmlns="" id="{873F2752-B09D-453D-ACB0-CC9C58A35759}"/>
+                <a16:creationId xmlns="" xmlns:a16="http://schemas.microsoft.com/office/drawing/2014/main" id="{873F2752-B09D-453D-ACB0-CC9C58A35759}"/>
               </a:ext>
             </a:extLst>
           </p:cNvPr>
@@ -4903,7 +4903,7 @@
           <p:cNvPr id="7" name="Picture 6">
             <a:extLst>
               <a:ext uri="{FF2B5EF4-FFF2-40B4-BE49-F238E27FC236}">
-                <a16:creationId xmlns:a16="http://schemas.microsoft.com/office/drawing/2014/main" xmlns="" id="{6CCAA3E2-2234-41A4-93A0-60931B95DD23}"/>
+                <a16:creationId xmlns="" xmlns:a16="http://schemas.microsoft.com/office/drawing/2014/main" id="{6CCAA3E2-2234-41A4-93A0-60931B95DD23}"/>
               </a:ext>
             </a:extLst>
           </p:cNvPr>
@@ -4938,7 +4938,7 @@
           <p:cNvPr id="8" name="Oval 7">
             <a:extLst>
               <a:ext uri="{FF2B5EF4-FFF2-40B4-BE49-F238E27FC236}">
-                <a16:creationId xmlns:a16="http://schemas.microsoft.com/office/drawing/2014/main" xmlns="" id="{9D3BE543-70AB-4967-8FBD-BBD391C38E66}"/>
+                <a16:creationId xmlns="" xmlns:a16="http://schemas.microsoft.com/office/drawing/2014/main" id="{9D3BE543-70AB-4967-8FBD-BBD391C38E66}"/>
               </a:ext>
             </a:extLst>
           </p:cNvPr>
@@ -5070,7 +5070,7 @@
           <p:cNvPr id="4" name="Title 1">
             <a:extLst>
               <a:ext uri="{FF2B5EF4-FFF2-40B4-BE49-F238E27FC236}">
-                <a16:creationId xmlns:a16="http://schemas.microsoft.com/office/drawing/2014/main" xmlns="" id="{DC46E228-8C17-45CD-86DE-C0BF03BCC47D}"/>
+                <a16:creationId xmlns="" xmlns:a16="http://schemas.microsoft.com/office/drawing/2014/main" id="{DC46E228-8C17-45CD-86DE-C0BF03BCC47D}"/>
               </a:ext>
             </a:extLst>
           </p:cNvPr>
@@ -5122,7 +5122,7 @@
           <p:cNvPr id="5" name="TextBox 4">
             <a:extLst>
               <a:ext uri="{FF2B5EF4-FFF2-40B4-BE49-F238E27FC236}">
-                <a16:creationId xmlns:a16="http://schemas.microsoft.com/office/drawing/2014/main" xmlns="" id="{00EC58A1-27FD-4CF9-9B86-36C0FFE28687}"/>
+                <a16:creationId xmlns="" xmlns:a16="http://schemas.microsoft.com/office/drawing/2014/main" id="{00EC58A1-27FD-4CF9-9B86-36C0FFE28687}"/>
               </a:ext>
             </a:extLst>
           </p:cNvPr>
@@ -5163,7 +5163,7 @@
           <p:cNvPr id="6" name="Picture 5">
             <a:extLst>
               <a:ext uri="{FF2B5EF4-FFF2-40B4-BE49-F238E27FC236}">
-                <a16:creationId xmlns:a16="http://schemas.microsoft.com/office/drawing/2014/main" xmlns="" id="{FD596771-457F-4C2D-9D15-25FE0BF8507C}"/>
+                <a16:creationId xmlns="" xmlns:a16="http://schemas.microsoft.com/office/drawing/2014/main" id="{FD596771-457F-4C2D-9D15-25FE0BF8507C}"/>
               </a:ext>
             </a:extLst>
           </p:cNvPr>
@@ -5198,7 +5198,7 @@
           <p:cNvPr id="7" name="Oval 6">
             <a:extLst>
               <a:ext uri="{FF2B5EF4-FFF2-40B4-BE49-F238E27FC236}">
-                <a16:creationId xmlns:a16="http://schemas.microsoft.com/office/drawing/2014/main" xmlns="" id="{F643298F-740E-444C-9CD4-D244428B2C18}"/>
+                <a16:creationId xmlns="" xmlns:a16="http://schemas.microsoft.com/office/drawing/2014/main" id="{F643298F-740E-444C-9CD4-D244428B2C18}"/>
               </a:ext>
             </a:extLst>
           </p:cNvPr>
@@ -5400,7 +5400,7 @@
           <p:cNvPr id="4" name="Title 1">
             <a:extLst>
               <a:ext uri="{FF2B5EF4-FFF2-40B4-BE49-F238E27FC236}">
-                <a16:creationId xmlns:a16="http://schemas.microsoft.com/office/drawing/2014/main" xmlns="" id="{DC46E228-8C17-45CD-86DE-C0BF03BCC47D}"/>
+                <a16:creationId xmlns="" xmlns:a16="http://schemas.microsoft.com/office/drawing/2014/main" id="{DC46E228-8C17-45CD-86DE-C0BF03BCC47D}"/>
               </a:ext>
             </a:extLst>
           </p:cNvPr>
@@ -5581,7 +5581,7 @@
           <p:cNvPr id="4" name="Title 1">
             <a:extLst>
               <a:ext uri="{FF2B5EF4-FFF2-40B4-BE49-F238E27FC236}">
-                <a16:creationId xmlns:a16="http://schemas.microsoft.com/office/drawing/2014/main" xmlns="" id="{DC46E228-8C17-45CD-86DE-C0BF03BCC47D}"/>
+                <a16:creationId xmlns="" xmlns:a16="http://schemas.microsoft.com/office/drawing/2014/main" id="{DC46E228-8C17-45CD-86DE-C0BF03BCC47D}"/>
               </a:ext>
             </a:extLst>
           </p:cNvPr>
@@ -5757,7 +5757,7 @@
           <p:cNvPr id="4" name="Title 1">
             <a:extLst>
               <a:ext uri="{FF2B5EF4-FFF2-40B4-BE49-F238E27FC236}">
-                <a16:creationId xmlns:a16="http://schemas.microsoft.com/office/drawing/2014/main" xmlns="" id="{DC46E228-8C17-45CD-86DE-C0BF03BCC47D}"/>
+                <a16:creationId xmlns="" xmlns:a16="http://schemas.microsoft.com/office/drawing/2014/main" id="{DC46E228-8C17-45CD-86DE-C0BF03BCC47D}"/>
               </a:ext>
             </a:extLst>
           </p:cNvPr>
@@ -5846,7 +5846,7 @@
           <p:cNvPr id="2" name="Title 1">
             <a:extLst>
               <a:ext uri="{FF2B5EF4-FFF2-40B4-BE49-F238E27FC236}">
-                <a16:creationId xmlns:a16="http://schemas.microsoft.com/office/drawing/2014/main" xmlns="" id="{7C9DF14B-5499-442C-8370-84BF84438779}"/>
+                <a16:creationId xmlns="" xmlns:a16="http://schemas.microsoft.com/office/drawing/2014/main" id="{7C9DF14B-5499-442C-8370-84BF84438779}"/>
               </a:ext>
             </a:extLst>
           </p:cNvPr>
@@ -5874,7 +5874,7 @@
           <p:cNvPr id="3" name="Content Placeholder 2">
             <a:extLst>
               <a:ext uri="{FF2B5EF4-FFF2-40B4-BE49-F238E27FC236}">
-                <a16:creationId xmlns:a16="http://schemas.microsoft.com/office/drawing/2014/main" xmlns="" id="{9E2719A5-DD74-4359-BD38-864C8C66B135}"/>
+                <a16:creationId xmlns="" xmlns:a16="http://schemas.microsoft.com/office/drawing/2014/main" id="{9E2719A5-DD74-4359-BD38-864C8C66B135}"/>
               </a:ext>
             </a:extLst>
           </p:cNvPr>
@@ -6235,7 +6235,7 @@
           <p:cNvPr id="5" name="Title 1">
             <a:extLst>
               <a:ext uri="{FF2B5EF4-FFF2-40B4-BE49-F238E27FC236}">
-                <a16:creationId xmlns:a16="http://schemas.microsoft.com/office/drawing/2014/main" xmlns="" id="{F6D882FA-475A-4E48-A526-59B78DBD0925}"/>
+                <a16:creationId xmlns="" xmlns:a16="http://schemas.microsoft.com/office/drawing/2014/main" id="{F6D882FA-475A-4E48-A526-59B78DBD0925}"/>
               </a:ext>
             </a:extLst>
           </p:cNvPr>
@@ -6287,7 +6287,7 @@
           <p:cNvPr id="4" name="image5.png">
             <a:extLst>
               <a:ext uri="{FF2B5EF4-FFF2-40B4-BE49-F238E27FC236}">
-                <a16:creationId xmlns:a16="http://schemas.microsoft.com/office/drawing/2014/main" xmlns="" id="{152FC0C9-DF46-44C8-86A6-CB4665AE3727}"/>
+                <a16:creationId xmlns="" xmlns:a16="http://schemas.microsoft.com/office/drawing/2014/main" id="{152FC0C9-DF46-44C8-86A6-CB4665AE3727}"/>
               </a:ext>
             </a:extLst>
           </p:cNvPr>
@@ -6317,7 +6317,7 @@
           <p:cNvPr id="2" name="TextBox 1">
             <a:extLst>
               <a:ext uri="{FF2B5EF4-FFF2-40B4-BE49-F238E27FC236}">
-                <a16:creationId xmlns:a16="http://schemas.microsoft.com/office/drawing/2014/main" xmlns="" id="{327847B2-77FB-4DF7-B4CF-7766B4F49C58}"/>
+                <a16:creationId xmlns="" xmlns:a16="http://schemas.microsoft.com/office/drawing/2014/main" id="{327847B2-77FB-4DF7-B4CF-7766B4F49C58}"/>
               </a:ext>
             </a:extLst>
           </p:cNvPr>
@@ -6416,7 +6416,7 @@
           <p:cNvPr id="2" name="Title 1">
             <a:extLst>
               <a:ext uri="{FF2B5EF4-FFF2-40B4-BE49-F238E27FC236}">
-                <a16:creationId xmlns:a16="http://schemas.microsoft.com/office/drawing/2014/main" xmlns="" id="{C7747F3C-CE5B-43A5-8BDE-A8FB5D01F5F6}"/>
+                <a16:creationId xmlns="" xmlns:a16="http://schemas.microsoft.com/office/drawing/2014/main" id="{C7747F3C-CE5B-43A5-8BDE-A8FB5D01F5F6}"/>
               </a:ext>
             </a:extLst>
           </p:cNvPr>
@@ -6444,7 +6444,7 @@
           <p:cNvPr id="3" name="Content Placeholder 2">
             <a:extLst>
               <a:ext uri="{FF2B5EF4-FFF2-40B4-BE49-F238E27FC236}">
-                <a16:creationId xmlns:a16="http://schemas.microsoft.com/office/drawing/2014/main" xmlns="" id="{4E4E7E7F-0767-454E-ABFB-D0B5BC39816B}"/>
+                <a16:creationId xmlns="" xmlns:a16="http://schemas.microsoft.com/office/drawing/2014/main" id="{4E4E7E7F-0767-454E-ABFB-D0B5BC39816B}"/>
               </a:ext>
             </a:extLst>
           </p:cNvPr>
@@ -6509,7 +6509,7 @@
           <p:cNvPr id="2" name="Title 1">
             <a:extLst>
               <a:ext uri="{FF2B5EF4-FFF2-40B4-BE49-F238E27FC236}">
-                <a16:creationId xmlns:a16="http://schemas.microsoft.com/office/drawing/2014/main" xmlns="" id="{2D7BA354-2B69-4CBF-A440-4572C3C4F7F6}"/>
+                <a16:creationId xmlns="" xmlns:a16="http://schemas.microsoft.com/office/drawing/2014/main" id="{2D7BA354-2B69-4CBF-A440-4572C3C4F7F6}"/>
               </a:ext>
             </a:extLst>
           </p:cNvPr>
@@ -6692,7 +6692,7 @@
           <p:cNvPr id="5" name="Title 1">
             <a:extLst>
               <a:ext uri="{FF2B5EF4-FFF2-40B4-BE49-F238E27FC236}">
-                <a16:creationId xmlns:a16="http://schemas.microsoft.com/office/drawing/2014/main" xmlns="" id="{F6D882FA-475A-4E48-A526-59B78DBD0925}"/>
+                <a16:creationId xmlns="" xmlns:a16="http://schemas.microsoft.com/office/drawing/2014/main" id="{F6D882FA-475A-4E48-A526-59B78DBD0925}"/>
               </a:ext>
             </a:extLst>
           </p:cNvPr>
@@ -7131,7 +7131,7 @@
           <p:cNvPr id="5" name="Title 1">
             <a:extLst>
               <a:ext uri="{FF2B5EF4-FFF2-40B4-BE49-F238E27FC236}">
-                <a16:creationId xmlns:a16="http://schemas.microsoft.com/office/drawing/2014/main" xmlns="" id="{F6D882FA-475A-4E48-A526-59B78DBD0925}"/>
+                <a16:creationId xmlns="" xmlns:a16="http://schemas.microsoft.com/office/drawing/2014/main" id="{F6D882FA-475A-4E48-A526-59B78DBD0925}"/>
               </a:ext>
             </a:extLst>
           </p:cNvPr>
@@ -7183,7 +7183,7 @@
           <p:cNvPr id="1026" name="Picture 2" descr="Fig. 1">
             <a:extLst>
               <a:ext uri="{FF2B5EF4-FFF2-40B4-BE49-F238E27FC236}">
-                <a16:creationId xmlns:a16="http://schemas.microsoft.com/office/drawing/2014/main" xmlns="" id="{CF2D8FF1-9FAC-4E24-A5BC-8A52C1C7D5EB}"/>
+                <a16:creationId xmlns="" xmlns:a16="http://schemas.microsoft.com/office/drawing/2014/main" id="{CF2D8FF1-9FAC-4E24-A5BC-8A52C1C7D5EB}"/>
               </a:ext>
             </a:extLst>
           </p:cNvPr>
@@ -7230,7 +7230,7 @@
           <p:cNvPr id="6" name="Content Placeholder 2">
             <a:extLst>
               <a:ext uri="{FF2B5EF4-FFF2-40B4-BE49-F238E27FC236}">
-                <a16:creationId xmlns:a16="http://schemas.microsoft.com/office/drawing/2014/main" xmlns="" id="{BB89BEAC-0ECF-4E43-BF53-34078C87C3CB}"/>
+                <a16:creationId xmlns="" xmlns:a16="http://schemas.microsoft.com/office/drawing/2014/main" id="{BB89BEAC-0ECF-4E43-BF53-34078C87C3CB}"/>
               </a:ext>
             </a:extLst>
           </p:cNvPr>
@@ -7514,33 +7514,15 @@
                                   </p:childTnLst>
                                 </p:cTn>
                               </p:par>
-                            </p:childTnLst>
-                          </p:cTn>
-                        </p:par>
-                      </p:childTnLst>
-                    </p:cTn>
-                  </p:par>
-                  <p:par>
-                    <p:cTn id="7" fill="hold">
-                      <p:stCondLst>
-                        <p:cond delay="indefinite"/>
-                      </p:stCondLst>
-                      <p:childTnLst>
-                        <p:par>
-                          <p:cTn id="8" fill="hold">
-                            <p:stCondLst>
-                              <p:cond delay="0"/>
-                            </p:stCondLst>
-                            <p:childTnLst>
                               <p:par>
-                                <p:cTn id="9" presetID="1" presetClass="entr" presetSubtype="0" fill="hold" nodeType="clickEffect">
+                                <p:cTn id="7" presetID="1" presetClass="entr" presetSubtype="0" fill="hold" nodeType="withEffect">
                                   <p:stCondLst>
                                     <p:cond delay="0"/>
                                   </p:stCondLst>
                                   <p:childTnLst>
                                     <p:set>
                                       <p:cBhvr>
-                                        <p:cTn id="10" dur="1" fill="hold">
+                                        <p:cTn id="8" dur="1" fill="hold">
                                           <p:stCondLst>
                                             <p:cond delay="0"/>
                                           </p:stCondLst>
@@ -7628,7 +7610,7 @@
         </p:spPr>
         <p:txBody>
           <a:bodyPr>
-            <a:normAutofit fontScale="92500" lnSpcReduction="20000"/>
+            <a:normAutofit lnSpcReduction="10000"/>
           </a:bodyPr>
           <a:lstStyle/>
           <a:p>
@@ -7669,12 +7651,20 @@
               <a:t>Because </a:t>
             </a:r>
             <a:r>
-              <a:rPr lang="en-US" dirty="0" err="1"/>
+              <a:rPr lang="en-US" i="1" dirty="0"/>
               <a:t>Serfling</a:t>
             </a:r>
             <a:r>
               <a:rPr lang="en-US" dirty="0"/>
-              <a:t>-like models have some complexity, very simplistic approaches have dominated official estimates… ones much worse than others! </a:t>
+              <a:t>-like models have some complexity, very simplistic approaches have dominated official estimates… ones </a:t>
+            </a:r>
+            <a:r>
+              <a:rPr lang="en-US" dirty="0" smtClean="0"/>
+              <a:t>worse </a:t>
+            </a:r>
+            <a:r>
+              <a:rPr lang="en-US" dirty="0"/>
+              <a:t>than others! </a:t>
             </a:r>
           </a:p>
           <a:p>
@@ -7703,33 +7693,12 @@
           <a:p>
             <a:pPr lvl="2"/>
             <a:r>
+              <a:rPr lang="en-US" dirty="0" smtClean="0"/>
+              <a:t>These approaches ignore </a:t>
+            </a:r>
+            <a:r>
               <a:rPr lang="en-US" dirty="0"/>
-              <a:t>Limitations</a:t>
-            </a:r>
-          </a:p>
-          <a:p>
-            <a:pPr lvl="3"/>
-            <a:r>
-              <a:rPr lang="en-US" i="1" dirty="0"/>
-              <a:t>Yearly average-week</a:t>
-            </a:r>
-            <a:r>
-              <a:rPr lang="en-US" dirty="0"/>
-              <a:t> ignore within-year seasonality</a:t>
-            </a:r>
-          </a:p>
-          <a:p>
-            <a:pPr lvl="4"/>
-            <a:r>
-              <a:rPr lang="en-US" dirty="0"/>
-              <a:t>Particularly problematic in populations living in temperate climate</a:t>
-            </a:r>
-          </a:p>
-          <a:p>
-            <a:pPr lvl="3"/>
-            <a:r>
-              <a:rPr lang="en-US" dirty="0"/>
-              <a:t>Both approaches ignore secular changes in mortality</a:t>
+              <a:t>secular changes in mortality</a:t>
             </a:r>
           </a:p>
           <a:p>
@@ -7746,7 +7715,7 @@
           <p:cNvPr id="5" name="Title 1">
             <a:extLst>
               <a:ext uri="{FF2B5EF4-FFF2-40B4-BE49-F238E27FC236}">
-                <a16:creationId xmlns:a16="http://schemas.microsoft.com/office/drawing/2014/main" xmlns="" id="{F6D882FA-475A-4E48-A526-59B78DBD0925}"/>
+                <a16:creationId xmlns="" xmlns:a16="http://schemas.microsoft.com/office/drawing/2014/main" id="{F6D882FA-475A-4E48-A526-59B78DBD0925}"/>
               </a:ext>
             </a:extLst>
           </p:cNvPr>
@@ -7914,7 +7883,7 @@
           <p:cNvPr id="5" name="Title 1">
             <a:extLst>
               <a:ext uri="{FF2B5EF4-FFF2-40B4-BE49-F238E27FC236}">
-                <a16:creationId xmlns:a16="http://schemas.microsoft.com/office/drawing/2014/main" xmlns="" id="{F6D882FA-475A-4E48-A526-59B78DBD0925}"/>
+                <a16:creationId xmlns="" xmlns:a16="http://schemas.microsoft.com/office/drawing/2014/main" id="{F6D882FA-475A-4E48-A526-59B78DBD0925}"/>
               </a:ext>
             </a:extLst>
           </p:cNvPr>
@@ -8058,8 +8027,8 @@
           </a:prstGeom>
         </p:spPr>
       </p:pic>
-      <mc:AlternateContent xmlns:mc="http://schemas.openxmlformats.org/markup-compatibility/2006">
-        <mc:Choice xmlns:a14="http://schemas.microsoft.com/office/drawing/2010/main" Requires="a14">
+      <mc:AlternateContent xmlns:mc="http://schemas.openxmlformats.org/markup-compatibility/2006" xmlns:a14="http://schemas.microsoft.com/office/drawing/2010/main">
+        <mc:Choice Requires="a14">
           <p:sp>
             <p:nvSpPr>
               <p:cNvPr id="3" name="Content Placeholder 2"/>
@@ -8482,7 +8451,7 @@
             </p:txBody>
           </p:sp>
         </mc:Choice>
-        <mc:Fallback>
+        <mc:Fallback xmlns="">
           <p:sp>
             <p:nvSpPr>
               <p:cNvPr id="3" name="Content Placeholder 2"/>
@@ -8525,7 +8494,7 @@
           <p:cNvPr id="5" name="Title 1">
             <a:extLst>
               <a:ext uri="{FF2B5EF4-FFF2-40B4-BE49-F238E27FC236}">
-                <a16:creationId xmlns:a16="http://schemas.microsoft.com/office/drawing/2014/main" xmlns="" id="{F6D882FA-475A-4E48-A526-59B78DBD0925}"/>
+                <a16:creationId xmlns="" xmlns:a16="http://schemas.microsoft.com/office/drawing/2014/main" id="{F6D882FA-475A-4E48-A526-59B78DBD0925}"/>
               </a:ext>
             </a:extLst>
           </p:cNvPr>
@@ -8962,7 +8931,7 @@
           <p:cNvPr id="5" name="Title 1">
             <a:extLst>
               <a:ext uri="{FF2B5EF4-FFF2-40B4-BE49-F238E27FC236}">
-                <a16:creationId xmlns:a16="http://schemas.microsoft.com/office/drawing/2014/main" xmlns="" id="{F6D882FA-475A-4E48-A526-59B78DBD0925}"/>
+                <a16:creationId xmlns="" xmlns:a16="http://schemas.microsoft.com/office/drawing/2014/main" id="{F6D882FA-475A-4E48-A526-59B78DBD0925}"/>
               </a:ext>
             </a:extLst>
           </p:cNvPr>
@@ -9009,14 +8978,14 @@
           </a:p>
         </p:txBody>
       </p:sp>
-      <mc:AlternateContent xmlns:mc="http://schemas.openxmlformats.org/markup-compatibility/2006">
-        <mc:Choice xmlns:a14="http://schemas.microsoft.com/office/drawing/2010/main" Requires="a14">
+      <mc:AlternateContent xmlns:mc="http://schemas.openxmlformats.org/markup-compatibility/2006" xmlns:a14="http://schemas.microsoft.com/office/drawing/2010/main">
+        <mc:Choice Requires="a14">
           <p:sp>
             <p:nvSpPr>
               <p:cNvPr id="2" name="Rectangle 1">
                 <a:extLst>
                   <a:ext uri="{FF2B5EF4-FFF2-40B4-BE49-F238E27FC236}">
-                    <a16:creationId xmlns:a16="http://schemas.microsoft.com/office/drawing/2014/main" xmlns="" id="{866E1362-94C8-4660-8C95-6BF264C89767}"/>
+                    <a16:creationId xmlns="" xmlns:a16="http://schemas.microsoft.com/office/drawing/2014/main" id="{866E1362-94C8-4660-8C95-6BF264C89767}"/>
                   </a:ext>
                 </a:extLst>
               </p:cNvPr>
@@ -9245,7 +9214,7 @@
             </p:txBody>
           </p:sp>
         </mc:Choice>
-        <mc:Fallback>
+        <mc:Fallback xmlns="">
           <p:sp>
             <p:nvSpPr>
               <p:cNvPr id="2" name="Rectangle 1">
@@ -9295,7 +9264,7 @@
           <p:cNvPr id="4" name="Left Brace 3">
             <a:extLst>
               <a:ext uri="{FF2B5EF4-FFF2-40B4-BE49-F238E27FC236}">
-                <a16:creationId xmlns:a16="http://schemas.microsoft.com/office/drawing/2014/main" xmlns="" id="{ED2782F8-6A33-4962-973A-E8414B374DBB}"/>
+                <a16:creationId xmlns="" xmlns:a16="http://schemas.microsoft.com/office/drawing/2014/main" id="{ED2782F8-6A33-4962-973A-E8414B374DBB}"/>
               </a:ext>
             </a:extLst>
           </p:cNvPr>
@@ -9344,7 +9313,7 @@
           <p:cNvPr id="6" name="Left Brace 5">
             <a:extLst>
               <a:ext uri="{FF2B5EF4-FFF2-40B4-BE49-F238E27FC236}">
-                <a16:creationId xmlns:a16="http://schemas.microsoft.com/office/drawing/2014/main" xmlns="" id="{51DA9B3B-BAF5-4682-A646-ED3DE67243E2}"/>
+                <a16:creationId xmlns="" xmlns:a16="http://schemas.microsoft.com/office/drawing/2014/main" id="{51DA9B3B-BAF5-4682-A646-ED3DE67243E2}"/>
               </a:ext>
             </a:extLst>
           </p:cNvPr>
@@ -9393,7 +9362,7 @@
           <p:cNvPr id="7" name="Left Brace 6">
             <a:extLst>
               <a:ext uri="{FF2B5EF4-FFF2-40B4-BE49-F238E27FC236}">
-                <a16:creationId xmlns:a16="http://schemas.microsoft.com/office/drawing/2014/main" xmlns="" id="{9033657C-D7B0-4A3D-A687-E7C365ABCB75}"/>
+                <a16:creationId xmlns="" xmlns:a16="http://schemas.microsoft.com/office/drawing/2014/main" id="{9033657C-D7B0-4A3D-A687-E7C365ABCB75}"/>
               </a:ext>
             </a:extLst>
           </p:cNvPr>
@@ -9442,7 +9411,7 @@
           <p:cNvPr id="8" name="TextBox 7">
             <a:extLst>
               <a:ext uri="{FF2B5EF4-FFF2-40B4-BE49-F238E27FC236}">
-                <a16:creationId xmlns:a16="http://schemas.microsoft.com/office/drawing/2014/main" xmlns="" id="{FBD3B432-5E63-4262-A85A-6590F85328CA}"/>
+                <a16:creationId xmlns="" xmlns:a16="http://schemas.microsoft.com/office/drawing/2014/main" id="{FBD3B432-5E63-4262-A85A-6590F85328CA}"/>
               </a:ext>
             </a:extLst>
           </p:cNvPr>
@@ -9478,7 +9447,7 @@
           <p:cNvPr id="9" name="TextBox 8">
             <a:extLst>
               <a:ext uri="{FF2B5EF4-FFF2-40B4-BE49-F238E27FC236}">
-                <a16:creationId xmlns:a16="http://schemas.microsoft.com/office/drawing/2014/main" xmlns="" id="{ECCCF57F-A47A-4F56-9D89-F656A1F4F355}"/>
+                <a16:creationId xmlns="" xmlns:a16="http://schemas.microsoft.com/office/drawing/2014/main" id="{ECCCF57F-A47A-4F56-9D89-F656A1F4F355}"/>
               </a:ext>
             </a:extLst>
           </p:cNvPr>
@@ -9514,7 +9483,7 @@
           <p:cNvPr id="10" name="TextBox 9">
             <a:extLst>
               <a:ext uri="{FF2B5EF4-FFF2-40B4-BE49-F238E27FC236}">
-                <a16:creationId xmlns:a16="http://schemas.microsoft.com/office/drawing/2014/main" xmlns="" id="{60F267E3-A975-4338-BA76-FDB191F94C9B}"/>
+                <a16:creationId xmlns="" xmlns:a16="http://schemas.microsoft.com/office/drawing/2014/main" id="{60F267E3-A975-4338-BA76-FDB191F94C9B}"/>
               </a:ext>
             </a:extLst>
           </p:cNvPr>

--- a/slides/04_excess_mortality.pptx
+++ b/slides/04_excess_mortality.pptx
@@ -4,6 +4,9 @@
   <p:sldMasterIdLst>
     <p:sldMasterId id="2147483648" r:id="rId1"/>
   </p:sldMasterIdLst>
+  <p:notesMasterIdLst>
+    <p:notesMasterId r:id="rId23"/>
+  </p:notesMasterIdLst>
   <p:sldIdLst>
     <p:sldId id="256" r:id="rId2"/>
     <p:sldId id="346" r:id="rId3"/>
@@ -132,6 +135,439 @@
 </p:presentation>
 </file>
 
+<file path=ppt/notesMasters/notesMaster1.xml><?xml version="1.0" encoding="utf-8"?>
+<p:notesMaster xmlns:a="http://schemas.openxmlformats.org/drawingml/2006/main" xmlns:r="http://schemas.openxmlformats.org/officeDocument/2006/relationships" xmlns:p="http://schemas.openxmlformats.org/presentationml/2006/main">
+  <p:cSld>
+    <p:bg>
+      <p:bgRef idx="1001">
+        <a:schemeClr val="bg1"/>
+      </p:bgRef>
+    </p:bg>
+    <p:spTree>
+      <p:nvGrpSpPr>
+        <p:cNvPr id="1" name=""/>
+        <p:cNvGrpSpPr/>
+        <p:nvPr/>
+      </p:nvGrpSpPr>
+      <p:grpSpPr>
+        <a:xfrm>
+          <a:off x="0" y="0"/>
+          <a:ext cx="0" cy="0"/>
+          <a:chOff x="0" y="0"/>
+          <a:chExt cx="0" cy="0"/>
+        </a:xfrm>
+      </p:grpSpPr>
+      <p:sp>
+        <p:nvSpPr>
+          <p:cNvPr id="2" name="Header Placeholder 1"/>
+          <p:cNvSpPr>
+            <a:spLocks noGrp="1"/>
+          </p:cNvSpPr>
+          <p:nvPr>
+            <p:ph type="hdr" sz="quarter"/>
+          </p:nvPr>
+        </p:nvSpPr>
+        <p:spPr>
+          <a:xfrm>
+            <a:off x="0" y="0"/>
+            <a:ext cx="2971800" cy="458788"/>
+          </a:xfrm>
+          <a:prstGeom prst="rect">
+            <a:avLst/>
+          </a:prstGeom>
+        </p:spPr>
+        <p:txBody>
+          <a:bodyPr vert="horz" lIns="91440" tIns="45720" rIns="91440" bIns="45720" rtlCol="0"/>
+          <a:lstStyle>
+            <a:lvl1pPr algn="l">
+              <a:defRPr sz="1200"/>
+            </a:lvl1pPr>
+          </a:lstStyle>
+          <a:p>
+            <a:endParaRPr lang="en-US"/>
+          </a:p>
+        </p:txBody>
+      </p:sp>
+      <p:sp>
+        <p:nvSpPr>
+          <p:cNvPr id="3" name="Date Placeholder 2"/>
+          <p:cNvSpPr>
+            <a:spLocks noGrp="1"/>
+          </p:cNvSpPr>
+          <p:nvPr>
+            <p:ph type="dt" idx="1"/>
+          </p:nvPr>
+        </p:nvSpPr>
+        <p:spPr>
+          <a:xfrm>
+            <a:off x="3884613" y="0"/>
+            <a:ext cx="2971800" cy="458788"/>
+          </a:xfrm>
+          <a:prstGeom prst="rect">
+            <a:avLst/>
+          </a:prstGeom>
+        </p:spPr>
+        <p:txBody>
+          <a:bodyPr vert="horz" lIns="91440" tIns="45720" rIns="91440" bIns="45720" rtlCol="0"/>
+          <a:lstStyle>
+            <a:lvl1pPr algn="r">
+              <a:defRPr sz="1200"/>
+            </a:lvl1pPr>
+          </a:lstStyle>
+          <a:p>
+            <a:fld id="{B24446E4-B3D2-4F0B-B447-A2281735756F}" type="datetimeFigureOut">
+              <a:rPr lang="en-US" smtClean="0"/>
+              <a:t>5/18/2023</a:t>
+            </a:fld>
+            <a:endParaRPr lang="en-US"/>
+          </a:p>
+        </p:txBody>
+      </p:sp>
+      <p:sp>
+        <p:nvSpPr>
+          <p:cNvPr id="4" name="Slide Image Placeholder 3"/>
+          <p:cNvSpPr>
+            <a:spLocks noGrp="1" noRot="1" noChangeAspect="1"/>
+          </p:cNvSpPr>
+          <p:nvPr>
+            <p:ph type="sldImg" idx="2"/>
+          </p:nvPr>
+        </p:nvSpPr>
+        <p:spPr>
+          <a:xfrm>
+            <a:off x="685800" y="1143000"/>
+            <a:ext cx="5486400" cy="3086100"/>
+          </a:xfrm>
+          <a:prstGeom prst="rect">
+            <a:avLst/>
+          </a:prstGeom>
+          <a:noFill/>
+          <a:ln w="12700">
+            <a:solidFill>
+              <a:prstClr val="black"/>
+            </a:solidFill>
+          </a:ln>
+        </p:spPr>
+        <p:txBody>
+          <a:bodyPr vert="horz" lIns="91440" tIns="45720" rIns="91440" bIns="45720" rtlCol="0" anchor="ctr"/>
+          <a:lstStyle/>
+          <a:p>
+            <a:endParaRPr lang="en-US"/>
+          </a:p>
+        </p:txBody>
+      </p:sp>
+      <p:sp>
+        <p:nvSpPr>
+          <p:cNvPr id="5" name="Notes Placeholder 4"/>
+          <p:cNvSpPr>
+            <a:spLocks noGrp="1"/>
+          </p:cNvSpPr>
+          <p:nvPr>
+            <p:ph type="body" sz="quarter" idx="3"/>
+          </p:nvPr>
+        </p:nvSpPr>
+        <p:spPr>
+          <a:xfrm>
+            <a:off x="685800" y="4400550"/>
+            <a:ext cx="5486400" cy="3600450"/>
+          </a:xfrm>
+          <a:prstGeom prst="rect">
+            <a:avLst/>
+          </a:prstGeom>
+        </p:spPr>
+        <p:txBody>
+          <a:bodyPr vert="horz" lIns="91440" tIns="45720" rIns="91440" bIns="45720" rtlCol="0"/>
+          <a:lstStyle/>
+          <a:p>
+            <a:pPr lvl="0"/>
+            <a:r>
+              <a:rPr lang="en-US"/>
+              <a:t>Edit Master text styles</a:t>
+            </a:r>
+          </a:p>
+          <a:p>
+            <a:pPr lvl="1"/>
+            <a:r>
+              <a:rPr lang="en-US"/>
+              <a:t>Second level</a:t>
+            </a:r>
+          </a:p>
+          <a:p>
+            <a:pPr lvl="2"/>
+            <a:r>
+              <a:rPr lang="en-US"/>
+              <a:t>Third level</a:t>
+            </a:r>
+          </a:p>
+          <a:p>
+            <a:pPr lvl="3"/>
+            <a:r>
+              <a:rPr lang="en-US"/>
+              <a:t>Fourth level</a:t>
+            </a:r>
+          </a:p>
+          <a:p>
+            <a:pPr lvl="4"/>
+            <a:r>
+              <a:rPr lang="en-US"/>
+              <a:t>Fifth level</a:t>
+            </a:r>
+          </a:p>
+        </p:txBody>
+      </p:sp>
+      <p:sp>
+        <p:nvSpPr>
+          <p:cNvPr id="6" name="Footer Placeholder 5"/>
+          <p:cNvSpPr>
+            <a:spLocks noGrp="1"/>
+          </p:cNvSpPr>
+          <p:nvPr>
+            <p:ph type="ftr" sz="quarter" idx="4"/>
+          </p:nvPr>
+        </p:nvSpPr>
+        <p:spPr>
+          <a:xfrm>
+            <a:off x="0" y="8685213"/>
+            <a:ext cx="2971800" cy="458787"/>
+          </a:xfrm>
+          <a:prstGeom prst="rect">
+            <a:avLst/>
+          </a:prstGeom>
+        </p:spPr>
+        <p:txBody>
+          <a:bodyPr vert="horz" lIns="91440" tIns="45720" rIns="91440" bIns="45720" rtlCol="0" anchor="b"/>
+          <a:lstStyle>
+            <a:lvl1pPr algn="l">
+              <a:defRPr sz="1200"/>
+            </a:lvl1pPr>
+          </a:lstStyle>
+          <a:p>
+            <a:endParaRPr lang="en-US"/>
+          </a:p>
+        </p:txBody>
+      </p:sp>
+      <p:sp>
+        <p:nvSpPr>
+          <p:cNvPr id="7" name="Slide Number Placeholder 6"/>
+          <p:cNvSpPr>
+            <a:spLocks noGrp="1"/>
+          </p:cNvSpPr>
+          <p:nvPr>
+            <p:ph type="sldNum" sz="quarter" idx="5"/>
+          </p:nvPr>
+        </p:nvSpPr>
+        <p:spPr>
+          <a:xfrm>
+            <a:off x="3884613" y="8685213"/>
+            <a:ext cx="2971800" cy="458787"/>
+          </a:xfrm>
+          <a:prstGeom prst="rect">
+            <a:avLst/>
+          </a:prstGeom>
+        </p:spPr>
+        <p:txBody>
+          <a:bodyPr vert="horz" lIns="91440" tIns="45720" rIns="91440" bIns="45720" rtlCol="0" anchor="b"/>
+          <a:lstStyle>
+            <a:lvl1pPr algn="r">
+              <a:defRPr sz="1200"/>
+            </a:lvl1pPr>
+          </a:lstStyle>
+          <a:p>
+            <a:fld id="{AF993732-A25B-42F4-8092-E31224CFC2B0}" type="slidenum">
+              <a:rPr lang="en-US" smtClean="0"/>
+              <a:t>‹#›</a:t>
+            </a:fld>
+            <a:endParaRPr lang="en-US"/>
+          </a:p>
+        </p:txBody>
+      </p:sp>
+    </p:spTree>
+    <p:extLst>
+      <p:ext uri="{BB962C8B-B14F-4D97-AF65-F5344CB8AC3E}">
+        <p14:creationId xmlns:p14="http://schemas.microsoft.com/office/powerpoint/2010/main" val="3406155292"/>
+      </p:ext>
+    </p:extLst>
+  </p:cSld>
+  <p:clrMap bg1="lt1" tx1="dk1" bg2="lt2" tx2="dk2" accent1="accent1" accent2="accent2" accent3="accent3" accent4="accent4" accent5="accent5" accent6="accent6" hlink="hlink" folHlink="folHlink"/>
+  <p:notesStyle>
+    <a:lvl1pPr marL="0" algn="l" defTabSz="914400" rtl="0" eaLnBrk="1" latinLnBrk="0" hangingPunct="1">
+      <a:defRPr sz="1200" kern="1200">
+        <a:solidFill>
+          <a:schemeClr val="tx1"/>
+        </a:solidFill>
+        <a:latin typeface="+mn-lt"/>
+        <a:ea typeface="+mn-ea"/>
+        <a:cs typeface="+mn-cs"/>
+      </a:defRPr>
+    </a:lvl1pPr>
+    <a:lvl2pPr marL="457200" algn="l" defTabSz="914400" rtl="0" eaLnBrk="1" latinLnBrk="0" hangingPunct="1">
+      <a:defRPr sz="1200" kern="1200">
+        <a:solidFill>
+          <a:schemeClr val="tx1"/>
+        </a:solidFill>
+        <a:latin typeface="+mn-lt"/>
+        <a:ea typeface="+mn-ea"/>
+        <a:cs typeface="+mn-cs"/>
+      </a:defRPr>
+    </a:lvl2pPr>
+    <a:lvl3pPr marL="914400" algn="l" defTabSz="914400" rtl="0" eaLnBrk="1" latinLnBrk="0" hangingPunct="1">
+      <a:defRPr sz="1200" kern="1200">
+        <a:solidFill>
+          <a:schemeClr val="tx1"/>
+        </a:solidFill>
+        <a:latin typeface="+mn-lt"/>
+        <a:ea typeface="+mn-ea"/>
+        <a:cs typeface="+mn-cs"/>
+      </a:defRPr>
+    </a:lvl3pPr>
+    <a:lvl4pPr marL="1371600" algn="l" defTabSz="914400" rtl="0" eaLnBrk="1" latinLnBrk="0" hangingPunct="1">
+      <a:defRPr sz="1200" kern="1200">
+        <a:solidFill>
+          <a:schemeClr val="tx1"/>
+        </a:solidFill>
+        <a:latin typeface="+mn-lt"/>
+        <a:ea typeface="+mn-ea"/>
+        <a:cs typeface="+mn-cs"/>
+      </a:defRPr>
+    </a:lvl4pPr>
+    <a:lvl5pPr marL="1828800" algn="l" defTabSz="914400" rtl="0" eaLnBrk="1" latinLnBrk="0" hangingPunct="1">
+      <a:defRPr sz="1200" kern="1200">
+        <a:solidFill>
+          <a:schemeClr val="tx1"/>
+        </a:solidFill>
+        <a:latin typeface="+mn-lt"/>
+        <a:ea typeface="+mn-ea"/>
+        <a:cs typeface="+mn-cs"/>
+      </a:defRPr>
+    </a:lvl5pPr>
+    <a:lvl6pPr marL="2286000" algn="l" defTabSz="914400" rtl="0" eaLnBrk="1" latinLnBrk="0" hangingPunct="1">
+      <a:defRPr sz="1200" kern="1200">
+        <a:solidFill>
+          <a:schemeClr val="tx1"/>
+        </a:solidFill>
+        <a:latin typeface="+mn-lt"/>
+        <a:ea typeface="+mn-ea"/>
+        <a:cs typeface="+mn-cs"/>
+      </a:defRPr>
+    </a:lvl6pPr>
+    <a:lvl7pPr marL="2743200" algn="l" defTabSz="914400" rtl="0" eaLnBrk="1" latinLnBrk="0" hangingPunct="1">
+      <a:defRPr sz="1200" kern="1200">
+        <a:solidFill>
+          <a:schemeClr val="tx1"/>
+        </a:solidFill>
+        <a:latin typeface="+mn-lt"/>
+        <a:ea typeface="+mn-ea"/>
+        <a:cs typeface="+mn-cs"/>
+      </a:defRPr>
+    </a:lvl7pPr>
+    <a:lvl8pPr marL="3200400" algn="l" defTabSz="914400" rtl="0" eaLnBrk="1" latinLnBrk="0" hangingPunct="1">
+      <a:defRPr sz="1200" kern="1200">
+        <a:solidFill>
+          <a:schemeClr val="tx1"/>
+        </a:solidFill>
+        <a:latin typeface="+mn-lt"/>
+        <a:ea typeface="+mn-ea"/>
+        <a:cs typeface="+mn-cs"/>
+      </a:defRPr>
+    </a:lvl8pPr>
+    <a:lvl9pPr marL="3657600" algn="l" defTabSz="914400" rtl="0" eaLnBrk="1" latinLnBrk="0" hangingPunct="1">
+      <a:defRPr sz="1200" kern="1200">
+        <a:solidFill>
+          <a:schemeClr val="tx1"/>
+        </a:solidFill>
+        <a:latin typeface="+mn-lt"/>
+        <a:ea typeface="+mn-ea"/>
+        <a:cs typeface="+mn-cs"/>
+      </a:defRPr>
+    </a:lvl9pPr>
+  </p:notesStyle>
+</p:notesMaster>
+</file>
+
+<file path=ppt/notesSlides/notesSlide1.xml><?xml version="1.0" encoding="utf-8"?>
+<p:notes xmlns:a="http://schemas.openxmlformats.org/drawingml/2006/main" xmlns:r="http://schemas.openxmlformats.org/officeDocument/2006/relationships" xmlns:p="http://schemas.openxmlformats.org/presentationml/2006/main">
+  <p:cSld>
+    <p:spTree>
+      <p:nvGrpSpPr>
+        <p:cNvPr id="1" name=""/>
+        <p:cNvGrpSpPr/>
+        <p:nvPr/>
+      </p:nvGrpSpPr>
+      <p:grpSpPr>
+        <a:xfrm>
+          <a:off x="0" y="0"/>
+          <a:ext cx="0" cy="0"/>
+          <a:chOff x="0" y="0"/>
+          <a:chExt cx="0" cy="0"/>
+        </a:xfrm>
+      </p:grpSpPr>
+      <p:sp>
+        <p:nvSpPr>
+          <p:cNvPr id="2" name="Slide Image Placeholder 1"/>
+          <p:cNvSpPr>
+            <a:spLocks noGrp="1" noRot="1" noChangeAspect="1"/>
+          </p:cNvSpPr>
+          <p:nvPr>
+            <p:ph type="sldImg"/>
+          </p:nvPr>
+        </p:nvSpPr>
+        <p:spPr/>
+      </p:sp>
+      <p:sp>
+        <p:nvSpPr>
+          <p:cNvPr id="3" name="Notes Placeholder 2"/>
+          <p:cNvSpPr>
+            <a:spLocks noGrp="1"/>
+          </p:cNvSpPr>
+          <p:nvPr>
+            <p:ph type="body" idx="1"/>
+          </p:nvPr>
+        </p:nvSpPr>
+        <p:spPr/>
+        <p:txBody>
+          <a:bodyPr/>
+          <a:lstStyle/>
+          <a:p>
+            <a:endParaRPr lang="en-US" dirty="0"/>
+          </a:p>
+        </p:txBody>
+      </p:sp>
+      <p:sp>
+        <p:nvSpPr>
+          <p:cNvPr id="4" name="Slide Number Placeholder 3"/>
+          <p:cNvSpPr>
+            <a:spLocks noGrp="1"/>
+          </p:cNvSpPr>
+          <p:nvPr>
+            <p:ph type="sldNum" sz="quarter" idx="5"/>
+          </p:nvPr>
+        </p:nvSpPr>
+        <p:spPr/>
+        <p:txBody>
+          <a:bodyPr/>
+          <a:lstStyle/>
+          <a:p>
+            <a:fld id="{AF993732-A25B-42F4-8092-E31224CFC2B0}" type="slidenum">
+              <a:rPr lang="en-US" smtClean="0"/>
+              <a:t>17</a:t>
+            </a:fld>
+            <a:endParaRPr lang="en-US"/>
+          </a:p>
+        </p:txBody>
+      </p:sp>
+    </p:spTree>
+    <p:extLst>
+      <p:ext uri="{BB962C8B-B14F-4D97-AF65-F5344CB8AC3E}">
+        <p14:creationId xmlns:p14="http://schemas.microsoft.com/office/powerpoint/2010/main" val="3724660238"/>
+      </p:ext>
+    </p:extLst>
+  </p:cSld>
+  <p:clrMapOvr>
+    <a:masterClrMapping/>
+  </p:clrMapOvr>
+</p:notes>
+</file>
+
 <file path=ppt/slideLayouts/slideLayout1.xml><?xml version="1.0" encoding="utf-8"?>
 <p:sldLayout xmlns:a="http://schemas.openxmlformats.org/drawingml/2006/main" xmlns:r="http://schemas.openxmlformats.org/officeDocument/2006/relationships" xmlns:p="http://schemas.openxmlformats.org/presentationml/2006/main" type="title" preserve="1">
   <p:cSld name="Title Slide">
@@ -154,7 +590,7 @@
           <p:cNvPr id="2" name="Title 1">
             <a:extLst>
               <a:ext uri="{FF2B5EF4-FFF2-40B4-BE49-F238E27FC236}">
-                <a16:creationId xmlns="" xmlns:a16="http://schemas.microsoft.com/office/drawing/2014/main" id="{14479AB2-CA12-449F-A2E2-E3B58B7C247D}"/>
+                <a16:creationId xmlns:a16="http://schemas.microsoft.com/office/drawing/2014/main" id="{14479AB2-CA12-449F-A2E2-E3B58B7C247D}"/>
               </a:ext>
             </a:extLst>
           </p:cNvPr>
@@ -191,7 +627,7 @@
           <p:cNvPr id="3" name="Subtitle 2">
             <a:extLst>
               <a:ext uri="{FF2B5EF4-FFF2-40B4-BE49-F238E27FC236}">
-                <a16:creationId xmlns="" xmlns:a16="http://schemas.microsoft.com/office/drawing/2014/main" id="{9E00C476-4694-49BF-A2C0-2D164BC642C5}"/>
+                <a16:creationId xmlns:a16="http://schemas.microsoft.com/office/drawing/2014/main" id="{9E00C476-4694-49BF-A2C0-2D164BC642C5}"/>
               </a:ext>
             </a:extLst>
           </p:cNvPr>
@@ -261,7 +697,7 @@
           <p:cNvPr id="4" name="Date Placeholder 3">
             <a:extLst>
               <a:ext uri="{FF2B5EF4-FFF2-40B4-BE49-F238E27FC236}">
-                <a16:creationId xmlns="" xmlns:a16="http://schemas.microsoft.com/office/drawing/2014/main" id="{1075986F-3567-40E2-A9D4-DB8C9C935C36}"/>
+                <a16:creationId xmlns:a16="http://schemas.microsoft.com/office/drawing/2014/main" id="{1075986F-3567-40E2-A9D4-DB8C9C935C36}"/>
               </a:ext>
             </a:extLst>
           </p:cNvPr>
@@ -290,7 +726,7 @@
           <p:cNvPr id="5" name="Footer Placeholder 4">
             <a:extLst>
               <a:ext uri="{FF2B5EF4-FFF2-40B4-BE49-F238E27FC236}">
-                <a16:creationId xmlns="" xmlns:a16="http://schemas.microsoft.com/office/drawing/2014/main" id="{FA6873BB-F0E9-40D5-AEF2-55DEE04F0BC3}"/>
+                <a16:creationId xmlns:a16="http://schemas.microsoft.com/office/drawing/2014/main" id="{FA6873BB-F0E9-40D5-AEF2-55DEE04F0BC3}"/>
               </a:ext>
             </a:extLst>
           </p:cNvPr>
@@ -315,7 +751,7 @@
           <p:cNvPr id="6" name="Slide Number Placeholder 5">
             <a:extLst>
               <a:ext uri="{FF2B5EF4-FFF2-40B4-BE49-F238E27FC236}">
-                <a16:creationId xmlns="" xmlns:a16="http://schemas.microsoft.com/office/drawing/2014/main" id="{63E03492-9564-4541-A550-868FFC3CF3CA}"/>
+                <a16:creationId xmlns:a16="http://schemas.microsoft.com/office/drawing/2014/main" id="{63E03492-9564-4541-A550-868FFC3CF3CA}"/>
               </a:ext>
             </a:extLst>
           </p:cNvPr>
@@ -374,7 +810,7 @@
           <p:cNvPr id="2" name="Title 1">
             <a:extLst>
               <a:ext uri="{FF2B5EF4-FFF2-40B4-BE49-F238E27FC236}">
-                <a16:creationId xmlns="" xmlns:a16="http://schemas.microsoft.com/office/drawing/2014/main" id="{0D313639-6FEB-4906-B57F-34D9B1F81648}"/>
+                <a16:creationId xmlns:a16="http://schemas.microsoft.com/office/drawing/2014/main" id="{0D313639-6FEB-4906-B57F-34D9B1F81648}"/>
               </a:ext>
             </a:extLst>
           </p:cNvPr>
@@ -402,7 +838,7 @@
           <p:cNvPr id="3" name="Vertical Text Placeholder 2">
             <a:extLst>
               <a:ext uri="{FF2B5EF4-FFF2-40B4-BE49-F238E27FC236}">
-                <a16:creationId xmlns="" xmlns:a16="http://schemas.microsoft.com/office/drawing/2014/main" id="{4ED62893-7E0C-4A3F-8334-7AC169D2C482}"/>
+                <a16:creationId xmlns:a16="http://schemas.microsoft.com/office/drawing/2014/main" id="{4ED62893-7E0C-4A3F-8334-7AC169D2C482}"/>
               </a:ext>
             </a:extLst>
           </p:cNvPr>
@@ -459,7 +895,7 @@
           <p:cNvPr id="4" name="Date Placeholder 3">
             <a:extLst>
               <a:ext uri="{FF2B5EF4-FFF2-40B4-BE49-F238E27FC236}">
-                <a16:creationId xmlns="" xmlns:a16="http://schemas.microsoft.com/office/drawing/2014/main" id="{51C7BFF4-6956-4E2D-98A6-56E3578E1FDE}"/>
+                <a16:creationId xmlns:a16="http://schemas.microsoft.com/office/drawing/2014/main" id="{51C7BFF4-6956-4E2D-98A6-56E3578E1FDE}"/>
               </a:ext>
             </a:extLst>
           </p:cNvPr>
@@ -488,7 +924,7 @@
           <p:cNvPr id="5" name="Footer Placeholder 4">
             <a:extLst>
               <a:ext uri="{FF2B5EF4-FFF2-40B4-BE49-F238E27FC236}">
-                <a16:creationId xmlns="" xmlns:a16="http://schemas.microsoft.com/office/drawing/2014/main" id="{81056143-D42D-4213-8D87-469EB0182ACA}"/>
+                <a16:creationId xmlns:a16="http://schemas.microsoft.com/office/drawing/2014/main" id="{81056143-D42D-4213-8D87-469EB0182ACA}"/>
               </a:ext>
             </a:extLst>
           </p:cNvPr>
@@ -513,7 +949,7 @@
           <p:cNvPr id="6" name="Slide Number Placeholder 5">
             <a:extLst>
               <a:ext uri="{FF2B5EF4-FFF2-40B4-BE49-F238E27FC236}">
-                <a16:creationId xmlns="" xmlns:a16="http://schemas.microsoft.com/office/drawing/2014/main" id="{873617A6-CCC6-46AA-AA53-38FF83DBCF24}"/>
+                <a16:creationId xmlns:a16="http://schemas.microsoft.com/office/drawing/2014/main" id="{873617A6-CCC6-46AA-AA53-38FF83DBCF24}"/>
               </a:ext>
             </a:extLst>
           </p:cNvPr>
@@ -572,7 +1008,7 @@
           <p:cNvPr id="2" name="Vertical Title 1">
             <a:extLst>
               <a:ext uri="{FF2B5EF4-FFF2-40B4-BE49-F238E27FC236}">
-                <a16:creationId xmlns="" xmlns:a16="http://schemas.microsoft.com/office/drawing/2014/main" id="{8CF1CDA4-00E5-47E4-9DA6-86F67BF6C423}"/>
+                <a16:creationId xmlns:a16="http://schemas.microsoft.com/office/drawing/2014/main" id="{8CF1CDA4-00E5-47E4-9DA6-86F67BF6C423}"/>
               </a:ext>
             </a:extLst>
           </p:cNvPr>
@@ -605,7 +1041,7 @@
           <p:cNvPr id="3" name="Vertical Text Placeholder 2">
             <a:extLst>
               <a:ext uri="{FF2B5EF4-FFF2-40B4-BE49-F238E27FC236}">
-                <a16:creationId xmlns="" xmlns:a16="http://schemas.microsoft.com/office/drawing/2014/main" id="{2971B046-CF92-423D-890B-D6BE140F0A0D}"/>
+                <a16:creationId xmlns:a16="http://schemas.microsoft.com/office/drawing/2014/main" id="{2971B046-CF92-423D-890B-D6BE140F0A0D}"/>
               </a:ext>
             </a:extLst>
           </p:cNvPr>
@@ -667,7 +1103,7 @@
           <p:cNvPr id="4" name="Date Placeholder 3">
             <a:extLst>
               <a:ext uri="{FF2B5EF4-FFF2-40B4-BE49-F238E27FC236}">
-                <a16:creationId xmlns="" xmlns:a16="http://schemas.microsoft.com/office/drawing/2014/main" id="{309EE077-EDAA-429B-9874-97DFFD01DA51}"/>
+                <a16:creationId xmlns:a16="http://schemas.microsoft.com/office/drawing/2014/main" id="{309EE077-EDAA-429B-9874-97DFFD01DA51}"/>
               </a:ext>
             </a:extLst>
           </p:cNvPr>
@@ -696,7 +1132,7 @@
           <p:cNvPr id="5" name="Footer Placeholder 4">
             <a:extLst>
               <a:ext uri="{FF2B5EF4-FFF2-40B4-BE49-F238E27FC236}">
-                <a16:creationId xmlns="" xmlns:a16="http://schemas.microsoft.com/office/drawing/2014/main" id="{012F9707-764D-496B-A80C-0EA42424C321}"/>
+                <a16:creationId xmlns:a16="http://schemas.microsoft.com/office/drawing/2014/main" id="{012F9707-764D-496B-A80C-0EA42424C321}"/>
               </a:ext>
             </a:extLst>
           </p:cNvPr>
@@ -721,7 +1157,7 @@
           <p:cNvPr id="6" name="Slide Number Placeholder 5">
             <a:extLst>
               <a:ext uri="{FF2B5EF4-FFF2-40B4-BE49-F238E27FC236}">
-                <a16:creationId xmlns="" xmlns:a16="http://schemas.microsoft.com/office/drawing/2014/main" id="{4F279023-722C-494E-9C70-9D9A09E5FFE1}"/>
+                <a16:creationId xmlns:a16="http://schemas.microsoft.com/office/drawing/2014/main" id="{4F279023-722C-494E-9C70-9D9A09E5FFE1}"/>
               </a:ext>
             </a:extLst>
           </p:cNvPr>
@@ -780,7 +1216,7 @@
           <p:cNvPr id="2" name="Title 1">
             <a:extLst>
               <a:ext uri="{FF2B5EF4-FFF2-40B4-BE49-F238E27FC236}">
-                <a16:creationId xmlns="" xmlns:a16="http://schemas.microsoft.com/office/drawing/2014/main" id="{90C282AA-2B26-4326-9D44-6098ABDA7847}"/>
+                <a16:creationId xmlns:a16="http://schemas.microsoft.com/office/drawing/2014/main" id="{90C282AA-2B26-4326-9D44-6098ABDA7847}"/>
               </a:ext>
             </a:extLst>
           </p:cNvPr>
@@ -808,7 +1244,7 @@
           <p:cNvPr id="3" name="Content Placeholder 2">
             <a:extLst>
               <a:ext uri="{FF2B5EF4-FFF2-40B4-BE49-F238E27FC236}">
-                <a16:creationId xmlns="" xmlns:a16="http://schemas.microsoft.com/office/drawing/2014/main" id="{95FCF1AA-7130-430C-B2D9-119C69F6B447}"/>
+                <a16:creationId xmlns:a16="http://schemas.microsoft.com/office/drawing/2014/main" id="{95FCF1AA-7130-430C-B2D9-119C69F6B447}"/>
               </a:ext>
             </a:extLst>
           </p:cNvPr>
@@ -865,7 +1301,7 @@
           <p:cNvPr id="4" name="Date Placeholder 3">
             <a:extLst>
               <a:ext uri="{FF2B5EF4-FFF2-40B4-BE49-F238E27FC236}">
-                <a16:creationId xmlns="" xmlns:a16="http://schemas.microsoft.com/office/drawing/2014/main" id="{A66B69F5-3141-4174-BD7C-3D42129918D8}"/>
+                <a16:creationId xmlns:a16="http://schemas.microsoft.com/office/drawing/2014/main" id="{A66B69F5-3141-4174-BD7C-3D42129918D8}"/>
               </a:ext>
             </a:extLst>
           </p:cNvPr>
@@ -894,7 +1330,7 @@
           <p:cNvPr id="5" name="Footer Placeholder 4">
             <a:extLst>
               <a:ext uri="{FF2B5EF4-FFF2-40B4-BE49-F238E27FC236}">
-                <a16:creationId xmlns="" xmlns:a16="http://schemas.microsoft.com/office/drawing/2014/main" id="{8A3E1052-7822-483F-8424-6E65035847D6}"/>
+                <a16:creationId xmlns:a16="http://schemas.microsoft.com/office/drawing/2014/main" id="{8A3E1052-7822-483F-8424-6E65035847D6}"/>
               </a:ext>
             </a:extLst>
           </p:cNvPr>
@@ -919,7 +1355,7 @@
           <p:cNvPr id="6" name="Slide Number Placeholder 5">
             <a:extLst>
               <a:ext uri="{FF2B5EF4-FFF2-40B4-BE49-F238E27FC236}">
-                <a16:creationId xmlns="" xmlns:a16="http://schemas.microsoft.com/office/drawing/2014/main" id="{5887744F-0504-4BBB-8137-BC1304E23890}"/>
+                <a16:creationId xmlns:a16="http://schemas.microsoft.com/office/drawing/2014/main" id="{5887744F-0504-4BBB-8137-BC1304E23890}"/>
               </a:ext>
             </a:extLst>
           </p:cNvPr>
@@ -978,7 +1414,7 @@
           <p:cNvPr id="2" name="Title 1">
             <a:extLst>
               <a:ext uri="{FF2B5EF4-FFF2-40B4-BE49-F238E27FC236}">
-                <a16:creationId xmlns="" xmlns:a16="http://schemas.microsoft.com/office/drawing/2014/main" id="{9F575526-2578-4C3F-9419-2E0FDDDA7DB6}"/>
+                <a16:creationId xmlns:a16="http://schemas.microsoft.com/office/drawing/2014/main" id="{9F575526-2578-4C3F-9419-2E0FDDDA7DB6}"/>
               </a:ext>
             </a:extLst>
           </p:cNvPr>
@@ -1015,7 +1451,7 @@
           <p:cNvPr id="3" name="Text Placeholder 2">
             <a:extLst>
               <a:ext uri="{FF2B5EF4-FFF2-40B4-BE49-F238E27FC236}">
-                <a16:creationId xmlns="" xmlns:a16="http://schemas.microsoft.com/office/drawing/2014/main" id="{B6E165C8-23B3-41A6-8C9B-08B9FE916B3F}"/>
+                <a16:creationId xmlns:a16="http://schemas.microsoft.com/office/drawing/2014/main" id="{B6E165C8-23B3-41A6-8C9B-08B9FE916B3F}"/>
               </a:ext>
             </a:extLst>
           </p:cNvPr>
@@ -1140,7 +1576,7 @@
           <p:cNvPr id="4" name="Date Placeholder 3">
             <a:extLst>
               <a:ext uri="{FF2B5EF4-FFF2-40B4-BE49-F238E27FC236}">
-                <a16:creationId xmlns="" xmlns:a16="http://schemas.microsoft.com/office/drawing/2014/main" id="{18EAB9CB-2FE7-4C20-86B0-920A78F70207}"/>
+                <a16:creationId xmlns:a16="http://schemas.microsoft.com/office/drawing/2014/main" id="{18EAB9CB-2FE7-4C20-86B0-920A78F70207}"/>
               </a:ext>
             </a:extLst>
           </p:cNvPr>
@@ -1169,7 +1605,7 @@
           <p:cNvPr id="5" name="Footer Placeholder 4">
             <a:extLst>
               <a:ext uri="{FF2B5EF4-FFF2-40B4-BE49-F238E27FC236}">
-                <a16:creationId xmlns="" xmlns:a16="http://schemas.microsoft.com/office/drawing/2014/main" id="{62131CBE-73CC-47D8-A161-187AFA946BAE}"/>
+                <a16:creationId xmlns:a16="http://schemas.microsoft.com/office/drawing/2014/main" id="{62131CBE-73CC-47D8-A161-187AFA946BAE}"/>
               </a:ext>
             </a:extLst>
           </p:cNvPr>
@@ -1194,7 +1630,7 @@
           <p:cNvPr id="6" name="Slide Number Placeholder 5">
             <a:extLst>
               <a:ext uri="{FF2B5EF4-FFF2-40B4-BE49-F238E27FC236}">
-                <a16:creationId xmlns="" xmlns:a16="http://schemas.microsoft.com/office/drawing/2014/main" id="{9846E48F-F810-40BC-B1FD-D690E0D5C2DB}"/>
+                <a16:creationId xmlns:a16="http://schemas.microsoft.com/office/drawing/2014/main" id="{9846E48F-F810-40BC-B1FD-D690E0D5C2DB}"/>
               </a:ext>
             </a:extLst>
           </p:cNvPr>
@@ -1253,7 +1689,7 @@
           <p:cNvPr id="2" name="Title 1">
             <a:extLst>
               <a:ext uri="{FF2B5EF4-FFF2-40B4-BE49-F238E27FC236}">
-                <a16:creationId xmlns="" xmlns:a16="http://schemas.microsoft.com/office/drawing/2014/main" id="{A39E59CA-EF70-4923-81FA-4936054A12A4}"/>
+                <a16:creationId xmlns:a16="http://schemas.microsoft.com/office/drawing/2014/main" id="{A39E59CA-EF70-4923-81FA-4936054A12A4}"/>
               </a:ext>
             </a:extLst>
           </p:cNvPr>
@@ -1281,7 +1717,7 @@
           <p:cNvPr id="3" name="Content Placeholder 2">
             <a:extLst>
               <a:ext uri="{FF2B5EF4-FFF2-40B4-BE49-F238E27FC236}">
-                <a16:creationId xmlns="" xmlns:a16="http://schemas.microsoft.com/office/drawing/2014/main" id="{9BB9878D-988F-4399-9AAD-615D41E24B1E}"/>
+                <a16:creationId xmlns:a16="http://schemas.microsoft.com/office/drawing/2014/main" id="{9BB9878D-988F-4399-9AAD-615D41E24B1E}"/>
               </a:ext>
             </a:extLst>
           </p:cNvPr>
@@ -1343,7 +1779,7 @@
           <p:cNvPr id="4" name="Content Placeholder 3">
             <a:extLst>
               <a:ext uri="{FF2B5EF4-FFF2-40B4-BE49-F238E27FC236}">
-                <a16:creationId xmlns="" xmlns:a16="http://schemas.microsoft.com/office/drawing/2014/main" id="{30E62421-7D8B-48A4-9049-07EB947851CD}"/>
+                <a16:creationId xmlns:a16="http://schemas.microsoft.com/office/drawing/2014/main" id="{30E62421-7D8B-48A4-9049-07EB947851CD}"/>
               </a:ext>
             </a:extLst>
           </p:cNvPr>
@@ -1405,7 +1841,7 @@
           <p:cNvPr id="5" name="Date Placeholder 4">
             <a:extLst>
               <a:ext uri="{FF2B5EF4-FFF2-40B4-BE49-F238E27FC236}">
-                <a16:creationId xmlns="" xmlns:a16="http://schemas.microsoft.com/office/drawing/2014/main" id="{78FB5A60-C94B-42A2-954D-B46DD53AA27C}"/>
+                <a16:creationId xmlns:a16="http://schemas.microsoft.com/office/drawing/2014/main" id="{78FB5A60-C94B-42A2-954D-B46DD53AA27C}"/>
               </a:ext>
             </a:extLst>
           </p:cNvPr>
@@ -1434,7 +1870,7 @@
           <p:cNvPr id="6" name="Footer Placeholder 5">
             <a:extLst>
               <a:ext uri="{FF2B5EF4-FFF2-40B4-BE49-F238E27FC236}">
-                <a16:creationId xmlns="" xmlns:a16="http://schemas.microsoft.com/office/drawing/2014/main" id="{6E7C963A-FCF9-43F1-9C19-C09C64BEE33D}"/>
+                <a16:creationId xmlns:a16="http://schemas.microsoft.com/office/drawing/2014/main" id="{6E7C963A-FCF9-43F1-9C19-C09C64BEE33D}"/>
               </a:ext>
             </a:extLst>
           </p:cNvPr>
@@ -1459,7 +1895,7 @@
           <p:cNvPr id="7" name="Slide Number Placeholder 6">
             <a:extLst>
               <a:ext uri="{FF2B5EF4-FFF2-40B4-BE49-F238E27FC236}">
-                <a16:creationId xmlns="" xmlns:a16="http://schemas.microsoft.com/office/drawing/2014/main" id="{1977416F-0BD8-431B-A9D8-6433F90782AB}"/>
+                <a16:creationId xmlns:a16="http://schemas.microsoft.com/office/drawing/2014/main" id="{1977416F-0BD8-431B-A9D8-6433F90782AB}"/>
               </a:ext>
             </a:extLst>
           </p:cNvPr>
@@ -1518,7 +1954,7 @@
           <p:cNvPr id="2" name="Title 1">
             <a:extLst>
               <a:ext uri="{FF2B5EF4-FFF2-40B4-BE49-F238E27FC236}">
-                <a16:creationId xmlns="" xmlns:a16="http://schemas.microsoft.com/office/drawing/2014/main" id="{7D848F9C-62F4-4C91-B4A9-F169D483F451}"/>
+                <a16:creationId xmlns:a16="http://schemas.microsoft.com/office/drawing/2014/main" id="{7D848F9C-62F4-4C91-B4A9-F169D483F451}"/>
               </a:ext>
             </a:extLst>
           </p:cNvPr>
@@ -1551,7 +1987,7 @@
           <p:cNvPr id="3" name="Text Placeholder 2">
             <a:extLst>
               <a:ext uri="{FF2B5EF4-FFF2-40B4-BE49-F238E27FC236}">
-                <a16:creationId xmlns="" xmlns:a16="http://schemas.microsoft.com/office/drawing/2014/main" id="{FA87F3D5-36C7-4263-BEBE-401D98622409}"/>
+                <a16:creationId xmlns:a16="http://schemas.microsoft.com/office/drawing/2014/main" id="{FA87F3D5-36C7-4263-BEBE-401D98622409}"/>
               </a:ext>
             </a:extLst>
           </p:cNvPr>
@@ -1622,7 +2058,7 @@
           <p:cNvPr id="4" name="Content Placeholder 3">
             <a:extLst>
               <a:ext uri="{FF2B5EF4-FFF2-40B4-BE49-F238E27FC236}">
-                <a16:creationId xmlns="" xmlns:a16="http://schemas.microsoft.com/office/drawing/2014/main" id="{72EBE290-58BA-49A8-A4FD-98F0A93DA98B}"/>
+                <a16:creationId xmlns:a16="http://schemas.microsoft.com/office/drawing/2014/main" id="{72EBE290-58BA-49A8-A4FD-98F0A93DA98B}"/>
               </a:ext>
             </a:extLst>
           </p:cNvPr>
@@ -1684,7 +2120,7 @@
           <p:cNvPr id="5" name="Text Placeholder 4">
             <a:extLst>
               <a:ext uri="{FF2B5EF4-FFF2-40B4-BE49-F238E27FC236}">
-                <a16:creationId xmlns="" xmlns:a16="http://schemas.microsoft.com/office/drawing/2014/main" id="{C0C2EBBC-FF3C-4F5E-9937-F181E640346C}"/>
+                <a16:creationId xmlns:a16="http://schemas.microsoft.com/office/drawing/2014/main" id="{C0C2EBBC-FF3C-4F5E-9937-F181E640346C}"/>
               </a:ext>
             </a:extLst>
           </p:cNvPr>
@@ -1755,7 +2191,7 @@
           <p:cNvPr id="6" name="Content Placeholder 5">
             <a:extLst>
               <a:ext uri="{FF2B5EF4-FFF2-40B4-BE49-F238E27FC236}">
-                <a16:creationId xmlns="" xmlns:a16="http://schemas.microsoft.com/office/drawing/2014/main" id="{BE66B506-6566-4CDB-A00E-B6A65EAA7ABA}"/>
+                <a16:creationId xmlns:a16="http://schemas.microsoft.com/office/drawing/2014/main" id="{BE66B506-6566-4CDB-A00E-B6A65EAA7ABA}"/>
               </a:ext>
             </a:extLst>
           </p:cNvPr>
@@ -1817,7 +2253,7 @@
           <p:cNvPr id="7" name="Date Placeholder 6">
             <a:extLst>
               <a:ext uri="{FF2B5EF4-FFF2-40B4-BE49-F238E27FC236}">
-                <a16:creationId xmlns="" xmlns:a16="http://schemas.microsoft.com/office/drawing/2014/main" id="{209D9D5D-5099-43AA-B764-C041ADD235FA}"/>
+                <a16:creationId xmlns:a16="http://schemas.microsoft.com/office/drawing/2014/main" id="{209D9D5D-5099-43AA-B764-C041ADD235FA}"/>
               </a:ext>
             </a:extLst>
           </p:cNvPr>
@@ -1846,7 +2282,7 @@
           <p:cNvPr id="8" name="Footer Placeholder 7">
             <a:extLst>
               <a:ext uri="{FF2B5EF4-FFF2-40B4-BE49-F238E27FC236}">
-                <a16:creationId xmlns="" xmlns:a16="http://schemas.microsoft.com/office/drawing/2014/main" id="{3034414E-60C3-46C4-BE61-93E95DE67FB5}"/>
+                <a16:creationId xmlns:a16="http://schemas.microsoft.com/office/drawing/2014/main" id="{3034414E-60C3-46C4-BE61-93E95DE67FB5}"/>
               </a:ext>
             </a:extLst>
           </p:cNvPr>
@@ -1871,7 +2307,7 @@
           <p:cNvPr id="9" name="Slide Number Placeholder 8">
             <a:extLst>
               <a:ext uri="{FF2B5EF4-FFF2-40B4-BE49-F238E27FC236}">
-                <a16:creationId xmlns="" xmlns:a16="http://schemas.microsoft.com/office/drawing/2014/main" id="{8B9B728D-372A-4867-A4F3-7DDE2A563A37}"/>
+                <a16:creationId xmlns:a16="http://schemas.microsoft.com/office/drawing/2014/main" id="{8B9B728D-372A-4867-A4F3-7DDE2A563A37}"/>
               </a:ext>
             </a:extLst>
           </p:cNvPr>
@@ -1930,7 +2366,7 @@
           <p:cNvPr id="2" name="Title 1">
             <a:extLst>
               <a:ext uri="{FF2B5EF4-FFF2-40B4-BE49-F238E27FC236}">
-                <a16:creationId xmlns="" xmlns:a16="http://schemas.microsoft.com/office/drawing/2014/main" id="{C214F47B-BCD9-4716-94D5-15EC3CB11A0A}"/>
+                <a16:creationId xmlns:a16="http://schemas.microsoft.com/office/drawing/2014/main" id="{C214F47B-BCD9-4716-94D5-15EC3CB11A0A}"/>
               </a:ext>
             </a:extLst>
           </p:cNvPr>
@@ -1958,7 +2394,7 @@
           <p:cNvPr id="3" name="Date Placeholder 2">
             <a:extLst>
               <a:ext uri="{FF2B5EF4-FFF2-40B4-BE49-F238E27FC236}">
-                <a16:creationId xmlns="" xmlns:a16="http://schemas.microsoft.com/office/drawing/2014/main" id="{5BAAEFAC-5786-4678-A380-506DEEB12EF3}"/>
+                <a16:creationId xmlns:a16="http://schemas.microsoft.com/office/drawing/2014/main" id="{5BAAEFAC-5786-4678-A380-506DEEB12EF3}"/>
               </a:ext>
             </a:extLst>
           </p:cNvPr>
@@ -1987,7 +2423,7 @@
           <p:cNvPr id="4" name="Footer Placeholder 3">
             <a:extLst>
               <a:ext uri="{FF2B5EF4-FFF2-40B4-BE49-F238E27FC236}">
-                <a16:creationId xmlns="" xmlns:a16="http://schemas.microsoft.com/office/drawing/2014/main" id="{71406E79-FF5E-4BB0-98B4-D79171798B97}"/>
+                <a16:creationId xmlns:a16="http://schemas.microsoft.com/office/drawing/2014/main" id="{71406E79-FF5E-4BB0-98B4-D79171798B97}"/>
               </a:ext>
             </a:extLst>
           </p:cNvPr>
@@ -2012,7 +2448,7 @@
           <p:cNvPr id="5" name="Slide Number Placeholder 4">
             <a:extLst>
               <a:ext uri="{FF2B5EF4-FFF2-40B4-BE49-F238E27FC236}">
-                <a16:creationId xmlns="" xmlns:a16="http://schemas.microsoft.com/office/drawing/2014/main" id="{E377FAFC-A060-4603-BB51-144D1D8EEB5E}"/>
+                <a16:creationId xmlns:a16="http://schemas.microsoft.com/office/drawing/2014/main" id="{E377FAFC-A060-4603-BB51-144D1D8EEB5E}"/>
               </a:ext>
             </a:extLst>
           </p:cNvPr>
@@ -2071,7 +2507,7 @@
           <p:cNvPr id="2" name="Date Placeholder 1">
             <a:extLst>
               <a:ext uri="{FF2B5EF4-FFF2-40B4-BE49-F238E27FC236}">
-                <a16:creationId xmlns="" xmlns:a16="http://schemas.microsoft.com/office/drawing/2014/main" id="{2E49030B-C032-473D-89BD-25F5D9BA8E3B}"/>
+                <a16:creationId xmlns:a16="http://schemas.microsoft.com/office/drawing/2014/main" id="{2E49030B-C032-473D-89BD-25F5D9BA8E3B}"/>
               </a:ext>
             </a:extLst>
           </p:cNvPr>
@@ -2100,7 +2536,7 @@
           <p:cNvPr id="3" name="Footer Placeholder 2">
             <a:extLst>
               <a:ext uri="{FF2B5EF4-FFF2-40B4-BE49-F238E27FC236}">
-                <a16:creationId xmlns="" xmlns:a16="http://schemas.microsoft.com/office/drawing/2014/main" id="{E2DA0B36-E251-4048-8C21-B0B69BF5D061}"/>
+                <a16:creationId xmlns:a16="http://schemas.microsoft.com/office/drawing/2014/main" id="{E2DA0B36-E251-4048-8C21-B0B69BF5D061}"/>
               </a:ext>
             </a:extLst>
           </p:cNvPr>
@@ -2125,7 +2561,7 @@
           <p:cNvPr id="4" name="Slide Number Placeholder 3">
             <a:extLst>
               <a:ext uri="{FF2B5EF4-FFF2-40B4-BE49-F238E27FC236}">
-                <a16:creationId xmlns="" xmlns:a16="http://schemas.microsoft.com/office/drawing/2014/main" id="{7D8C9021-AF77-44D5-9ED2-431AA12AF6D9}"/>
+                <a16:creationId xmlns:a16="http://schemas.microsoft.com/office/drawing/2014/main" id="{7D8C9021-AF77-44D5-9ED2-431AA12AF6D9}"/>
               </a:ext>
             </a:extLst>
           </p:cNvPr>
@@ -2184,7 +2620,7 @@
           <p:cNvPr id="2" name="Title 1">
             <a:extLst>
               <a:ext uri="{FF2B5EF4-FFF2-40B4-BE49-F238E27FC236}">
-                <a16:creationId xmlns="" xmlns:a16="http://schemas.microsoft.com/office/drawing/2014/main" id="{A62CBD0C-6581-4794-A434-004C34F5A6FC}"/>
+                <a16:creationId xmlns:a16="http://schemas.microsoft.com/office/drawing/2014/main" id="{A62CBD0C-6581-4794-A434-004C34F5A6FC}"/>
               </a:ext>
             </a:extLst>
           </p:cNvPr>
@@ -2221,7 +2657,7 @@
           <p:cNvPr id="3" name="Content Placeholder 2">
             <a:extLst>
               <a:ext uri="{FF2B5EF4-FFF2-40B4-BE49-F238E27FC236}">
-                <a16:creationId xmlns="" xmlns:a16="http://schemas.microsoft.com/office/drawing/2014/main" id="{EA5B938B-18D5-4B99-8782-7184D690E29D}"/>
+                <a16:creationId xmlns:a16="http://schemas.microsoft.com/office/drawing/2014/main" id="{EA5B938B-18D5-4B99-8782-7184D690E29D}"/>
               </a:ext>
             </a:extLst>
           </p:cNvPr>
@@ -2311,7 +2747,7 @@
           <p:cNvPr id="4" name="Text Placeholder 3">
             <a:extLst>
               <a:ext uri="{FF2B5EF4-FFF2-40B4-BE49-F238E27FC236}">
-                <a16:creationId xmlns="" xmlns:a16="http://schemas.microsoft.com/office/drawing/2014/main" id="{24F35D0B-590E-487E-824D-5375BB6C9EB0}"/>
+                <a16:creationId xmlns:a16="http://schemas.microsoft.com/office/drawing/2014/main" id="{24F35D0B-590E-487E-824D-5375BB6C9EB0}"/>
               </a:ext>
             </a:extLst>
           </p:cNvPr>
@@ -2382,7 +2818,7 @@
           <p:cNvPr id="5" name="Date Placeholder 4">
             <a:extLst>
               <a:ext uri="{FF2B5EF4-FFF2-40B4-BE49-F238E27FC236}">
-                <a16:creationId xmlns="" xmlns:a16="http://schemas.microsoft.com/office/drawing/2014/main" id="{21C2D904-4F63-43D8-8DC3-99CA4EE46904}"/>
+                <a16:creationId xmlns:a16="http://schemas.microsoft.com/office/drawing/2014/main" id="{21C2D904-4F63-43D8-8DC3-99CA4EE46904}"/>
               </a:ext>
             </a:extLst>
           </p:cNvPr>
@@ -2411,7 +2847,7 @@
           <p:cNvPr id="6" name="Footer Placeholder 5">
             <a:extLst>
               <a:ext uri="{FF2B5EF4-FFF2-40B4-BE49-F238E27FC236}">
-                <a16:creationId xmlns="" xmlns:a16="http://schemas.microsoft.com/office/drawing/2014/main" id="{C97D8104-0264-45B0-8A33-0C74B75E1848}"/>
+                <a16:creationId xmlns:a16="http://schemas.microsoft.com/office/drawing/2014/main" id="{C97D8104-0264-45B0-8A33-0C74B75E1848}"/>
               </a:ext>
             </a:extLst>
           </p:cNvPr>
@@ -2436,7 +2872,7 @@
           <p:cNvPr id="7" name="Slide Number Placeholder 6">
             <a:extLst>
               <a:ext uri="{FF2B5EF4-FFF2-40B4-BE49-F238E27FC236}">
-                <a16:creationId xmlns="" xmlns:a16="http://schemas.microsoft.com/office/drawing/2014/main" id="{8334FEFE-8602-4E91-ADDB-7F1AFCAA5442}"/>
+                <a16:creationId xmlns:a16="http://schemas.microsoft.com/office/drawing/2014/main" id="{8334FEFE-8602-4E91-ADDB-7F1AFCAA5442}"/>
               </a:ext>
             </a:extLst>
           </p:cNvPr>
@@ -2495,7 +2931,7 @@
           <p:cNvPr id="2" name="Title 1">
             <a:extLst>
               <a:ext uri="{FF2B5EF4-FFF2-40B4-BE49-F238E27FC236}">
-                <a16:creationId xmlns="" xmlns:a16="http://schemas.microsoft.com/office/drawing/2014/main" id="{B986DF5E-279F-4D1E-B22C-A9C0189FEB54}"/>
+                <a16:creationId xmlns:a16="http://schemas.microsoft.com/office/drawing/2014/main" id="{B986DF5E-279F-4D1E-B22C-A9C0189FEB54}"/>
               </a:ext>
             </a:extLst>
           </p:cNvPr>
@@ -2532,7 +2968,7 @@
           <p:cNvPr id="3" name="Picture Placeholder 2">
             <a:extLst>
               <a:ext uri="{FF2B5EF4-FFF2-40B4-BE49-F238E27FC236}">
-                <a16:creationId xmlns="" xmlns:a16="http://schemas.microsoft.com/office/drawing/2014/main" id="{91F8126A-0E9C-452F-8DE0-02FCDB34843F}"/>
+                <a16:creationId xmlns:a16="http://schemas.microsoft.com/office/drawing/2014/main" id="{91F8126A-0E9C-452F-8DE0-02FCDB34843F}"/>
               </a:ext>
             </a:extLst>
           </p:cNvPr>
@@ -2599,7 +3035,7 @@
           <p:cNvPr id="4" name="Text Placeholder 3">
             <a:extLst>
               <a:ext uri="{FF2B5EF4-FFF2-40B4-BE49-F238E27FC236}">
-                <a16:creationId xmlns="" xmlns:a16="http://schemas.microsoft.com/office/drawing/2014/main" id="{CF34F57E-DC26-4185-AED7-EDD93350D84F}"/>
+                <a16:creationId xmlns:a16="http://schemas.microsoft.com/office/drawing/2014/main" id="{CF34F57E-DC26-4185-AED7-EDD93350D84F}"/>
               </a:ext>
             </a:extLst>
           </p:cNvPr>
@@ -2670,7 +3106,7 @@
           <p:cNvPr id="5" name="Date Placeholder 4">
             <a:extLst>
               <a:ext uri="{FF2B5EF4-FFF2-40B4-BE49-F238E27FC236}">
-                <a16:creationId xmlns="" xmlns:a16="http://schemas.microsoft.com/office/drawing/2014/main" id="{E7C4373B-5433-43B0-99C9-FD64134207C8}"/>
+                <a16:creationId xmlns:a16="http://schemas.microsoft.com/office/drawing/2014/main" id="{E7C4373B-5433-43B0-99C9-FD64134207C8}"/>
               </a:ext>
             </a:extLst>
           </p:cNvPr>
@@ -2699,7 +3135,7 @@
           <p:cNvPr id="6" name="Footer Placeholder 5">
             <a:extLst>
               <a:ext uri="{FF2B5EF4-FFF2-40B4-BE49-F238E27FC236}">
-                <a16:creationId xmlns="" xmlns:a16="http://schemas.microsoft.com/office/drawing/2014/main" id="{F8772B46-31B1-4A66-8205-468E8DBE5F25}"/>
+                <a16:creationId xmlns:a16="http://schemas.microsoft.com/office/drawing/2014/main" id="{F8772B46-31B1-4A66-8205-468E8DBE5F25}"/>
               </a:ext>
             </a:extLst>
           </p:cNvPr>
@@ -2724,7 +3160,7 @@
           <p:cNvPr id="7" name="Slide Number Placeholder 6">
             <a:extLst>
               <a:ext uri="{FF2B5EF4-FFF2-40B4-BE49-F238E27FC236}">
-                <a16:creationId xmlns="" xmlns:a16="http://schemas.microsoft.com/office/drawing/2014/main" id="{290CD64F-42B3-45EF-9BC2-104B67591B51}"/>
+                <a16:creationId xmlns:a16="http://schemas.microsoft.com/office/drawing/2014/main" id="{290CD64F-42B3-45EF-9BC2-104B67591B51}"/>
               </a:ext>
             </a:extLst>
           </p:cNvPr>
@@ -2788,7 +3224,7 @@
           <p:cNvPr id="2" name="Title Placeholder 1">
             <a:extLst>
               <a:ext uri="{FF2B5EF4-FFF2-40B4-BE49-F238E27FC236}">
-                <a16:creationId xmlns="" xmlns:a16="http://schemas.microsoft.com/office/drawing/2014/main" id="{5B0F9736-4C3C-43EB-BD45-BB4FA5F3229C}"/>
+                <a16:creationId xmlns:a16="http://schemas.microsoft.com/office/drawing/2014/main" id="{5B0F9736-4C3C-43EB-BD45-BB4FA5F3229C}"/>
               </a:ext>
             </a:extLst>
           </p:cNvPr>
@@ -2826,7 +3262,7 @@
           <p:cNvPr id="3" name="Text Placeholder 2">
             <a:extLst>
               <a:ext uri="{FF2B5EF4-FFF2-40B4-BE49-F238E27FC236}">
-                <a16:creationId xmlns="" xmlns:a16="http://schemas.microsoft.com/office/drawing/2014/main" id="{5D2F8E7A-FF76-4305-8285-F14E88BB2D3B}"/>
+                <a16:creationId xmlns:a16="http://schemas.microsoft.com/office/drawing/2014/main" id="{5D2F8E7A-FF76-4305-8285-F14E88BB2D3B}"/>
               </a:ext>
             </a:extLst>
           </p:cNvPr>
@@ -2893,7 +3329,7 @@
           <p:cNvPr id="4" name="Date Placeholder 3">
             <a:extLst>
               <a:ext uri="{FF2B5EF4-FFF2-40B4-BE49-F238E27FC236}">
-                <a16:creationId xmlns="" xmlns:a16="http://schemas.microsoft.com/office/drawing/2014/main" id="{5B80E4F0-B5D4-4409-B24A-AC51F9852D18}"/>
+                <a16:creationId xmlns:a16="http://schemas.microsoft.com/office/drawing/2014/main" id="{5B80E4F0-B5D4-4409-B24A-AC51F9852D18}"/>
               </a:ext>
             </a:extLst>
           </p:cNvPr>
@@ -2940,7 +3376,7 @@
           <p:cNvPr id="5" name="Footer Placeholder 4">
             <a:extLst>
               <a:ext uri="{FF2B5EF4-FFF2-40B4-BE49-F238E27FC236}">
-                <a16:creationId xmlns="" xmlns:a16="http://schemas.microsoft.com/office/drawing/2014/main" id="{7CA12EA9-C5B5-4C77-8193-6F0871E6B939}"/>
+                <a16:creationId xmlns:a16="http://schemas.microsoft.com/office/drawing/2014/main" id="{7CA12EA9-C5B5-4C77-8193-6F0871E6B939}"/>
               </a:ext>
             </a:extLst>
           </p:cNvPr>
@@ -2983,7 +3419,7 @@
           <p:cNvPr id="6" name="Slide Number Placeholder 5">
             <a:extLst>
               <a:ext uri="{FF2B5EF4-FFF2-40B4-BE49-F238E27FC236}">
-                <a16:creationId xmlns="" xmlns:a16="http://schemas.microsoft.com/office/drawing/2014/main" id="{C847B8E2-E6FB-483B-B1FC-97BC2AEF4189}"/>
+                <a16:creationId xmlns:a16="http://schemas.microsoft.com/office/drawing/2014/main" id="{C847B8E2-E6FB-483B-B1FC-97BC2AEF4189}"/>
               </a:ext>
             </a:extLst>
           </p:cNvPr>
@@ -3449,7 +3885,7 @@
           <p:cNvPr id="4" name="Picture 3">
             <a:extLst>
               <a:ext uri="{FF2B5EF4-FFF2-40B4-BE49-F238E27FC236}">
-                <a16:creationId xmlns="" xmlns:a16="http://schemas.microsoft.com/office/drawing/2014/main" id="{699543CA-89DB-4D71-BE86-2A4DBF78CDCC}"/>
+                <a16:creationId xmlns:a16="http://schemas.microsoft.com/office/drawing/2014/main" id="{699543CA-89DB-4D71-BE86-2A4DBF78CDCC}"/>
               </a:ext>
             </a:extLst>
           </p:cNvPr>
@@ -3571,13 +4007,8 @@
           <a:p>
             <a:r>
               <a:rPr lang="en-US" sz="2800" dirty="0"/>
-              <a:t>Practical example: COVID-19 in </a:t>
-            </a:r>
-            <a:r>
-              <a:rPr lang="en-US" sz="2800" dirty="0" smtClean="0"/>
-              <a:t>the US</a:t>
-            </a:r>
-            <a:endParaRPr lang="en-US" sz="2800" dirty="0"/>
+              <a:t>Practical example: COVID-19 in the US</a:t>
+            </a:r>
           </a:p>
           <a:p>
             <a:pPr lvl="1"/>
@@ -3593,7 +4024,7 @@
           <p:cNvPr id="5" name="Title 1">
             <a:extLst>
               <a:ext uri="{FF2B5EF4-FFF2-40B4-BE49-F238E27FC236}">
-                <a16:creationId xmlns="" xmlns:a16="http://schemas.microsoft.com/office/drawing/2014/main" id="{F6D882FA-475A-4E48-A526-59B78DBD0925}"/>
+                <a16:creationId xmlns:a16="http://schemas.microsoft.com/office/drawing/2014/main" id="{F6D882FA-475A-4E48-A526-59B78DBD0925}"/>
               </a:ext>
             </a:extLst>
           </p:cNvPr>
@@ -3645,7 +4076,7 @@
           <p:cNvPr id="6" name="Content Placeholder 2">
             <a:extLst>
               <a:ext uri="{FF2B5EF4-FFF2-40B4-BE49-F238E27FC236}">
-                <a16:creationId xmlns="" xmlns:a16="http://schemas.microsoft.com/office/drawing/2014/main" id="{5FB4A1A1-12E7-49E1-BFDB-EC5D32132C76}"/>
+                <a16:creationId xmlns:a16="http://schemas.microsoft.com/office/drawing/2014/main" id="{5FB4A1A1-12E7-49E1-BFDB-EC5D32132C76}"/>
               </a:ext>
             </a:extLst>
           </p:cNvPr>
@@ -3856,13 +4287,6 @@
   <p:clrMapOvr>
     <a:masterClrMapping/>
   </p:clrMapOvr>
-  <p:timing>
-    <p:tnLst>
-      <p:par>
-        <p:cTn id="1" dur="indefinite" restart="never" nodeType="tmRoot"/>
-      </p:par>
-    </p:tnLst>
-  </p:timing>
 </p:sld>
 </file>
 
@@ -3907,13 +4331,8 @@
           <a:p>
             <a:r>
               <a:rPr lang="en-US" sz="2800" dirty="0"/>
-              <a:t>Practical example: COVID-19 in </a:t>
-            </a:r>
-            <a:r>
-              <a:rPr lang="en-US" sz="2800" dirty="0" smtClean="0"/>
-              <a:t>the US</a:t>
-            </a:r>
-            <a:endParaRPr lang="en-US" sz="2800" dirty="0"/>
+              <a:t>Practical example: COVID-19 in the US</a:t>
+            </a:r>
           </a:p>
           <a:p>
             <a:pPr lvl="1"/>
@@ -3929,7 +4348,7 @@
           <p:cNvPr id="5" name="Title 1">
             <a:extLst>
               <a:ext uri="{FF2B5EF4-FFF2-40B4-BE49-F238E27FC236}">
-                <a16:creationId xmlns="" xmlns:a16="http://schemas.microsoft.com/office/drawing/2014/main" id="{F6D882FA-475A-4E48-A526-59B78DBD0925}"/>
+                <a16:creationId xmlns:a16="http://schemas.microsoft.com/office/drawing/2014/main" id="{F6D882FA-475A-4E48-A526-59B78DBD0925}"/>
               </a:ext>
             </a:extLst>
           </p:cNvPr>
@@ -4016,13 +4435,6 @@
   <p:clrMapOvr>
     <a:masterClrMapping/>
   </p:clrMapOvr>
-  <p:timing>
-    <p:tnLst>
-      <p:par>
-        <p:cTn id="1" dur="indefinite" restart="never" nodeType="tmRoot"/>
-      </p:par>
-    </p:tnLst>
-  </p:timing>
 </p:sld>
 </file>
 
@@ -4067,21 +4479,15 @@
           <a:p>
             <a:r>
               <a:rPr lang="en-US" sz="2800" dirty="0"/>
-              <a:t>Practical example: COVID-19 in </a:t>
-            </a:r>
-            <a:r>
-              <a:rPr lang="en-US" sz="2800" dirty="0" smtClean="0"/>
-              <a:t>the US</a:t>
-            </a:r>
-            <a:endParaRPr lang="en-US" sz="2800" dirty="0"/>
+              <a:t>Practical example: COVID-19 in the US</a:t>
+            </a:r>
           </a:p>
           <a:p>
             <a:pPr lvl="1"/>
             <a:r>
-              <a:rPr lang="en-US" dirty="0" smtClean="0"/>
+              <a:rPr lang="en-US" dirty="0"/>
               <a:t>Total by year</a:t>
             </a:r>
-            <a:endParaRPr lang="en-US" dirty="0"/>
           </a:p>
         </p:txBody>
       </p:sp>
@@ -4090,7 +4496,7 @@
           <p:cNvPr id="5" name="Title 1">
             <a:extLst>
               <a:ext uri="{FF2B5EF4-FFF2-40B4-BE49-F238E27FC236}">
-                <a16:creationId xmlns="" xmlns:a16="http://schemas.microsoft.com/office/drawing/2014/main" id="{F6D882FA-475A-4E48-A526-59B78DBD0925}"/>
+                <a16:creationId xmlns:a16="http://schemas.microsoft.com/office/drawing/2014/main" id="{F6D882FA-475A-4E48-A526-59B78DBD0925}"/>
               </a:ext>
             </a:extLst>
           </p:cNvPr>
@@ -4177,13 +4583,6 @@
   <p:clrMapOvr>
     <a:masterClrMapping/>
   </p:clrMapOvr>
-  <p:timing>
-    <p:tnLst>
-      <p:par>
-        <p:cTn id="1" dur="indefinite" restart="never" nodeType="tmRoot"/>
-      </p:par>
-    </p:tnLst>
-  </p:timing>
 </p:sld>
 </file>
 
@@ -4227,7 +4626,7 @@
           <a:lstStyle/>
           <a:p>
             <a:r>
-              <a:rPr lang="en-US" sz="2800" dirty="0"/>
+              <a:rPr lang="en-US" sz="2800" b="1" i="1" dirty="0"/>
               <a:t>Avoided mortality:</a:t>
             </a:r>
           </a:p>
@@ -4267,7 +4666,7 @@
           <p:cNvPr id="5" name="Title 1">
             <a:extLst>
               <a:ext uri="{FF2B5EF4-FFF2-40B4-BE49-F238E27FC236}">
-                <a16:creationId xmlns="" xmlns:a16="http://schemas.microsoft.com/office/drawing/2014/main" id="{F6D882FA-475A-4E48-A526-59B78DBD0925}"/>
+                <a16:creationId xmlns:a16="http://schemas.microsoft.com/office/drawing/2014/main" id="{F6D882FA-475A-4E48-A526-59B78DBD0925}"/>
               </a:ext>
             </a:extLst>
           </p:cNvPr>
@@ -4319,7 +4718,7 @@
           <p:cNvPr id="4" name="TextBox 3">
             <a:extLst>
               <a:ext uri="{FF2B5EF4-FFF2-40B4-BE49-F238E27FC236}">
-                <a16:creationId xmlns="" xmlns:a16="http://schemas.microsoft.com/office/drawing/2014/main" id="{11EBC4F0-F3A0-4B18-A5D4-A18EB858D4EA}"/>
+                <a16:creationId xmlns:a16="http://schemas.microsoft.com/office/drawing/2014/main" id="{11EBC4F0-F3A0-4B18-A5D4-A18EB858D4EA}"/>
               </a:ext>
             </a:extLst>
           </p:cNvPr>
@@ -4360,7 +4759,7 @@
           <p:cNvPr id="8" name="Picture 7">
             <a:extLst>
               <a:ext uri="{FF2B5EF4-FFF2-40B4-BE49-F238E27FC236}">
-                <a16:creationId xmlns="" xmlns:a16="http://schemas.microsoft.com/office/drawing/2014/main" id="{47C4953A-8A74-4F23-AD93-DDD740C70413}"/>
+                <a16:creationId xmlns:a16="http://schemas.microsoft.com/office/drawing/2014/main" id="{47C4953A-8A74-4F23-AD93-DDD740C70413}"/>
               </a:ext>
             </a:extLst>
           </p:cNvPr>
@@ -4395,7 +4794,7 @@
           <p:cNvPr id="9" name="Oval 8">
             <a:extLst>
               <a:ext uri="{FF2B5EF4-FFF2-40B4-BE49-F238E27FC236}">
-                <a16:creationId xmlns="" xmlns:a16="http://schemas.microsoft.com/office/drawing/2014/main" id="{434EBF43-6239-443B-8BD4-985F3D44D204}"/>
+                <a16:creationId xmlns:a16="http://schemas.microsoft.com/office/drawing/2014/main" id="{434EBF43-6239-443B-8BD4-985F3D44D204}"/>
               </a:ext>
             </a:extLst>
           </p:cNvPr>
@@ -4452,13 +4851,6 @@
   <p:clrMapOvr>
     <a:masterClrMapping/>
   </p:clrMapOvr>
-  <p:timing>
-    <p:tnLst>
-      <p:par>
-        <p:cTn id="1" dur="indefinite" restart="never" nodeType="tmRoot"/>
-      </p:par>
-    </p:tnLst>
-  </p:timing>
 </p:sld>
 </file>
 
@@ -4502,7 +4894,7 @@
           <a:lstStyle/>
           <a:p>
             <a:r>
-              <a:rPr lang="en-US" sz="2800" dirty="0"/>
+              <a:rPr lang="en-US" sz="2800" b="1" i="1" dirty="0"/>
               <a:t>Avoided mortality:</a:t>
             </a:r>
           </a:p>
@@ -4531,7 +4923,7 @@
           <p:cNvPr id="5" name="Title 1">
             <a:extLst>
               <a:ext uri="{FF2B5EF4-FFF2-40B4-BE49-F238E27FC236}">
-                <a16:creationId xmlns="" xmlns:a16="http://schemas.microsoft.com/office/drawing/2014/main" id="{F6D882FA-475A-4E48-A526-59B78DBD0925}"/>
+                <a16:creationId xmlns:a16="http://schemas.microsoft.com/office/drawing/2014/main" id="{F6D882FA-475A-4E48-A526-59B78DBD0925}"/>
               </a:ext>
             </a:extLst>
           </p:cNvPr>
@@ -4583,7 +4975,7 @@
           <p:cNvPr id="7" name="Picture 6">
             <a:extLst>
               <a:ext uri="{FF2B5EF4-FFF2-40B4-BE49-F238E27FC236}">
-                <a16:creationId xmlns="" xmlns:a16="http://schemas.microsoft.com/office/drawing/2014/main" id="{9014AA15-42EB-4919-8018-3AEF7D2D3ECC}"/>
+                <a16:creationId xmlns:a16="http://schemas.microsoft.com/office/drawing/2014/main" id="{9014AA15-42EB-4919-8018-3AEF7D2D3ECC}"/>
               </a:ext>
             </a:extLst>
           </p:cNvPr>
@@ -4618,7 +5010,7 @@
           <p:cNvPr id="8" name="TextBox 7">
             <a:extLst>
               <a:ext uri="{FF2B5EF4-FFF2-40B4-BE49-F238E27FC236}">
-                <a16:creationId xmlns="" xmlns:a16="http://schemas.microsoft.com/office/drawing/2014/main" id="{D49216DF-32DF-467C-9D80-222DFF406314}"/>
+                <a16:creationId xmlns:a16="http://schemas.microsoft.com/office/drawing/2014/main" id="{D49216DF-32DF-467C-9D80-222DFF406314}"/>
               </a:ext>
             </a:extLst>
           </p:cNvPr>
@@ -4659,7 +5051,7 @@
           <p:cNvPr id="9" name="Oval 8">
             <a:extLst>
               <a:ext uri="{FF2B5EF4-FFF2-40B4-BE49-F238E27FC236}">
-                <a16:creationId xmlns="" xmlns:a16="http://schemas.microsoft.com/office/drawing/2014/main" id="{C3B79E44-0B43-480D-BA3F-141F023B7C60}"/>
+                <a16:creationId xmlns:a16="http://schemas.microsoft.com/office/drawing/2014/main" id="{C3B79E44-0B43-480D-BA3F-141F023B7C60}"/>
               </a:ext>
             </a:extLst>
           </p:cNvPr>
@@ -4716,13 +5108,6 @@
   <p:clrMapOvr>
     <a:masterClrMapping/>
   </p:clrMapOvr>
-  <p:timing>
-    <p:tnLst>
-      <p:par>
-        <p:cTn id="1" dur="indefinite" restart="never" nodeType="tmRoot"/>
-      </p:par>
-    </p:tnLst>
-  </p:timing>
 </p:sld>
 </file>
 
@@ -4766,7 +5151,7 @@
           <a:lstStyle/>
           <a:p>
             <a:r>
-              <a:rPr lang="en-US" dirty="0"/>
+              <a:rPr lang="en-US" b="1" i="1" dirty="0"/>
               <a:t>Mortality displacement:</a:t>
             </a:r>
           </a:p>
@@ -4810,7 +5195,7 @@
           <p:cNvPr id="4" name="Title 1">
             <a:extLst>
               <a:ext uri="{FF2B5EF4-FFF2-40B4-BE49-F238E27FC236}">
-                <a16:creationId xmlns="" xmlns:a16="http://schemas.microsoft.com/office/drawing/2014/main" id="{DC46E228-8C17-45CD-86DE-C0BF03BCC47D}"/>
+                <a16:creationId xmlns:a16="http://schemas.microsoft.com/office/drawing/2014/main" id="{DC46E228-8C17-45CD-86DE-C0BF03BCC47D}"/>
               </a:ext>
             </a:extLst>
           </p:cNvPr>
@@ -4862,7 +5247,7 @@
           <p:cNvPr id="6" name="TextBox 5">
             <a:extLst>
               <a:ext uri="{FF2B5EF4-FFF2-40B4-BE49-F238E27FC236}">
-                <a16:creationId xmlns="" xmlns:a16="http://schemas.microsoft.com/office/drawing/2014/main" id="{873F2752-B09D-453D-ACB0-CC9C58A35759}"/>
+                <a16:creationId xmlns:a16="http://schemas.microsoft.com/office/drawing/2014/main" id="{873F2752-B09D-453D-ACB0-CC9C58A35759}"/>
               </a:ext>
             </a:extLst>
           </p:cNvPr>
@@ -4903,7 +5288,7 @@
           <p:cNvPr id="7" name="Picture 6">
             <a:extLst>
               <a:ext uri="{FF2B5EF4-FFF2-40B4-BE49-F238E27FC236}">
-                <a16:creationId xmlns="" xmlns:a16="http://schemas.microsoft.com/office/drawing/2014/main" id="{6CCAA3E2-2234-41A4-93A0-60931B95DD23}"/>
+                <a16:creationId xmlns:a16="http://schemas.microsoft.com/office/drawing/2014/main" id="{6CCAA3E2-2234-41A4-93A0-60931B95DD23}"/>
               </a:ext>
             </a:extLst>
           </p:cNvPr>
@@ -4938,7 +5323,7 @@
           <p:cNvPr id="8" name="Oval 7">
             <a:extLst>
               <a:ext uri="{FF2B5EF4-FFF2-40B4-BE49-F238E27FC236}">
-                <a16:creationId xmlns="" xmlns:a16="http://schemas.microsoft.com/office/drawing/2014/main" id="{9D3BE543-70AB-4967-8FBD-BBD391C38E66}"/>
+                <a16:creationId xmlns:a16="http://schemas.microsoft.com/office/drawing/2014/main" id="{9D3BE543-70AB-4967-8FBD-BBD391C38E66}"/>
               </a:ext>
             </a:extLst>
           </p:cNvPr>
@@ -4995,13 +5380,6 @@
   <p:clrMapOvr>
     <a:masterClrMapping/>
   </p:clrMapOvr>
-  <p:timing>
-    <p:tnLst>
-      <p:par>
-        <p:cTn id="1" dur="indefinite" restart="never" nodeType="tmRoot"/>
-      </p:par>
-    </p:tnLst>
-  </p:timing>
 </p:sld>
 </file>
 
@@ -5045,7 +5423,7 @@
           <a:lstStyle/>
           <a:p>
             <a:r>
-              <a:rPr lang="en-US" dirty="0"/>
+              <a:rPr lang="en-US" b="1" i="1" dirty="0"/>
               <a:t>Mortality displacement:</a:t>
             </a:r>
           </a:p>
@@ -5070,7 +5448,7 @@
           <p:cNvPr id="4" name="Title 1">
             <a:extLst>
               <a:ext uri="{FF2B5EF4-FFF2-40B4-BE49-F238E27FC236}">
-                <a16:creationId xmlns="" xmlns:a16="http://schemas.microsoft.com/office/drawing/2014/main" id="{DC46E228-8C17-45CD-86DE-C0BF03BCC47D}"/>
+                <a16:creationId xmlns:a16="http://schemas.microsoft.com/office/drawing/2014/main" id="{DC46E228-8C17-45CD-86DE-C0BF03BCC47D}"/>
               </a:ext>
             </a:extLst>
           </p:cNvPr>
@@ -5122,7 +5500,7 @@
           <p:cNvPr id="5" name="TextBox 4">
             <a:extLst>
               <a:ext uri="{FF2B5EF4-FFF2-40B4-BE49-F238E27FC236}">
-                <a16:creationId xmlns="" xmlns:a16="http://schemas.microsoft.com/office/drawing/2014/main" id="{00EC58A1-27FD-4CF9-9B86-36C0FFE28687}"/>
+                <a16:creationId xmlns:a16="http://schemas.microsoft.com/office/drawing/2014/main" id="{00EC58A1-27FD-4CF9-9B86-36C0FFE28687}"/>
               </a:ext>
             </a:extLst>
           </p:cNvPr>
@@ -5163,7 +5541,7 @@
           <p:cNvPr id="6" name="Picture 5">
             <a:extLst>
               <a:ext uri="{FF2B5EF4-FFF2-40B4-BE49-F238E27FC236}">
-                <a16:creationId xmlns="" xmlns:a16="http://schemas.microsoft.com/office/drawing/2014/main" id="{FD596771-457F-4C2D-9D15-25FE0BF8507C}"/>
+                <a16:creationId xmlns:a16="http://schemas.microsoft.com/office/drawing/2014/main" id="{FD596771-457F-4C2D-9D15-25FE0BF8507C}"/>
               </a:ext>
             </a:extLst>
           </p:cNvPr>
@@ -5198,7 +5576,7 @@
           <p:cNvPr id="7" name="Oval 6">
             <a:extLst>
               <a:ext uri="{FF2B5EF4-FFF2-40B4-BE49-F238E27FC236}">
-                <a16:creationId xmlns="" xmlns:a16="http://schemas.microsoft.com/office/drawing/2014/main" id="{F643298F-740E-444C-9CD4-D244428B2C18}"/>
+                <a16:creationId xmlns:a16="http://schemas.microsoft.com/office/drawing/2014/main" id="{F643298F-740E-444C-9CD4-D244428B2C18}"/>
               </a:ext>
             </a:extLst>
           </p:cNvPr>
@@ -5255,13 +5633,6 @@
   <p:clrMapOvr>
     <a:masterClrMapping/>
   </p:clrMapOvr>
-  <p:timing>
-    <p:tnLst>
-      <p:par>
-        <p:cTn id="1" dur="indefinite" restart="never" nodeType="tmRoot"/>
-      </p:par>
-    </p:tnLst>
-  </p:timing>
 </p:sld>
 </file>
 
@@ -5300,7 +5671,7 @@
         </p:spPr>
         <p:txBody>
           <a:bodyPr>
-            <a:normAutofit fontScale="92500"/>
+            <a:normAutofit lnSpcReduction="10000"/>
           </a:bodyPr>
           <a:lstStyle/>
           <a:p>
@@ -5331,15 +5702,11 @@
           <a:p>
             <a:r>
               <a:rPr lang="en-US" dirty="0"/>
-              <a:t>Not straightforward answer… it depends:</a:t>
+              <a:t>Not straightforward answer… it depends what we want to measure:</a:t>
             </a:r>
           </a:p>
           <a:p>
             <a:pPr lvl="1"/>
-            <a:r>
-              <a:rPr lang="en-US" dirty="0"/>
-              <a:t>Do we aim to measure </a:t>
-            </a:r>
             <a:r>
               <a:rPr lang="en-US" b="1" dirty="0"/>
               <a:t>COVID-related mortality</a:t>
@@ -5353,18 +5720,14 @@
             <a:pPr lvl="2"/>
             <a:r>
               <a:rPr lang="en-US" dirty="0"/>
-              <a:t>Important to know if we are interested in known the severity and fatality of the disease</a:t>
+              <a:t>If we are interested in knowing the severity and fatality of the disease</a:t>
             </a:r>
           </a:p>
           <a:p>
             <a:pPr lvl="1"/>
             <a:r>
-              <a:rPr lang="en-US" dirty="0"/>
-              <a:t>Do we aim to measure </a:t>
-            </a:r>
-            <a:r>
               <a:rPr lang="en-US" b="1" dirty="0"/>
-              <a:t>mortality changes relative to a “regular” year</a:t>
+              <a:t>Mortality changes relative to a “regular” year</a:t>
             </a:r>
             <a:r>
               <a:rPr lang="en-US" dirty="0"/>
@@ -5375,7 +5738,7 @@
             <a:pPr lvl="2"/>
             <a:r>
               <a:rPr lang="en-US" dirty="0"/>
-              <a:t>Important to know if we are interested in adjusting mortality and population estimates</a:t>
+              <a:t>If we are interested in adjusting mortality and population estimates</a:t>
             </a:r>
           </a:p>
           <a:p>
@@ -5386,7 +5749,7 @@
             <a:pPr lvl="1"/>
             <a:r>
               <a:rPr lang="en-US" dirty="0"/>
-              <a:t>Most available “COVID mortality estimates” follow the second approach</a:t>
+              <a:t>Most of the available “COVID mortality estimates” in literature follow the second approach</a:t>
             </a:r>
           </a:p>
           <a:p>
@@ -5400,7 +5763,7 @@
           <p:cNvPr id="4" name="Title 1">
             <a:extLst>
               <a:ext uri="{FF2B5EF4-FFF2-40B4-BE49-F238E27FC236}">
-                <a16:creationId xmlns="" xmlns:a16="http://schemas.microsoft.com/office/drawing/2014/main" id="{DC46E228-8C17-45CD-86DE-C0BF03BCC47D}"/>
+                <a16:creationId xmlns:a16="http://schemas.microsoft.com/office/drawing/2014/main" id="{DC46E228-8C17-45CD-86DE-C0BF03BCC47D}"/>
               </a:ext>
             </a:extLst>
           </p:cNvPr>
@@ -5457,13 +5820,6 @@
   <p:clrMapOvr>
     <a:masterClrMapping/>
   </p:clrMapOvr>
-  <p:timing>
-    <p:tnLst>
-      <p:par>
-        <p:cTn id="1" dur="indefinite" restart="never" nodeType="tmRoot"/>
-      </p:par>
-    </p:tnLst>
-  </p:timing>
 </p:sld>
 </file>
 
@@ -5581,7 +5937,7 @@
           <p:cNvPr id="4" name="Title 1">
             <a:extLst>
               <a:ext uri="{FF2B5EF4-FFF2-40B4-BE49-F238E27FC236}">
-                <a16:creationId xmlns="" xmlns:a16="http://schemas.microsoft.com/office/drawing/2014/main" id="{DC46E228-8C17-45CD-86DE-C0BF03BCC47D}"/>
+                <a16:creationId xmlns:a16="http://schemas.microsoft.com/office/drawing/2014/main" id="{DC46E228-8C17-45CD-86DE-C0BF03BCC47D}"/>
               </a:ext>
             </a:extLst>
           </p:cNvPr>
@@ -5638,13 +5994,6 @@
   <p:clrMapOvr>
     <a:masterClrMapping/>
   </p:clrMapOvr>
-  <p:timing>
-    <p:tnLst>
-      <p:par>
-        <p:cTn id="1" dur="indefinite" restart="never" nodeType="tmRoot"/>
-      </p:par>
-    </p:tnLst>
-  </p:timing>
 </p:sld>
 </file>
 
@@ -5757,7 +6106,7 @@
           <p:cNvPr id="4" name="Title 1">
             <a:extLst>
               <a:ext uri="{FF2B5EF4-FFF2-40B4-BE49-F238E27FC236}">
-                <a16:creationId xmlns="" xmlns:a16="http://schemas.microsoft.com/office/drawing/2014/main" id="{DC46E228-8C17-45CD-86DE-C0BF03BCC47D}"/>
+                <a16:creationId xmlns:a16="http://schemas.microsoft.com/office/drawing/2014/main" id="{DC46E228-8C17-45CD-86DE-C0BF03BCC47D}"/>
               </a:ext>
             </a:extLst>
           </p:cNvPr>
@@ -5814,13 +6163,6 @@
   <p:clrMapOvr>
     <a:masterClrMapping/>
   </p:clrMapOvr>
-  <p:timing>
-    <p:tnLst>
-      <p:par>
-        <p:cTn id="1" dur="indefinite" restart="never" nodeType="tmRoot"/>
-      </p:par>
-    </p:tnLst>
-  </p:timing>
 </p:sld>
 </file>
 
@@ -5846,7 +6188,7 @@
           <p:cNvPr id="2" name="Title 1">
             <a:extLst>
               <a:ext uri="{FF2B5EF4-FFF2-40B4-BE49-F238E27FC236}">
-                <a16:creationId xmlns="" xmlns:a16="http://schemas.microsoft.com/office/drawing/2014/main" id="{7C9DF14B-5499-442C-8370-84BF84438779}"/>
+                <a16:creationId xmlns:a16="http://schemas.microsoft.com/office/drawing/2014/main" id="{7C9DF14B-5499-442C-8370-84BF84438779}"/>
               </a:ext>
             </a:extLst>
           </p:cNvPr>
@@ -5874,7 +6216,7 @@
           <p:cNvPr id="3" name="Content Placeholder 2">
             <a:extLst>
               <a:ext uri="{FF2B5EF4-FFF2-40B4-BE49-F238E27FC236}">
-                <a16:creationId xmlns="" xmlns:a16="http://schemas.microsoft.com/office/drawing/2014/main" id="{9E2719A5-DD74-4359-BD38-864C8C66B135}"/>
+                <a16:creationId xmlns:a16="http://schemas.microsoft.com/office/drawing/2014/main" id="{9E2719A5-DD74-4359-BD38-864C8C66B135}"/>
               </a:ext>
             </a:extLst>
           </p:cNvPr>
@@ -5936,34 +6278,22 @@
           <a:p>
             <a:pPr lvl="2"/>
             <a:r>
-              <a:rPr lang="en-US" dirty="0" smtClean="0"/>
+              <a:rPr lang="en-US" dirty="0"/>
               <a:t>Depends:</a:t>
             </a:r>
           </a:p>
           <a:p>
             <a:pPr lvl="2"/>
             <a:r>
-              <a:rPr lang="en-US" dirty="0" smtClean="0"/>
-              <a:t>If </a:t>
-            </a:r>
-            <a:r>
               <a:rPr lang="en-US" dirty="0"/>
-              <a:t>the mechanisms that are rooted as cohort effects are also related with mortality, we may be able to see them sometimes when analyzing mortality. E.g., wars, famines, pandemics, etc., at the origin of a adverse cohort effect.</a:t>
+              <a:t>If the mechanisms that are rooted as cohort effects are also related with mortality, we may be able to see them sometimes when analyzing mortality. E.g., wars, famines, pandemics, etc., at the origin of a adverse cohort effect.</a:t>
             </a:r>
           </a:p>
           <a:p>
             <a:pPr lvl="2"/>
             <a:r>
               <a:rPr lang="en-US" dirty="0"/>
-              <a:t>If the mechanisms are not strictly related with mortality, they are not noticeable when looking at death rates. E.g., contraction of the labor market when a cohort is entering in adulthood. We </a:t>
-            </a:r>
-            <a:r>
-              <a:rPr lang="en-US" dirty="0" err="1"/>
-              <a:t>migh</a:t>
-            </a:r>
-            <a:r>
-              <a:rPr lang="en-US" dirty="0"/>
-              <a:t> see only the outcomes here, but maybe the contraction did not have a short term impact on mortality, only a long term one…</a:t>
+              <a:t>If the mechanisms are not strictly related with mortality, they are not noticeable when looking at death rates. E.g., economic recession when a cohort is entering in adulthood (in the job market). We might see only the outcomes here, but maybe the recession did not have a short term impact on mortality, only a long term. </a:t>
             </a:r>
           </a:p>
         </p:txBody>
@@ -6235,7 +6565,7 @@
           <p:cNvPr id="5" name="Title 1">
             <a:extLst>
               <a:ext uri="{FF2B5EF4-FFF2-40B4-BE49-F238E27FC236}">
-                <a16:creationId xmlns="" xmlns:a16="http://schemas.microsoft.com/office/drawing/2014/main" id="{F6D882FA-475A-4E48-A526-59B78DBD0925}"/>
+                <a16:creationId xmlns:a16="http://schemas.microsoft.com/office/drawing/2014/main" id="{F6D882FA-475A-4E48-A526-59B78DBD0925}"/>
               </a:ext>
             </a:extLst>
           </p:cNvPr>
@@ -6287,7 +6617,7 @@
           <p:cNvPr id="4" name="image5.png">
             <a:extLst>
               <a:ext uri="{FF2B5EF4-FFF2-40B4-BE49-F238E27FC236}">
-                <a16:creationId xmlns="" xmlns:a16="http://schemas.microsoft.com/office/drawing/2014/main" id="{152FC0C9-DF46-44C8-86A6-CB4665AE3727}"/>
+                <a16:creationId xmlns:a16="http://schemas.microsoft.com/office/drawing/2014/main" id="{152FC0C9-DF46-44C8-86A6-CB4665AE3727}"/>
               </a:ext>
             </a:extLst>
           </p:cNvPr>
@@ -6317,7 +6647,7 @@
           <p:cNvPr id="2" name="TextBox 1">
             <a:extLst>
               <a:ext uri="{FF2B5EF4-FFF2-40B4-BE49-F238E27FC236}">
-                <a16:creationId xmlns="" xmlns:a16="http://schemas.microsoft.com/office/drawing/2014/main" id="{327847B2-77FB-4DF7-B4CF-7766B4F49C58}"/>
+                <a16:creationId xmlns:a16="http://schemas.microsoft.com/office/drawing/2014/main" id="{327847B2-77FB-4DF7-B4CF-7766B4F49C58}"/>
               </a:ext>
             </a:extLst>
           </p:cNvPr>
@@ -6384,13 +6714,6 @@
   <p:clrMapOvr>
     <a:masterClrMapping/>
   </p:clrMapOvr>
-  <p:timing>
-    <p:tnLst>
-      <p:par>
-        <p:cTn id="1" dur="indefinite" restart="never" nodeType="tmRoot"/>
-      </p:par>
-    </p:tnLst>
-  </p:timing>
 </p:sld>
 </file>
 
@@ -6416,7 +6739,7 @@
           <p:cNvPr id="2" name="Title 1">
             <a:extLst>
               <a:ext uri="{FF2B5EF4-FFF2-40B4-BE49-F238E27FC236}">
-                <a16:creationId xmlns="" xmlns:a16="http://schemas.microsoft.com/office/drawing/2014/main" id="{C7747F3C-CE5B-43A5-8BDE-A8FB5D01F5F6}"/>
+                <a16:creationId xmlns:a16="http://schemas.microsoft.com/office/drawing/2014/main" id="{C7747F3C-CE5B-43A5-8BDE-A8FB5D01F5F6}"/>
               </a:ext>
             </a:extLst>
           </p:cNvPr>
@@ -6444,7 +6767,7 @@
           <p:cNvPr id="3" name="Content Placeholder 2">
             <a:extLst>
               <a:ext uri="{FF2B5EF4-FFF2-40B4-BE49-F238E27FC236}">
-                <a16:creationId xmlns="" xmlns:a16="http://schemas.microsoft.com/office/drawing/2014/main" id="{4E4E7E7F-0767-454E-ABFB-D0B5BC39816B}"/>
+                <a16:creationId xmlns:a16="http://schemas.microsoft.com/office/drawing/2014/main" id="{4E4E7E7F-0767-454E-ABFB-D0B5BC39816B}"/>
               </a:ext>
             </a:extLst>
           </p:cNvPr>
@@ -6477,13 +6800,6 @@
   <p:clrMapOvr>
     <a:masterClrMapping/>
   </p:clrMapOvr>
-  <p:timing>
-    <p:tnLst>
-      <p:par>
-        <p:cTn id="1" dur="indefinite" restart="never" nodeType="tmRoot"/>
-      </p:par>
-    </p:tnLst>
-  </p:timing>
 </p:sld>
 </file>
 
@@ -6509,7 +6825,7 @@
           <p:cNvPr id="2" name="Title 1">
             <a:extLst>
               <a:ext uri="{FF2B5EF4-FFF2-40B4-BE49-F238E27FC236}">
-                <a16:creationId xmlns="" xmlns:a16="http://schemas.microsoft.com/office/drawing/2014/main" id="{2D7BA354-2B69-4CBF-A440-4572C3C4F7F6}"/>
+                <a16:creationId xmlns:a16="http://schemas.microsoft.com/office/drawing/2014/main" id="{2D7BA354-2B69-4CBF-A440-4572C3C4F7F6}"/>
               </a:ext>
             </a:extLst>
           </p:cNvPr>
@@ -6549,13 +6865,6 @@
   <p:clrMapOvr>
     <a:masterClrMapping/>
   </p:clrMapOvr>
-  <p:timing>
-    <p:tnLst>
-      <p:par>
-        <p:cTn id="1" dur="indefinite" restart="never" nodeType="tmRoot"/>
-      </p:par>
-    </p:tnLst>
-  </p:timing>
 </p:sld>
 </file>
 
@@ -6692,7 +7001,7 @@
           <p:cNvPr id="5" name="Title 1">
             <a:extLst>
               <a:ext uri="{FF2B5EF4-FFF2-40B4-BE49-F238E27FC236}">
-                <a16:creationId xmlns="" xmlns:a16="http://schemas.microsoft.com/office/drawing/2014/main" id="{F6D882FA-475A-4E48-A526-59B78DBD0925}"/>
+                <a16:creationId xmlns:a16="http://schemas.microsoft.com/office/drawing/2014/main" id="{F6D882FA-475A-4E48-A526-59B78DBD0925}"/>
               </a:ext>
             </a:extLst>
           </p:cNvPr>
@@ -7131,7 +7440,7 @@
           <p:cNvPr id="5" name="Title 1">
             <a:extLst>
               <a:ext uri="{FF2B5EF4-FFF2-40B4-BE49-F238E27FC236}">
-                <a16:creationId xmlns="" xmlns:a16="http://schemas.microsoft.com/office/drawing/2014/main" id="{F6D882FA-475A-4E48-A526-59B78DBD0925}"/>
+                <a16:creationId xmlns:a16="http://schemas.microsoft.com/office/drawing/2014/main" id="{F6D882FA-475A-4E48-A526-59B78DBD0925}"/>
               </a:ext>
             </a:extLst>
           </p:cNvPr>
@@ -7183,7 +7492,7 @@
           <p:cNvPr id="1026" name="Picture 2" descr="Fig. 1">
             <a:extLst>
               <a:ext uri="{FF2B5EF4-FFF2-40B4-BE49-F238E27FC236}">
-                <a16:creationId xmlns="" xmlns:a16="http://schemas.microsoft.com/office/drawing/2014/main" id="{CF2D8FF1-9FAC-4E24-A5BC-8A52C1C7D5EB}"/>
+                <a16:creationId xmlns:a16="http://schemas.microsoft.com/office/drawing/2014/main" id="{CF2D8FF1-9FAC-4E24-A5BC-8A52C1C7D5EB}"/>
               </a:ext>
             </a:extLst>
           </p:cNvPr>
@@ -7230,7 +7539,7 @@
           <p:cNvPr id="6" name="Content Placeholder 2">
             <a:extLst>
               <a:ext uri="{FF2B5EF4-FFF2-40B4-BE49-F238E27FC236}">
-                <a16:creationId xmlns="" xmlns:a16="http://schemas.microsoft.com/office/drawing/2014/main" id="{BB89BEAC-0ECF-4E43-BF53-34078C87C3CB}"/>
+                <a16:creationId xmlns:a16="http://schemas.microsoft.com/office/drawing/2014/main" id="{BB89BEAC-0ECF-4E43-BF53-34078C87C3CB}"/>
               </a:ext>
             </a:extLst>
           </p:cNvPr>
@@ -7656,15 +7965,7 @@
             </a:r>
             <a:r>
               <a:rPr lang="en-US" dirty="0"/>
-              <a:t>-like models have some complexity, very simplistic approaches have dominated official estimates… ones </a:t>
-            </a:r>
-            <a:r>
-              <a:rPr lang="en-US" dirty="0" smtClean="0"/>
-              <a:t>worse </a:t>
-            </a:r>
-            <a:r>
-              <a:rPr lang="en-US" dirty="0"/>
-              <a:t>than others! </a:t>
+              <a:t>-like models have some complexity, very simplistic approaches have dominated official estimates… ones worse than others! </a:t>
             </a:r>
           </a:p>
           <a:p>
@@ -7693,12 +7994,8 @@
           <a:p>
             <a:pPr lvl="2"/>
             <a:r>
-              <a:rPr lang="en-US" dirty="0" smtClean="0"/>
-              <a:t>These approaches ignore </a:t>
-            </a:r>
-            <a:r>
               <a:rPr lang="en-US" dirty="0"/>
-              <a:t>secular changes in mortality</a:t>
+              <a:t>These approaches ignore secular changes in mortality</a:t>
             </a:r>
           </a:p>
           <a:p>
@@ -7715,7 +8012,7 @@
           <p:cNvPr id="5" name="Title 1">
             <a:extLst>
               <a:ext uri="{FF2B5EF4-FFF2-40B4-BE49-F238E27FC236}">
-                <a16:creationId xmlns="" xmlns:a16="http://schemas.microsoft.com/office/drawing/2014/main" id="{F6D882FA-475A-4E48-A526-59B78DBD0925}"/>
+                <a16:creationId xmlns:a16="http://schemas.microsoft.com/office/drawing/2014/main" id="{F6D882FA-475A-4E48-A526-59B78DBD0925}"/>
               </a:ext>
             </a:extLst>
           </p:cNvPr>
@@ -7775,7 +8072,203 @@
   <p:timing>
     <p:tnLst>
       <p:par>
-        <p:cTn id="1" dur="indefinite" restart="never" nodeType="tmRoot"/>
+        <p:cTn id="1" dur="indefinite" restart="never" nodeType="tmRoot">
+          <p:childTnLst>
+            <p:seq concurrent="1" nextAc="seek">
+              <p:cTn id="2" dur="indefinite" nodeType="mainSeq">
+                <p:childTnLst>
+                  <p:par>
+                    <p:cTn id="3" fill="hold">
+                      <p:stCondLst>
+                        <p:cond delay="indefinite"/>
+                      </p:stCondLst>
+                      <p:childTnLst>
+                        <p:par>
+                          <p:cTn id="4" fill="hold">
+                            <p:stCondLst>
+                              <p:cond delay="0"/>
+                            </p:stCondLst>
+                            <p:childTnLst>
+                              <p:par>
+                                <p:cTn id="5" presetID="1" presetClass="entr" presetSubtype="0" fill="hold" nodeType="clickEffect">
+                                  <p:stCondLst>
+                                    <p:cond delay="0"/>
+                                  </p:stCondLst>
+                                  <p:childTnLst>
+                                    <p:set>
+                                      <p:cBhvr>
+                                        <p:cTn id="6" dur="1" fill="hold">
+                                          <p:stCondLst>
+                                            <p:cond delay="0"/>
+                                          </p:stCondLst>
+                                        </p:cTn>
+                                        <p:tgtEl>
+                                          <p:spTgt spid="3">
+                                            <p:txEl>
+                                              <p:pRg st="2" end="2"/>
+                                            </p:txEl>
+                                          </p:spTgt>
+                                        </p:tgtEl>
+                                        <p:attrNameLst>
+                                          <p:attrName>style.visibility</p:attrName>
+                                        </p:attrNameLst>
+                                      </p:cBhvr>
+                                      <p:to>
+                                        <p:strVal val="visible"/>
+                                      </p:to>
+                                    </p:set>
+                                  </p:childTnLst>
+                                </p:cTn>
+                              </p:par>
+                              <p:par>
+                                <p:cTn id="7" presetID="1" presetClass="entr" presetSubtype="0" fill="hold" nodeType="withEffect">
+                                  <p:stCondLst>
+                                    <p:cond delay="0"/>
+                                  </p:stCondLst>
+                                  <p:childTnLst>
+                                    <p:set>
+                                      <p:cBhvr>
+                                        <p:cTn id="8" dur="1" fill="hold">
+                                          <p:stCondLst>
+                                            <p:cond delay="0"/>
+                                          </p:stCondLst>
+                                        </p:cTn>
+                                        <p:tgtEl>
+                                          <p:spTgt spid="3">
+                                            <p:txEl>
+                                              <p:pRg st="3" end="3"/>
+                                            </p:txEl>
+                                          </p:spTgt>
+                                        </p:tgtEl>
+                                        <p:attrNameLst>
+                                          <p:attrName>style.visibility</p:attrName>
+                                        </p:attrNameLst>
+                                      </p:cBhvr>
+                                      <p:to>
+                                        <p:strVal val="visible"/>
+                                      </p:to>
+                                    </p:set>
+                                  </p:childTnLst>
+                                </p:cTn>
+                              </p:par>
+                              <p:par>
+                                <p:cTn id="9" presetID="1" presetClass="entr" presetSubtype="0" fill="hold" nodeType="withEffect">
+                                  <p:stCondLst>
+                                    <p:cond delay="0"/>
+                                  </p:stCondLst>
+                                  <p:childTnLst>
+                                    <p:set>
+                                      <p:cBhvr>
+                                        <p:cTn id="10" dur="1" fill="hold">
+                                          <p:stCondLst>
+                                            <p:cond delay="0"/>
+                                          </p:stCondLst>
+                                        </p:cTn>
+                                        <p:tgtEl>
+                                          <p:spTgt spid="3">
+                                            <p:txEl>
+                                              <p:pRg st="4" end="4"/>
+                                            </p:txEl>
+                                          </p:spTgt>
+                                        </p:tgtEl>
+                                        <p:attrNameLst>
+                                          <p:attrName>style.visibility</p:attrName>
+                                        </p:attrNameLst>
+                                      </p:cBhvr>
+                                      <p:to>
+                                        <p:strVal val="visible"/>
+                                      </p:to>
+                                    </p:set>
+                                  </p:childTnLst>
+                                </p:cTn>
+                              </p:par>
+                              <p:par>
+                                <p:cTn id="11" presetID="1" presetClass="entr" presetSubtype="0" fill="hold" nodeType="withEffect">
+                                  <p:stCondLst>
+                                    <p:cond delay="0"/>
+                                  </p:stCondLst>
+                                  <p:childTnLst>
+                                    <p:set>
+                                      <p:cBhvr>
+                                        <p:cTn id="12" dur="1" fill="hold">
+                                          <p:stCondLst>
+                                            <p:cond delay="0"/>
+                                          </p:stCondLst>
+                                        </p:cTn>
+                                        <p:tgtEl>
+                                          <p:spTgt spid="3">
+                                            <p:txEl>
+                                              <p:pRg st="5" end="5"/>
+                                            </p:txEl>
+                                          </p:spTgt>
+                                        </p:tgtEl>
+                                        <p:attrNameLst>
+                                          <p:attrName>style.visibility</p:attrName>
+                                        </p:attrNameLst>
+                                      </p:cBhvr>
+                                      <p:to>
+                                        <p:strVal val="visible"/>
+                                      </p:to>
+                                    </p:set>
+                                  </p:childTnLst>
+                                </p:cTn>
+                              </p:par>
+                              <p:par>
+                                <p:cTn id="13" presetID="1" presetClass="entr" presetSubtype="0" fill="hold" nodeType="withEffect">
+                                  <p:stCondLst>
+                                    <p:cond delay="0"/>
+                                  </p:stCondLst>
+                                  <p:childTnLst>
+                                    <p:set>
+                                      <p:cBhvr>
+                                        <p:cTn id="14" dur="1" fill="hold">
+                                          <p:stCondLst>
+                                            <p:cond delay="0"/>
+                                          </p:stCondLst>
+                                        </p:cTn>
+                                        <p:tgtEl>
+                                          <p:spTgt spid="3">
+                                            <p:txEl>
+                                              <p:pRg st="6" end="6"/>
+                                            </p:txEl>
+                                          </p:spTgt>
+                                        </p:tgtEl>
+                                        <p:attrNameLst>
+                                          <p:attrName>style.visibility</p:attrName>
+                                        </p:attrNameLst>
+                                      </p:cBhvr>
+                                      <p:to>
+                                        <p:strVal val="visible"/>
+                                      </p:to>
+                                    </p:set>
+                                  </p:childTnLst>
+                                </p:cTn>
+                              </p:par>
+                            </p:childTnLst>
+                          </p:cTn>
+                        </p:par>
+                      </p:childTnLst>
+                    </p:cTn>
+                  </p:par>
+                </p:childTnLst>
+              </p:cTn>
+              <p:prevCondLst>
+                <p:cond evt="onPrev" delay="0">
+                  <p:tgtEl>
+                    <p:sldTgt/>
+                  </p:tgtEl>
+                </p:cond>
+              </p:prevCondLst>
+              <p:nextCondLst>
+                <p:cond evt="onNext" delay="0">
+                  <p:tgtEl>
+                    <p:sldTgt/>
+                  </p:tgtEl>
+                </p:cond>
+              </p:nextCondLst>
+            </p:seq>
+          </p:childTnLst>
+        </p:cTn>
       </p:par>
     </p:tnLst>
   </p:timing>
@@ -7853,27 +8346,14 @@
           <a:p>
             <a:r>
               <a:rPr lang="en-US" sz="2800" dirty="0"/>
-              <a:t>Practical example: COVID-19 in </a:t>
-            </a:r>
-            <a:r>
-              <a:rPr lang="en-US" sz="2800" dirty="0" smtClean="0"/>
-              <a:t>the US</a:t>
-            </a:r>
-            <a:endParaRPr lang="en-US" sz="2800" dirty="0"/>
+              <a:t>Practical example: COVID-19 in the US</a:t>
+            </a:r>
           </a:p>
           <a:p>
             <a:pPr lvl="1"/>
             <a:r>
               <a:rPr lang="en-US" dirty="0"/>
-              <a:t>Weekly deaths from the STMF between </a:t>
-            </a:r>
-            <a:r>
-              <a:rPr lang="en-US" dirty="0" smtClean="0"/>
-              <a:t>2015 </a:t>
-            </a:r>
-            <a:r>
-              <a:rPr lang="en-US" dirty="0"/>
-              <a:t>and 2022 for all sexes and ages</a:t>
+              <a:t>Weekly deaths from the STMF between 2015 and 2022 for all sexes and ages</a:t>
             </a:r>
           </a:p>
         </p:txBody>
@@ -7883,7 +8363,7 @@
           <p:cNvPr id="5" name="Title 1">
             <a:extLst>
               <a:ext uri="{FF2B5EF4-FFF2-40B4-BE49-F238E27FC236}">
-                <a16:creationId xmlns="" xmlns:a16="http://schemas.microsoft.com/office/drawing/2014/main" id="{F6D882FA-475A-4E48-A526-59B78DBD0925}"/>
+                <a16:creationId xmlns:a16="http://schemas.microsoft.com/office/drawing/2014/main" id="{F6D882FA-475A-4E48-A526-59B78DBD0925}"/>
               </a:ext>
             </a:extLst>
           </p:cNvPr>
@@ -7940,13 +8420,6 @@
   <p:clrMapOvr>
     <a:masterClrMapping/>
   </p:clrMapOvr>
-  <p:timing>
-    <p:tnLst>
-      <p:par>
-        <p:cTn id="1" dur="indefinite" restart="never" nodeType="tmRoot"/>
-      </p:par>
-    </p:tnLst>
-  </p:timing>
 </p:sld>
 </file>
 
@@ -8242,12 +8715,8 @@
               </a:p>
               <a:p>
                 <a:r>
-                  <a:rPr lang="en-US" i="1" dirty="0" smtClean="0"/>
-                  <a:t>Week-specific </a:t>
-                </a:r>
-                <a:r>
                   <a:rPr lang="en-US" i="1" dirty="0"/>
-                  <a:t>average</a:t>
+                  <a:t>Week-specific average</a:t>
                 </a:r>
               </a:p>
               <a:p>
@@ -8261,15 +8730,7 @@
                 <a:pPr lvl="2"/>
                 <a:r>
                   <a:rPr lang="en-US" b="1" dirty="0"/>
-                  <a:t>52 </a:t>
-                </a:r>
-                <a:r>
-                  <a:rPr lang="en-US" b="1" dirty="0" smtClean="0"/>
-                  <a:t>values, </a:t>
-                </a:r>
-                <a:r>
-                  <a:rPr lang="en-US" b="1" dirty="0"/>
-                  <a:t>one for each week</a:t>
+                  <a:t>52 values, one for each week</a:t>
                 </a:r>
               </a:p>
               <a:p>
@@ -8494,7 +8955,7 @@
           <p:cNvPr id="5" name="Title 1">
             <a:extLst>
               <a:ext uri="{FF2B5EF4-FFF2-40B4-BE49-F238E27FC236}">
-                <a16:creationId xmlns="" xmlns:a16="http://schemas.microsoft.com/office/drawing/2014/main" id="{F6D882FA-475A-4E48-A526-59B78DBD0925}"/>
+                <a16:creationId xmlns:a16="http://schemas.microsoft.com/office/drawing/2014/main" id="{F6D882FA-475A-4E48-A526-59B78DBD0925}"/>
               </a:ext>
             </a:extLst>
           </p:cNvPr>
@@ -8931,7 +9392,7 @@
           <p:cNvPr id="5" name="Title 1">
             <a:extLst>
               <a:ext uri="{FF2B5EF4-FFF2-40B4-BE49-F238E27FC236}">
-                <a16:creationId xmlns="" xmlns:a16="http://schemas.microsoft.com/office/drawing/2014/main" id="{F6D882FA-475A-4E48-A526-59B78DBD0925}"/>
+                <a16:creationId xmlns:a16="http://schemas.microsoft.com/office/drawing/2014/main" id="{F6D882FA-475A-4E48-A526-59B78DBD0925}"/>
               </a:ext>
             </a:extLst>
           </p:cNvPr>
@@ -8985,7 +9446,7 @@
               <p:cNvPr id="2" name="Rectangle 1">
                 <a:extLst>
                   <a:ext uri="{FF2B5EF4-FFF2-40B4-BE49-F238E27FC236}">
-                    <a16:creationId xmlns="" xmlns:a16="http://schemas.microsoft.com/office/drawing/2014/main" id="{866E1362-94C8-4660-8C95-6BF264C89767}"/>
+                    <a16:creationId xmlns:a16="http://schemas.microsoft.com/office/drawing/2014/main" id="{866E1362-94C8-4660-8C95-6BF264C89767}"/>
                   </a:ext>
                 </a:extLst>
               </p:cNvPr>
@@ -9264,7 +9725,7 @@
           <p:cNvPr id="4" name="Left Brace 3">
             <a:extLst>
               <a:ext uri="{FF2B5EF4-FFF2-40B4-BE49-F238E27FC236}">
-                <a16:creationId xmlns="" xmlns:a16="http://schemas.microsoft.com/office/drawing/2014/main" id="{ED2782F8-6A33-4962-973A-E8414B374DBB}"/>
+                <a16:creationId xmlns:a16="http://schemas.microsoft.com/office/drawing/2014/main" id="{ED2782F8-6A33-4962-973A-E8414B374DBB}"/>
               </a:ext>
             </a:extLst>
           </p:cNvPr>
@@ -9313,7 +9774,7 @@
           <p:cNvPr id="6" name="Left Brace 5">
             <a:extLst>
               <a:ext uri="{FF2B5EF4-FFF2-40B4-BE49-F238E27FC236}">
-                <a16:creationId xmlns="" xmlns:a16="http://schemas.microsoft.com/office/drawing/2014/main" id="{51DA9B3B-BAF5-4682-A646-ED3DE67243E2}"/>
+                <a16:creationId xmlns:a16="http://schemas.microsoft.com/office/drawing/2014/main" id="{51DA9B3B-BAF5-4682-A646-ED3DE67243E2}"/>
               </a:ext>
             </a:extLst>
           </p:cNvPr>
@@ -9362,7 +9823,7 @@
           <p:cNvPr id="7" name="Left Brace 6">
             <a:extLst>
               <a:ext uri="{FF2B5EF4-FFF2-40B4-BE49-F238E27FC236}">
-                <a16:creationId xmlns="" xmlns:a16="http://schemas.microsoft.com/office/drawing/2014/main" id="{9033657C-D7B0-4A3D-A687-E7C365ABCB75}"/>
+                <a16:creationId xmlns:a16="http://schemas.microsoft.com/office/drawing/2014/main" id="{9033657C-D7B0-4A3D-A687-E7C365ABCB75}"/>
               </a:ext>
             </a:extLst>
           </p:cNvPr>
@@ -9411,7 +9872,7 @@
           <p:cNvPr id="8" name="TextBox 7">
             <a:extLst>
               <a:ext uri="{FF2B5EF4-FFF2-40B4-BE49-F238E27FC236}">
-                <a16:creationId xmlns="" xmlns:a16="http://schemas.microsoft.com/office/drawing/2014/main" id="{FBD3B432-5E63-4262-A85A-6590F85328CA}"/>
+                <a16:creationId xmlns:a16="http://schemas.microsoft.com/office/drawing/2014/main" id="{FBD3B432-5E63-4262-A85A-6590F85328CA}"/>
               </a:ext>
             </a:extLst>
           </p:cNvPr>
@@ -9447,7 +9908,7 @@
           <p:cNvPr id="9" name="TextBox 8">
             <a:extLst>
               <a:ext uri="{FF2B5EF4-FFF2-40B4-BE49-F238E27FC236}">
-                <a16:creationId xmlns="" xmlns:a16="http://schemas.microsoft.com/office/drawing/2014/main" id="{ECCCF57F-A47A-4F56-9D89-F656A1F4F355}"/>
+                <a16:creationId xmlns:a16="http://schemas.microsoft.com/office/drawing/2014/main" id="{ECCCF57F-A47A-4F56-9D89-F656A1F4F355}"/>
               </a:ext>
             </a:extLst>
           </p:cNvPr>
@@ -9483,7 +9944,7 @@
           <p:cNvPr id="10" name="TextBox 9">
             <a:extLst>
               <a:ext uri="{FF2B5EF4-FFF2-40B4-BE49-F238E27FC236}">
-                <a16:creationId xmlns="" xmlns:a16="http://schemas.microsoft.com/office/drawing/2014/main" id="{60F267E3-A975-4338-BA76-FDB191F94C9B}"/>
+                <a16:creationId xmlns:a16="http://schemas.microsoft.com/office/drawing/2014/main" id="{60F267E3-A975-4338-BA76-FDB191F94C9B}"/>
               </a:ext>
             </a:extLst>
           </p:cNvPr>
@@ -9895,4 +10356,299 @@
     </a:ext>
   </a:extLst>
 </a:theme>
+</file>
+
+<file path=ppt/theme/theme2.xml><?xml version="1.0" encoding="utf-8"?>
+<a:theme xmlns:a="http://schemas.openxmlformats.org/drawingml/2006/main" name="Office Theme">
+  <a:themeElements>
+    <a:clrScheme name="Office">
+      <a:dk1>
+        <a:sysClr val="windowText" lastClr="000000"/>
+      </a:dk1>
+      <a:lt1>
+        <a:sysClr val="window" lastClr="FFFFFF"/>
+      </a:lt1>
+      <a:dk2>
+        <a:srgbClr val="44546A"/>
+      </a:dk2>
+      <a:lt2>
+        <a:srgbClr val="E7E6E6"/>
+      </a:lt2>
+      <a:accent1>
+        <a:srgbClr val="4472C4"/>
+      </a:accent1>
+      <a:accent2>
+        <a:srgbClr val="ED7D31"/>
+      </a:accent2>
+      <a:accent3>
+        <a:srgbClr val="A5A5A5"/>
+      </a:accent3>
+      <a:accent4>
+        <a:srgbClr val="FFC000"/>
+      </a:accent4>
+      <a:accent5>
+        <a:srgbClr val="5B9BD5"/>
+      </a:accent5>
+      <a:accent6>
+        <a:srgbClr val="70AD47"/>
+      </a:accent6>
+      <a:hlink>
+        <a:srgbClr val="0563C1"/>
+      </a:hlink>
+      <a:folHlink>
+        <a:srgbClr val="954F72"/>
+      </a:folHlink>
+    </a:clrScheme>
+    <a:fontScheme name="Office">
+      <a:majorFont>
+        <a:latin typeface="Calibri Light" panose="020F0302020204030204"/>
+        <a:ea typeface=""/>
+        <a:cs typeface=""/>
+        <a:font script="Jpan" typeface="游ゴシック Light"/>
+        <a:font script="Hang" typeface="맑은 고딕"/>
+        <a:font script="Hans" typeface="等线 Light"/>
+        <a:font script="Hant" typeface="新細明體"/>
+        <a:font script="Arab" typeface="Times New Roman"/>
+        <a:font script="Hebr" typeface="Times New Roman"/>
+        <a:font script="Thai" typeface="Angsana New"/>
+        <a:font script="Ethi" typeface="Nyala"/>
+        <a:font script="Beng" typeface="Vrinda"/>
+        <a:font script="Gujr" typeface="Shruti"/>
+        <a:font script="Khmr" typeface="MoolBoran"/>
+        <a:font script="Knda" typeface="Tunga"/>
+        <a:font script="Guru" typeface="Raavi"/>
+        <a:font script="Cans" typeface="Euphemia"/>
+        <a:font script="Cher" typeface="Plantagenet Cherokee"/>
+        <a:font script="Yiii" typeface="Microsoft Yi Baiti"/>
+        <a:font script="Tibt" typeface="Microsoft Himalaya"/>
+        <a:font script="Thaa" typeface="MV Boli"/>
+        <a:font script="Deva" typeface="Mangal"/>
+        <a:font script="Telu" typeface="Gautami"/>
+        <a:font script="Taml" typeface="Latha"/>
+        <a:font script="Syrc" typeface="Estrangelo Edessa"/>
+        <a:font script="Orya" typeface="Kalinga"/>
+        <a:font script="Mlym" typeface="Kartika"/>
+        <a:font script="Laoo" typeface="DokChampa"/>
+        <a:font script="Sinh" typeface="Iskoola Pota"/>
+        <a:font script="Mong" typeface="Mongolian Baiti"/>
+        <a:font script="Viet" typeface="Times New Roman"/>
+        <a:font script="Uigh" typeface="Microsoft Uighur"/>
+        <a:font script="Geor" typeface="Sylfaen"/>
+        <a:font script="Armn" typeface="Arial"/>
+        <a:font script="Bugi" typeface="Leelawadee UI"/>
+        <a:font script="Bopo" typeface="Microsoft JhengHei"/>
+        <a:font script="Java" typeface="Javanese Text"/>
+        <a:font script="Lisu" typeface="Segoe UI"/>
+        <a:font script="Mymr" typeface="Myanmar Text"/>
+        <a:font script="Nkoo" typeface="Ebrima"/>
+        <a:font script="Olck" typeface="Nirmala UI"/>
+        <a:font script="Osma" typeface="Ebrima"/>
+        <a:font script="Phag" typeface="Phagspa"/>
+        <a:font script="Syrn" typeface="Estrangelo Edessa"/>
+        <a:font script="Syrj" typeface="Estrangelo Edessa"/>
+        <a:font script="Syre" typeface="Estrangelo Edessa"/>
+        <a:font script="Sora" typeface="Nirmala UI"/>
+        <a:font script="Tale" typeface="Microsoft Tai Le"/>
+        <a:font script="Talu" typeface="Microsoft New Tai Lue"/>
+        <a:font script="Tfng" typeface="Ebrima"/>
+      </a:majorFont>
+      <a:minorFont>
+        <a:latin typeface="Calibri" panose="020F0502020204030204"/>
+        <a:ea typeface=""/>
+        <a:cs typeface=""/>
+        <a:font script="Jpan" typeface="游ゴシック"/>
+        <a:font script="Hang" typeface="맑은 고딕"/>
+        <a:font script="Hans" typeface="等线"/>
+        <a:font script="Hant" typeface="新細明體"/>
+        <a:font script="Arab" typeface="Arial"/>
+        <a:font script="Hebr" typeface="Arial"/>
+        <a:font script="Thai" typeface="Cordia New"/>
+        <a:font script="Ethi" typeface="Nyala"/>
+        <a:font script="Beng" typeface="Vrinda"/>
+        <a:font script="Gujr" typeface="Shruti"/>
+        <a:font script="Khmr" typeface="DaunPenh"/>
+        <a:font script="Knda" typeface="Tunga"/>
+        <a:font script="Guru" typeface="Raavi"/>
+        <a:font script="Cans" typeface="Euphemia"/>
+        <a:font script="Cher" typeface="Plantagenet Cherokee"/>
+        <a:font script="Yiii" typeface="Microsoft Yi Baiti"/>
+        <a:font script="Tibt" typeface="Microsoft Himalaya"/>
+        <a:font script="Thaa" typeface="MV Boli"/>
+        <a:font script="Deva" typeface="Mangal"/>
+        <a:font script="Telu" typeface="Gautami"/>
+        <a:font script="Taml" typeface="Latha"/>
+        <a:font script="Syrc" typeface="Estrangelo Edessa"/>
+        <a:font script="Orya" typeface="Kalinga"/>
+        <a:font script="Mlym" typeface="Kartika"/>
+        <a:font script="Laoo" typeface="DokChampa"/>
+        <a:font script="Sinh" typeface="Iskoola Pota"/>
+        <a:font script="Mong" typeface="Mongolian Baiti"/>
+        <a:font script="Viet" typeface="Arial"/>
+        <a:font script="Uigh" typeface="Microsoft Uighur"/>
+        <a:font script="Geor" typeface="Sylfaen"/>
+        <a:font script="Armn" typeface="Arial"/>
+        <a:font script="Bugi" typeface="Leelawadee UI"/>
+        <a:font script="Bopo" typeface="Microsoft JhengHei"/>
+        <a:font script="Java" typeface="Javanese Text"/>
+        <a:font script="Lisu" typeface="Segoe UI"/>
+        <a:font script="Mymr" typeface="Myanmar Text"/>
+        <a:font script="Nkoo" typeface="Ebrima"/>
+        <a:font script="Olck" typeface="Nirmala UI"/>
+        <a:font script="Osma" typeface="Ebrima"/>
+        <a:font script="Phag" typeface="Phagspa"/>
+        <a:font script="Syrn" typeface="Estrangelo Edessa"/>
+        <a:font script="Syrj" typeface="Estrangelo Edessa"/>
+        <a:font script="Syre" typeface="Estrangelo Edessa"/>
+        <a:font script="Sora" typeface="Nirmala UI"/>
+        <a:font script="Tale" typeface="Microsoft Tai Le"/>
+        <a:font script="Talu" typeface="Microsoft New Tai Lue"/>
+        <a:font script="Tfng" typeface="Ebrima"/>
+      </a:minorFont>
+    </a:fontScheme>
+    <a:fmtScheme name="Office">
+      <a:fillStyleLst>
+        <a:solidFill>
+          <a:schemeClr val="phClr"/>
+        </a:solidFill>
+        <a:gradFill rotWithShape="1">
+          <a:gsLst>
+            <a:gs pos="0">
+              <a:schemeClr val="phClr">
+                <a:lumMod val="110000"/>
+                <a:satMod val="105000"/>
+                <a:tint val="67000"/>
+              </a:schemeClr>
+            </a:gs>
+            <a:gs pos="50000">
+              <a:schemeClr val="phClr">
+                <a:lumMod val="105000"/>
+                <a:satMod val="103000"/>
+                <a:tint val="73000"/>
+              </a:schemeClr>
+            </a:gs>
+            <a:gs pos="100000">
+              <a:schemeClr val="phClr">
+                <a:lumMod val="105000"/>
+                <a:satMod val="109000"/>
+                <a:tint val="81000"/>
+              </a:schemeClr>
+            </a:gs>
+          </a:gsLst>
+          <a:lin ang="5400000" scaled="0"/>
+        </a:gradFill>
+        <a:gradFill rotWithShape="1">
+          <a:gsLst>
+            <a:gs pos="0">
+              <a:schemeClr val="phClr">
+                <a:satMod val="103000"/>
+                <a:lumMod val="102000"/>
+                <a:tint val="94000"/>
+              </a:schemeClr>
+            </a:gs>
+            <a:gs pos="50000">
+              <a:schemeClr val="phClr">
+                <a:satMod val="110000"/>
+                <a:lumMod val="100000"/>
+                <a:shade val="100000"/>
+              </a:schemeClr>
+            </a:gs>
+            <a:gs pos="100000">
+              <a:schemeClr val="phClr">
+                <a:lumMod val="99000"/>
+                <a:satMod val="120000"/>
+                <a:shade val="78000"/>
+              </a:schemeClr>
+            </a:gs>
+          </a:gsLst>
+          <a:lin ang="5400000" scaled="0"/>
+        </a:gradFill>
+      </a:fillStyleLst>
+      <a:lnStyleLst>
+        <a:ln w="6350" cap="flat" cmpd="sng" algn="ctr">
+          <a:solidFill>
+            <a:schemeClr val="phClr"/>
+          </a:solidFill>
+          <a:prstDash val="solid"/>
+          <a:miter lim="800000"/>
+        </a:ln>
+        <a:ln w="12700" cap="flat" cmpd="sng" algn="ctr">
+          <a:solidFill>
+            <a:schemeClr val="phClr"/>
+          </a:solidFill>
+          <a:prstDash val="solid"/>
+          <a:miter lim="800000"/>
+        </a:ln>
+        <a:ln w="19050" cap="flat" cmpd="sng" algn="ctr">
+          <a:solidFill>
+            <a:schemeClr val="phClr"/>
+          </a:solidFill>
+          <a:prstDash val="solid"/>
+          <a:miter lim="800000"/>
+        </a:ln>
+      </a:lnStyleLst>
+      <a:effectStyleLst>
+        <a:effectStyle>
+          <a:effectLst/>
+        </a:effectStyle>
+        <a:effectStyle>
+          <a:effectLst/>
+        </a:effectStyle>
+        <a:effectStyle>
+          <a:effectLst>
+            <a:outerShdw blurRad="57150" dist="19050" dir="5400000" algn="ctr" rotWithShape="0">
+              <a:srgbClr val="000000">
+                <a:alpha val="63000"/>
+              </a:srgbClr>
+            </a:outerShdw>
+          </a:effectLst>
+        </a:effectStyle>
+      </a:effectStyleLst>
+      <a:bgFillStyleLst>
+        <a:solidFill>
+          <a:schemeClr val="phClr"/>
+        </a:solidFill>
+        <a:solidFill>
+          <a:schemeClr val="phClr">
+            <a:tint val="95000"/>
+            <a:satMod val="170000"/>
+          </a:schemeClr>
+        </a:solidFill>
+        <a:gradFill rotWithShape="1">
+          <a:gsLst>
+            <a:gs pos="0">
+              <a:schemeClr val="phClr">
+                <a:tint val="93000"/>
+                <a:satMod val="150000"/>
+                <a:shade val="98000"/>
+                <a:lumMod val="102000"/>
+              </a:schemeClr>
+            </a:gs>
+            <a:gs pos="50000">
+              <a:schemeClr val="phClr">
+                <a:tint val="98000"/>
+                <a:satMod val="130000"/>
+                <a:shade val="90000"/>
+                <a:lumMod val="103000"/>
+              </a:schemeClr>
+            </a:gs>
+            <a:gs pos="100000">
+              <a:schemeClr val="phClr">
+                <a:shade val="63000"/>
+                <a:satMod val="120000"/>
+              </a:schemeClr>
+            </a:gs>
+          </a:gsLst>
+          <a:lin ang="5400000" scaled="0"/>
+        </a:gradFill>
+      </a:bgFillStyleLst>
+    </a:fmtScheme>
+  </a:themeElements>
+  <a:objectDefaults/>
+  <a:extraClrSchemeLst/>
+  <a:extLst>
+    <a:ext uri="{05A4C25C-085E-4340-85A3-A5531E510DB2}">
+      <thm15:themeFamily xmlns:thm15="http://schemas.microsoft.com/office/thememl/2012/main" name="Office Theme" id="{62F939B6-93AF-4DB8-9C6B-D6C7DFDC589F}" vid="{4A3C46E8-61CC-4603-A589-7422A47A8E4A}"/>
+    </a:ext>
+  </a:extLst>
+</a:theme>
 </file>